--- a/CS6824FinalPresentation.pptx
+++ b/CS6824FinalPresentation.pptx
@@ -5,7 +5,7 @@
     <p:sldMasterId id="2147483648" r:id="rId1"/>
   </p:sldMasterIdLst>
   <p:notesMasterIdLst>
-    <p:notesMasterId r:id="rId7"/>
+    <p:notesMasterId r:id="rId15"/>
   </p:notesMasterIdLst>
   <p:sldIdLst>
     <p:sldId id="261" r:id="rId2"/>
@@ -13,6 +13,14 @@
     <p:sldId id="257" r:id="rId4"/>
     <p:sldId id="258" r:id="rId5"/>
     <p:sldId id="259" r:id="rId6"/>
+    <p:sldId id="262" r:id="rId7"/>
+    <p:sldId id="264" r:id="rId8"/>
+    <p:sldId id="263" r:id="rId9"/>
+    <p:sldId id="265" r:id="rId10"/>
+    <p:sldId id="266" r:id="rId11"/>
+    <p:sldId id="267" r:id="rId12"/>
+    <p:sldId id="268" r:id="rId13"/>
+    <p:sldId id="269" r:id="rId14"/>
   </p:sldIdLst>
   <p:sldSz cx="12192000" cy="6858000"/>
   <p:notesSz cx="6858000" cy="9144000"/>
@@ -3663,6 +3671,234 @@
 </p:sld>
 </file>
 
+<file path=ppt/slides/slide10.xml><?xml version="1.0" encoding="utf-8"?>
+<p:sld xmlns:a="http://schemas.openxmlformats.org/drawingml/2006/main" xmlns:r="http://schemas.openxmlformats.org/officeDocument/2006/relationships" xmlns:p="http://schemas.openxmlformats.org/presentationml/2006/main">
+  <p:cSld>
+    <p:spTree>
+      <p:nvGrpSpPr>
+        <p:cNvPr id="1" name=""/>
+        <p:cNvGrpSpPr/>
+        <p:nvPr/>
+      </p:nvGrpSpPr>
+      <p:grpSpPr>
+        <a:xfrm>
+          <a:off x="0" y="0"/>
+          <a:ext cx="0" cy="0"/>
+          <a:chOff x="0" y="0"/>
+          <a:chExt cx="0" cy="0"/>
+        </a:xfrm>
+      </p:grpSpPr>
+      <p:pic>
+        <p:nvPicPr>
+          <p:cNvPr id="4" name="Content Placeholder 3"/>
+          <p:cNvPicPr>
+            <a:picLocks noGrp="1" noChangeAspect="1"/>
+          </p:cNvPicPr>
+          <p:nvPr>
+            <p:ph idx="1"/>
+          </p:nvPr>
+        </p:nvPicPr>
+        <p:blipFill>
+          <a:blip r:embed="rId2"/>
+          <a:stretch>
+            <a:fillRect/>
+          </a:stretch>
+        </p:blipFill>
+        <p:spPr>
+          <a:xfrm>
+            <a:off x="1802674" y="643083"/>
+            <a:ext cx="8229600" cy="5292059"/>
+          </a:xfrm>
+          <a:prstGeom prst="rect">
+            <a:avLst/>
+          </a:prstGeom>
+        </p:spPr>
+      </p:pic>
+    </p:spTree>
+    <p:extLst>
+      <p:ext uri="{BB962C8B-B14F-4D97-AF65-F5344CB8AC3E}">
+        <p14:creationId xmlns:p14="http://schemas.microsoft.com/office/powerpoint/2010/main" val="250752018"/>
+      </p:ext>
+    </p:extLst>
+  </p:cSld>
+  <p:clrMapOvr>
+    <a:masterClrMapping/>
+  </p:clrMapOvr>
+</p:sld>
+</file>
+
+<file path=ppt/slides/slide11.xml><?xml version="1.0" encoding="utf-8"?>
+<p:sld xmlns:a="http://schemas.openxmlformats.org/drawingml/2006/main" xmlns:r="http://schemas.openxmlformats.org/officeDocument/2006/relationships" xmlns:p="http://schemas.openxmlformats.org/presentationml/2006/main">
+  <p:cSld>
+    <p:spTree>
+      <p:nvGrpSpPr>
+        <p:cNvPr id="1" name=""/>
+        <p:cNvGrpSpPr/>
+        <p:nvPr/>
+      </p:nvGrpSpPr>
+      <p:grpSpPr>
+        <a:xfrm>
+          <a:off x="0" y="0"/>
+          <a:ext cx="0" cy="0"/>
+          <a:chOff x="0" y="0"/>
+          <a:chExt cx="0" cy="0"/>
+        </a:xfrm>
+      </p:grpSpPr>
+      <p:pic>
+        <p:nvPicPr>
+          <p:cNvPr id="4" name="Picture 3"/>
+          <p:cNvPicPr>
+            <a:picLocks noChangeAspect="1"/>
+          </p:cNvPicPr>
+          <p:nvPr/>
+        </p:nvPicPr>
+        <p:blipFill>
+          <a:blip r:embed="rId2"/>
+          <a:stretch>
+            <a:fillRect/>
+          </a:stretch>
+        </p:blipFill>
+        <p:spPr>
+          <a:xfrm>
+            <a:off x="3775166" y="0"/>
+            <a:ext cx="3989342" cy="6768126"/>
+          </a:xfrm>
+          <a:prstGeom prst="rect">
+            <a:avLst/>
+          </a:prstGeom>
+        </p:spPr>
+      </p:pic>
+    </p:spTree>
+    <p:extLst>
+      <p:ext uri="{BB962C8B-B14F-4D97-AF65-F5344CB8AC3E}">
+        <p14:creationId xmlns:p14="http://schemas.microsoft.com/office/powerpoint/2010/main" val="3670574173"/>
+      </p:ext>
+    </p:extLst>
+  </p:cSld>
+  <p:clrMapOvr>
+    <a:masterClrMapping/>
+  </p:clrMapOvr>
+</p:sld>
+</file>
+
+<file path=ppt/slides/slide12.xml><?xml version="1.0" encoding="utf-8"?>
+<p:sld xmlns:a="http://schemas.openxmlformats.org/drawingml/2006/main" xmlns:r="http://schemas.openxmlformats.org/officeDocument/2006/relationships" xmlns:p="http://schemas.openxmlformats.org/presentationml/2006/main">
+  <p:cSld>
+    <p:spTree>
+      <p:nvGrpSpPr>
+        <p:cNvPr id="1" name=""/>
+        <p:cNvGrpSpPr/>
+        <p:nvPr/>
+      </p:nvGrpSpPr>
+      <p:grpSpPr>
+        <a:xfrm>
+          <a:off x="0" y="0"/>
+          <a:ext cx="0" cy="0"/>
+          <a:chOff x="0" y="0"/>
+          <a:chExt cx="0" cy="0"/>
+        </a:xfrm>
+      </p:grpSpPr>
+      <p:pic>
+        <p:nvPicPr>
+          <p:cNvPr id="4" name="Content Placeholder 3"/>
+          <p:cNvPicPr>
+            <a:picLocks noGrp="1" noChangeAspect="1"/>
+          </p:cNvPicPr>
+          <p:nvPr>
+            <p:ph idx="1"/>
+          </p:nvPr>
+        </p:nvPicPr>
+        <p:blipFill>
+          <a:blip r:embed="rId2"/>
+          <a:stretch>
+            <a:fillRect/>
+          </a:stretch>
+        </p:blipFill>
+        <p:spPr>
+          <a:xfrm>
+            <a:off x="1264553" y="796835"/>
+            <a:ext cx="10223979" cy="4123350"/>
+          </a:xfrm>
+          <a:prstGeom prst="rect">
+            <a:avLst/>
+          </a:prstGeom>
+        </p:spPr>
+      </p:pic>
+    </p:spTree>
+    <p:extLst>
+      <p:ext uri="{BB962C8B-B14F-4D97-AF65-F5344CB8AC3E}">
+        <p14:creationId xmlns:p14="http://schemas.microsoft.com/office/powerpoint/2010/main" val="2210447652"/>
+      </p:ext>
+    </p:extLst>
+  </p:cSld>
+  <p:clrMapOvr>
+    <a:masterClrMapping/>
+  </p:clrMapOvr>
+</p:sld>
+</file>
+
+<file path=ppt/slides/slide13.xml><?xml version="1.0" encoding="utf-8"?>
+<p:sld xmlns:a="http://schemas.openxmlformats.org/drawingml/2006/main" xmlns:r="http://schemas.openxmlformats.org/officeDocument/2006/relationships" xmlns:p="http://schemas.openxmlformats.org/presentationml/2006/main">
+  <p:cSld>
+    <p:spTree>
+      <p:nvGrpSpPr>
+        <p:cNvPr id="1" name=""/>
+        <p:cNvGrpSpPr/>
+        <p:nvPr/>
+      </p:nvGrpSpPr>
+      <p:grpSpPr>
+        <a:xfrm>
+          <a:off x="0" y="0"/>
+          <a:ext cx="0" cy="0"/>
+          <a:chOff x="0" y="0"/>
+          <a:chExt cx="0" cy="0"/>
+        </a:xfrm>
+      </p:grpSpPr>
+      <p:sp>
+        <p:nvSpPr>
+          <p:cNvPr id="2" name="Title 1"/>
+          <p:cNvSpPr>
+            <a:spLocks noGrp="1"/>
+          </p:cNvSpPr>
+          <p:nvPr>
+            <p:ph type="title"/>
+          </p:nvPr>
+        </p:nvSpPr>
+        <p:spPr>
+          <a:xfrm>
+            <a:off x="0" y="0"/>
+            <a:ext cx="10515600" cy="1325563"/>
+          </a:xfrm>
+        </p:spPr>
+        <p:txBody>
+          <a:bodyPr/>
+          <a:lstStyle/>
+          <a:p>
+            <a:r>
+              <a:rPr lang="en-US" dirty="0" smtClean="0">
+                <a:latin typeface="Comic Sans MS" panose="030F0702030302020204" pitchFamily="66" charset="0"/>
+              </a:rPr>
+              <a:t>Simulation Result</a:t>
+            </a:r>
+            <a:endParaRPr lang="en-US" dirty="0">
+              <a:latin typeface="Comic Sans MS" panose="030F0702030302020204" pitchFamily="66" charset="0"/>
+            </a:endParaRPr>
+          </a:p>
+        </p:txBody>
+      </p:sp>
+    </p:spTree>
+    <p:extLst>
+      <p:ext uri="{BB962C8B-B14F-4D97-AF65-F5344CB8AC3E}">
+        <p14:creationId xmlns:p14="http://schemas.microsoft.com/office/powerpoint/2010/main" val="2624810815"/>
+      </p:ext>
+    </p:extLst>
+  </p:cSld>
+  <p:clrMapOvr>
+    <a:masterClrMapping/>
+  </p:clrMapOvr>
+</p:sld>
+</file>
+
 <file path=ppt/slides/slide2.xml><?xml version="1.0" encoding="utf-8"?>
 <p:sld xmlns:a="http://schemas.openxmlformats.org/drawingml/2006/main" xmlns:r="http://schemas.openxmlformats.org/officeDocument/2006/relationships" xmlns:p="http://schemas.openxmlformats.org/presentationml/2006/main">
   <p:cSld>
@@ -5072,14 +5308,7 @@
                 <a:latin typeface="Comic Sans MS" panose="030F0702030302020204" pitchFamily="66" charset="0"/>
                 <a:ea typeface="Cambria Math" panose="02040503050406030204" pitchFamily="18" charset="0"/>
               </a:rPr>
-              <a:t>Complex </a:t>
-            </a:r>
-            <a:r>
-              <a:rPr lang="en-US" sz="2800" dirty="0" smtClean="0">
-                <a:latin typeface="Comic Sans MS" panose="030F0702030302020204" pitchFamily="66" charset="0"/>
-                <a:ea typeface="Cambria Math" panose="02040503050406030204" pitchFamily="18" charset="0"/>
-              </a:rPr>
-              <a:t>1 </a:t>
+              <a:t>Complex 1 </a:t>
             </a:r>
             <a:r>
               <a:rPr lang="en-US" altLang="zh-CN" sz="2800" dirty="0" smtClean="0">
@@ -5538,14 +5767,7 @@
                 <a:latin typeface="Comic Sans MS" panose="030F0702030302020204" pitchFamily="66" charset="0"/>
                 <a:ea typeface="Cambria Math" panose="02040503050406030204" pitchFamily="18" charset="0"/>
               </a:rPr>
-              <a:t>K</a:t>
-            </a:r>
-            <a:r>
-              <a:rPr lang="en-US" dirty="0" smtClean="0">
-                <a:latin typeface="Comic Sans MS" panose="030F0702030302020204" pitchFamily="66" charset="0"/>
-                <a:ea typeface="Cambria Math" panose="02040503050406030204" pitchFamily="18" charset="0"/>
-              </a:rPr>
-              <a:t>3-</a:t>
+              <a:t>K3-</a:t>
             </a:r>
             <a:endParaRPr lang="en-US" dirty="0">
               <a:latin typeface="Comic Sans MS" panose="030F0702030302020204" pitchFamily="66" charset="0"/>
@@ -5881,14 +6103,7 @@
                 <a:latin typeface="Comic Sans MS" panose="030F0702030302020204" pitchFamily="66" charset="0"/>
                 <a:ea typeface="Cambria Math" panose="02040503050406030204" pitchFamily="18" charset="0"/>
               </a:rPr>
-              <a:t>5</a:t>
-            </a:r>
-            <a:r>
-              <a:rPr lang="en-US" dirty="0" smtClean="0">
-                <a:latin typeface="Comic Sans MS" panose="030F0702030302020204" pitchFamily="66" charset="0"/>
-                <a:ea typeface="Cambria Math" panose="02040503050406030204" pitchFamily="18" charset="0"/>
-              </a:rPr>
-              <a:t>-</a:t>
+              <a:t>5-</a:t>
             </a:r>
             <a:endParaRPr lang="en-US" dirty="0">
               <a:latin typeface="Comic Sans MS" panose="030F0702030302020204" pitchFamily="66" charset="0"/>
@@ -6455,14 +6670,7 @@
                 <a:latin typeface="Comic Sans MS" panose="030F0702030302020204" pitchFamily="66" charset="0"/>
                 <a:ea typeface="Cambria Math" panose="02040503050406030204" pitchFamily="18" charset="0"/>
               </a:rPr>
-              <a:t>k4</a:t>
-            </a:r>
-            <a:r>
-              <a:rPr lang="en-US" dirty="0" smtClean="0">
-                <a:latin typeface="Comic Sans MS" panose="030F0702030302020204" pitchFamily="66" charset="0"/>
-                <a:ea typeface="Cambria Math" panose="02040503050406030204" pitchFamily="18" charset="0"/>
-              </a:rPr>
-              <a:t>+</a:t>
+              <a:t>k4+</a:t>
             </a:r>
             <a:endParaRPr lang="en-US" dirty="0">
               <a:latin typeface="Comic Sans MS" panose="030F0702030302020204" pitchFamily="66" charset="0"/>
@@ -6560,54 +6768,53 @@
         </p:nvSpPr>
         <p:spPr>
           <a:xfrm>
-            <a:off x="0" y="0"/>
+            <a:off x="287383" y="862149"/>
             <a:ext cx="10515600" cy="1325563"/>
           </a:xfrm>
         </p:spPr>
         <p:txBody>
-          <a:bodyPr/>
+          <a:bodyPr>
+            <a:normAutofit fontScale="90000"/>
+          </a:bodyPr>
           <a:lstStyle/>
           <a:p>
             <a:r>
               <a:rPr lang="en-US" dirty="0" smtClean="0">
                 <a:latin typeface="Comic Sans MS" panose="030F0702030302020204" pitchFamily="66" charset="0"/>
               </a:rPr>
-              <a:t>Localization of </a:t>
-            </a:r>
-            <a:r>
-              <a:rPr lang="en-US" smtClean="0">
-                <a:latin typeface="Comic Sans MS" panose="030F0702030302020204" pitchFamily="66" charset="0"/>
-              </a:rPr>
-              <a:t>proteases affects </a:t>
-            </a:r>
-            <a:r>
+              <a:t>Our hypothesis</a:t>
+            </a:r>
+            <a:br>
               <a:rPr lang="en-US" dirty="0" smtClean="0">
                 <a:latin typeface="Comic Sans MS" panose="030F0702030302020204" pitchFamily="66" charset="0"/>
               </a:rPr>
-              <a:t>the spatial temporal profile of proteins</a:t>
+            </a:br>
+            <a:r>
+              <a:rPr lang="en-US" dirty="0" smtClean="0">
+                <a:latin typeface="Comic Sans MS" panose="030F0702030302020204" pitchFamily="66" charset="0"/>
+              </a:rPr>
+              <a:t/>
+            </a:r>
+            <a:br>
+              <a:rPr lang="en-US" dirty="0" smtClean="0">
+                <a:latin typeface="Comic Sans MS" panose="030F0702030302020204" pitchFamily="66" charset="0"/>
+              </a:rPr>
+            </a:br>
+            <a:r>
+              <a:rPr lang="en-US" dirty="0" smtClean="0">
+                <a:latin typeface="Comic Sans MS" panose="030F0702030302020204" pitchFamily="66" charset="0"/>
+              </a:rPr>
+              <a:t>Localization </a:t>
+            </a:r>
+            <a:r>
+              <a:rPr lang="en-US" dirty="0" smtClean="0">
+                <a:latin typeface="Comic Sans MS" panose="030F0702030302020204" pitchFamily="66" charset="0"/>
+              </a:rPr>
+              <a:t>of proteases affects the spatial temporal profile of proteins</a:t>
             </a:r>
             <a:endParaRPr lang="en-US" dirty="0">
               <a:latin typeface="Comic Sans MS" panose="030F0702030302020204" pitchFamily="66" charset="0"/>
             </a:endParaRPr>
-          </a:p>
-        </p:txBody>
-      </p:sp>
-      <p:sp>
-        <p:nvSpPr>
-          <p:cNvPr id="3" name="Content Placeholder 2"/>
-          <p:cNvSpPr>
-            <a:spLocks noGrp="1"/>
-          </p:cNvSpPr>
-          <p:nvPr>
-            <p:ph idx="1"/>
-          </p:nvPr>
-        </p:nvSpPr>
-        <p:spPr/>
-        <p:txBody>
-          <a:bodyPr/>
-          <a:lstStyle/>
-          <a:p>
-            <a:endParaRPr lang="en-US" dirty="0"/>
           </a:p>
         </p:txBody>
       </p:sp>
@@ -6615,6 +6822,350 @@
     <p:extLst>
       <p:ext uri="{BB962C8B-B14F-4D97-AF65-F5344CB8AC3E}">
         <p14:creationId xmlns:p14="http://schemas.microsoft.com/office/powerpoint/2010/main" val="4212330151"/>
+      </p:ext>
+    </p:extLst>
+  </p:cSld>
+  <p:clrMapOvr>
+    <a:masterClrMapping/>
+  </p:clrMapOvr>
+</p:sld>
+</file>
+
+<file path=ppt/slides/slide6.xml><?xml version="1.0" encoding="utf-8"?>
+<p:sld xmlns:a="http://schemas.openxmlformats.org/drawingml/2006/main" xmlns:r="http://schemas.openxmlformats.org/officeDocument/2006/relationships" xmlns:p="http://schemas.openxmlformats.org/presentationml/2006/main">
+  <p:cSld>
+    <p:spTree>
+      <p:nvGrpSpPr>
+        <p:cNvPr id="1" name=""/>
+        <p:cNvGrpSpPr/>
+        <p:nvPr/>
+      </p:nvGrpSpPr>
+      <p:grpSpPr>
+        <a:xfrm>
+          <a:off x="0" y="0"/>
+          <a:ext cx="0" cy="0"/>
+          <a:chOff x="0" y="0"/>
+          <a:chExt cx="0" cy="0"/>
+        </a:xfrm>
+      </p:grpSpPr>
+      <p:sp>
+        <p:nvSpPr>
+          <p:cNvPr id="2" name="Title 1"/>
+          <p:cNvSpPr>
+            <a:spLocks noGrp="1"/>
+          </p:cNvSpPr>
+          <p:nvPr>
+            <p:ph type="title"/>
+          </p:nvPr>
+        </p:nvSpPr>
+        <p:spPr>
+          <a:xfrm>
+            <a:off x="-1" y="0"/>
+            <a:ext cx="11652069" cy="1325563"/>
+          </a:xfrm>
+        </p:spPr>
+        <p:txBody>
+          <a:bodyPr/>
+          <a:lstStyle/>
+          <a:p>
+            <a:r>
+              <a:rPr lang="en-US" smtClean="0">
+                <a:latin typeface="Comic Sans MS" panose="030F0702030302020204" pitchFamily="66" charset="0"/>
+              </a:rPr>
+              <a:t>Temporal dynamics </a:t>
+            </a:r>
+            <a:r>
+              <a:rPr lang="en-US" dirty="0" smtClean="0">
+                <a:latin typeface="Comic Sans MS" panose="030F0702030302020204" pitchFamily="66" charset="0"/>
+              </a:rPr>
+              <a:t>of species in our model from experiments</a:t>
+            </a:r>
+            <a:endParaRPr lang="en-US" dirty="0">
+              <a:latin typeface="Comic Sans MS" panose="030F0702030302020204" pitchFamily="66" charset="0"/>
+            </a:endParaRPr>
+          </a:p>
+        </p:txBody>
+      </p:sp>
+      <p:pic>
+        <p:nvPicPr>
+          <p:cNvPr id="4" name="Picture 3"/>
+          <p:cNvPicPr>
+            <a:picLocks noChangeAspect="1"/>
+          </p:cNvPicPr>
+          <p:nvPr/>
+        </p:nvPicPr>
+        <p:blipFill>
+          <a:blip r:embed="rId2"/>
+          <a:stretch>
+            <a:fillRect/>
+          </a:stretch>
+        </p:blipFill>
+        <p:spPr>
+          <a:xfrm>
+            <a:off x="1635641" y="3933870"/>
+            <a:ext cx="8187628" cy="993457"/>
+          </a:xfrm>
+          <a:prstGeom prst="rect">
+            <a:avLst/>
+          </a:prstGeom>
+        </p:spPr>
+      </p:pic>
+      <p:pic>
+        <p:nvPicPr>
+          <p:cNvPr id="5" name="Picture 4"/>
+          <p:cNvPicPr>
+            <a:picLocks noChangeAspect="1"/>
+          </p:cNvPicPr>
+          <p:nvPr/>
+        </p:nvPicPr>
+        <p:blipFill>
+          <a:blip r:embed="rId3"/>
+          <a:stretch>
+            <a:fillRect/>
+          </a:stretch>
+        </p:blipFill>
+        <p:spPr>
+          <a:xfrm>
+            <a:off x="979714" y="2063931"/>
+            <a:ext cx="9094540" cy="1576387"/>
+          </a:xfrm>
+          <a:prstGeom prst="rect">
+            <a:avLst/>
+          </a:prstGeom>
+        </p:spPr>
+      </p:pic>
+    </p:spTree>
+    <p:extLst>
+      <p:ext uri="{BB962C8B-B14F-4D97-AF65-F5344CB8AC3E}">
+        <p14:creationId xmlns:p14="http://schemas.microsoft.com/office/powerpoint/2010/main" val="4229760943"/>
+      </p:ext>
+    </p:extLst>
+  </p:cSld>
+  <p:clrMapOvr>
+    <a:masterClrMapping/>
+  </p:clrMapOvr>
+</p:sld>
+</file>
+
+<file path=ppt/slides/slide7.xml><?xml version="1.0" encoding="utf-8"?>
+<p:sld xmlns:a="http://schemas.openxmlformats.org/drawingml/2006/main" xmlns:r="http://schemas.openxmlformats.org/officeDocument/2006/relationships" xmlns:p="http://schemas.openxmlformats.org/presentationml/2006/main">
+  <p:cSld>
+    <p:spTree>
+      <p:nvGrpSpPr>
+        <p:cNvPr id="1" name=""/>
+        <p:cNvGrpSpPr/>
+        <p:nvPr/>
+      </p:nvGrpSpPr>
+      <p:grpSpPr>
+        <a:xfrm>
+          <a:off x="0" y="0"/>
+          <a:ext cx="0" cy="0"/>
+          <a:chOff x="0" y="0"/>
+          <a:chExt cx="0" cy="0"/>
+        </a:xfrm>
+      </p:grpSpPr>
+      <p:pic>
+        <p:nvPicPr>
+          <p:cNvPr id="4" name="Picture 3"/>
+          <p:cNvPicPr>
+            <a:picLocks noChangeAspect="1"/>
+          </p:cNvPicPr>
+          <p:nvPr/>
+        </p:nvPicPr>
+        <p:blipFill>
+          <a:blip r:embed="rId2"/>
+          <a:stretch>
+            <a:fillRect/>
+          </a:stretch>
+        </p:blipFill>
+        <p:spPr>
+          <a:xfrm>
+            <a:off x="2921998" y="601709"/>
+            <a:ext cx="5856242" cy="2636927"/>
+          </a:xfrm>
+          <a:prstGeom prst="rect">
+            <a:avLst/>
+          </a:prstGeom>
+        </p:spPr>
+      </p:pic>
+      <p:pic>
+        <p:nvPicPr>
+          <p:cNvPr id="5" name="Picture 4"/>
+          <p:cNvPicPr>
+            <a:picLocks noChangeAspect="1"/>
+          </p:cNvPicPr>
+          <p:nvPr/>
+        </p:nvPicPr>
+        <p:blipFill>
+          <a:blip r:embed="rId3"/>
+          <a:stretch>
+            <a:fillRect/>
+          </a:stretch>
+        </p:blipFill>
+        <p:spPr>
+          <a:xfrm>
+            <a:off x="2220686" y="3370782"/>
+            <a:ext cx="6435042" cy="691767"/>
+          </a:xfrm>
+          <a:prstGeom prst="rect">
+            <a:avLst/>
+          </a:prstGeom>
+        </p:spPr>
+      </p:pic>
+    </p:spTree>
+    <p:extLst>
+      <p:ext uri="{BB962C8B-B14F-4D97-AF65-F5344CB8AC3E}">
+        <p14:creationId xmlns:p14="http://schemas.microsoft.com/office/powerpoint/2010/main" val="92550712"/>
+      </p:ext>
+    </p:extLst>
+  </p:cSld>
+  <p:clrMapOvr>
+    <a:masterClrMapping/>
+  </p:clrMapOvr>
+</p:sld>
+</file>
+
+<file path=ppt/slides/slide8.xml><?xml version="1.0" encoding="utf-8"?>
+<p:sld xmlns:a="http://schemas.openxmlformats.org/drawingml/2006/main" xmlns:r="http://schemas.openxmlformats.org/officeDocument/2006/relationships" xmlns:p="http://schemas.openxmlformats.org/presentationml/2006/main">
+  <p:cSld>
+    <p:spTree>
+      <p:nvGrpSpPr>
+        <p:cNvPr id="1" name=""/>
+        <p:cNvGrpSpPr/>
+        <p:nvPr/>
+      </p:nvGrpSpPr>
+      <p:grpSpPr>
+        <a:xfrm>
+          <a:off x="0" y="0"/>
+          <a:ext cx="0" cy="0"/>
+          <a:chOff x="0" y="0"/>
+          <a:chExt cx="0" cy="0"/>
+        </a:xfrm>
+      </p:grpSpPr>
+      <p:pic>
+        <p:nvPicPr>
+          <p:cNvPr id="4" name="Picture 3"/>
+          <p:cNvPicPr>
+            <a:picLocks noChangeAspect="1"/>
+          </p:cNvPicPr>
+          <p:nvPr/>
+        </p:nvPicPr>
+        <p:blipFill>
+          <a:blip r:embed="rId2">
+            <a:extLst>
+              <a:ext uri="{28A0092B-C50C-407E-A947-70E740481C1C}">
+                <a14:useLocalDpi xmlns:a14="http://schemas.microsoft.com/office/drawing/2010/main" val="0"/>
+              </a:ext>
+            </a:extLst>
+          </a:blip>
+          <a:stretch>
+            <a:fillRect/>
+          </a:stretch>
+        </p:blipFill>
+        <p:spPr>
+          <a:xfrm>
+            <a:off x="692332" y="635247"/>
+            <a:ext cx="10267406" cy="3082472"/>
+          </a:xfrm>
+          <a:prstGeom prst="rect">
+            <a:avLst/>
+          </a:prstGeom>
+        </p:spPr>
+      </p:pic>
+    </p:spTree>
+    <p:extLst>
+      <p:ext uri="{BB962C8B-B14F-4D97-AF65-F5344CB8AC3E}">
+        <p14:creationId xmlns:p14="http://schemas.microsoft.com/office/powerpoint/2010/main" val="4232095211"/>
+      </p:ext>
+    </p:extLst>
+  </p:cSld>
+  <p:clrMapOvr>
+    <a:masterClrMapping/>
+  </p:clrMapOvr>
+</p:sld>
+</file>
+
+<file path=ppt/slides/slide9.xml><?xml version="1.0" encoding="utf-8"?>
+<p:sld xmlns:a="http://schemas.openxmlformats.org/drawingml/2006/main" xmlns:r="http://schemas.openxmlformats.org/officeDocument/2006/relationships" xmlns:p="http://schemas.openxmlformats.org/presentationml/2006/main">
+  <p:cSld>
+    <p:spTree>
+      <p:nvGrpSpPr>
+        <p:cNvPr id="1" name=""/>
+        <p:cNvGrpSpPr/>
+        <p:nvPr/>
+      </p:nvGrpSpPr>
+      <p:grpSpPr>
+        <a:xfrm>
+          <a:off x="0" y="0"/>
+          <a:ext cx="0" cy="0"/>
+          <a:chOff x="0" y="0"/>
+          <a:chExt cx="0" cy="0"/>
+        </a:xfrm>
+      </p:grpSpPr>
+      <p:sp>
+        <p:nvSpPr>
+          <p:cNvPr id="2" name="Title 1"/>
+          <p:cNvSpPr>
+            <a:spLocks noGrp="1"/>
+          </p:cNvSpPr>
+          <p:nvPr>
+            <p:ph type="title"/>
+          </p:nvPr>
+        </p:nvSpPr>
+        <p:spPr>
+          <a:xfrm>
+            <a:off x="0" y="0"/>
+            <a:ext cx="10515600" cy="1325563"/>
+          </a:xfrm>
+        </p:spPr>
+        <p:txBody>
+          <a:bodyPr/>
+          <a:lstStyle/>
+          <a:p>
+            <a:r>
+              <a:rPr lang="en-US" dirty="0" smtClean="0">
+                <a:latin typeface="Comic Sans MS" panose="030F0702030302020204" pitchFamily="66" charset="0"/>
+              </a:rPr>
+              <a:t>Spatial dynamics </a:t>
+            </a:r>
+            <a:r>
+              <a:rPr lang="en-US" dirty="0">
+                <a:latin typeface="Comic Sans MS" panose="030F0702030302020204" pitchFamily="66" charset="0"/>
+              </a:rPr>
+              <a:t>of species in our model from experiments</a:t>
+            </a:r>
+            <a:endParaRPr lang="en-US" dirty="0"/>
+          </a:p>
+        </p:txBody>
+      </p:sp>
+      <p:pic>
+        <p:nvPicPr>
+          <p:cNvPr id="5" name="Picture 4"/>
+          <p:cNvPicPr>
+            <a:picLocks noChangeAspect="1"/>
+          </p:cNvPicPr>
+          <p:nvPr/>
+        </p:nvPicPr>
+        <p:blipFill>
+          <a:blip r:embed="rId2"/>
+          <a:stretch>
+            <a:fillRect/>
+          </a:stretch>
+        </p:blipFill>
+        <p:spPr>
+          <a:xfrm>
+            <a:off x="875211" y="1643062"/>
+            <a:ext cx="8503919" cy="5118732"/>
+          </a:xfrm>
+          <a:prstGeom prst="rect">
+            <a:avLst/>
+          </a:prstGeom>
+        </p:spPr>
+      </p:pic>
+    </p:spTree>
+    <p:extLst>
+      <p:ext uri="{BB962C8B-B14F-4D97-AF65-F5344CB8AC3E}">
+        <p14:creationId xmlns:p14="http://schemas.microsoft.com/office/powerpoint/2010/main" val="1281407082"/>
       </p:ext>
     </p:extLst>
   </p:cSld>

--- a/CS6824FinalPresentation.pptx
+++ b/CS6824FinalPresentation.pptx
@@ -121,7 +121,7 @@
   </p:defaultTextStyle>
   <p:extLst>
     <p:ext uri="{EFAFB233-063F-42B5-8137-9DF3F51BA10A}">
-      <p15:sldGuideLst xmlns:p15="http://schemas.microsoft.com/office/powerpoint/2012/main">
+      <p15:sldGuideLst xmlns:p15="http://schemas.microsoft.com/office/powerpoint/2012/main" xmlns="">
         <p15:guide id="1" orient="horz" pos="2160">
           <p15:clr>
             <a:srgbClr val="A4A3A4"/>
@@ -4475,7 +4475,7 @@
                       <m:sSupPr>
                         <m:ctrlPr>
                           <a:rPr lang="en-US" i="1" smtClean="0">
-                            <a:latin typeface="Cambria Math" panose="02040503050406030204" pitchFamily="18" charset="0"/>
+                            <a:latin typeface="Cambria Math"/>
                             <a:ea typeface="Cambria Math" panose="02040503050406030204" pitchFamily="18" charset="0"/>
                           </a:rPr>
                         </m:ctrlPr>
@@ -4583,7 +4583,7 @@
                       <m:sSupPr>
                         <m:ctrlPr>
                           <a:rPr lang="en-US" i="1" smtClean="0">
-                            <a:latin typeface="Cambria Math" panose="02040503050406030204" pitchFamily="18" charset="0"/>
+                            <a:latin typeface="Cambria Math"/>
                             <a:ea typeface="Cambria Math" panose="02040503050406030204" pitchFamily="18" charset="0"/>
                           </a:rPr>
                         </m:ctrlPr>
@@ -4863,7 +4863,7 @@
                       <m:sSupPr>
                         <m:ctrlPr>
                           <a:rPr lang="en-US" i="1" smtClean="0">
-                            <a:latin typeface="Cambria Math" panose="02040503050406030204" pitchFamily="18" charset="0"/>
+                            <a:latin typeface="Cambria Math"/>
                             <a:ea typeface="Cambria Math" panose="02040503050406030204" pitchFamily="18" charset="0"/>
                           </a:rPr>
                         </m:ctrlPr>
@@ -4971,7 +4971,7 @@
                       <m:sSupPr>
                         <m:ctrlPr>
                           <a:rPr lang="en-US" i="1" smtClean="0">
-                            <a:latin typeface="Cambria Math" panose="02040503050406030204" pitchFamily="18" charset="0"/>
+                            <a:latin typeface="Cambria Math"/>
                             <a:ea typeface="Cambria Math" panose="02040503050406030204" pitchFamily="18" charset="0"/>
                           </a:rPr>
                         </m:ctrlPr>
@@ -5792,6 +5792,7 @@
             </a:avLst>
           </a:prstGeom>
           <a:ln w="28575">
+            <a:prstDash val="dash"/>
             <a:tailEnd type="triangle"/>
           </a:ln>
         </p:spPr>
@@ -6422,7 +6423,9 @@
               <a:gd name="adj2" fmla="val 16919878"/>
             </a:avLst>
           </a:prstGeom>
-          <a:ln w="28575"/>
+          <a:ln w="28575">
+            <a:prstDash val="dash"/>
+          </a:ln>
         </p:spPr>
         <p:style>
           <a:lnRef idx="1">
@@ -6804,13 +6807,7 @@
               <a:rPr lang="en-US" dirty="0" smtClean="0">
                 <a:latin typeface="Comic Sans MS" panose="030F0702030302020204" pitchFamily="66" charset="0"/>
               </a:rPr>
-              <a:t>Localization </a:t>
-            </a:r>
-            <a:r>
-              <a:rPr lang="en-US" dirty="0" smtClean="0">
-                <a:latin typeface="Comic Sans MS" panose="030F0702030302020204" pitchFamily="66" charset="0"/>
-              </a:rPr>
-              <a:t>of proteases affects the spatial temporal profile of proteins</a:t>
+              <a:t>Localization of proteases affects the spatial temporal profile of proteins</a:t>
             </a:r>
             <a:endParaRPr lang="en-US" dirty="0">
               <a:latin typeface="Comic Sans MS" panose="030F0702030302020204" pitchFamily="66" charset="0"/>
@@ -7430,7 +7427,7 @@
   <a:extraClrSchemeLst/>
   <a:extLst>
     <a:ext uri="{05A4C25C-085E-4340-85A3-A5531E510DB2}">
-      <thm15:themeFamily xmlns:thm15="http://schemas.microsoft.com/office/thememl/2012/main" name="Office Theme" id="{62F939B6-93AF-4DB8-9C6B-D6C7DFDC589F}" vid="{4A3C46E8-61CC-4603-A589-7422A47A8E4A}"/>
+      <thm15:themeFamily xmlns:thm15="http://schemas.microsoft.com/office/thememl/2012/main" xmlns="" name="Office Theme" id="{62F939B6-93AF-4DB8-9C6B-D6C7DFDC589F}" vid="{4A3C46E8-61CC-4603-A589-7422A47A8E4A}"/>
     </a:ext>
   </a:extLst>
 </a:theme>
@@ -7691,7 +7688,7 @@
   <a:extraClrSchemeLst/>
   <a:extLst>
     <a:ext uri="{05A4C25C-085E-4340-85A3-A5531E510DB2}">
-      <thm15:themeFamily xmlns:thm15="http://schemas.microsoft.com/office/thememl/2012/main" name="Office Theme" id="{62F939B6-93AF-4DB8-9C6B-D6C7DFDC589F}" vid="{4A3C46E8-61CC-4603-A589-7422A47A8E4A}"/>
+      <thm15:themeFamily xmlns:thm15="http://schemas.microsoft.com/office/thememl/2012/main" xmlns="" name="Office Theme" id="{62F939B6-93AF-4DB8-9C6B-D6C7DFDC589F}" vid="{4A3C46E8-61CC-4603-A589-7422A47A8E4A}"/>
     </a:ext>
   </a:extLst>
 </a:theme>

--- a/CS6824FinalPresentation.pptx
+++ b/CS6824FinalPresentation.pptx
@@ -5,22 +5,27 @@
     <p:sldMasterId id="2147483648" r:id="rId1"/>
   </p:sldMasterIdLst>
   <p:notesMasterIdLst>
-    <p:notesMasterId r:id="rId15"/>
+    <p:notesMasterId r:id="rId20"/>
   </p:notesMasterIdLst>
   <p:sldIdLst>
     <p:sldId id="261" r:id="rId2"/>
-    <p:sldId id="256" r:id="rId3"/>
-    <p:sldId id="257" r:id="rId4"/>
-    <p:sldId id="258" r:id="rId5"/>
-    <p:sldId id="259" r:id="rId6"/>
-    <p:sldId id="262" r:id="rId7"/>
-    <p:sldId id="264" r:id="rId8"/>
-    <p:sldId id="263" r:id="rId9"/>
-    <p:sldId id="265" r:id="rId10"/>
-    <p:sldId id="266" r:id="rId11"/>
-    <p:sldId id="267" r:id="rId12"/>
-    <p:sldId id="268" r:id="rId13"/>
-    <p:sldId id="269" r:id="rId14"/>
+    <p:sldId id="274" r:id="rId3"/>
+    <p:sldId id="256" r:id="rId4"/>
+    <p:sldId id="272" r:id="rId5"/>
+    <p:sldId id="270" r:id="rId6"/>
+    <p:sldId id="273" r:id="rId7"/>
+    <p:sldId id="275" r:id="rId8"/>
+    <p:sldId id="276" r:id="rId9"/>
+    <p:sldId id="277" r:id="rId10"/>
+    <p:sldId id="278" r:id="rId11"/>
+    <p:sldId id="279" r:id="rId12"/>
+    <p:sldId id="280" r:id="rId13"/>
+    <p:sldId id="257" r:id="rId14"/>
+    <p:sldId id="281" r:id="rId15"/>
+    <p:sldId id="258" r:id="rId16"/>
+    <p:sldId id="284" r:id="rId17"/>
+    <p:sldId id="285" r:id="rId18"/>
+    <p:sldId id="286" r:id="rId19"/>
   </p:sldIdLst>
   <p:sldSz cx="12192000" cy="6858000"/>
   <p:notesSz cx="6858000" cy="9144000"/>
@@ -121,7 +126,7 @@
   </p:defaultTextStyle>
   <p:extLst>
     <p:ext uri="{EFAFB233-063F-42B5-8137-9DF3F51BA10A}">
-      <p15:sldGuideLst xmlns:p15="http://schemas.microsoft.com/office/powerpoint/2012/main" xmlns="">
+      <p15:sldGuideLst xmlns="" xmlns:p15="http://schemas.microsoft.com/office/powerpoint/2012/main">
         <p15:guide id="1" orient="horz" pos="2160">
           <p15:clr>
             <a:srgbClr val="A4A3A4"/>
@@ -3688,36 +3693,293 @@
           <a:chExt cx="0" cy="0"/>
         </a:xfrm>
       </p:grpSpPr>
+      <p:sp>
+        <p:nvSpPr>
+          <p:cNvPr id="2" name="Title 1"/>
+          <p:cNvSpPr>
+            <a:spLocks noGrp="1"/>
+          </p:cNvSpPr>
+          <p:nvPr>
+            <p:ph type="title"/>
+          </p:nvPr>
+        </p:nvSpPr>
+        <p:spPr>
+          <a:xfrm>
+            <a:off x="-1" y="0"/>
+            <a:ext cx="11652069" cy="1325563"/>
+          </a:xfrm>
+        </p:spPr>
+        <p:txBody>
+          <a:bodyPr/>
+          <a:lstStyle/>
+          <a:p>
+            <a:r>
+              <a:rPr lang="en-US" dirty="0" smtClean="0">
+                <a:latin typeface="Comic Sans MS" panose="030F0702030302020204" pitchFamily="66" charset="0"/>
+              </a:rPr>
+              <a:t>Temporal dynamics of species in our </a:t>
+            </a:r>
+            <a:r>
+              <a:rPr lang="en-US" dirty="0" smtClean="0">
+                <a:latin typeface="Comic Sans MS" panose="030F0702030302020204" pitchFamily="66" charset="0"/>
+              </a:rPr>
+              <a:t>model</a:t>
+            </a:r>
+            <a:br>
+              <a:rPr lang="en-US" dirty="0" smtClean="0">
+                <a:latin typeface="Comic Sans MS" panose="030F0702030302020204" pitchFamily="66" charset="0"/>
+              </a:rPr>
+            </a:br>
+            <a:r>
+              <a:rPr lang="en-US" dirty="0">
+                <a:latin typeface="Comic Sans MS" panose="030F0702030302020204" pitchFamily="66" charset="0"/>
+              </a:rPr>
+              <a:t> </a:t>
+            </a:r>
+            <a:r>
+              <a:rPr lang="en-US" dirty="0" smtClean="0">
+                <a:latin typeface="Comic Sans MS" panose="030F0702030302020204" pitchFamily="66" charset="0"/>
+              </a:rPr>
+              <a:t>– </a:t>
+            </a:r>
+            <a:r>
+              <a:rPr lang="en-US" u="sng" dirty="0" smtClean="0">
+                <a:latin typeface="Comic Sans MS" panose="030F0702030302020204" pitchFamily="66" charset="0"/>
+              </a:rPr>
+              <a:t>after</a:t>
+            </a:r>
+            <a:r>
+              <a:rPr lang="en-US" u="sng" dirty="0" smtClean="0">
+                <a:latin typeface="Comic Sans MS" panose="030F0702030302020204" pitchFamily="66" charset="0"/>
+              </a:rPr>
+              <a:t> division</a:t>
+            </a:r>
+            <a:endParaRPr lang="en-US" u="sng" dirty="0">
+              <a:latin typeface="Comic Sans MS" panose="030F0702030302020204" pitchFamily="66" charset="0"/>
+            </a:endParaRPr>
+          </a:p>
+        </p:txBody>
+      </p:sp>
       <p:pic>
         <p:nvPicPr>
-          <p:cNvPr id="4" name="Content Placeholder 3"/>
+          <p:cNvPr id="1028" name="Picture 4"/>
           <p:cNvPicPr>
-            <a:picLocks noGrp="1" noChangeAspect="1"/>
+            <a:picLocks noChangeAspect="1" noChangeArrowheads="1"/>
           </p:cNvPicPr>
-          <p:nvPr>
-            <p:ph idx="1"/>
-          </p:nvPr>
+          <p:nvPr/>
         </p:nvPicPr>
         <p:blipFill>
-          <a:blip r:embed="rId2"/>
+          <a:blip r:embed="rId2" cstate="print">
+            <a:extLst>
+              <a:ext uri="{28A0092B-C50C-407E-A947-70E740481C1C}">
+                <a14:useLocalDpi xmlns:a14="http://schemas.microsoft.com/office/drawing/2010/main" val="0"/>
+              </a:ext>
+            </a:extLst>
+          </a:blip>
+          <a:srcRect/>
           <a:stretch>
             <a:fillRect/>
           </a:stretch>
         </p:blipFill>
-        <p:spPr>
-          <a:xfrm>
-            <a:off x="1802674" y="643083"/>
-            <a:ext cx="8229600" cy="5292059"/>
+        <p:spPr bwMode="auto">
+          <a:xfrm>
+            <a:off x="3755756" y="3138174"/>
+            <a:ext cx="7223744" cy="1073498"/>
           </a:xfrm>
           <a:prstGeom prst="rect">
             <a:avLst/>
           </a:prstGeom>
+          <a:noFill/>
+          <a:ln>
+            <a:noFill/>
+          </a:ln>
+          <a:extLst>
+            <a:ext uri="{909E8E84-426E-40DD-AFC4-6F175D3DCCD1}">
+              <a14:hiddenFill xmlns:a14="http://schemas.microsoft.com/office/drawing/2010/main">
+                <a:solidFill>
+                  <a:schemeClr val="accent1"/>
+                </a:solidFill>
+              </a14:hiddenFill>
+            </a:ext>
+            <a:ext uri="{91240B29-F687-4F45-9708-019B960494DF}">
+              <a14:hiddenLine xmlns:a14="http://schemas.microsoft.com/office/drawing/2010/main" w="9525">
+                <a:solidFill>
+                  <a:schemeClr val="tx1"/>
+                </a:solidFill>
+                <a:miter lim="800000"/>
+                <a:headEnd/>
+                <a:tailEnd/>
+              </a14:hiddenLine>
+            </a:ext>
+          </a:extLst>
+        </p:spPr>
+      </p:pic>
+      <p:pic>
+        <p:nvPicPr>
+          <p:cNvPr id="4099" name="Picture 3"/>
+          <p:cNvPicPr>
+            <a:picLocks noChangeAspect="1" noChangeArrowheads="1"/>
+          </p:cNvPicPr>
+          <p:nvPr/>
+        </p:nvPicPr>
+        <p:blipFill>
+          <a:blip r:embed="rId3">
+            <a:extLst>
+              <a:ext uri="{28A0092B-C50C-407E-A947-70E740481C1C}">
+                <a14:useLocalDpi xmlns:a14="http://schemas.microsoft.com/office/drawing/2010/main" val="0"/>
+              </a:ext>
+            </a:extLst>
+          </a:blip>
+          <a:srcRect/>
+          <a:stretch>
+            <a:fillRect/>
+          </a:stretch>
+        </p:blipFill>
+        <p:spPr bwMode="auto">
+          <a:xfrm>
+            <a:off x="2456097" y="3847886"/>
+            <a:ext cx="4352825" cy="3024753"/>
+          </a:xfrm>
+          <a:prstGeom prst="rect">
+            <a:avLst/>
+          </a:prstGeom>
+          <a:noFill/>
+          <a:ln>
+            <a:noFill/>
+          </a:ln>
+          <a:extLst>
+            <a:ext uri="{909E8E84-426E-40DD-AFC4-6F175D3DCCD1}">
+              <a14:hiddenFill xmlns:a14="http://schemas.microsoft.com/office/drawing/2010/main">
+                <a:solidFill>
+                  <a:schemeClr val="accent1"/>
+                </a:solidFill>
+              </a14:hiddenFill>
+            </a:ext>
+            <a:ext uri="{91240B29-F687-4F45-9708-019B960494DF}">
+              <a14:hiddenLine xmlns:a14="http://schemas.microsoft.com/office/drawing/2010/main" w="9525">
+                <a:solidFill>
+                  <a:schemeClr val="tx1"/>
+                </a:solidFill>
+                <a:miter lim="800000"/>
+                <a:headEnd/>
+                <a:tailEnd/>
+              </a14:hiddenLine>
+            </a:ext>
+          </a:extLst>
+        </p:spPr>
+      </p:pic>
+      <p:pic>
+        <p:nvPicPr>
+          <p:cNvPr id="8" name="Picture 7"/>
+          <p:cNvPicPr>
+            <a:picLocks noChangeAspect="1" noChangeArrowheads="1"/>
+          </p:cNvPicPr>
+          <p:nvPr/>
+        </p:nvPicPr>
+        <p:blipFill>
+          <a:blip r:embed="rId4">
+            <a:extLst>
+              <a:ext uri="{28A0092B-C50C-407E-A947-70E740481C1C}">
+                <a14:useLocalDpi xmlns:a14="http://schemas.microsoft.com/office/drawing/2010/main" val="0"/>
+              </a:ext>
+            </a:extLst>
+          </a:blip>
+          <a:srcRect/>
+          <a:stretch>
+            <a:fillRect/>
+          </a:stretch>
+        </p:blipFill>
+        <p:spPr bwMode="auto">
+          <a:xfrm>
+            <a:off x="1596326" y="1157208"/>
+            <a:ext cx="9544090" cy="2079122"/>
+          </a:xfrm>
+          <a:prstGeom prst="rect">
+            <a:avLst/>
+          </a:prstGeom>
+          <a:noFill/>
+          <a:ln>
+            <a:noFill/>
+          </a:ln>
+          <a:extLst>
+            <a:ext uri="{909E8E84-426E-40DD-AFC4-6F175D3DCCD1}">
+              <a14:hiddenFill xmlns:a14="http://schemas.microsoft.com/office/drawing/2010/main">
+                <a:solidFill>
+                  <a:schemeClr val="accent1"/>
+                </a:solidFill>
+              </a14:hiddenFill>
+            </a:ext>
+            <a:ext uri="{91240B29-F687-4F45-9708-019B960494DF}">
+              <a14:hiddenLine xmlns:a14="http://schemas.microsoft.com/office/drawing/2010/main" w="9525">
+                <a:solidFill>
+                  <a:schemeClr val="tx1"/>
+                </a:solidFill>
+                <a:miter lim="800000"/>
+                <a:headEnd/>
+                <a:tailEnd/>
+              </a14:hiddenLine>
+            </a:ext>
+          </a:extLst>
+        </p:spPr>
+      </p:pic>
+      <p:pic>
+        <p:nvPicPr>
+          <p:cNvPr id="6" name="Picture 2"/>
+          <p:cNvPicPr>
+            <a:picLocks noChangeAspect="1" noChangeArrowheads="1"/>
+          </p:cNvPicPr>
+          <p:nvPr/>
+        </p:nvPicPr>
+        <p:blipFill>
+          <a:blip r:embed="rId5">
+            <a:extLst>
+              <a:ext uri="{28A0092B-C50C-407E-A947-70E740481C1C}">
+                <a14:useLocalDpi xmlns:a14="http://schemas.microsoft.com/office/drawing/2010/main" val="0"/>
+              </a:ext>
+            </a:extLst>
+          </a:blip>
+          <a:srcRect/>
+          <a:stretch>
+            <a:fillRect/>
+          </a:stretch>
+        </p:blipFill>
+        <p:spPr bwMode="auto">
+          <a:xfrm>
+            <a:off x="7196380" y="3847886"/>
+            <a:ext cx="4020761" cy="2905432"/>
+          </a:xfrm>
+          <a:prstGeom prst="rect">
+            <a:avLst/>
+          </a:prstGeom>
+          <a:noFill/>
+          <a:ln>
+            <a:noFill/>
+          </a:ln>
+          <a:extLst>
+            <a:ext uri="{909E8E84-426E-40DD-AFC4-6F175D3DCCD1}">
+              <a14:hiddenFill xmlns:a14="http://schemas.microsoft.com/office/drawing/2010/main">
+                <a:solidFill>
+                  <a:schemeClr val="accent1"/>
+                </a:solidFill>
+              </a14:hiddenFill>
+            </a:ext>
+            <a:ext uri="{91240B29-F687-4F45-9708-019B960494DF}">
+              <a14:hiddenLine xmlns:a14="http://schemas.microsoft.com/office/drawing/2010/main" w="9525">
+                <a:solidFill>
+                  <a:schemeClr val="tx1"/>
+                </a:solidFill>
+                <a:miter lim="800000"/>
+                <a:headEnd/>
+                <a:tailEnd/>
+              </a14:hiddenLine>
+            </a:ext>
+          </a:extLst>
         </p:spPr>
       </p:pic>
     </p:spTree>
     <p:extLst>
       <p:ext uri="{BB962C8B-B14F-4D97-AF65-F5344CB8AC3E}">
-        <p14:creationId xmlns:p14="http://schemas.microsoft.com/office/powerpoint/2010/main" val="250752018"/>
+        <p14:creationId xmlns:p14="http://schemas.microsoft.com/office/powerpoint/2010/main" val="509097660"/>
       </p:ext>
     </p:extLst>
   </p:cSld>
@@ -3744,9 +4006,76 @@
           <a:chExt cx="0" cy="0"/>
         </a:xfrm>
       </p:grpSpPr>
+      <p:sp>
+        <p:nvSpPr>
+          <p:cNvPr id="2" name="Title 1"/>
+          <p:cNvSpPr>
+            <a:spLocks noGrp="1"/>
+          </p:cNvSpPr>
+          <p:nvPr>
+            <p:ph type="title"/>
+          </p:nvPr>
+        </p:nvSpPr>
+        <p:spPr>
+          <a:xfrm>
+            <a:off x="0" y="0"/>
+            <a:ext cx="10515600" cy="1325563"/>
+          </a:xfrm>
+        </p:spPr>
+        <p:txBody>
+          <a:bodyPr>
+            <a:normAutofit fontScale="90000"/>
+          </a:bodyPr>
+          <a:lstStyle/>
+          <a:p>
+            <a:r>
+              <a:rPr lang="en-US" dirty="0" smtClean="0">
+                <a:latin typeface="Comic Sans MS" panose="030F0702030302020204" pitchFamily="66" charset="0"/>
+              </a:rPr>
+              <a:t>Spatial dynamics </a:t>
+            </a:r>
+            <a:r>
+              <a:rPr lang="en-US" dirty="0">
+                <a:latin typeface="Comic Sans MS" panose="030F0702030302020204" pitchFamily="66" charset="0"/>
+              </a:rPr>
+              <a:t>of species in our </a:t>
+            </a:r>
+            <a:r>
+              <a:rPr lang="en-US" dirty="0" smtClean="0">
+                <a:latin typeface="Comic Sans MS" panose="030F0702030302020204" pitchFamily="66" charset="0"/>
+              </a:rPr>
+              <a:t>model</a:t>
+            </a:r>
+            <a:br>
+              <a:rPr lang="en-US" dirty="0" smtClean="0">
+                <a:latin typeface="Comic Sans MS" panose="030F0702030302020204" pitchFamily="66" charset="0"/>
+              </a:rPr>
+            </a:br>
+            <a:r>
+              <a:rPr lang="en-US" dirty="0">
+                <a:latin typeface="Comic Sans MS" panose="030F0702030302020204" pitchFamily="66" charset="0"/>
+              </a:rPr>
+              <a:t> </a:t>
+            </a:r>
+            <a:r>
+              <a:rPr lang="en-US" dirty="0" smtClean="0">
+                <a:latin typeface="Comic Sans MS" panose="030F0702030302020204" pitchFamily="66" charset="0"/>
+              </a:rPr>
+              <a:t>– </a:t>
+            </a:r>
+            <a:r>
+              <a:rPr lang="en-US" u="sng" dirty="0" smtClean="0">
+                <a:latin typeface="Comic Sans MS" panose="030F0702030302020204" pitchFamily="66" charset="0"/>
+              </a:rPr>
+              <a:t>after division</a:t>
+            </a:r>
+            <a:endParaRPr lang="en-US" u="sng" dirty="0"/>
+          </a:p>
+        </p:txBody>
+      </p:sp>
       <p:pic>
         <p:nvPicPr>
-          <p:cNvPr id="4" name="Picture 3"/>
+          <p:cNvPr id="5" name="Picture 4"/>
           <p:cNvPicPr>
             <a:picLocks noChangeAspect="1"/>
           </p:cNvPicPr>
@@ -3760,18 +4089,126 @@
         </p:blipFill>
         <p:spPr>
           <a:xfrm>
-            <a:off x="3775166" y="0"/>
-            <a:ext cx="3989342" cy="6768126"/>
+            <a:off x="144651" y="1658560"/>
+            <a:ext cx="7085381" cy="4264877"/>
           </a:xfrm>
           <a:prstGeom prst="rect">
             <a:avLst/>
           </a:prstGeom>
+        </p:spPr>
+      </p:pic>
+      <p:pic>
+        <p:nvPicPr>
+          <p:cNvPr id="8194" name="Picture 2"/>
+          <p:cNvPicPr>
+            <a:picLocks noChangeAspect="1" noChangeArrowheads="1"/>
+          </p:cNvPicPr>
+          <p:nvPr/>
+        </p:nvPicPr>
+        <p:blipFill>
+          <a:blip r:embed="rId3">
+            <a:extLst>
+              <a:ext uri="{28A0092B-C50C-407E-A947-70E740481C1C}">
+                <a14:useLocalDpi xmlns:a14="http://schemas.microsoft.com/office/drawing/2010/main" val="0"/>
+              </a:ext>
+            </a:extLst>
+          </a:blip>
+          <a:srcRect/>
+          <a:stretch>
+            <a:fillRect/>
+          </a:stretch>
+        </p:blipFill>
+        <p:spPr bwMode="auto">
+          <a:xfrm>
+            <a:off x="7718157" y="4082086"/>
+            <a:ext cx="4076052" cy="2734437"/>
+          </a:xfrm>
+          <a:prstGeom prst="rect">
+            <a:avLst/>
+          </a:prstGeom>
+          <a:noFill/>
+          <a:ln>
+            <a:noFill/>
+          </a:ln>
+          <a:extLst>
+            <a:ext uri="{909E8E84-426E-40DD-AFC4-6F175D3DCCD1}">
+              <a14:hiddenFill xmlns:a14="http://schemas.microsoft.com/office/drawing/2010/main">
+                <a:solidFill>
+                  <a:schemeClr val="accent1"/>
+                </a:solidFill>
+              </a14:hiddenFill>
+            </a:ext>
+            <a:ext uri="{91240B29-F687-4F45-9708-019B960494DF}">
+              <a14:hiddenLine xmlns:a14="http://schemas.microsoft.com/office/drawing/2010/main" w="9525">
+                <a:solidFill>
+                  <a:schemeClr val="tx1"/>
+                </a:solidFill>
+                <a:miter lim="800000"/>
+                <a:headEnd/>
+                <a:tailEnd/>
+              </a14:hiddenLine>
+            </a:ext>
+          </a:extLst>
+        </p:spPr>
+      </p:pic>
+      <p:pic>
+        <p:nvPicPr>
+          <p:cNvPr id="8195" name="Picture 3"/>
+          <p:cNvPicPr>
+            <a:picLocks noChangeAspect="1" noChangeArrowheads="1"/>
+          </p:cNvPicPr>
+          <p:nvPr/>
+        </p:nvPicPr>
+        <p:blipFill>
+          <a:blip r:embed="rId4">
+            <a:extLst>
+              <a:ext uri="{28A0092B-C50C-407E-A947-70E740481C1C}">
+                <a14:useLocalDpi xmlns:a14="http://schemas.microsoft.com/office/drawing/2010/main" val="0"/>
+              </a:ext>
+            </a:extLst>
+          </a:blip>
+          <a:srcRect/>
+          <a:stretch>
+            <a:fillRect/>
+          </a:stretch>
+        </p:blipFill>
+        <p:spPr bwMode="auto">
+          <a:xfrm>
+            <a:off x="7657345" y="1100788"/>
+            <a:ext cx="4136864" cy="2952585"/>
+          </a:xfrm>
+          <a:prstGeom prst="rect">
+            <a:avLst/>
+          </a:prstGeom>
+          <a:noFill/>
+          <a:ln>
+            <a:noFill/>
+          </a:ln>
+          <a:extLst>
+            <a:ext uri="{909E8E84-426E-40DD-AFC4-6F175D3DCCD1}">
+              <a14:hiddenFill xmlns:a14="http://schemas.microsoft.com/office/drawing/2010/main">
+                <a:solidFill>
+                  <a:schemeClr val="accent1"/>
+                </a:solidFill>
+              </a14:hiddenFill>
+            </a:ext>
+            <a:ext uri="{91240B29-F687-4F45-9708-019B960494DF}">
+              <a14:hiddenLine xmlns:a14="http://schemas.microsoft.com/office/drawing/2010/main" w="9525">
+                <a:solidFill>
+                  <a:schemeClr val="tx1"/>
+                </a:solidFill>
+                <a:miter lim="800000"/>
+                <a:headEnd/>
+                <a:tailEnd/>
+              </a14:hiddenLine>
+            </a:ext>
+          </a:extLst>
         </p:spPr>
       </p:pic>
     </p:spTree>
     <p:extLst>
       <p:ext uri="{BB962C8B-B14F-4D97-AF65-F5344CB8AC3E}">
-        <p14:creationId xmlns:p14="http://schemas.microsoft.com/office/powerpoint/2010/main" val="3670574173"/>
+        <p14:creationId xmlns:p14="http://schemas.microsoft.com/office/powerpoint/2010/main" val="2857777548"/>
       </p:ext>
     </p:extLst>
   </p:cSld>
@@ -3800,34 +4237,464 @@
       </p:grpSpPr>
       <p:pic>
         <p:nvPicPr>
-          <p:cNvPr id="4" name="Content Placeholder 3"/>
-          <p:cNvPicPr>
-            <a:picLocks noGrp="1" noChangeAspect="1"/>
-          </p:cNvPicPr>
-          <p:nvPr>
-            <p:ph idx="1"/>
-          </p:nvPr>
+          <p:cNvPr id="4" name="Google Shape;87;p17"/>
+          <p:cNvPicPr preferRelativeResize="0"/>
+          <p:nvPr/>
         </p:nvPicPr>
         <p:blipFill>
-          <a:blip r:embed="rId2"/>
+          <a:blip r:embed="rId2">
+            <a:alphaModFix/>
+          </a:blip>
           <a:stretch>
             <a:fillRect/>
           </a:stretch>
         </p:blipFill>
         <p:spPr>
           <a:xfrm>
-            <a:off x="1264553" y="796835"/>
-            <a:ext cx="10223979" cy="4123350"/>
+            <a:off x="1766807" y="1363852"/>
+            <a:ext cx="8637722" cy="4045058"/>
           </a:xfrm>
           <a:prstGeom prst="rect">
             <a:avLst/>
           </a:prstGeom>
+          <a:noFill/>
+          <a:ln>
+            <a:noFill/>
+          </a:ln>
         </p:spPr>
       </p:pic>
+      <p:sp>
+        <p:nvSpPr>
+          <p:cNvPr id="5" name="Google Shape;96;p18"/>
+          <p:cNvSpPr txBox="1"/>
+          <p:nvPr/>
+        </p:nvSpPr>
+        <p:spPr>
+          <a:xfrm>
+            <a:off x="3513219" y="1648515"/>
+            <a:ext cx="852900" cy="327900"/>
+          </a:xfrm>
+          <a:prstGeom prst="rect">
+            <a:avLst/>
+          </a:prstGeom>
+          <a:noFill/>
+          <a:ln>
+            <a:noFill/>
+          </a:ln>
+        </p:spPr>
+        <p:txBody>
+          <a:bodyPr spcFirstLastPara="1" wrap="square" lIns="91425" tIns="91425" rIns="91425" bIns="91425" anchor="t" anchorCtr="0">
+            <a:noAutofit/>
+          </a:bodyPr>
+          <a:lstStyle/>
+          <a:p>
+            <a:pPr marL="0" lvl="0" indent="0" algn="l" rtl="0">
+              <a:spcBef>
+                <a:spcPts val="0"/>
+              </a:spcBef>
+              <a:spcAft>
+                <a:spcPts val="0"/>
+              </a:spcAft>
+              <a:buNone/>
+            </a:pPr>
+            <a:r>
+              <a:rPr lang="en" dirty="0">
+                <a:latin typeface="Impact"/>
+                <a:ea typeface="Impact"/>
+                <a:cs typeface="Impact"/>
+                <a:sym typeface="Impact"/>
+              </a:rPr>
+              <a:t>CpdR</a:t>
+            </a:r>
+            <a:endParaRPr dirty="0">
+              <a:latin typeface="Impact"/>
+              <a:ea typeface="Impact"/>
+              <a:cs typeface="Impact"/>
+              <a:sym typeface="Impact"/>
+            </a:endParaRPr>
+          </a:p>
+        </p:txBody>
+      </p:sp>
+      <p:sp>
+        <p:nvSpPr>
+          <p:cNvPr id="6" name="Google Shape;112;p20"/>
+          <p:cNvSpPr txBox="1"/>
+          <p:nvPr/>
+        </p:nvSpPr>
+        <p:spPr>
+          <a:xfrm>
+            <a:off x="6503306" y="1200509"/>
+            <a:ext cx="819300" cy="459300"/>
+          </a:xfrm>
+          <a:prstGeom prst="rect">
+            <a:avLst/>
+          </a:prstGeom>
+          <a:noFill/>
+          <a:ln>
+            <a:noFill/>
+          </a:ln>
+        </p:spPr>
+        <p:txBody>
+          <a:bodyPr spcFirstLastPara="1" wrap="square" lIns="91425" tIns="91425" rIns="91425" bIns="91425" anchor="t" anchorCtr="0">
+            <a:noAutofit/>
+          </a:bodyPr>
+          <a:lstStyle/>
+          <a:p>
+            <a:pPr marL="0" lvl="0" indent="0" algn="l" rtl="0">
+              <a:spcBef>
+                <a:spcPts val="0"/>
+              </a:spcBef>
+              <a:spcAft>
+                <a:spcPts val="0"/>
+              </a:spcAft>
+              <a:buNone/>
+            </a:pPr>
+            <a:r>
+              <a:rPr lang="en" dirty="0">
+                <a:latin typeface="Impact"/>
+                <a:ea typeface="Impact"/>
+                <a:cs typeface="Impact"/>
+                <a:sym typeface="Impact"/>
+              </a:rPr>
+              <a:t>RcdA</a:t>
+            </a:r>
+            <a:endParaRPr dirty="0">
+              <a:latin typeface="Impact"/>
+              <a:ea typeface="Impact"/>
+              <a:cs typeface="Impact"/>
+              <a:sym typeface="Impact"/>
+            </a:endParaRPr>
+          </a:p>
+        </p:txBody>
+      </p:sp>
+      <p:sp>
+        <p:nvSpPr>
+          <p:cNvPr id="7" name="Google Shape;121;p21"/>
+          <p:cNvSpPr txBox="1"/>
+          <p:nvPr/>
+        </p:nvSpPr>
+        <p:spPr>
+          <a:xfrm>
+            <a:off x="9058155" y="1170685"/>
+            <a:ext cx="2162618" cy="367500"/>
+          </a:xfrm>
+          <a:prstGeom prst="rect">
+            <a:avLst/>
+          </a:prstGeom>
+          <a:noFill/>
+          <a:ln>
+            <a:noFill/>
+          </a:ln>
+        </p:spPr>
+        <p:txBody>
+          <a:bodyPr spcFirstLastPara="1" wrap="square" lIns="91425" tIns="91425" rIns="91425" bIns="91425" anchor="t" anchorCtr="0">
+            <a:noAutofit/>
+          </a:bodyPr>
+          <a:lstStyle/>
+          <a:p>
+            <a:pPr marL="0" lvl="0" indent="0" algn="l" rtl="0">
+              <a:spcBef>
+                <a:spcPts val="0"/>
+              </a:spcBef>
+              <a:spcAft>
+                <a:spcPts val="0"/>
+              </a:spcAft>
+              <a:buNone/>
+            </a:pPr>
+            <a:r>
+              <a:rPr lang="en" dirty="0">
+                <a:latin typeface="Impact"/>
+                <a:ea typeface="Impact"/>
+                <a:cs typeface="Impact"/>
+                <a:sym typeface="Impact"/>
+              </a:rPr>
+              <a:t>PopA &amp; c-di-GMP</a:t>
+            </a:r>
+            <a:endParaRPr dirty="0">
+              <a:latin typeface="Impact"/>
+              <a:ea typeface="Impact"/>
+              <a:cs typeface="Impact"/>
+              <a:sym typeface="Impact"/>
+            </a:endParaRPr>
+          </a:p>
+        </p:txBody>
+      </p:sp>
+      <p:pic>
+        <p:nvPicPr>
+          <p:cNvPr id="3074" name="Picture 2"/>
+          <p:cNvPicPr>
+            <a:picLocks noChangeAspect="1" noChangeArrowheads="1"/>
+          </p:cNvPicPr>
+          <p:nvPr/>
+        </p:nvPicPr>
+        <p:blipFill>
+          <a:blip r:embed="rId3">
+            <a:extLst>
+              <a:ext uri="{28A0092B-C50C-407E-A947-70E740481C1C}">
+                <a14:useLocalDpi xmlns:a14="http://schemas.microsoft.com/office/drawing/2010/main" val="0"/>
+              </a:ext>
+            </a:extLst>
+          </a:blip>
+          <a:srcRect/>
+          <a:stretch>
+            <a:fillRect/>
+          </a:stretch>
+        </p:blipFill>
+        <p:spPr bwMode="auto">
+          <a:xfrm>
+            <a:off x="9188061" y="5223172"/>
+            <a:ext cx="528637" cy="371475"/>
+          </a:xfrm>
+          <a:prstGeom prst="rect">
+            <a:avLst/>
+          </a:prstGeom>
+          <a:noFill/>
+          <a:ln>
+            <a:noFill/>
+          </a:ln>
+          <a:extLst>
+            <a:ext uri="{909E8E84-426E-40DD-AFC4-6F175D3DCCD1}">
+              <a14:hiddenFill xmlns:a14="http://schemas.microsoft.com/office/drawing/2010/main">
+                <a:solidFill>
+                  <a:schemeClr val="accent1"/>
+                </a:solidFill>
+              </a14:hiddenFill>
+            </a:ext>
+            <a:ext uri="{91240B29-F687-4F45-9708-019B960494DF}">
+              <a14:hiddenLine xmlns:a14="http://schemas.microsoft.com/office/drawing/2010/main" w="9525">
+                <a:solidFill>
+                  <a:schemeClr val="tx1"/>
+                </a:solidFill>
+                <a:miter lim="800000"/>
+                <a:headEnd/>
+                <a:tailEnd/>
+              </a14:hiddenLine>
+            </a:ext>
+          </a:extLst>
+        </p:spPr>
+      </p:pic>
+      <p:sp>
+        <p:nvSpPr>
+          <p:cNvPr id="8" name="Rectangle 7"/>
+          <p:cNvSpPr/>
+          <p:nvPr/>
+        </p:nvSpPr>
+        <p:spPr>
+          <a:xfrm>
+            <a:off x="4224814" y="6124720"/>
+            <a:ext cx="1446230" cy="400110"/>
+          </a:xfrm>
+          <a:prstGeom prst="rect">
+            <a:avLst/>
+          </a:prstGeom>
+        </p:spPr>
+        <p:txBody>
+          <a:bodyPr wrap="none">
+            <a:spAutoFit/>
+          </a:bodyPr>
+          <a:lstStyle/>
+          <a:p>
+            <a:r>
+              <a:rPr lang="en-US" sz="2000" b="1" dirty="0">
+                <a:latin typeface="Comic Sans MS" panose="030F0702030302020204" pitchFamily="66" charset="0"/>
+                <a:ea typeface="Cambria Math" panose="02040503050406030204" pitchFamily="18" charset="0"/>
+              </a:rPr>
+              <a:t>Complex 1</a:t>
+            </a:r>
+            <a:endParaRPr lang="en-CA" sz="2000" b="1" dirty="0"/>
+          </a:p>
+        </p:txBody>
+      </p:sp>
+      <p:sp>
+        <p:nvSpPr>
+          <p:cNvPr id="11" name="Rectangle 10"/>
+          <p:cNvSpPr/>
+          <p:nvPr/>
+        </p:nvSpPr>
+        <p:spPr>
+          <a:xfrm>
+            <a:off x="8693234" y="6124720"/>
+            <a:ext cx="1446230" cy="400110"/>
+          </a:xfrm>
+          <a:prstGeom prst="rect">
+            <a:avLst/>
+          </a:prstGeom>
+        </p:spPr>
+        <p:txBody>
+          <a:bodyPr wrap="none">
+            <a:spAutoFit/>
+          </a:bodyPr>
+          <a:lstStyle/>
+          <a:p>
+            <a:r>
+              <a:rPr lang="en-US" sz="2000" b="1" dirty="0">
+                <a:latin typeface="Comic Sans MS" panose="030F0702030302020204" pitchFamily="66" charset="0"/>
+                <a:ea typeface="Cambria Math" panose="02040503050406030204" pitchFamily="18" charset="0"/>
+              </a:rPr>
+              <a:t>Complex </a:t>
+            </a:r>
+            <a:r>
+              <a:rPr lang="en-US" altLang="zh-CN" sz="2000" b="1" dirty="0" smtClean="0">
+                <a:latin typeface="Comic Sans MS" panose="030F0702030302020204" pitchFamily="66" charset="0"/>
+                <a:ea typeface="Cambria Math" panose="02040503050406030204" pitchFamily="18" charset="0"/>
+              </a:rPr>
+              <a:t>3</a:t>
+            </a:r>
+            <a:endParaRPr lang="en-CA" sz="2000" b="1" dirty="0"/>
+          </a:p>
+        </p:txBody>
+      </p:sp>
+      <p:sp>
+        <p:nvSpPr>
+          <p:cNvPr id="12" name="Rectangle 11"/>
+          <p:cNvSpPr/>
+          <p:nvPr/>
+        </p:nvSpPr>
+        <p:spPr>
+          <a:xfrm>
+            <a:off x="6430739" y="6124720"/>
+            <a:ext cx="1446230" cy="400110"/>
+          </a:xfrm>
+          <a:prstGeom prst="rect">
+            <a:avLst/>
+          </a:prstGeom>
+        </p:spPr>
+        <p:txBody>
+          <a:bodyPr wrap="none">
+            <a:spAutoFit/>
+          </a:bodyPr>
+          <a:lstStyle/>
+          <a:p>
+            <a:r>
+              <a:rPr lang="en-US" sz="2000" b="1" dirty="0">
+                <a:latin typeface="Comic Sans MS" panose="030F0702030302020204" pitchFamily="66" charset="0"/>
+                <a:ea typeface="Cambria Math" panose="02040503050406030204" pitchFamily="18" charset="0"/>
+              </a:rPr>
+              <a:t>Complex </a:t>
+            </a:r>
+            <a:r>
+              <a:rPr lang="en-US" altLang="zh-CN" sz="2000" b="1" dirty="0" smtClean="0">
+                <a:latin typeface="Comic Sans MS" panose="030F0702030302020204" pitchFamily="66" charset="0"/>
+                <a:ea typeface="Cambria Math" panose="02040503050406030204" pitchFamily="18" charset="0"/>
+              </a:rPr>
+              <a:t>2</a:t>
+            </a:r>
+            <a:endParaRPr lang="en-CA" sz="2000" b="1" dirty="0"/>
+          </a:p>
+        </p:txBody>
+      </p:sp>
+      <p:cxnSp>
+        <p:nvCxnSpPr>
+          <p:cNvPr id="13" name="Straight Arrow Connector 12"/>
+          <p:cNvCxnSpPr/>
+          <p:nvPr/>
+        </p:nvCxnSpPr>
+        <p:spPr>
+          <a:xfrm flipV="1">
+            <a:off x="4902631" y="5352081"/>
+            <a:ext cx="0" cy="537275"/>
+          </a:xfrm>
+          <a:prstGeom prst="straightConnector1">
+            <a:avLst/>
+          </a:prstGeom>
+          <a:ln w="57150">
+            <a:solidFill>
+              <a:schemeClr val="tx1"/>
+            </a:solidFill>
+            <a:tailEnd type="arrow"/>
+          </a:ln>
+        </p:spPr>
+        <p:style>
+          <a:lnRef idx="1">
+            <a:schemeClr val="accent1"/>
+          </a:lnRef>
+          <a:fillRef idx="0">
+            <a:schemeClr val="accent1"/>
+          </a:fillRef>
+          <a:effectRef idx="0">
+            <a:schemeClr val="accent1"/>
+          </a:effectRef>
+          <a:fontRef idx="minor">
+            <a:schemeClr val="tx1"/>
+          </a:fontRef>
+        </p:style>
+      </p:cxnSp>
+      <p:cxnSp>
+        <p:nvCxnSpPr>
+          <p:cNvPr id="15" name="Straight Arrow Connector 14"/>
+          <p:cNvCxnSpPr/>
+          <p:nvPr/>
+        </p:nvCxnSpPr>
+        <p:spPr>
+          <a:xfrm flipV="1">
+            <a:off x="7204129" y="5352080"/>
+            <a:ext cx="0" cy="537275"/>
+          </a:xfrm>
+          <a:prstGeom prst="straightConnector1">
+            <a:avLst/>
+          </a:prstGeom>
+          <a:ln w="57150">
+            <a:solidFill>
+              <a:schemeClr val="tx1"/>
+            </a:solidFill>
+            <a:tailEnd type="arrow"/>
+          </a:ln>
+        </p:spPr>
+        <p:style>
+          <a:lnRef idx="1">
+            <a:schemeClr val="accent1"/>
+          </a:lnRef>
+          <a:fillRef idx="0">
+            <a:schemeClr val="accent1"/>
+          </a:fillRef>
+          <a:effectRef idx="0">
+            <a:schemeClr val="accent1"/>
+          </a:effectRef>
+          <a:fontRef idx="minor">
+            <a:schemeClr val="tx1"/>
+          </a:fontRef>
+        </p:style>
+      </p:cxnSp>
+      <p:cxnSp>
+        <p:nvCxnSpPr>
+          <p:cNvPr id="16" name="Straight Arrow Connector 15"/>
+          <p:cNvCxnSpPr/>
+          <p:nvPr/>
+        </p:nvCxnSpPr>
+        <p:spPr>
+          <a:xfrm flipV="1">
+            <a:off x="9255072" y="5408910"/>
+            <a:ext cx="0" cy="537275"/>
+          </a:xfrm>
+          <a:prstGeom prst="straightConnector1">
+            <a:avLst/>
+          </a:prstGeom>
+          <a:ln w="57150">
+            <a:solidFill>
+              <a:schemeClr val="tx1"/>
+            </a:solidFill>
+            <a:tailEnd type="arrow"/>
+          </a:ln>
+        </p:spPr>
+        <p:style>
+          <a:lnRef idx="1">
+            <a:schemeClr val="accent1"/>
+          </a:lnRef>
+          <a:fillRef idx="0">
+            <a:schemeClr val="accent1"/>
+          </a:fillRef>
+          <a:effectRef idx="0">
+            <a:schemeClr val="accent1"/>
+          </a:effectRef>
+          <a:fontRef idx="minor">
+            <a:schemeClr val="tx1"/>
+          </a:fontRef>
+        </p:style>
+      </p:cxnSp>
     </p:spTree>
     <p:extLst>
       <p:ext uri="{BB962C8B-B14F-4D97-AF65-F5344CB8AC3E}">
-        <p14:creationId xmlns:p14="http://schemas.microsoft.com/office/powerpoint/2010/main" val="2210447652"/>
+        <p14:creationId xmlns:p14="http://schemas.microsoft.com/office/powerpoint/2010/main" val="2517594765"/>
       </p:ext>
     </p:extLst>
   </p:cSld>
@@ -3856,6 +4723,636 @@
       </p:grpSpPr>
       <p:sp>
         <p:nvSpPr>
+          <p:cNvPr id="4" name="TextBox 3"/>
+          <p:cNvSpPr txBox="1"/>
+          <p:nvPr/>
+        </p:nvSpPr>
+        <p:spPr>
+          <a:xfrm>
+            <a:off x="1884556" y="2079320"/>
+            <a:ext cx="12017141" cy="523220"/>
+          </a:xfrm>
+          <a:prstGeom prst="rect">
+            <a:avLst/>
+          </a:prstGeom>
+          <a:noFill/>
+        </p:spPr>
+        <p:txBody>
+          <a:bodyPr wrap="square" rtlCol="0">
+            <a:spAutoFit/>
+          </a:bodyPr>
+          <a:lstStyle/>
+          <a:p>
+            <a:r>
+              <a:rPr lang="en-US" sz="2800" dirty="0" smtClean="0">
+                <a:latin typeface="Comic Sans MS" panose="030F0702030302020204" pitchFamily="66" charset="0"/>
+                <a:ea typeface="Cambria Math" panose="02040503050406030204" pitchFamily="18" charset="0"/>
+              </a:rPr>
+              <a:t>Complex 1 </a:t>
+            </a:r>
+            <a:r>
+              <a:rPr lang="en-US" altLang="zh-CN" sz="2800" dirty="0" smtClean="0">
+                <a:latin typeface="Comic Sans MS" panose="030F0702030302020204" pitchFamily="66" charset="0"/>
+                <a:ea typeface="Cambria Math" panose="02040503050406030204" pitchFamily="18" charset="0"/>
+              </a:rPr>
+              <a:t>+ RcdA        </a:t>
+            </a:r>
+            <a:r>
+              <a:rPr lang="en-US" sz="2800" dirty="0" smtClean="0">
+                <a:latin typeface="Comic Sans MS" panose="030F0702030302020204" pitchFamily="66" charset="0"/>
+                <a:ea typeface="Cambria Math" panose="02040503050406030204" pitchFamily="18" charset="0"/>
+              </a:rPr>
+              <a:t>ClpXP:CpdR:RcdA (</a:t>
+            </a:r>
+            <a:r>
+              <a:rPr lang="en-US" altLang="zh-CN" sz="2800" dirty="0" smtClean="0">
+                <a:latin typeface="Comic Sans MS" panose="030F0702030302020204" pitchFamily="66" charset="0"/>
+                <a:ea typeface="Cambria Math" panose="02040503050406030204" pitchFamily="18" charset="0"/>
+              </a:rPr>
+              <a:t>Complex 2) </a:t>
+            </a:r>
+            <a:endParaRPr lang="en-US" sz="2800" dirty="0">
+              <a:latin typeface="Comic Sans MS" panose="030F0702030302020204" pitchFamily="66" charset="0"/>
+              <a:ea typeface="Cambria Math" panose="02040503050406030204" pitchFamily="18" charset="0"/>
+            </a:endParaRPr>
+          </a:p>
+        </p:txBody>
+      </p:sp>
+      <p:cxnSp>
+        <p:nvCxnSpPr>
+          <p:cNvPr id="56" name="Straight Arrow Connector 55"/>
+          <p:cNvCxnSpPr/>
+          <p:nvPr/>
+        </p:nvCxnSpPr>
+        <p:spPr>
+          <a:xfrm>
+            <a:off x="5004880" y="2340930"/>
+            <a:ext cx="658783" cy="0"/>
+          </a:xfrm>
+          <a:prstGeom prst="straightConnector1">
+            <a:avLst/>
+          </a:prstGeom>
+          <a:ln w="28575">
+            <a:tailEnd type="triangle"/>
+          </a:ln>
+        </p:spPr>
+        <p:style>
+          <a:lnRef idx="1">
+            <a:schemeClr val="dk1"/>
+          </a:lnRef>
+          <a:fillRef idx="0">
+            <a:schemeClr val="dk1"/>
+          </a:fillRef>
+          <a:effectRef idx="0">
+            <a:schemeClr val="dk1"/>
+          </a:effectRef>
+          <a:fontRef idx="minor">
+            <a:schemeClr val="tx1"/>
+          </a:fontRef>
+        </p:style>
+      </p:cxnSp>
+      <p:cxnSp>
+        <p:nvCxnSpPr>
+          <p:cNvPr id="57" name="Straight Arrow Connector 56"/>
+          <p:cNvCxnSpPr/>
+          <p:nvPr/>
+        </p:nvCxnSpPr>
+        <p:spPr>
+          <a:xfrm flipH="1">
+            <a:off x="5004880" y="2489592"/>
+            <a:ext cx="634093" cy="0"/>
+          </a:xfrm>
+          <a:prstGeom prst="straightConnector1">
+            <a:avLst/>
+          </a:prstGeom>
+          <a:ln w="28575">
+            <a:tailEnd type="triangle"/>
+          </a:ln>
+        </p:spPr>
+        <p:style>
+          <a:lnRef idx="1">
+            <a:schemeClr val="dk1"/>
+          </a:lnRef>
+          <a:fillRef idx="0">
+            <a:schemeClr val="dk1"/>
+          </a:fillRef>
+          <a:effectRef idx="0">
+            <a:schemeClr val="dk1"/>
+          </a:effectRef>
+          <a:fontRef idx="minor">
+            <a:schemeClr val="tx1"/>
+          </a:fontRef>
+        </p:style>
+      </p:cxnSp>
+      <p:cxnSp>
+        <p:nvCxnSpPr>
+          <p:cNvPr id="3" name="Straight Arrow Connector 2"/>
+          <p:cNvCxnSpPr/>
+          <p:nvPr/>
+        </p:nvCxnSpPr>
+        <p:spPr>
+          <a:xfrm>
+            <a:off x="4428309" y="2704011"/>
+            <a:ext cx="26125" cy="757646"/>
+          </a:xfrm>
+          <a:prstGeom prst="straightConnector1">
+            <a:avLst/>
+          </a:prstGeom>
+          <a:ln w="28575">
+            <a:prstDash val="solid"/>
+            <a:tailEnd type="triangle"/>
+          </a:ln>
+        </p:spPr>
+        <p:style>
+          <a:lnRef idx="1">
+            <a:schemeClr val="dk1"/>
+          </a:lnRef>
+          <a:fillRef idx="0">
+            <a:schemeClr val="dk1"/>
+          </a:fillRef>
+          <a:effectRef idx="0">
+            <a:schemeClr val="dk1"/>
+          </a:effectRef>
+          <a:fontRef idx="minor">
+            <a:schemeClr val="tx1"/>
+          </a:fontRef>
+        </p:style>
+      </p:cxnSp>
+      <p:sp>
+        <p:nvSpPr>
+          <p:cNvPr id="40" name="Oval 39"/>
+          <p:cNvSpPr/>
+          <p:nvPr/>
+        </p:nvSpPr>
+        <p:spPr>
+          <a:xfrm>
+            <a:off x="4623795" y="3563128"/>
+            <a:ext cx="228685" cy="79080"/>
+          </a:xfrm>
+          <a:prstGeom prst="ellipse">
+            <a:avLst/>
+          </a:prstGeom>
+        </p:spPr>
+        <p:style>
+          <a:lnRef idx="2">
+            <a:schemeClr val="dk1">
+              <a:shade val="50000"/>
+            </a:schemeClr>
+          </a:lnRef>
+          <a:fillRef idx="1">
+            <a:schemeClr val="dk1"/>
+          </a:fillRef>
+          <a:effectRef idx="0">
+            <a:schemeClr val="dk1"/>
+          </a:effectRef>
+          <a:fontRef idx="minor">
+            <a:schemeClr val="lt1"/>
+          </a:fontRef>
+        </p:style>
+        <p:txBody>
+          <a:bodyPr rtlCol="0" anchor="ctr"/>
+          <a:lstStyle/>
+          <a:p>
+            <a:pPr algn="ctr"/>
+            <a:endParaRPr lang="en-US" dirty="0"/>
+          </a:p>
+        </p:txBody>
+      </p:sp>
+      <p:sp>
+        <p:nvSpPr>
+          <p:cNvPr id="44" name="Oval 43"/>
+          <p:cNvSpPr/>
+          <p:nvPr/>
+        </p:nvSpPr>
+        <p:spPr>
+          <a:xfrm>
+            <a:off x="4403579" y="3711174"/>
+            <a:ext cx="228685" cy="79080"/>
+          </a:xfrm>
+          <a:prstGeom prst="ellipse">
+            <a:avLst/>
+          </a:prstGeom>
+        </p:spPr>
+        <p:style>
+          <a:lnRef idx="2">
+            <a:schemeClr val="dk1">
+              <a:shade val="50000"/>
+            </a:schemeClr>
+          </a:lnRef>
+          <a:fillRef idx="1">
+            <a:schemeClr val="dk1"/>
+          </a:fillRef>
+          <a:effectRef idx="0">
+            <a:schemeClr val="dk1"/>
+          </a:effectRef>
+          <a:fontRef idx="minor">
+            <a:schemeClr val="lt1"/>
+          </a:fontRef>
+        </p:style>
+        <p:txBody>
+          <a:bodyPr rtlCol="0" anchor="ctr"/>
+          <a:lstStyle/>
+          <a:p>
+            <a:pPr algn="ctr"/>
+            <a:endParaRPr lang="en-US" dirty="0"/>
+          </a:p>
+        </p:txBody>
+      </p:sp>
+      <p:sp>
+        <p:nvSpPr>
+          <p:cNvPr id="45" name="Oval 44"/>
+          <p:cNvSpPr/>
+          <p:nvPr/>
+        </p:nvSpPr>
+        <p:spPr>
+          <a:xfrm>
+            <a:off x="4776195" y="3715528"/>
+            <a:ext cx="228685" cy="79080"/>
+          </a:xfrm>
+          <a:prstGeom prst="ellipse">
+            <a:avLst/>
+          </a:prstGeom>
+        </p:spPr>
+        <p:style>
+          <a:lnRef idx="2">
+            <a:schemeClr val="dk1">
+              <a:shade val="50000"/>
+            </a:schemeClr>
+          </a:lnRef>
+          <a:fillRef idx="1">
+            <a:schemeClr val="dk1"/>
+          </a:fillRef>
+          <a:effectRef idx="0">
+            <a:schemeClr val="dk1"/>
+          </a:effectRef>
+          <a:fontRef idx="minor">
+            <a:schemeClr val="lt1"/>
+          </a:fontRef>
+        </p:style>
+        <p:txBody>
+          <a:bodyPr rtlCol="0" anchor="ctr"/>
+          <a:lstStyle/>
+          <a:p>
+            <a:pPr algn="ctr"/>
+            <a:endParaRPr lang="en-US" dirty="0"/>
+          </a:p>
+        </p:txBody>
+      </p:sp>
+      <p:sp>
+        <p:nvSpPr>
+          <p:cNvPr id="46" name="Oval 45"/>
+          <p:cNvSpPr/>
+          <p:nvPr/>
+        </p:nvSpPr>
+        <p:spPr>
+          <a:xfrm>
+            <a:off x="4632264" y="3867928"/>
+            <a:ext cx="228685" cy="79080"/>
+          </a:xfrm>
+          <a:prstGeom prst="ellipse">
+            <a:avLst/>
+          </a:prstGeom>
+        </p:spPr>
+        <p:style>
+          <a:lnRef idx="2">
+            <a:schemeClr val="dk1">
+              <a:shade val="50000"/>
+            </a:schemeClr>
+          </a:lnRef>
+          <a:fillRef idx="1">
+            <a:schemeClr val="dk1"/>
+          </a:fillRef>
+          <a:effectRef idx="0">
+            <a:schemeClr val="dk1"/>
+          </a:effectRef>
+          <a:fontRef idx="minor">
+            <a:schemeClr val="lt1"/>
+          </a:fontRef>
+        </p:style>
+        <p:txBody>
+          <a:bodyPr rtlCol="0" anchor="ctr"/>
+          <a:lstStyle/>
+          <a:p>
+            <a:pPr algn="ctr"/>
+            <a:endParaRPr lang="en-US" dirty="0"/>
+          </a:p>
+        </p:txBody>
+      </p:sp>
+      <p:sp>
+        <p:nvSpPr>
+          <p:cNvPr id="51" name="Rectangle 50"/>
+          <p:cNvSpPr/>
+          <p:nvPr/>
+        </p:nvSpPr>
+        <p:spPr>
+          <a:xfrm>
+            <a:off x="3957623" y="2898168"/>
+            <a:ext cx="445956" cy="369332"/>
+          </a:xfrm>
+          <a:prstGeom prst="rect">
+            <a:avLst/>
+          </a:prstGeom>
+        </p:spPr>
+        <p:txBody>
+          <a:bodyPr wrap="none">
+            <a:spAutoFit/>
+          </a:bodyPr>
+          <a:lstStyle/>
+          <a:p>
+            <a:r>
+              <a:rPr lang="en-US" dirty="0" smtClean="0">
+                <a:latin typeface="Comic Sans MS" panose="030F0702030302020204" pitchFamily="66" charset="0"/>
+                <a:ea typeface="Cambria Math" panose="02040503050406030204" pitchFamily="18" charset="0"/>
+              </a:rPr>
+              <a:t>kd</a:t>
+            </a:r>
+            <a:endParaRPr lang="en-US" dirty="0">
+              <a:latin typeface="Comic Sans MS" panose="030F0702030302020204" pitchFamily="66" charset="0"/>
+            </a:endParaRPr>
+          </a:p>
+        </p:txBody>
+      </p:sp>
+      <p:cxnSp>
+        <p:nvCxnSpPr>
+          <p:cNvPr id="52" name="Straight Arrow Connector 51"/>
+          <p:cNvCxnSpPr/>
+          <p:nvPr/>
+        </p:nvCxnSpPr>
+        <p:spPr>
+          <a:xfrm>
+            <a:off x="4377454" y="1248897"/>
+            <a:ext cx="26125" cy="757646"/>
+          </a:xfrm>
+          <a:prstGeom prst="straightConnector1">
+            <a:avLst/>
+          </a:prstGeom>
+          <a:ln w="28575">
+            <a:prstDash val="solid"/>
+            <a:tailEnd type="triangle"/>
+          </a:ln>
+        </p:spPr>
+        <p:style>
+          <a:lnRef idx="1">
+            <a:schemeClr val="dk1"/>
+          </a:lnRef>
+          <a:fillRef idx="0">
+            <a:schemeClr val="dk1"/>
+          </a:fillRef>
+          <a:effectRef idx="0">
+            <a:schemeClr val="dk1"/>
+          </a:effectRef>
+          <a:fontRef idx="minor">
+            <a:schemeClr val="tx1"/>
+          </a:fontRef>
+        </p:style>
+      </p:cxnSp>
+      <p:sp>
+        <p:nvSpPr>
+          <p:cNvPr id="53" name="Rectangle 52"/>
+          <p:cNvSpPr/>
+          <p:nvPr/>
+        </p:nvSpPr>
+        <p:spPr>
+          <a:xfrm>
+            <a:off x="3866670" y="1443054"/>
+            <a:ext cx="421910" cy="369332"/>
+          </a:xfrm>
+          <a:prstGeom prst="rect">
+            <a:avLst/>
+          </a:prstGeom>
+        </p:spPr>
+        <p:txBody>
+          <a:bodyPr wrap="none">
+            <a:spAutoFit/>
+          </a:bodyPr>
+          <a:lstStyle/>
+          <a:p>
+            <a:r>
+              <a:rPr lang="en-US" dirty="0" smtClean="0">
+                <a:latin typeface="Comic Sans MS" panose="030F0702030302020204" pitchFamily="66" charset="0"/>
+                <a:ea typeface="Cambria Math" panose="02040503050406030204" pitchFamily="18" charset="0"/>
+              </a:rPr>
+              <a:t>ks</a:t>
+            </a:r>
+            <a:endParaRPr lang="en-US" dirty="0">
+              <a:latin typeface="Comic Sans MS" panose="030F0702030302020204" pitchFamily="66" charset="0"/>
+            </a:endParaRPr>
+          </a:p>
+        </p:txBody>
+      </p:sp>
+      <p:sp>
+        <p:nvSpPr>
+          <p:cNvPr id="54" name="Rectangle 53"/>
+          <p:cNvSpPr/>
+          <p:nvPr/>
+        </p:nvSpPr>
+        <p:spPr>
+          <a:xfrm>
+            <a:off x="5098948" y="1837669"/>
+            <a:ext cx="561372" cy="369332"/>
+          </a:xfrm>
+          <a:prstGeom prst="rect">
+            <a:avLst/>
+          </a:prstGeom>
+        </p:spPr>
+        <p:txBody>
+          <a:bodyPr wrap="none">
+            <a:spAutoFit/>
+          </a:bodyPr>
+          <a:lstStyle/>
+          <a:p>
+            <a:r>
+              <a:rPr lang="en-US" dirty="0">
+                <a:latin typeface="Comic Sans MS" panose="030F0702030302020204" pitchFamily="66" charset="0"/>
+                <a:ea typeface="Cambria Math" panose="02040503050406030204" pitchFamily="18" charset="0"/>
+              </a:rPr>
+              <a:t>k</a:t>
+            </a:r>
+            <a:r>
+              <a:rPr lang="en-US" dirty="0" smtClean="0">
+                <a:latin typeface="Comic Sans MS" panose="030F0702030302020204" pitchFamily="66" charset="0"/>
+                <a:ea typeface="Cambria Math" panose="02040503050406030204" pitchFamily="18" charset="0"/>
+              </a:rPr>
+              <a:t>3+</a:t>
+            </a:r>
+            <a:endParaRPr lang="en-US" dirty="0">
+              <a:latin typeface="Comic Sans MS" panose="030F0702030302020204" pitchFamily="66" charset="0"/>
+            </a:endParaRPr>
+          </a:p>
+        </p:txBody>
+      </p:sp>
+      <p:sp>
+        <p:nvSpPr>
+          <p:cNvPr id="55" name="Rectangle 54"/>
+          <p:cNvSpPr/>
+          <p:nvPr/>
+        </p:nvSpPr>
+        <p:spPr>
+          <a:xfrm>
+            <a:off x="5098948" y="2594835"/>
+            <a:ext cx="562975" cy="369332"/>
+          </a:xfrm>
+          <a:prstGeom prst="rect">
+            <a:avLst/>
+          </a:prstGeom>
+        </p:spPr>
+        <p:txBody>
+          <a:bodyPr wrap="none">
+            <a:spAutoFit/>
+          </a:bodyPr>
+          <a:lstStyle/>
+          <a:p>
+            <a:r>
+              <a:rPr lang="en-US" dirty="0" smtClean="0">
+                <a:latin typeface="Comic Sans MS" panose="030F0702030302020204" pitchFamily="66" charset="0"/>
+                <a:ea typeface="Cambria Math" panose="02040503050406030204" pitchFamily="18" charset="0"/>
+              </a:rPr>
+              <a:t>K3-</a:t>
+            </a:r>
+            <a:endParaRPr lang="en-US" dirty="0">
+              <a:latin typeface="Comic Sans MS" panose="030F0702030302020204" pitchFamily="66" charset="0"/>
+            </a:endParaRPr>
+          </a:p>
+        </p:txBody>
+      </p:sp>
+      <p:cxnSp>
+        <p:nvCxnSpPr>
+          <p:cNvPr id="18" name="Curved Connector 17"/>
+          <p:cNvCxnSpPr/>
+          <p:nvPr/>
+        </p:nvCxnSpPr>
+        <p:spPr>
+          <a:xfrm rot="16200000" flipV="1">
+            <a:off x="4470445" y="1634995"/>
+            <a:ext cx="353472" cy="309457"/>
+          </a:xfrm>
+          <a:prstGeom prst="curvedConnector3">
+            <a:avLst>
+              <a:gd name="adj1" fmla="val 171954"/>
+            </a:avLst>
+          </a:prstGeom>
+          <a:ln w="28575">
+            <a:prstDash val="dash"/>
+            <a:tailEnd type="triangle"/>
+          </a:ln>
+        </p:spPr>
+        <p:style>
+          <a:lnRef idx="1">
+            <a:schemeClr val="dk1"/>
+          </a:lnRef>
+          <a:fillRef idx="0">
+            <a:schemeClr val="dk1"/>
+          </a:fillRef>
+          <a:effectRef idx="0">
+            <a:schemeClr val="dk1"/>
+          </a:effectRef>
+          <a:fontRef idx="minor">
+            <a:schemeClr val="tx1"/>
+          </a:fontRef>
+        </p:style>
+      </p:cxnSp>
+      <p:cxnSp>
+        <p:nvCxnSpPr>
+          <p:cNvPr id="61" name="Elbow Connector 60"/>
+          <p:cNvCxnSpPr/>
+          <p:nvPr/>
+        </p:nvCxnSpPr>
+        <p:spPr>
+          <a:xfrm>
+            <a:off x="2377440" y="2704011"/>
+            <a:ext cx="1700185" cy="563489"/>
+          </a:xfrm>
+          <a:prstGeom prst="bentConnector3">
+            <a:avLst>
+              <a:gd name="adj1" fmla="val 59"/>
+            </a:avLst>
+          </a:prstGeom>
+          <a:ln w="28575">
+            <a:prstDash val="dash"/>
+            <a:tailEnd type="triangle"/>
+          </a:ln>
+        </p:spPr>
+        <p:style>
+          <a:lnRef idx="1">
+            <a:schemeClr val="dk1"/>
+          </a:lnRef>
+          <a:fillRef idx="0">
+            <a:schemeClr val="dk1"/>
+          </a:fillRef>
+          <a:effectRef idx="0">
+            <a:schemeClr val="dk1"/>
+          </a:effectRef>
+          <a:fontRef idx="minor">
+            <a:schemeClr val="tx1"/>
+          </a:fontRef>
+        </p:style>
+      </p:cxnSp>
+      <p:sp>
+        <p:nvSpPr>
+          <p:cNvPr id="69" name="TextBox 68"/>
+          <p:cNvSpPr txBox="1"/>
+          <p:nvPr/>
+        </p:nvSpPr>
+        <p:spPr>
+          <a:xfrm>
+            <a:off x="352697" y="561703"/>
+            <a:ext cx="2316316" cy="769441"/>
+          </a:xfrm>
+          <a:prstGeom prst="rect">
+            <a:avLst/>
+          </a:prstGeom>
+          <a:noFill/>
+        </p:spPr>
+        <p:txBody>
+          <a:bodyPr wrap="square" rtlCol="0">
+            <a:spAutoFit/>
+          </a:bodyPr>
+          <a:lstStyle/>
+          <a:p>
+            <a:r>
+              <a:rPr lang="en-US" sz="4400" dirty="0" smtClean="0">
+                <a:latin typeface="Comic Sans MS" panose="030F0702030302020204" pitchFamily="66" charset="0"/>
+              </a:rPr>
+              <a:t>Model 2</a:t>
+            </a:r>
+            <a:endParaRPr lang="en-US" sz="4400" dirty="0">
+              <a:latin typeface="Comic Sans MS" panose="030F0702030302020204" pitchFamily="66" charset="0"/>
+            </a:endParaRPr>
+          </a:p>
+        </p:txBody>
+      </p:sp>
+    </p:spTree>
+    <p:extLst>
+      <p:ext uri="{BB962C8B-B14F-4D97-AF65-F5344CB8AC3E}">
+        <p14:creationId xmlns:p14="http://schemas.microsoft.com/office/powerpoint/2010/main" val="3228121694"/>
+      </p:ext>
+    </p:extLst>
+  </p:cSld>
+  <p:clrMapOvr>
+    <a:masterClrMapping/>
+  </p:clrMapOvr>
+</p:sld>
+</file>
+
+<file path=ppt/slides/slide14.xml><?xml version="1.0" encoding="utf-8"?>
+<p:sld xmlns:a="http://schemas.openxmlformats.org/drawingml/2006/main" xmlns:r="http://schemas.openxmlformats.org/officeDocument/2006/relationships" xmlns:p="http://schemas.openxmlformats.org/presentationml/2006/main">
+  <p:cSld>
+    <p:spTree>
+      <p:nvGrpSpPr>
+        <p:cNvPr id="1" name=""/>
+        <p:cNvGrpSpPr/>
+        <p:nvPr/>
+      </p:nvGrpSpPr>
+      <p:grpSpPr>
+        <a:xfrm>
+          <a:off x="0" y="0"/>
+          <a:ext cx="0" cy="0"/>
+          <a:chOff x="0" y="0"/>
+          <a:chExt cx="0" cy="0"/>
+        </a:xfrm>
+      </p:grpSpPr>
+      <p:sp>
+        <p:nvSpPr>
           <p:cNvPr id="2" name="Title 1"/>
           <p:cNvSpPr>
             <a:spLocks noGrp="1"/>
@@ -3866,8 +5363,8 @@
         </p:nvSpPr>
         <p:spPr>
           <a:xfrm>
-            <a:off x="0" y="0"/>
-            <a:ext cx="10515600" cy="1325563"/>
+            <a:off x="-1" y="0"/>
+            <a:ext cx="11652069" cy="1325563"/>
           </a:xfrm>
         </p:spPr>
         <p:txBody>
@@ -3878,7 +5375,610 @@
               <a:rPr lang="en-US" dirty="0" smtClean="0">
                 <a:latin typeface="Comic Sans MS" panose="030F0702030302020204" pitchFamily="66" charset="0"/>
               </a:rPr>
-              <a:t>Simulation Result</a:t>
+              <a:t>Temporal dynamics of species in our </a:t>
+            </a:r>
+            <a:r>
+              <a:rPr lang="en-US" dirty="0" smtClean="0">
+                <a:latin typeface="Comic Sans MS" panose="030F0702030302020204" pitchFamily="66" charset="0"/>
+              </a:rPr>
+              <a:t>model</a:t>
+            </a:r>
+            <a:br>
+              <a:rPr lang="en-US" dirty="0" smtClean="0">
+                <a:latin typeface="Comic Sans MS" panose="030F0702030302020204" pitchFamily="66" charset="0"/>
+              </a:rPr>
+            </a:br>
+            <a:r>
+              <a:rPr lang="en-US" dirty="0">
+                <a:latin typeface="Comic Sans MS" panose="030F0702030302020204" pitchFamily="66" charset="0"/>
+              </a:rPr>
+              <a:t> </a:t>
+            </a:r>
+            <a:r>
+              <a:rPr lang="en-US" dirty="0" smtClean="0">
+                <a:latin typeface="Comic Sans MS" panose="030F0702030302020204" pitchFamily="66" charset="0"/>
+              </a:rPr>
+              <a:t>– </a:t>
+            </a:r>
+            <a:r>
+              <a:rPr lang="en-US" u="sng" dirty="0" smtClean="0">
+                <a:latin typeface="Comic Sans MS" panose="030F0702030302020204" pitchFamily="66" charset="0"/>
+              </a:rPr>
+              <a:t>before division</a:t>
+            </a:r>
+            <a:endParaRPr lang="en-US" u="sng" dirty="0">
+              <a:latin typeface="Comic Sans MS" panose="030F0702030302020204" pitchFamily="66" charset="0"/>
+            </a:endParaRPr>
+          </a:p>
+        </p:txBody>
+      </p:sp>
+      <p:pic>
+        <p:nvPicPr>
+          <p:cNvPr id="1028" name="Picture 4"/>
+          <p:cNvPicPr>
+            <a:picLocks noChangeAspect="1" noChangeArrowheads="1"/>
+          </p:cNvPicPr>
+          <p:nvPr/>
+        </p:nvPicPr>
+        <p:blipFill>
+          <a:blip r:embed="rId2" cstate="print">
+            <a:extLst>
+              <a:ext uri="{28A0092B-C50C-407E-A947-70E740481C1C}">
+                <a14:useLocalDpi xmlns:a14="http://schemas.microsoft.com/office/drawing/2010/main" val="0"/>
+              </a:ext>
+            </a:extLst>
+          </a:blip>
+          <a:srcRect/>
+          <a:stretch>
+            <a:fillRect/>
+          </a:stretch>
+        </p:blipFill>
+        <p:spPr bwMode="auto">
+          <a:xfrm>
+            <a:off x="0" y="2129619"/>
+            <a:ext cx="5713708" cy="1011126"/>
+          </a:xfrm>
+          <a:prstGeom prst="rect">
+            <a:avLst/>
+          </a:prstGeom>
+          <a:noFill/>
+          <a:ln>
+            <a:noFill/>
+          </a:ln>
+          <a:extLst>
+            <a:ext uri="{909E8E84-426E-40DD-AFC4-6F175D3DCCD1}">
+              <a14:hiddenFill xmlns:a14="http://schemas.microsoft.com/office/drawing/2010/main">
+                <a:solidFill>
+                  <a:schemeClr val="accent1"/>
+                </a:solidFill>
+              </a14:hiddenFill>
+            </a:ext>
+            <a:ext uri="{91240B29-F687-4F45-9708-019B960494DF}">
+              <a14:hiddenLine xmlns:a14="http://schemas.microsoft.com/office/drawing/2010/main" w="9525">
+                <a:solidFill>
+                  <a:schemeClr val="tx1"/>
+                </a:solidFill>
+                <a:miter lim="800000"/>
+                <a:headEnd/>
+                <a:tailEnd/>
+              </a14:hiddenLine>
+            </a:ext>
+          </a:extLst>
+        </p:spPr>
+      </p:pic>
+      <p:pic>
+        <p:nvPicPr>
+          <p:cNvPr id="9219" name="Picture 3"/>
+          <p:cNvPicPr>
+            <a:picLocks noChangeAspect="1" noChangeArrowheads="1"/>
+          </p:cNvPicPr>
+          <p:nvPr/>
+        </p:nvPicPr>
+        <p:blipFill>
+          <a:blip r:embed="rId3">
+            <a:extLst>
+              <a:ext uri="{28A0092B-C50C-407E-A947-70E740481C1C}">
+                <a14:useLocalDpi xmlns:a14="http://schemas.microsoft.com/office/drawing/2010/main" val="0"/>
+              </a:ext>
+            </a:extLst>
+          </a:blip>
+          <a:srcRect/>
+          <a:stretch>
+            <a:fillRect/>
+          </a:stretch>
+        </p:blipFill>
+        <p:spPr bwMode="auto">
+          <a:xfrm>
+            <a:off x="70063" y="1502676"/>
+            <a:ext cx="5524825" cy="490537"/>
+          </a:xfrm>
+          <a:prstGeom prst="rect">
+            <a:avLst/>
+          </a:prstGeom>
+          <a:noFill/>
+          <a:ln>
+            <a:noFill/>
+          </a:ln>
+          <a:extLst>
+            <a:ext uri="{909E8E84-426E-40DD-AFC4-6F175D3DCCD1}">
+              <a14:hiddenFill xmlns:a14="http://schemas.microsoft.com/office/drawing/2010/main">
+                <a:solidFill>
+                  <a:schemeClr val="accent1"/>
+                </a:solidFill>
+              </a14:hiddenFill>
+            </a:ext>
+            <a:ext uri="{91240B29-F687-4F45-9708-019B960494DF}">
+              <a14:hiddenLine xmlns:a14="http://schemas.microsoft.com/office/drawing/2010/main" w="9525">
+                <a:solidFill>
+                  <a:schemeClr val="tx1"/>
+                </a:solidFill>
+                <a:miter lim="800000"/>
+                <a:headEnd/>
+                <a:tailEnd/>
+              </a14:hiddenLine>
+            </a:ext>
+          </a:extLst>
+        </p:spPr>
+      </p:pic>
+      <p:sp>
+        <p:nvSpPr>
+          <p:cNvPr id="3" name="TextBox 2"/>
+          <p:cNvSpPr txBox="1"/>
+          <p:nvPr/>
+        </p:nvSpPr>
+        <p:spPr>
+          <a:xfrm>
+            <a:off x="1582278" y="1944953"/>
+            <a:ext cx="1250197" cy="369332"/>
+          </a:xfrm>
+          <a:prstGeom prst="rect">
+            <a:avLst/>
+          </a:prstGeom>
+          <a:noFill/>
+        </p:spPr>
+        <p:txBody>
+          <a:bodyPr wrap="square" rtlCol="0">
+            <a:spAutoFit/>
+          </a:bodyPr>
+          <a:lstStyle/>
+          <a:p>
+            <a:r>
+              <a:rPr lang="en-US" dirty="0" err="1" smtClean="0"/>
+              <a:t>TacA</a:t>
+            </a:r>
+            <a:endParaRPr lang="en-CA" dirty="0"/>
+          </a:p>
+        </p:txBody>
+      </p:sp>
+      <p:pic>
+        <p:nvPicPr>
+          <p:cNvPr id="9221" name="Picture 5"/>
+          <p:cNvPicPr>
+            <a:picLocks noChangeAspect="1" noChangeArrowheads="1"/>
+          </p:cNvPicPr>
+          <p:nvPr/>
+        </p:nvPicPr>
+        <p:blipFill>
+          <a:blip r:embed="rId4">
+            <a:extLst>
+              <a:ext uri="{28A0092B-C50C-407E-A947-70E740481C1C}">
+                <a14:useLocalDpi xmlns:a14="http://schemas.microsoft.com/office/drawing/2010/main" val="0"/>
+              </a:ext>
+            </a:extLst>
+          </a:blip>
+          <a:srcRect/>
+          <a:stretch>
+            <a:fillRect/>
+          </a:stretch>
+        </p:blipFill>
+        <p:spPr bwMode="auto">
+          <a:xfrm>
+            <a:off x="7046563" y="1175113"/>
+            <a:ext cx="3727181" cy="2688274"/>
+          </a:xfrm>
+          <a:prstGeom prst="rect">
+            <a:avLst/>
+          </a:prstGeom>
+          <a:noFill/>
+          <a:ln>
+            <a:noFill/>
+          </a:ln>
+          <a:extLst>
+            <a:ext uri="{909E8E84-426E-40DD-AFC4-6F175D3DCCD1}">
+              <a14:hiddenFill xmlns:a14="http://schemas.microsoft.com/office/drawing/2010/main">
+                <a:solidFill>
+                  <a:schemeClr val="accent1"/>
+                </a:solidFill>
+              </a14:hiddenFill>
+            </a:ext>
+            <a:ext uri="{91240B29-F687-4F45-9708-019B960494DF}">
+              <a14:hiddenLine xmlns:a14="http://schemas.microsoft.com/office/drawing/2010/main" w="9525">
+                <a:solidFill>
+                  <a:schemeClr val="tx1"/>
+                </a:solidFill>
+                <a:miter lim="800000"/>
+                <a:headEnd/>
+                <a:tailEnd/>
+              </a14:hiddenLine>
+            </a:ext>
+          </a:extLst>
+        </p:spPr>
+      </p:pic>
+      <p:pic>
+        <p:nvPicPr>
+          <p:cNvPr id="11" name="Picture 4"/>
+          <p:cNvPicPr>
+            <a:picLocks noChangeAspect="1" noChangeArrowheads="1"/>
+          </p:cNvPicPr>
+          <p:nvPr/>
+        </p:nvPicPr>
+        <p:blipFill>
+          <a:blip r:embed="rId5">
+            <a:extLst>
+              <a:ext uri="{28A0092B-C50C-407E-A947-70E740481C1C}">
+                <a14:useLocalDpi xmlns:a14="http://schemas.microsoft.com/office/drawing/2010/main" val="0"/>
+              </a:ext>
+            </a:extLst>
+          </a:blip>
+          <a:srcRect/>
+          <a:stretch>
+            <a:fillRect/>
+          </a:stretch>
+        </p:blipFill>
+        <p:spPr bwMode="auto">
+          <a:xfrm>
+            <a:off x="382291" y="3186118"/>
+            <a:ext cx="5331417" cy="3671882"/>
+          </a:xfrm>
+          <a:prstGeom prst="rect">
+            <a:avLst/>
+          </a:prstGeom>
+          <a:noFill/>
+          <a:ln>
+            <a:noFill/>
+          </a:ln>
+          <a:extLst>
+            <a:ext uri="{909E8E84-426E-40DD-AFC4-6F175D3DCCD1}">
+              <a14:hiddenFill xmlns:a14="http://schemas.microsoft.com/office/drawing/2010/main">
+                <a:solidFill>
+                  <a:schemeClr val="accent1"/>
+                </a:solidFill>
+              </a14:hiddenFill>
+            </a:ext>
+            <a:ext uri="{91240B29-F687-4F45-9708-019B960494DF}">
+              <a14:hiddenLine xmlns:a14="http://schemas.microsoft.com/office/drawing/2010/main" w="9525">
+                <a:solidFill>
+                  <a:schemeClr val="tx1"/>
+                </a:solidFill>
+                <a:miter lim="800000"/>
+                <a:headEnd/>
+                <a:tailEnd/>
+              </a14:hiddenLine>
+            </a:ext>
+          </a:extLst>
+        </p:spPr>
+      </p:pic>
+      <p:sp>
+        <p:nvSpPr>
+          <p:cNvPr id="12" name="TextBox 11"/>
+          <p:cNvSpPr txBox="1"/>
+          <p:nvPr/>
+        </p:nvSpPr>
+        <p:spPr>
+          <a:xfrm>
+            <a:off x="2973093" y="3863386"/>
+            <a:ext cx="1250197" cy="369332"/>
+          </a:xfrm>
+          <a:prstGeom prst="rect">
+            <a:avLst/>
+          </a:prstGeom>
+          <a:noFill/>
+        </p:spPr>
+        <p:txBody>
+          <a:bodyPr wrap="square" rtlCol="0">
+            <a:spAutoFit/>
+          </a:bodyPr>
+          <a:lstStyle/>
+          <a:p>
+            <a:r>
+              <a:rPr lang="en-US" dirty="0" err="1" smtClean="0"/>
+              <a:t>RcdA</a:t>
+            </a:r>
+            <a:endParaRPr lang="en-CA" dirty="0"/>
+          </a:p>
+        </p:txBody>
+      </p:sp>
+      <p:pic>
+        <p:nvPicPr>
+          <p:cNvPr id="9222" name="Picture 6"/>
+          <p:cNvPicPr>
+            <a:picLocks noChangeAspect="1" noChangeArrowheads="1"/>
+          </p:cNvPicPr>
+          <p:nvPr/>
+        </p:nvPicPr>
+        <p:blipFill>
+          <a:blip r:embed="rId6">
+            <a:extLst>
+              <a:ext uri="{28A0092B-C50C-407E-A947-70E740481C1C}">
+                <a14:useLocalDpi xmlns:a14="http://schemas.microsoft.com/office/drawing/2010/main" val="0"/>
+              </a:ext>
+            </a:extLst>
+          </a:blip>
+          <a:srcRect/>
+          <a:stretch>
+            <a:fillRect/>
+          </a:stretch>
+        </p:blipFill>
+        <p:spPr bwMode="auto">
+          <a:xfrm>
+            <a:off x="7087892" y="3870234"/>
+            <a:ext cx="3685852" cy="2919413"/>
+          </a:xfrm>
+          <a:prstGeom prst="rect">
+            <a:avLst/>
+          </a:prstGeom>
+          <a:noFill/>
+          <a:ln>
+            <a:noFill/>
+          </a:ln>
+          <a:extLst>
+            <a:ext uri="{909E8E84-426E-40DD-AFC4-6F175D3DCCD1}">
+              <a14:hiddenFill xmlns:a14="http://schemas.microsoft.com/office/drawing/2010/main">
+                <a:solidFill>
+                  <a:schemeClr val="accent1"/>
+                </a:solidFill>
+              </a14:hiddenFill>
+            </a:ext>
+            <a:ext uri="{91240B29-F687-4F45-9708-019B960494DF}">
+              <a14:hiddenLine xmlns:a14="http://schemas.microsoft.com/office/drawing/2010/main" w="9525">
+                <a:solidFill>
+                  <a:schemeClr val="tx1"/>
+                </a:solidFill>
+                <a:miter lim="800000"/>
+                <a:headEnd/>
+                <a:tailEnd/>
+              </a14:hiddenLine>
+            </a:ext>
+          </a:extLst>
+        </p:spPr>
+      </p:pic>
+      <p:pic>
+        <p:nvPicPr>
+          <p:cNvPr id="9223" name="Picture 7"/>
+          <p:cNvPicPr>
+            <a:picLocks noChangeAspect="1" noChangeArrowheads="1"/>
+          </p:cNvPicPr>
+          <p:nvPr/>
+        </p:nvPicPr>
+        <p:blipFill>
+          <a:blip r:embed="rId7">
+            <a:extLst>
+              <a:ext uri="{28A0092B-C50C-407E-A947-70E740481C1C}">
+                <a14:useLocalDpi xmlns:a14="http://schemas.microsoft.com/office/drawing/2010/main" val="0"/>
+              </a:ext>
+            </a:extLst>
+          </a:blip>
+          <a:srcRect/>
+          <a:stretch>
+            <a:fillRect/>
+          </a:stretch>
+        </p:blipFill>
+        <p:spPr bwMode="auto">
+          <a:xfrm>
+            <a:off x="4515172" y="1502677"/>
+            <a:ext cx="1198535" cy="5239786"/>
+          </a:xfrm>
+          <a:prstGeom prst="rect">
+            <a:avLst/>
+          </a:prstGeom>
+          <a:noFill/>
+          <a:ln>
+            <a:noFill/>
+          </a:ln>
+          <a:extLst>
+            <a:ext uri="{909E8E84-426E-40DD-AFC4-6F175D3DCCD1}">
+              <a14:hiddenFill xmlns:a14="http://schemas.microsoft.com/office/drawing/2010/main">
+                <a:solidFill>
+                  <a:schemeClr val="accent1"/>
+                </a:solidFill>
+              </a14:hiddenFill>
+            </a:ext>
+            <a:ext uri="{91240B29-F687-4F45-9708-019B960494DF}">
+              <a14:hiddenLine xmlns:a14="http://schemas.microsoft.com/office/drawing/2010/main" w="9525">
+                <a:solidFill>
+                  <a:schemeClr val="tx1"/>
+                </a:solidFill>
+                <a:miter lim="800000"/>
+                <a:headEnd/>
+                <a:tailEnd/>
+              </a14:hiddenLine>
+            </a:ext>
+          </a:extLst>
+        </p:spPr>
+      </p:pic>
+    </p:spTree>
+    <p:extLst>
+      <p:ext uri="{BB962C8B-B14F-4D97-AF65-F5344CB8AC3E}">
+        <p14:creationId xmlns:p14="http://schemas.microsoft.com/office/powerpoint/2010/main" val="1927386655"/>
+      </p:ext>
+    </p:extLst>
+  </p:cSld>
+  <p:clrMapOvr>
+    <a:masterClrMapping/>
+  </p:clrMapOvr>
+</p:sld>
+</file>
+
+<file path=ppt/slides/slide15.xml><?xml version="1.0" encoding="utf-8"?>
+<p:sld xmlns:a="http://schemas.openxmlformats.org/drawingml/2006/main" xmlns:r="http://schemas.openxmlformats.org/officeDocument/2006/relationships" xmlns:p="http://schemas.openxmlformats.org/presentationml/2006/main">
+  <p:cSld>
+    <p:spTree>
+      <p:nvGrpSpPr>
+        <p:cNvPr id="1" name=""/>
+        <p:cNvGrpSpPr/>
+        <p:nvPr/>
+      </p:nvGrpSpPr>
+      <p:grpSpPr>
+        <a:xfrm>
+          <a:off x="0" y="0"/>
+          <a:ext cx="0" cy="0"/>
+          <a:chOff x="0" y="0"/>
+          <a:chExt cx="0" cy="0"/>
+        </a:xfrm>
+      </p:grpSpPr>
+      <p:sp>
+        <p:nvSpPr>
+          <p:cNvPr id="4" name="Rectangle 3"/>
+          <p:cNvSpPr/>
+          <p:nvPr/>
+        </p:nvSpPr>
+        <p:spPr>
+          <a:xfrm>
+            <a:off x="698537" y="4645986"/>
+            <a:ext cx="10028707" cy="523220"/>
+          </a:xfrm>
+          <a:prstGeom prst="rect">
+            <a:avLst/>
+          </a:prstGeom>
+        </p:spPr>
+        <p:txBody>
+          <a:bodyPr wrap="none">
+            <a:spAutoFit/>
+          </a:bodyPr>
+          <a:lstStyle/>
+          <a:p>
+            <a:r>
+              <a:rPr lang="en-US" sz="2800" dirty="0">
+                <a:latin typeface="Comic Sans MS" panose="030F0702030302020204" pitchFamily="66" charset="0"/>
+                <a:ea typeface="Cambria Math" panose="02040503050406030204" pitchFamily="18" charset="0"/>
+              </a:rPr>
+              <a:t>ClpXP:CpdR:RcdA (</a:t>
+            </a:r>
+            <a:r>
+              <a:rPr lang="en-US" altLang="zh-CN" sz="2800" dirty="0">
+                <a:latin typeface="Comic Sans MS" panose="030F0702030302020204" pitchFamily="66" charset="0"/>
+                <a:ea typeface="Cambria Math" panose="02040503050406030204" pitchFamily="18" charset="0"/>
+              </a:rPr>
+              <a:t>Complex 2</a:t>
+            </a:r>
+            <a:r>
+              <a:rPr lang="en-US" altLang="zh-CN" sz="2800" dirty="0" smtClean="0">
+                <a:latin typeface="Comic Sans MS" panose="030F0702030302020204" pitchFamily="66" charset="0"/>
+                <a:ea typeface="Cambria Math" panose="02040503050406030204" pitchFamily="18" charset="0"/>
+              </a:rPr>
+              <a:t>) + PopA:2cdG         Complex 3</a:t>
+            </a:r>
+            <a:endParaRPr lang="en-US" sz="2800" dirty="0"/>
+          </a:p>
+        </p:txBody>
+      </p:sp>
+      <p:cxnSp>
+        <p:nvCxnSpPr>
+          <p:cNvPr id="5" name="Straight Arrow Connector 4"/>
+          <p:cNvCxnSpPr/>
+          <p:nvPr/>
+        </p:nvCxnSpPr>
+        <p:spPr>
+          <a:xfrm flipH="1">
+            <a:off x="8013692" y="5014954"/>
+            <a:ext cx="557892" cy="14738"/>
+          </a:xfrm>
+          <a:prstGeom prst="straightConnector1">
+            <a:avLst/>
+          </a:prstGeom>
+          <a:ln w="28575">
+            <a:tailEnd type="triangle"/>
+          </a:ln>
+        </p:spPr>
+        <p:style>
+          <a:lnRef idx="1">
+            <a:schemeClr val="dk1"/>
+          </a:lnRef>
+          <a:fillRef idx="0">
+            <a:schemeClr val="dk1"/>
+          </a:fillRef>
+          <a:effectRef idx="0">
+            <a:schemeClr val="dk1"/>
+          </a:effectRef>
+          <a:fontRef idx="minor">
+            <a:schemeClr val="tx1"/>
+          </a:fontRef>
+        </p:style>
+      </p:cxnSp>
+      <p:cxnSp>
+        <p:nvCxnSpPr>
+          <p:cNvPr id="6" name="Straight Arrow Connector 5"/>
+          <p:cNvCxnSpPr/>
+          <p:nvPr/>
+        </p:nvCxnSpPr>
+        <p:spPr>
+          <a:xfrm>
+            <a:off x="8013692" y="4875440"/>
+            <a:ext cx="658783" cy="0"/>
+          </a:xfrm>
+          <a:prstGeom prst="straightConnector1">
+            <a:avLst/>
+          </a:prstGeom>
+          <a:ln w="28575">
+            <a:tailEnd type="triangle"/>
+          </a:ln>
+        </p:spPr>
+        <p:style>
+          <a:lnRef idx="1">
+            <a:schemeClr val="dk1"/>
+          </a:lnRef>
+          <a:fillRef idx="0">
+            <a:schemeClr val="dk1"/>
+          </a:fillRef>
+          <a:effectRef idx="0">
+            <a:schemeClr val="dk1"/>
+          </a:effectRef>
+          <a:fontRef idx="minor">
+            <a:schemeClr val="tx1"/>
+          </a:fontRef>
+        </p:style>
+      </p:cxnSp>
+      <p:sp>
+        <p:nvSpPr>
+          <p:cNvPr id="7" name="Rectangle 6"/>
+          <p:cNvSpPr/>
+          <p:nvPr/>
+        </p:nvSpPr>
+        <p:spPr>
+          <a:xfrm>
+            <a:off x="8013692" y="4402422"/>
+            <a:ext cx="561372" cy="369332"/>
+          </a:xfrm>
+          <a:prstGeom prst="rect">
+            <a:avLst/>
+          </a:prstGeom>
+        </p:spPr>
+        <p:txBody>
+          <a:bodyPr wrap="none">
+            <a:spAutoFit/>
+          </a:bodyPr>
+          <a:lstStyle/>
+          <a:p>
+            <a:r>
+              <a:rPr lang="en-US" dirty="0" smtClean="0">
+                <a:latin typeface="Comic Sans MS" panose="030F0702030302020204" pitchFamily="66" charset="0"/>
+                <a:ea typeface="Cambria Math" panose="02040503050406030204" pitchFamily="18" charset="0"/>
+              </a:rPr>
+              <a:t>k</a:t>
+            </a:r>
+            <a:r>
+              <a:rPr lang="en-US" dirty="0">
+                <a:latin typeface="Comic Sans MS" panose="030F0702030302020204" pitchFamily="66" charset="0"/>
+                <a:ea typeface="Cambria Math" panose="02040503050406030204" pitchFamily="18" charset="0"/>
+              </a:rPr>
+              <a:t>5</a:t>
+            </a:r>
+            <a:r>
+              <a:rPr lang="en-US" dirty="0" smtClean="0">
+                <a:latin typeface="Comic Sans MS" panose="030F0702030302020204" pitchFamily="66" charset="0"/>
+                <a:ea typeface="Cambria Math" panose="02040503050406030204" pitchFamily="18" charset="0"/>
+              </a:rPr>
+              <a:t>+</a:t>
             </a:r>
             <a:endParaRPr lang="en-US" dirty="0">
               <a:latin typeface="Comic Sans MS" panose="030F0702030302020204" pitchFamily="66" charset="0"/>
@@ -3886,10 +5986,1098 @@
           </a:p>
         </p:txBody>
       </p:sp>
+      <p:sp>
+        <p:nvSpPr>
+          <p:cNvPr id="8" name="Rectangle 7"/>
+          <p:cNvSpPr/>
+          <p:nvPr/>
+        </p:nvSpPr>
+        <p:spPr>
+          <a:xfrm>
+            <a:off x="8015283" y="5167531"/>
+            <a:ext cx="546945" cy="369332"/>
+          </a:xfrm>
+          <a:prstGeom prst="rect">
+            <a:avLst/>
+          </a:prstGeom>
+        </p:spPr>
+        <p:txBody>
+          <a:bodyPr wrap="none">
+            <a:spAutoFit/>
+          </a:bodyPr>
+          <a:lstStyle/>
+          <a:p>
+            <a:r>
+              <a:rPr lang="en-US" dirty="0">
+                <a:latin typeface="Comic Sans MS" panose="030F0702030302020204" pitchFamily="66" charset="0"/>
+                <a:ea typeface="Cambria Math" panose="02040503050406030204" pitchFamily="18" charset="0"/>
+              </a:rPr>
+              <a:t>k</a:t>
+            </a:r>
+            <a:r>
+              <a:rPr lang="en-US" dirty="0" smtClean="0">
+                <a:latin typeface="Comic Sans MS" panose="030F0702030302020204" pitchFamily="66" charset="0"/>
+                <a:ea typeface="Cambria Math" panose="02040503050406030204" pitchFamily="18" charset="0"/>
+              </a:rPr>
+              <a:t>5-</a:t>
+            </a:r>
+            <a:endParaRPr lang="en-US" dirty="0">
+              <a:latin typeface="Comic Sans MS" panose="030F0702030302020204" pitchFamily="66" charset="0"/>
+            </a:endParaRPr>
+          </a:p>
+        </p:txBody>
+      </p:sp>
+      <p:sp>
+        <p:nvSpPr>
+          <p:cNvPr id="9" name="Rectangle 8"/>
+          <p:cNvSpPr/>
+          <p:nvPr/>
+        </p:nvSpPr>
+        <p:spPr>
+          <a:xfrm>
+            <a:off x="8013692" y="2238494"/>
+            <a:ext cx="1983235" cy="523220"/>
+          </a:xfrm>
+          <a:prstGeom prst="rect">
+            <a:avLst/>
+          </a:prstGeom>
+        </p:spPr>
+        <p:txBody>
+          <a:bodyPr wrap="none">
+            <a:spAutoFit/>
+          </a:bodyPr>
+          <a:lstStyle/>
+          <a:p>
+            <a:r>
+              <a:rPr lang="en-US" altLang="zh-CN" sz="2800" dirty="0">
+                <a:latin typeface="Comic Sans MS" panose="030F0702030302020204" pitchFamily="66" charset="0"/>
+                <a:ea typeface="Cambria Math" panose="02040503050406030204" pitchFamily="18" charset="0"/>
+              </a:rPr>
+              <a:t>PopA:2cdG</a:t>
+            </a:r>
+            <a:endParaRPr lang="en-US" sz="2800" dirty="0"/>
+          </a:p>
+        </p:txBody>
+      </p:sp>
+      <p:cxnSp>
+        <p:nvCxnSpPr>
+          <p:cNvPr id="10" name="Straight Arrow Connector 9"/>
+          <p:cNvCxnSpPr/>
+          <p:nvPr/>
+        </p:nvCxnSpPr>
+        <p:spPr>
+          <a:xfrm flipV="1">
+            <a:off x="6686896" y="2498744"/>
+            <a:ext cx="1326796" cy="1360"/>
+          </a:xfrm>
+          <a:prstGeom prst="straightConnector1">
+            <a:avLst/>
+          </a:prstGeom>
+          <a:ln w="28575">
+            <a:tailEnd type="triangle"/>
+          </a:ln>
+        </p:spPr>
+        <p:style>
+          <a:lnRef idx="1">
+            <a:schemeClr val="dk1"/>
+          </a:lnRef>
+          <a:fillRef idx="0">
+            <a:schemeClr val="dk1"/>
+          </a:fillRef>
+          <a:effectRef idx="0">
+            <a:schemeClr val="dk1"/>
+          </a:effectRef>
+          <a:fontRef idx="minor">
+            <a:schemeClr val="tx1"/>
+          </a:fontRef>
+        </p:style>
+      </p:cxnSp>
+      <p:cxnSp>
+        <p:nvCxnSpPr>
+          <p:cNvPr id="12" name="Straight Arrow Connector 11"/>
+          <p:cNvCxnSpPr/>
+          <p:nvPr/>
+        </p:nvCxnSpPr>
+        <p:spPr>
+          <a:xfrm flipH="1">
+            <a:off x="6517079" y="2628140"/>
+            <a:ext cx="1221290" cy="5537"/>
+          </a:xfrm>
+          <a:prstGeom prst="straightConnector1">
+            <a:avLst/>
+          </a:prstGeom>
+          <a:ln w="28575">
+            <a:tailEnd type="triangle"/>
+          </a:ln>
+        </p:spPr>
+        <p:style>
+          <a:lnRef idx="1">
+            <a:schemeClr val="dk1"/>
+          </a:lnRef>
+          <a:fillRef idx="0">
+            <a:schemeClr val="dk1"/>
+          </a:fillRef>
+          <a:effectRef idx="0">
+            <a:schemeClr val="dk1"/>
+          </a:effectRef>
+          <a:fontRef idx="minor">
+            <a:schemeClr val="tx1"/>
+          </a:fontRef>
+        </p:style>
+      </p:cxnSp>
+      <p:sp>
+        <p:nvSpPr>
+          <p:cNvPr id="14" name="Rectangle 13"/>
+          <p:cNvSpPr/>
+          <p:nvPr/>
+        </p:nvSpPr>
+        <p:spPr>
+          <a:xfrm>
+            <a:off x="5335542" y="2238494"/>
+            <a:ext cx="1043876" cy="523220"/>
+          </a:xfrm>
+          <a:prstGeom prst="rect">
+            <a:avLst/>
+          </a:prstGeom>
+        </p:spPr>
+        <p:txBody>
+          <a:bodyPr wrap="none">
+            <a:spAutoFit/>
+          </a:bodyPr>
+          <a:lstStyle/>
+          <a:p>
+            <a:r>
+              <a:rPr lang="en-US" altLang="zh-CN" sz="2800" dirty="0">
+                <a:latin typeface="Comic Sans MS" panose="030F0702030302020204" pitchFamily="66" charset="0"/>
+                <a:ea typeface="Cambria Math" panose="02040503050406030204" pitchFamily="18" charset="0"/>
+              </a:rPr>
+              <a:t>2cdG</a:t>
+            </a:r>
+            <a:endParaRPr lang="en-US" sz="2800" dirty="0"/>
+          </a:p>
+        </p:txBody>
+      </p:sp>
+      <p:cxnSp>
+        <p:nvCxnSpPr>
+          <p:cNvPr id="15" name="Straight Arrow Connector 14"/>
+          <p:cNvCxnSpPr/>
+          <p:nvPr/>
+        </p:nvCxnSpPr>
+        <p:spPr>
+          <a:xfrm>
+            <a:off x="5857480" y="2782285"/>
+            <a:ext cx="0" cy="698572"/>
+          </a:xfrm>
+          <a:prstGeom prst="straightConnector1">
+            <a:avLst/>
+          </a:prstGeom>
+          <a:ln w="28575">
+            <a:tailEnd type="triangle"/>
+          </a:ln>
+        </p:spPr>
+        <p:style>
+          <a:lnRef idx="1">
+            <a:schemeClr val="dk1"/>
+          </a:lnRef>
+          <a:fillRef idx="0">
+            <a:schemeClr val="dk1"/>
+          </a:fillRef>
+          <a:effectRef idx="0">
+            <a:schemeClr val="dk1"/>
+          </a:effectRef>
+          <a:fontRef idx="minor">
+            <a:schemeClr val="tx1"/>
+          </a:fontRef>
+        </p:style>
+      </p:cxnSp>
+      <p:cxnSp>
+        <p:nvCxnSpPr>
+          <p:cNvPr id="18" name="Straight Arrow Connector 17"/>
+          <p:cNvCxnSpPr/>
+          <p:nvPr/>
+        </p:nvCxnSpPr>
+        <p:spPr>
+          <a:xfrm flipH="1" flipV="1">
+            <a:off x="6021174" y="3177835"/>
+            <a:ext cx="495905" cy="383391"/>
+          </a:xfrm>
+          <a:prstGeom prst="straightConnector1">
+            <a:avLst/>
+          </a:prstGeom>
+          <a:ln w="28575">
+            <a:prstDash val="dash"/>
+            <a:tailEnd type="triangle"/>
+          </a:ln>
+        </p:spPr>
+        <p:style>
+          <a:lnRef idx="1">
+            <a:schemeClr val="dk1"/>
+          </a:lnRef>
+          <a:fillRef idx="0">
+            <a:schemeClr val="dk1"/>
+          </a:fillRef>
+          <a:effectRef idx="0">
+            <a:schemeClr val="dk1"/>
+          </a:effectRef>
+          <a:fontRef idx="minor">
+            <a:schemeClr val="tx1"/>
+          </a:fontRef>
+        </p:style>
+      </p:cxnSp>
+      <p:sp>
+        <p:nvSpPr>
+          <p:cNvPr id="21" name="Rectangle 20"/>
+          <p:cNvSpPr/>
+          <p:nvPr/>
+        </p:nvSpPr>
+        <p:spPr>
+          <a:xfrm>
+            <a:off x="6581348" y="3349105"/>
+            <a:ext cx="769763" cy="369332"/>
+          </a:xfrm>
+          <a:prstGeom prst="rect">
+            <a:avLst/>
+          </a:prstGeom>
+        </p:spPr>
+        <p:txBody>
+          <a:bodyPr wrap="none">
+            <a:spAutoFit/>
+          </a:bodyPr>
+          <a:lstStyle/>
+          <a:p>
+            <a:r>
+              <a:rPr lang="en-US" dirty="0" smtClean="0">
+                <a:latin typeface="Comic Sans MS" panose="030F0702030302020204" pitchFamily="66" charset="0"/>
+                <a:ea typeface="Cambria Math" panose="02040503050406030204" pitchFamily="18" charset="0"/>
+              </a:rPr>
+              <a:t>pDeA</a:t>
+            </a:r>
+            <a:endParaRPr lang="en-US" dirty="0"/>
+          </a:p>
+        </p:txBody>
+      </p:sp>
+      <p:sp>
+        <p:nvSpPr>
+          <p:cNvPr id="22" name="Rectangle 21"/>
+          <p:cNvSpPr/>
+          <p:nvPr/>
+        </p:nvSpPr>
+        <p:spPr>
+          <a:xfrm>
+            <a:off x="6797345" y="1087644"/>
+            <a:ext cx="660758" cy="369332"/>
+          </a:xfrm>
+          <a:prstGeom prst="rect">
+            <a:avLst/>
+          </a:prstGeom>
+        </p:spPr>
+        <p:txBody>
+          <a:bodyPr wrap="none">
+            <a:spAutoFit/>
+          </a:bodyPr>
+          <a:lstStyle/>
+          <a:p>
+            <a:r>
+              <a:rPr lang="en-US" dirty="0" smtClean="0">
+                <a:latin typeface="Comic Sans MS" panose="030F0702030302020204" pitchFamily="66" charset="0"/>
+                <a:ea typeface="Cambria Math" panose="02040503050406030204" pitchFamily="18" charset="0"/>
+              </a:rPr>
+              <a:t>PleD</a:t>
+            </a:r>
+            <a:endParaRPr lang="en-US" dirty="0"/>
+          </a:p>
+        </p:txBody>
+      </p:sp>
+      <p:cxnSp>
+        <p:nvCxnSpPr>
+          <p:cNvPr id="23" name="Straight Arrow Connector 22"/>
+          <p:cNvCxnSpPr/>
+          <p:nvPr/>
+        </p:nvCxnSpPr>
+        <p:spPr>
+          <a:xfrm>
+            <a:off x="5857480" y="1123406"/>
+            <a:ext cx="0" cy="1048253"/>
+          </a:xfrm>
+          <a:prstGeom prst="straightConnector1">
+            <a:avLst/>
+          </a:prstGeom>
+          <a:ln w="28575">
+            <a:tailEnd type="triangle"/>
+          </a:ln>
+        </p:spPr>
+        <p:style>
+          <a:lnRef idx="1">
+            <a:schemeClr val="dk1"/>
+          </a:lnRef>
+          <a:fillRef idx="0">
+            <a:schemeClr val="dk1"/>
+          </a:fillRef>
+          <a:effectRef idx="0">
+            <a:schemeClr val="dk1"/>
+          </a:effectRef>
+          <a:fontRef idx="minor">
+            <a:schemeClr val="tx1"/>
+          </a:fontRef>
+        </p:style>
+      </p:cxnSp>
+      <p:sp>
+        <p:nvSpPr>
+          <p:cNvPr id="24" name="Arc 23"/>
+          <p:cNvSpPr/>
+          <p:nvPr/>
+        </p:nvSpPr>
+        <p:spPr>
+          <a:xfrm>
+            <a:off x="5188290" y="1457333"/>
+            <a:ext cx="737416" cy="1162594"/>
+          </a:xfrm>
+          <a:prstGeom prst="arc">
+            <a:avLst>
+              <a:gd name="adj1" fmla="val 7364553"/>
+              <a:gd name="adj2" fmla="val 16919878"/>
+            </a:avLst>
+          </a:prstGeom>
+          <a:ln w="28575">
+            <a:prstDash val="dash"/>
+          </a:ln>
+        </p:spPr>
+        <p:style>
+          <a:lnRef idx="1">
+            <a:schemeClr val="dk1"/>
+          </a:lnRef>
+          <a:fillRef idx="0">
+            <a:schemeClr val="dk1"/>
+          </a:fillRef>
+          <a:effectRef idx="0">
+            <a:schemeClr val="dk1"/>
+          </a:effectRef>
+          <a:fontRef idx="minor">
+            <a:schemeClr val="tx1"/>
+          </a:fontRef>
+        </p:style>
+        <p:txBody>
+          <a:bodyPr rtlCol="0" anchor="ctr"/>
+          <a:lstStyle/>
+          <a:p>
+            <a:pPr algn="ctr"/>
+            <a:endParaRPr lang="en-US"/>
+          </a:p>
+        </p:txBody>
+      </p:sp>
+      <p:cxnSp>
+        <p:nvCxnSpPr>
+          <p:cNvPr id="26" name="Straight Connector 25"/>
+          <p:cNvCxnSpPr/>
+          <p:nvPr/>
+        </p:nvCxnSpPr>
+        <p:spPr>
+          <a:xfrm flipH="1">
+            <a:off x="5654107" y="1389603"/>
+            <a:ext cx="117566" cy="300446"/>
+          </a:xfrm>
+          <a:prstGeom prst="line">
+            <a:avLst/>
+          </a:prstGeom>
+          <a:ln w="28575"/>
+        </p:spPr>
+        <p:style>
+          <a:lnRef idx="1">
+            <a:schemeClr val="dk1"/>
+          </a:lnRef>
+          <a:fillRef idx="0">
+            <a:schemeClr val="dk1"/>
+          </a:fillRef>
+          <a:effectRef idx="0">
+            <a:schemeClr val="dk1"/>
+          </a:effectRef>
+          <a:fontRef idx="minor">
+            <a:schemeClr val="tx1"/>
+          </a:fontRef>
+        </p:style>
+      </p:cxnSp>
+      <p:cxnSp>
+        <p:nvCxnSpPr>
+          <p:cNvPr id="28" name="Straight Arrow Connector 27"/>
+          <p:cNvCxnSpPr/>
+          <p:nvPr/>
+        </p:nvCxnSpPr>
+        <p:spPr>
+          <a:xfrm flipH="1">
+            <a:off x="6011514" y="1272310"/>
+            <a:ext cx="675382" cy="357681"/>
+          </a:xfrm>
+          <a:prstGeom prst="straightConnector1">
+            <a:avLst/>
+          </a:prstGeom>
+          <a:ln w="28575">
+            <a:prstDash val="dash"/>
+            <a:tailEnd type="triangle"/>
+          </a:ln>
+        </p:spPr>
+        <p:style>
+          <a:lnRef idx="1">
+            <a:schemeClr val="dk1"/>
+          </a:lnRef>
+          <a:fillRef idx="0">
+            <a:schemeClr val="dk1"/>
+          </a:fillRef>
+          <a:effectRef idx="0">
+            <a:schemeClr val="dk1"/>
+          </a:effectRef>
+          <a:fontRef idx="minor">
+            <a:schemeClr val="tx1"/>
+          </a:fontRef>
+        </p:style>
+      </p:cxnSp>
+      <p:sp>
+        <p:nvSpPr>
+          <p:cNvPr id="30" name="Rectangle 29"/>
+          <p:cNvSpPr/>
+          <p:nvPr/>
+        </p:nvSpPr>
+        <p:spPr>
+          <a:xfrm>
+            <a:off x="3792877" y="2259065"/>
+            <a:ext cx="1297150" cy="523220"/>
+          </a:xfrm>
+          <a:prstGeom prst="rect">
+            <a:avLst/>
+          </a:prstGeom>
+        </p:spPr>
+        <p:txBody>
+          <a:bodyPr wrap="none">
+            <a:spAutoFit/>
+          </a:bodyPr>
+          <a:lstStyle/>
+          <a:p>
+            <a:r>
+              <a:rPr lang="en-US" altLang="zh-CN" sz="2800" dirty="0" smtClean="0">
+                <a:latin typeface="Comic Sans MS" panose="030F0702030302020204" pitchFamily="66" charset="0"/>
+                <a:ea typeface="Cambria Math" panose="02040503050406030204" pitchFamily="18" charset="0"/>
+              </a:rPr>
+              <a:t>PopA +</a:t>
+            </a:r>
+            <a:endParaRPr lang="en-US" sz="2800" dirty="0"/>
+          </a:p>
+        </p:txBody>
+      </p:sp>
+      <p:cxnSp>
+        <p:nvCxnSpPr>
+          <p:cNvPr id="31" name="Straight Arrow Connector 30"/>
+          <p:cNvCxnSpPr/>
+          <p:nvPr/>
+        </p:nvCxnSpPr>
+        <p:spPr>
+          <a:xfrm>
+            <a:off x="4246394" y="1123406"/>
+            <a:ext cx="0" cy="1048253"/>
+          </a:xfrm>
+          <a:prstGeom prst="straightConnector1">
+            <a:avLst/>
+          </a:prstGeom>
+          <a:ln w="28575">
+            <a:tailEnd type="triangle"/>
+          </a:ln>
+        </p:spPr>
+        <p:style>
+          <a:lnRef idx="1">
+            <a:schemeClr val="dk1"/>
+          </a:lnRef>
+          <a:fillRef idx="0">
+            <a:schemeClr val="dk1"/>
+          </a:fillRef>
+          <a:effectRef idx="0">
+            <a:schemeClr val="dk1"/>
+          </a:effectRef>
+          <a:fontRef idx="minor">
+            <a:schemeClr val="tx1"/>
+          </a:fontRef>
+        </p:style>
+      </p:cxnSp>
+      <p:cxnSp>
+        <p:nvCxnSpPr>
+          <p:cNvPr id="32" name="Straight Arrow Connector 31"/>
+          <p:cNvCxnSpPr/>
+          <p:nvPr/>
+        </p:nvCxnSpPr>
+        <p:spPr>
+          <a:xfrm>
+            <a:off x="4246394" y="2794554"/>
+            <a:ext cx="0" cy="698572"/>
+          </a:xfrm>
+          <a:prstGeom prst="straightConnector1">
+            <a:avLst/>
+          </a:prstGeom>
+          <a:ln w="28575">
+            <a:tailEnd type="triangle"/>
+          </a:ln>
+        </p:spPr>
+        <p:style>
+          <a:lnRef idx="1">
+            <a:schemeClr val="dk1"/>
+          </a:lnRef>
+          <a:fillRef idx="0">
+            <a:schemeClr val="dk1"/>
+          </a:fillRef>
+          <a:effectRef idx="0">
+            <a:schemeClr val="dk1"/>
+          </a:effectRef>
+          <a:fontRef idx="minor">
+            <a:schemeClr val="tx1"/>
+          </a:fontRef>
+        </p:style>
+      </p:cxnSp>
+      <p:sp>
+        <p:nvSpPr>
+          <p:cNvPr id="33" name="TextBox 32"/>
+          <p:cNvSpPr txBox="1"/>
+          <p:nvPr/>
+        </p:nvSpPr>
+        <p:spPr>
+          <a:xfrm>
+            <a:off x="352697" y="561703"/>
+            <a:ext cx="2316316" cy="769441"/>
+          </a:xfrm>
+          <a:prstGeom prst="rect">
+            <a:avLst/>
+          </a:prstGeom>
+          <a:noFill/>
+        </p:spPr>
+        <p:txBody>
+          <a:bodyPr wrap="square" rtlCol="0">
+            <a:spAutoFit/>
+          </a:bodyPr>
+          <a:lstStyle/>
+          <a:p>
+            <a:r>
+              <a:rPr lang="en-US" sz="4400" dirty="0" smtClean="0">
+                <a:latin typeface="Comic Sans MS" panose="030F0702030302020204" pitchFamily="66" charset="0"/>
+              </a:rPr>
+              <a:t>Model 3</a:t>
+            </a:r>
+            <a:endParaRPr lang="en-US" sz="4400" dirty="0">
+              <a:latin typeface="Comic Sans MS" panose="030F0702030302020204" pitchFamily="66" charset="0"/>
+            </a:endParaRPr>
+          </a:p>
+        </p:txBody>
+      </p:sp>
+      <p:sp>
+        <p:nvSpPr>
+          <p:cNvPr id="34" name="Rectangle 33"/>
+          <p:cNvSpPr/>
+          <p:nvPr/>
+        </p:nvSpPr>
+        <p:spPr>
+          <a:xfrm>
+            <a:off x="7048608" y="2065394"/>
+            <a:ext cx="561372" cy="369332"/>
+          </a:xfrm>
+          <a:prstGeom prst="rect">
+            <a:avLst/>
+          </a:prstGeom>
+        </p:spPr>
+        <p:txBody>
+          <a:bodyPr wrap="none">
+            <a:spAutoFit/>
+          </a:bodyPr>
+          <a:lstStyle/>
+          <a:p>
+            <a:r>
+              <a:rPr lang="en-US" dirty="0" smtClean="0">
+                <a:latin typeface="Comic Sans MS" panose="030F0702030302020204" pitchFamily="66" charset="0"/>
+                <a:ea typeface="Cambria Math" panose="02040503050406030204" pitchFamily="18" charset="0"/>
+              </a:rPr>
+              <a:t>k4+</a:t>
+            </a:r>
+            <a:endParaRPr lang="en-US" dirty="0">
+              <a:latin typeface="Comic Sans MS" panose="030F0702030302020204" pitchFamily="66" charset="0"/>
+            </a:endParaRPr>
+          </a:p>
+        </p:txBody>
+      </p:sp>
+      <p:sp>
+        <p:nvSpPr>
+          <p:cNvPr id="35" name="Rectangle 34"/>
+          <p:cNvSpPr/>
+          <p:nvPr/>
+        </p:nvSpPr>
+        <p:spPr>
+          <a:xfrm>
+            <a:off x="7025579" y="2728119"/>
+            <a:ext cx="546945" cy="369332"/>
+          </a:xfrm>
+          <a:prstGeom prst="rect">
+            <a:avLst/>
+          </a:prstGeom>
+        </p:spPr>
+        <p:txBody>
+          <a:bodyPr wrap="none">
+            <a:spAutoFit/>
+          </a:bodyPr>
+          <a:lstStyle/>
+          <a:p>
+            <a:r>
+              <a:rPr lang="en-US" dirty="0" smtClean="0">
+                <a:latin typeface="Comic Sans MS" panose="030F0702030302020204" pitchFamily="66" charset="0"/>
+                <a:ea typeface="Cambria Math" panose="02040503050406030204" pitchFamily="18" charset="0"/>
+              </a:rPr>
+              <a:t>k</a:t>
+            </a:r>
+            <a:r>
+              <a:rPr lang="en-US" dirty="0">
+                <a:latin typeface="Comic Sans MS" panose="030F0702030302020204" pitchFamily="66" charset="0"/>
+                <a:ea typeface="Cambria Math" panose="02040503050406030204" pitchFamily="18" charset="0"/>
+              </a:rPr>
+              <a:t>4</a:t>
+            </a:r>
+            <a:r>
+              <a:rPr lang="en-US" dirty="0" smtClean="0">
+                <a:latin typeface="Comic Sans MS" panose="030F0702030302020204" pitchFamily="66" charset="0"/>
+                <a:ea typeface="Cambria Math" panose="02040503050406030204" pitchFamily="18" charset="0"/>
+              </a:rPr>
+              <a:t>-</a:t>
+            </a:r>
+            <a:endParaRPr lang="en-US" dirty="0">
+              <a:latin typeface="Comic Sans MS" panose="030F0702030302020204" pitchFamily="66" charset="0"/>
+            </a:endParaRPr>
+          </a:p>
+        </p:txBody>
+      </p:sp>
     </p:spTree>
     <p:extLst>
       <p:ext uri="{BB962C8B-B14F-4D97-AF65-F5344CB8AC3E}">
-        <p14:creationId xmlns:p14="http://schemas.microsoft.com/office/powerpoint/2010/main" val="2624810815"/>
+        <p14:creationId xmlns:p14="http://schemas.microsoft.com/office/powerpoint/2010/main" val="1885134579"/>
+      </p:ext>
+    </p:extLst>
+  </p:cSld>
+  <p:clrMapOvr>
+    <a:masterClrMapping/>
+  </p:clrMapOvr>
+</p:sld>
+</file>
+
+<file path=ppt/slides/slide16.xml><?xml version="1.0" encoding="utf-8"?>
+<p:sld xmlns:a="http://schemas.openxmlformats.org/drawingml/2006/main" xmlns:r="http://schemas.openxmlformats.org/officeDocument/2006/relationships" xmlns:p="http://schemas.openxmlformats.org/presentationml/2006/main">
+  <p:cSld>
+    <p:spTree>
+      <p:nvGrpSpPr>
+        <p:cNvPr id="1" name=""/>
+        <p:cNvGrpSpPr/>
+        <p:nvPr/>
+      </p:nvGrpSpPr>
+      <p:grpSpPr>
+        <a:xfrm>
+          <a:off x="0" y="0"/>
+          <a:ext cx="0" cy="0"/>
+          <a:chOff x="0" y="0"/>
+          <a:chExt cx="0" cy="0"/>
+        </a:xfrm>
+      </p:grpSpPr>
+      <p:sp>
+        <p:nvSpPr>
+          <p:cNvPr id="2" name="Title 1"/>
+          <p:cNvSpPr>
+            <a:spLocks noGrp="1"/>
+          </p:cNvSpPr>
+          <p:nvPr>
+            <p:ph type="title"/>
+          </p:nvPr>
+        </p:nvSpPr>
+        <p:spPr>
+          <a:xfrm>
+            <a:off x="-1" y="0"/>
+            <a:ext cx="11652069" cy="1325563"/>
+          </a:xfrm>
+        </p:spPr>
+        <p:txBody>
+          <a:bodyPr/>
+          <a:lstStyle/>
+          <a:p>
+            <a:r>
+              <a:rPr lang="en-US" dirty="0" smtClean="0">
+                <a:latin typeface="Comic Sans MS" panose="030F0702030302020204" pitchFamily="66" charset="0"/>
+              </a:rPr>
+              <a:t>Temporal dynamics of species in our model from </a:t>
+            </a:r>
+            <a:r>
+              <a:rPr lang="en-US" dirty="0" smtClean="0">
+                <a:latin typeface="Comic Sans MS" panose="030F0702030302020204" pitchFamily="66" charset="0"/>
+              </a:rPr>
+              <a:t>experiments</a:t>
+            </a:r>
+            <a:endParaRPr lang="en-US" dirty="0">
+              <a:latin typeface="Comic Sans MS" panose="030F0702030302020204" pitchFamily="66" charset="0"/>
+            </a:endParaRPr>
+          </a:p>
+        </p:txBody>
+      </p:sp>
+      <p:pic>
+        <p:nvPicPr>
+          <p:cNvPr id="1028" name="Picture 4"/>
+          <p:cNvPicPr>
+            <a:picLocks noChangeAspect="1" noChangeArrowheads="1"/>
+          </p:cNvPicPr>
+          <p:nvPr/>
+        </p:nvPicPr>
+        <p:blipFill>
+          <a:blip r:embed="rId2" cstate="print">
+            <a:extLst>
+              <a:ext uri="{28A0092B-C50C-407E-A947-70E740481C1C}">
+                <a14:useLocalDpi xmlns:a14="http://schemas.microsoft.com/office/drawing/2010/main" val="0"/>
+              </a:ext>
+            </a:extLst>
+          </a:blip>
+          <a:srcRect/>
+          <a:stretch>
+            <a:fillRect/>
+          </a:stretch>
+        </p:blipFill>
+        <p:spPr bwMode="auto">
+          <a:xfrm>
+            <a:off x="3099661" y="2259936"/>
+            <a:ext cx="6137334" cy="912050"/>
+          </a:xfrm>
+          <a:prstGeom prst="rect">
+            <a:avLst/>
+          </a:prstGeom>
+          <a:noFill/>
+          <a:ln>
+            <a:noFill/>
+          </a:ln>
+          <a:extLst>
+            <a:ext uri="{909E8E84-426E-40DD-AFC4-6F175D3DCCD1}">
+              <a14:hiddenFill xmlns:a14="http://schemas.microsoft.com/office/drawing/2010/main">
+                <a:solidFill>
+                  <a:schemeClr val="accent1"/>
+                </a:solidFill>
+              </a14:hiddenFill>
+            </a:ext>
+            <a:ext uri="{91240B29-F687-4F45-9708-019B960494DF}">
+              <a14:hiddenLine xmlns:a14="http://schemas.microsoft.com/office/drawing/2010/main" w="9525">
+                <a:solidFill>
+                  <a:schemeClr val="tx1"/>
+                </a:solidFill>
+                <a:miter lim="800000"/>
+                <a:headEnd/>
+                <a:tailEnd/>
+              </a14:hiddenLine>
+            </a:ext>
+          </a:extLst>
+        </p:spPr>
+      </p:pic>
+      <p:pic>
+        <p:nvPicPr>
+          <p:cNvPr id="6" name="Picture 5"/>
+          <p:cNvPicPr>
+            <a:picLocks noChangeAspect="1"/>
+          </p:cNvPicPr>
+          <p:nvPr/>
+        </p:nvPicPr>
+        <p:blipFill>
+          <a:blip r:embed="rId3"/>
+          <a:stretch>
+            <a:fillRect/>
+          </a:stretch>
+        </p:blipFill>
+        <p:spPr>
+          <a:xfrm>
+            <a:off x="2112197" y="1568169"/>
+            <a:ext cx="6887151" cy="691767"/>
+          </a:xfrm>
+          <a:prstGeom prst="rect">
+            <a:avLst/>
+          </a:prstGeom>
+        </p:spPr>
+      </p:pic>
+      <p:pic>
+        <p:nvPicPr>
+          <p:cNvPr id="12290" name="Picture 2"/>
+          <p:cNvPicPr>
+            <a:picLocks noChangeAspect="1" noChangeArrowheads="1"/>
+          </p:cNvPicPr>
+          <p:nvPr/>
+        </p:nvPicPr>
+        <p:blipFill>
+          <a:blip r:embed="rId4">
+            <a:extLst>
+              <a:ext uri="{28A0092B-C50C-407E-A947-70E740481C1C}">
+                <a14:useLocalDpi xmlns:a14="http://schemas.microsoft.com/office/drawing/2010/main" val="0"/>
+              </a:ext>
+            </a:extLst>
+          </a:blip>
+          <a:srcRect/>
+          <a:stretch>
+            <a:fillRect/>
+          </a:stretch>
+        </p:blipFill>
+        <p:spPr bwMode="auto">
+          <a:xfrm>
+            <a:off x="3689164" y="3273855"/>
+            <a:ext cx="5133975" cy="3409950"/>
+          </a:xfrm>
+          <a:prstGeom prst="rect">
+            <a:avLst/>
+          </a:prstGeom>
+          <a:noFill/>
+          <a:ln>
+            <a:noFill/>
+          </a:ln>
+          <a:extLst>
+            <a:ext uri="{909E8E84-426E-40DD-AFC4-6F175D3DCCD1}">
+              <a14:hiddenFill xmlns:a14="http://schemas.microsoft.com/office/drawing/2010/main">
+                <a:solidFill>
+                  <a:schemeClr val="accent1"/>
+                </a:solidFill>
+              </a14:hiddenFill>
+            </a:ext>
+            <a:ext uri="{91240B29-F687-4F45-9708-019B960494DF}">
+              <a14:hiddenLine xmlns:a14="http://schemas.microsoft.com/office/drawing/2010/main" w="9525">
+                <a:solidFill>
+                  <a:schemeClr val="tx1"/>
+                </a:solidFill>
+                <a:miter lim="800000"/>
+                <a:headEnd/>
+                <a:tailEnd/>
+              </a14:hiddenLine>
+            </a:ext>
+          </a:extLst>
+        </p:spPr>
+      </p:pic>
+    </p:spTree>
+    <p:extLst>
+      <p:ext uri="{BB962C8B-B14F-4D97-AF65-F5344CB8AC3E}">
+        <p14:creationId xmlns:p14="http://schemas.microsoft.com/office/powerpoint/2010/main" val="2255287142"/>
+      </p:ext>
+    </p:extLst>
+  </p:cSld>
+  <p:clrMapOvr>
+    <a:masterClrMapping/>
+  </p:clrMapOvr>
+</p:sld>
+</file>
+
+<file path=ppt/slides/slide17.xml><?xml version="1.0" encoding="utf-8"?>
+<p:sld xmlns:a="http://schemas.openxmlformats.org/drawingml/2006/main" xmlns:r="http://schemas.openxmlformats.org/officeDocument/2006/relationships" xmlns:p="http://schemas.openxmlformats.org/presentationml/2006/main">
+  <p:cSld>
+    <p:spTree>
+      <p:nvGrpSpPr>
+        <p:cNvPr id="1" name=""/>
+        <p:cNvGrpSpPr/>
+        <p:nvPr/>
+      </p:nvGrpSpPr>
+      <p:grpSpPr>
+        <a:xfrm>
+          <a:off x="0" y="0"/>
+          <a:ext cx="0" cy="0"/>
+          <a:chOff x="0" y="0"/>
+          <a:chExt cx="0" cy="0"/>
+        </a:xfrm>
+      </p:grpSpPr>
+      <p:pic>
+        <p:nvPicPr>
+          <p:cNvPr id="7" name="Google Shape;128;p22"/>
+          <p:cNvPicPr preferRelativeResize="0"/>
+          <p:nvPr/>
+        </p:nvPicPr>
+        <p:blipFill>
+          <a:blip r:embed="rId2">
+            <a:alphaModFix/>
+          </a:blip>
+          <a:stretch>
+            <a:fillRect/>
+          </a:stretch>
+        </p:blipFill>
+        <p:spPr>
+          <a:xfrm>
+            <a:off x="2072634" y="2200759"/>
+            <a:ext cx="7624138" cy="2867187"/>
+          </a:xfrm>
+          <a:prstGeom prst="rect">
+            <a:avLst/>
+          </a:prstGeom>
+          <a:noFill/>
+          <a:ln>
+            <a:noFill/>
+          </a:ln>
+        </p:spPr>
+      </p:pic>
+      <p:sp>
+        <p:nvSpPr>
+          <p:cNvPr id="2" name="Title 1"/>
+          <p:cNvSpPr>
+            <a:spLocks noGrp="1"/>
+          </p:cNvSpPr>
+          <p:nvPr>
+            <p:ph type="title"/>
+          </p:nvPr>
+        </p:nvSpPr>
+        <p:spPr>
+          <a:xfrm>
+            <a:off x="-1" y="0"/>
+            <a:ext cx="11652069" cy="1325563"/>
+          </a:xfrm>
+        </p:spPr>
+        <p:txBody>
+          <a:bodyPr/>
+          <a:lstStyle/>
+          <a:p>
+            <a:r>
+              <a:rPr lang="en-US" dirty="0" smtClean="0">
+                <a:latin typeface="Comic Sans MS" panose="030F0702030302020204" pitchFamily="66" charset="0"/>
+              </a:rPr>
+              <a:t>Spatial </a:t>
+            </a:r>
+            <a:r>
+              <a:rPr lang="en-US" dirty="0" smtClean="0">
+                <a:latin typeface="Comic Sans MS" panose="030F0702030302020204" pitchFamily="66" charset="0"/>
+              </a:rPr>
+              <a:t>dynamics of species in our model from </a:t>
+            </a:r>
+            <a:r>
+              <a:rPr lang="en-US" dirty="0" smtClean="0">
+                <a:latin typeface="Comic Sans MS" panose="030F0702030302020204" pitchFamily="66" charset="0"/>
+              </a:rPr>
+              <a:t>experiments</a:t>
+            </a:r>
+            <a:endParaRPr lang="en-US" dirty="0">
+              <a:latin typeface="Comic Sans MS" panose="030F0702030302020204" pitchFamily="66" charset="0"/>
+            </a:endParaRPr>
+          </a:p>
+        </p:txBody>
+      </p:sp>
+    </p:spTree>
+    <p:extLst>
+      <p:ext uri="{BB962C8B-B14F-4D97-AF65-F5344CB8AC3E}">
+        <p14:creationId xmlns:p14="http://schemas.microsoft.com/office/powerpoint/2010/main" val="534332264"/>
+      </p:ext>
+    </p:extLst>
+  </p:cSld>
+  <p:clrMapOvr>
+    <a:masterClrMapping/>
+  </p:clrMapOvr>
+</p:sld>
+</file>
+
+<file path=ppt/slides/slide18.xml><?xml version="1.0" encoding="utf-8"?>
+<p:sld xmlns:a="http://schemas.openxmlformats.org/drawingml/2006/main" xmlns:r="http://schemas.openxmlformats.org/officeDocument/2006/relationships" xmlns:p="http://schemas.openxmlformats.org/presentationml/2006/main">
+  <p:cSld>
+    <p:spTree>
+      <p:nvGrpSpPr>
+        <p:cNvPr id="1" name=""/>
+        <p:cNvGrpSpPr/>
+        <p:nvPr/>
+      </p:nvGrpSpPr>
+      <p:grpSpPr>
+        <a:xfrm>
+          <a:off x="0" y="0"/>
+          <a:ext cx="0" cy="0"/>
+          <a:chOff x="0" y="0"/>
+          <a:chExt cx="0" cy="0"/>
+        </a:xfrm>
+      </p:grpSpPr>
+      <p:sp>
+        <p:nvSpPr>
+          <p:cNvPr id="2" name="Title 1"/>
+          <p:cNvSpPr>
+            <a:spLocks noGrp="1"/>
+          </p:cNvSpPr>
+          <p:nvPr>
+            <p:ph type="title"/>
+          </p:nvPr>
+        </p:nvSpPr>
+        <p:spPr>
+          <a:xfrm>
+            <a:off x="-1" y="0"/>
+            <a:ext cx="11652069" cy="1325563"/>
+          </a:xfrm>
+        </p:spPr>
+        <p:txBody>
+          <a:bodyPr/>
+          <a:lstStyle/>
+          <a:p>
+            <a:r>
+              <a:rPr lang="en-US" dirty="0" smtClean="0">
+                <a:latin typeface="Comic Sans MS" panose="030F0702030302020204" pitchFamily="66" charset="0"/>
+              </a:rPr>
+              <a:t>Spatial </a:t>
+            </a:r>
+            <a:r>
+              <a:rPr lang="en-US" dirty="0" smtClean="0">
+                <a:latin typeface="Comic Sans MS" panose="030F0702030302020204" pitchFamily="66" charset="0"/>
+              </a:rPr>
+              <a:t>dynamics of species in our model from </a:t>
+            </a:r>
+            <a:r>
+              <a:rPr lang="en-US" dirty="0" smtClean="0">
+                <a:latin typeface="Comic Sans MS" panose="030F0702030302020204" pitchFamily="66" charset="0"/>
+              </a:rPr>
+              <a:t>experiments</a:t>
+            </a:r>
+            <a:endParaRPr lang="en-US" dirty="0">
+              <a:latin typeface="Comic Sans MS" panose="030F0702030302020204" pitchFamily="66" charset="0"/>
+            </a:endParaRPr>
+          </a:p>
+        </p:txBody>
+      </p:sp>
+      <p:pic>
+        <p:nvPicPr>
+          <p:cNvPr id="8" name="Picture 2"/>
+          <p:cNvPicPr>
+            <a:picLocks noChangeAspect="1" noChangeArrowheads="1"/>
+          </p:cNvPicPr>
+          <p:nvPr/>
+        </p:nvPicPr>
+        <p:blipFill>
+          <a:blip r:embed="rId2">
+            <a:extLst>
+              <a:ext uri="{28A0092B-C50C-407E-A947-70E740481C1C}">
+                <a14:useLocalDpi xmlns:a14="http://schemas.microsoft.com/office/drawing/2010/main" val="0"/>
+              </a:ext>
+            </a:extLst>
+          </a:blip>
+          <a:srcRect/>
+          <a:stretch>
+            <a:fillRect/>
+          </a:stretch>
+        </p:blipFill>
+        <p:spPr bwMode="auto">
+          <a:xfrm>
+            <a:off x="2963487" y="1249308"/>
+            <a:ext cx="6296025" cy="4276725"/>
+          </a:xfrm>
+          <a:prstGeom prst="rect">
+            <a:avLst/>
+          </a:prstGeom>
+          <a:noFill/>
+          <a:ln>
+            <a:noFill/>
+          </a:ln>
+          <a:extLst>
+            <a:ext uri="{909E8E84-426E-40DD-AFC4-6F175D3DCCD1}">
+              <a14:hiddenFill xmlns:a14="http://schemas.microsoft.com/office/drawing/2010/main">
+                <a:solidFill>
+                  <a:schemeClr val="accent1"/>
+                </a:solidFill>
+              </a14:hiddenFill>
+            </a:ext>
+            <a:ext uri="{91240B29-F687-4F45-9708-019B960494DF}">
+              <a14:hiddenLine xmlns:a14="http://schemas.microsoft.com/office/drawing/2010/main" w="9525">
+                <a:solidFill>
+                  <a:schemeClr val="tx1"/>
+                </a:solidFill>
+                <a:miter lim="800000"/>
+                <a:headEnd/>
+                <a:tailEnd/>
+              </a14:hiddenLine>
+            </a:ext>
+          </a:extLst>
+        </p:spPr>
+      </p:pic>
+    </p:spTree>
+    <p:extLst>
+      <p:ext uri="{BB962C8B-B14F-4D97-AF65-F5344CB8AC3E}">
+        <p14:creationId xmlns:p14="http://schemas.microsoft.com/office/powerpoint/2010/main" val="1766772939"/>
       </p:ext>
     </p:extLst>
   </p:cSld>
@@ -3900,6 +7088,492 @@
 </file>
 
 <file path=ppt/slides/slide2.xml><?xml version="1.0" encoding="utf-8"?>
+<p:sld xmlns:a="http://schemas.openxmlformats.org/drawingml/2006/main" xmlns:r="http://schemas.openxmlformats.org/officeDocument/2006/relationships" xmlns:p="http://schemas.openxmlformats.org/presentationml/2006/main">
+  <p:cSld>
+    <p:spTree>
+      <p:nvGrpSpPr>
+        <p:cNvPr id="1" name=""/>
+        <p:cNvGrpSpPr/>
+        <p:nvPr/>
+      </p:nvGrpSpPr>
+      <p:grpSpPr>
+        <a:xfrm>
+          <a:off x="0" y="0"/>
+          <a:ext cx="0" cy="0"/>
+          <a:chOff x="0" y="0"/>
+          <a:chExt cx="0" cy="0"/>
+        </a:xfrm>
+      </p:grpSpPr>
+      <p:pic>
+        <p:nvPicPr>
+          <p:cNvPr id="4" name="Google Shape;87;p17"/>
+          <p:cNvPicPr preferRelativeResize="0"/>
+          <p:nvPr/>
+        </p:nvPicPr>
+        <p:blipFill>
+          <a:blip r:embed="rId2">
+            <a:alphaModFix/>
+          </a:blip>
+          <a:stretch>
+            <a:fillRect/>
+          </a:stretch>
+        </p:blipFill>
+        <p:spPr>
+          <a:xfrm>
+            <a:off x="1766807" y="1363852"/>
+            <a:ext cx="8637722" cy="4045058"/>
+          </a:xfrm>
+          <a:prstGeom prst="rect">
+            <a:avLst/>
+          </a:prstGeom>
+          <a:noFill/>
+          <a:ln>
+            <a:noFill/>
+          </a:ln>
+        </p:spPr>
+      </p:pic>
+      <p:sp>
+        <p:nvSpPr>
+          <p:cNvPr id="5" name="Google Shape;96;p18"/>
+          <p:cNvSpPr txBox="1"/>
+          <p:nvPr/>
+        </p:nvSpPr>
+        <p:spPr>
+          <a:xfrm>
+            <a:off x="3513219" y="1648515"/>
+            <a:ext cx="852900" cy="327900"/>
+          </a:xfrm>
+          <a:prstGeom prst="rect">
+            <a:avLst/>
+          </a:prstGeom>
+          <a:noFill/>
+          <a:ln>
+            <a:noFill/>
+          </a:ln>
+        </p:spPr>
+        <p:txBody>
+          <a:bodyPr spcFirstLastPara="1" wrap="square" lIns="91425" tIns="91425" rIns="91425" bIns="91425" anchor="t" anchorCtr="0">
+            <a:noAutofit/>
+          </a:bodyPr>
+          <a:lstStyle/>
+          <a:p>
+            <a:pPr marL="0" lvl="0" indent="0" algn="l" rtl="0">
+              <a:spcBef>
+                <a:spcPts val="0"/>
+              </a:spcBef>
+              <a:spcAft>
+                <a:spcPts val="0"/>
+              </a:spcAft>
+              <a:buNone/>
+            </a:pPr>
+            <a:r>
+              <a:rPr lang="en" dirty="0">
+                <a:latin typeface="Impact"/>
+                <a:ea typeface="Impact"/>
+                <a:cs typeface="Impact"/>
+                <a:sym typeface="Impact"/>
+              </a:rPr>
+              <a:t>CpdR</a:t>
+            </a:r>
+            <a:endParaRPr dirty="0">
+              <a:latin typeface="Impact"/>
+              <a:ea typeface="Impact"/>
+              <a:cs typeface="Impact"/>
+              <a:sym typeface="Impact"/>
+            </a:endParaRPr>
+          </a:p>
+        </p:txBody>
+      </p:sp>
+      <p:sp>
+        <p:nvSpPr>
+          <p:cNvPr id="6" name="Google Shape;112;p20"/>
+          <p:cNvSpPr txBox="1"/>
+          <p:nvPr/>
+        </p:nvSpPr>
+        <p:spPr>
+          <a:xfrm>
+            <a:off x="6503306" y="1200509"/>
+            <a:ext cx="819300" cy="459300"/>
+          </a:xfrm>
+          <a:prstGeom prst="rect">
+            <a:avLst/>
+          </a:prstGeom>
+          <a:noFill/>
+          <a:ln>
+            <a:noFill/>
+          </a:ln>
+        </p:spPr>
+        <p:txBody>
+          <a:bodyPr spcFirstLastPara="1" wrap="square" lIns="91425" tIns="91425" rIns="91425" bIns="91425" anchor="t" anchorCtr="0">
+            <a:noAutofit/>
+          </a:bodyPr>
+          <a:lstStyle/>
+          <a:p>
+            <a:pPr marL="0" lvl="0" indent="0" algn="l" rtl="0">
+              <a:spcBef>
+                <a:spcPts val="0"/>
+              </a:spcBef>
+              <a:spcAft>
+                <a:spcPts val="0"/>
+              </a:spcAft>
+              <a:buNone/>
+            </a:pPr>
+            <a:r>
+              <a:rPr lang="en" dirty="0">
+                <a:latin typeface="Impact"/>
+                <a:ea typeface="Impact"/>
+                <a:cs typeface="Impact"/>
+                <a:sym typeface="Impact"/>
+              </a:rPr>
+              <a:t>RcdA</a:t>
+            </a:r>
+            <a:endParaRPr dirty="0">
+              <a:latin typeface="Impact"/>
+              <a:ea typeface="Impact"/>
+              <a:cs typeface="Impact"/>
+              <a:sym typeface="Impact"/>
+            </a:endParaRPr>
+          </a:p>
+        </p:txBody>
+      </p:sp>
+      <p:sp>
+        <p:nvSpPr>
+          <p:cNvPr id="7" name="Google Shape;121;p21"/>
+          <p:cNvSpPr txBox="1"/>
+          <p:nvPr/>
+        </p:nvSpPr>
+        <p:spPr>
+          <a:xfrm>
+            <a:off x="9058155" y="1170685"/>
+            <a:ext cx="2162618" cy="367500"/>
+          </a:xfrm>
+          <a:prstGeom prst="rect">
+            <a:avLst/>
+          </a:prstGeom>
+          <a:noFill/>
+          <a:ln>
+            <a:noFill/>
+          </a:ln>
+        </p:spPr>
+        <p:txBody>
+          <a:bodyPr spcFirstLastPara="1" wrap="square" lIns="91425" tIns="91425" rIns="91425" bIns="91425" anchor="t" anchorCtr="0">
+            <a:noAutofit/>
+          </a:bodyPr>
+          <a:lstStyle/>
+          <a:p>
+            <a:pPr marL="0" lvl="0" indent="0" algn="l" rtl="0">
+              <a:spcBef>
+                <a:spcPts val="0"/>
+              </a:spcBef>
+              <a:spcAft>
+                <a:spcPts val="0"/>
+              </a:spcAft>
+              <a:buNone/>
+            </a:pPr>
+            <a:r>
+              <a:rPr lang="en" dirty="0">
+                <a:latin typeface="Impact"/>
+                <a:ea typeface="Impact"/>
+                <a:cs typeface="Impact"/>
+                <a:sym typeface="Impact"/>
+              </a:rPr>
+              <a:t>PopA &amp; c-di-GMP</a:t>
+            </a:r>
+            <a:endParaRPr dirty="0">
+              <a:latin typeface="Impact"/>
+              <a:ea typeface="Impact"/>
+              <a:cs typeface="Impact"/>
+              <a:sym typeface="Impact"/>
+            </a:endParaRPr>
+          </a:p>
+        </p:txBody>
+      </p:sp>
+      <p:pic>
+        <p:nvPicPr>
+          <p:cNvPr id="3074" name="Picture 2"/>
+          <p:cNvPicPr>
+            <a:picLocks noChangeAspect="1" noChangeArrowheads="1"/>
+          </p:cNvPicPr>
+          <p:nvPr/>
+        </p:nvPicPr>
+        <p:blipFill>
+          <a:blip r:embed="rId3">
+            <a:extLst>
+              <a:ext uri="{28A0092B-C50C-407E-A947-70E740481C1C}">
+                <a14:useLocalDpi xmlns:a14="http://schemas.microsoft.com/office/drawing/2010/main" val="0"/>
+              </a:ext>
+            </a:extLst>
+          </a:blip>
+          <a:srcRect/>
+          <a:stretch>
+            <a:fillRect/>
+          </a:stretch>
+        </p:blipFill>
+        <p:spPr bwMode="auto">
+          <a:xfrm>
+            <a:off x="9188061" y="5223172"/>
+            <a:ext cx="528637" cy="371475"/>
+          </a:xfrm>
+          <a:prstGeom prst="rect">
+            <a:avLst/>
+          </a:prstGeom>
+          <a:noFill/>
+          <a:ln>
+            <a:noFill/>
+          </a:ln>
+          <a:extLst>
+            <a:ext uri="{909E8E84-426E-40DD-AFC4-6F175D3DCCD1}">
+              <a14:hiddenFill xmlns:a14="http://schemas.microsoft.com/office/drawing/2010/main">
+                <a:solidFill>
+                  <a:schemeClr val="accent1"/>
+                </a:solidFill>
+              </a14:hiddenFill>
+            </a:ext>
+            <a:ext uri="{91240B29-F687-4F45-9708-019B960494DF}">
+              <a14:hiddenLine xmlns:a14="http://schemas.microsoft.com/office/drawing/2010/main" w="9525">
+                <a:solidFill>
+                  <a:schemeClr val="tx1"/>
+                </a:solidFill>
+                <a:miter lim="800000"/>
+                <a:headEnd/>
+                <a:tailEnd/>
+              </a14:hiddenLine>
+            </a:ext>
+          </a:extLst>
+        </p:spPr>
+      </p:pic>
+      <p:sp>
+        <p:nvSpPr>
+          <p:cNvPr id="8" name="Rectangle 7"/>
+          <p:cNvSpPr/>
+          <p:nvPr/>
+        </p:nvSpPr>
+        <p:spPr>
+          <a:xfrm>
+            <a:off x="4224814" y="6124720"/>
+            <a:ext cx="1446230" cy="400110"/>
+          </a:xfrm>
+          <a:prstGeom prst="rect">
+            <a:avLst/>
+          </a:prstGeom>
+        </p:spPr>
+        <p:txBody>
+          <a:bodyPr wrap="none">
+            <a:spAutoFit/>
+          </a:bodyPr>
+          <a:lstStyle/>
+          <a:p>
+            <a:r>
+              <a:rPr lang="en-US" sz="2000" b="1" dirty="0">
+                <a:latin typeface="Comic Sans MS" panose="030F0702030302020204" pitchFamily="66" charset="0"/>
+                <a:ea typeface="Cambria Math" panose="02040503050406030204" pitchFamily="18" charset="0"/>
+              </a:rPr>
+              <a:t>Complex 1</a:t>
+            </a:r>
+            <a:endParaRPr lang="en-CA" sz="2000" b="1" dirty="0"/>
+          </a:p>
+        </p:txBody>
+      </p:sp>
+      <p:sp>
+        <p:nvSpPr>
+          <p:cNvPr id="11" name="Rectangle 10"/>
+          <p:cNvSpPr/>
+          <p:nvPr/>
+        </p:nvSpPr>
+        <p:spPr>
+          <a:xfrm>
+            <a:off x="8693234" y="6124720"/>
+            <a:ext cx="1446230" cy="400110"/>
+          </a:xfrm>
+          <a:prstGeom prst="rect">
+            <a:avLst/>
+          </a:prstGeom>
+        </p:spPr>
+        <p:txBody>
+          <a:bodyPr wrap="none">
+            <a:spAutoFit/>
+          </a:bodyPr>
+          <a:lstStyle/>
+          <a:p>
+            <a:r>
+              <a:rPr lang="en-US" sz="2000" b="1" dirty="0">
+                <a:latin typeface="Comic Sans MS" panose="030F0702030302020204" pitchFamily="66" charset="0"/>
+                <a:ea typeface="Cambria Math" panose="02040503050406030204" pitchFamily="18" charset="0"/>
+              </a:rPr>
+              <a:t>Complex </a:t>
+            </a:r>
+            <a:r>
+              <a:rPr lang="en-US" altLang="zh-CN" sz="2000" b="1" dirty="0" smtClean="0">
+                <a:latin typeface="Comic Sans MS" panose="030F0702030302020204" pitchFamily="66" charset="0"/>
+                <a:ea typeface="Cambria Math" panose="02040503050406030204" pitchFamily="18" charset="0"/>
+              </a:rPr>
+              <a:t>3</a:t>
+            </a:r>
+            <a:endParaRPr lang="en-CA" sz="2000" b="1" dirty="0"/>
+          </a:p>
+        </p:txBody>
+      </p:sp>
+      <p:sp>
+        <p:nvSpPr>
+          <p:cNvPr id="12" name="Rectangle 11"/>
+          <p:cNvSpPr/>
+          <p:nvPr/>
+        </p:nvSpPr>
+        <p:spPr>
+          <a:xfrm>
+            <a:off x="6430739" y="6124720"/>
+            <a:ext cx="1446230" cy="400110"/>
+          </a:xfrm>
+          <a:prstGeom prst="rect">
+            <a:avLst/>
+          </a:prstGeom>
+        </p:spPr>
+        <p:txBody>
+          <a:bodyPr wrap="none">
+            <a:spAutoFit/>
+          </a:bodyPr>
+          <a:lstStyle/>
+          <a:p>
+            <a:r>
+              <a:rPr lang="en-US" sz="2000" b="1" dirty="0">
+                <a:latin typeface="Comic Sans MS" panose="030F0702030302020204" pitchFamily="66" charset="0"/>
+                <a:ea typeface="Cambria Math" panose="02040503050406030204" pitchFamily="18" charset="0"/>
+              </a:rPr>
+              <a:t>Complex </a:t>
+            </a:r>
+            <a:r>
+              <a:rPr lang="en-US" altLang="zh-CN" sz="2000" b="1" dirty="0" smtClean="0">
+                <a:latin typeface="Comic Sans MS" panose="030F0702030302020204" pitchFamily="66" charset="0"/>
+                <a:ea typeface="Cambria Math" panose="02040503050406030204" pitchFamily="18" charset="0"/>
+              </a:rPr>
+              <a:t>2</a:t>
+            </a:r>
+            <a:endParaRPr lang="en-CA" sz="2000" b="1" dirty="0"/>
+          </a:p>
+        </p:txBody>
+      </p:sp>
+      <p:cxnSp>
+        <p:nvCxnSpPr>
+          <p:cNvPr id="13" name="Straight Arrow Connector 12"/>
+          <p:cNvCxnSpPr/>
+          <p:nvPr/>
+        </p:nvCxnSpPr>
+        <p:spPr>
+          <a:xfrm flipV="1">
+            <a:off x="4902631" y="5352081"/>
+            <a:ext cx="0" cy="537275"/>
+          </a:xfrm>
+          <a:prstGeom prst="straightConnector1">
+            <a:avLst/>
+          </a:prstGeom>
+          <a:ln w="57150">
+            <a:solidFill>
+              <a:schemeClr val="tx1"/>
+            </a:solidFill>
+            <a:tailEnd type="arrow"/>
+          </a:ln>
+        </p:spPr>
+        <p:style>
+          <a:lnRef idx="1">
+            <a:schemeClr val="accent1"/>
+          </a:lnRef>
+          <a:fillRef idx="0">
+            <a:schemeClr val="accent1"/>
+          </a:fillRef>
+          <a:effectRef idx="0">
+            <a:schemeClr val="accent1"/>
+          </a:effectRef>
+          <a:fontRef idx="minor">
+            <a:schemeClr val="tx1"/>
+          </a:fontRef>
+        </p:style>
+      </p:cxnSp>
+      <p:cxnSp>
+        <p:nvCxnSpPr>
+          <p:cNvPr id="15" name="Straight Arrow Connector 14"/>
+          <p:cNvCxnSpPr/>
+          <p:nvPr/>
+        </p:nvCxnSpPr>
+        <p:spPr>
+          <a:xfrm flipV="1">
+            <a:off x="7204129" y="5352080"/>
+            <a:ext cx="0" cy="537275"/>
+          </a:xfrm>
+          <a:prstGeom prst="straightConnector1">
+            <a:avLst/>
+          </a:prstGeom>
+          <a:ln w="57150">
+            <a:solidFill>
+              <a:schemeClr val="tx1"/>
+            </a:solidFill>
+            <a:tailEnd type="arrow"/>
+          </a:ln>
+        </p:spPr>
+        <p:style>
+          <a:lnRef idx="1">
+            <a:schemeClr val="accent1"/>
+          </a:lnRef>
+          <a:fillRef idx="0">
+            <a:schemeClr val="accent1"/>
+          </a:fillRef>
+          <a:effectRef idx="0">
+            <a:schemeClr val="accent1"/>
+          </a:effectRef>
+          <a:fontRef idx="minor">
+            <a:schemeClr val="tx1"/>
+          </a:fontRef>
+        </p:style>
+      </p:cxnSp>
+      <p:cxnSp>
+        <p:nvCxnSpPr>
+          <p:cNvPr id="16" name="Straight Arrow Connector 15"/>
+          <p:cNvCxnSpPr/>
+          <p:nvPr/>
+        </p:nvCxnSpPr>
+        <p:spPr>
+          <a:xfrm flipV="1">
+            <a:off x="9255072" y="5408910"/>
+            <a:ext cx="0" cy="537275"/>
+          </a:xfrm>
+          <a:prstGeom prst="straightConnector1">
+            <a:avLst/>
+          </a:prstGeom>
+          <a:ln w="57150">
+            <a:solidFill>
+              <a:schemeClr val="tx1"/>
+            </a:solidFill>
+            <a:tailEnd type="arrow"/>
+          </a:ln>
+        </p:spPr>
+        <p:style>
+          <a:lnRef idx="1">
+            <a:schemeClr val="accent1"/>
+          </a:lnRef>
+          <a:fillRef idx="0">
+            <a:schemeClr val="accent1"/>
+          </a:fillRef>
+          <a:effectRef idx="0">
+            <a:schemeClr val="accent1"/>
+          </a:effectRef>
+          <a:fontRef idx="minor">
+            <a:schemeClr val="tx1"/>
+          </a:fontRef>
+        </p:style>
+      </p:cxnSp>
+    </p:spTree>
+    <p:extLst>
+      <p:ext uri="{BB962C8B-B14F-4D97-AF65-F5344CB8AC3E}">
+        <p14:creationId xmlns:p14="http://schemas.microsoft.com/office/powerpoint/2010/main" val="3371535975"/>
+      </p:ext>
+    </p:extLst>
+  </p:cSld>
+  <p:clrMapOvr>
+    <a:masterClrMapping/>
+  </p:clrMapOvr>
+</p:sld>
+</file>
+
+<file path=ppt/slides/slide3.xml><?xml version="1.0" encoding="utf-8"?>
 <p:sld xmlns:a="http://schemas.openxmlformats.org/drawingml/2006/main" xmlns:r="http://schemas.openxmlformats.org/officeDocument/2006/relationships" xmlns:p="http://schemas.openxmlformats.org/presentationml/2006/main">
   <p:cSld>
     <p:spTree>
@@ -5264,636 +8938,6 @@
 </p:sld>
 </file>
 
-<file path=ppt/slides/slide3.xml><?xml version="1.0" encoding="utf-8"?>
-<p:sld xmlns:a="http://schemas.openxmlformats.org/drawingml/2006/main" xmlns:r="http://schemas.openxmlformats.org/officeDocument/2006/relationships" xmlns:p="http://schemas.openxmlformats.org/presentationml/2006/main">
-  <p:cSld>
-    <p:spTree>
-      <p:nvGrpSpPr>
-        <p:cNvPr id="1" name=""/>
-        <p:cNvGrpSpPr/>
-        <p:nvPr/>
-      </p:nvGrpSpPr>
-      <p:grpSpPr>
-        <a:xfrm>
-          <a:off x="0" y="0"/>
-          <a:ext cx="0" cy="0"/>
-          <a:chOff x="0" y="0"/>
-          <a:chExt cx="0" cy="0"/>
-        </a:xfrm>
-      </p:grpSpPr>
-      <p:sp>
-        <p:nvSpPr>
-          <p:cNvPr id="4" name="TextBox 3"/>
-          <p:cNvSpPr txBox="1"/>
-          <p:nvPr/>
-        </p:nvSpPr>
-        <p:spPr>
-          <a:xfrm>
-            <a:off x="1884556" y="2079320"/>
-            <a:ext cx="12017141" cy="523220"/>
-          </a:xfrm>
-          <a:prstGeom prst="rect">
-            <a:avLst/>
-          </a:prstGeom>
-          <a:noFill/>
-        </p:spPr>
-        <p:txBody>
-          <a:bodyPr wrap="square" rtlCol="0">
-            <a:spAutoFit/>
-          </a:bodyPr>
-          <a:lstStyle/>
-          <a:p>
-            <a:r>
-              <a:rPr lang="en-US" sz="2800" dirty="0" smtClean="0">
-                <a:latin typeface="Comic Sans MS" panose="030F0702030302020204" pitchFamily="66" charset="0"/>
-                <a:ea typeface="Cambria Math" panose="02040503050406030204" pitchFamily="18" charset="0"/>
-              </a:rPr>
-              <a:t>Complex 1 </a:t>
-            </a:r>
-            <a:r>
-              <a:rPr lang="en-US" altLang="zh-CN" sz="2800" dirty="0" smtClean="0">
-                <a:latin typeface="Comic Sans MS" panose="030F0702030302020204" pitchFamily="66" charset="0"/>
-                <a:ea typeface="Cambria Math" panose="02040503050406030204" pitchFamily="18" charset="0"/>
-              </a:rPr>
-              <a:t>+ RcdA        </a:t>
-            </a:r>
-            <a:r>
-              <a:rPr lang="en-US" sz="2800" dirty="0" smtClean="0">
-                <a:latin typeface="Comic Sans MS" panose="030F0702030302020204" pitchFamily="66" charset="0"/>
-                <a:ea typeface="Cambria Math" panose="02040503050406030204" pitchFamily="18" charset="0"/>
-              </a:rPr>
-              <a:t>ClpXP:CpdR:RcdA (</a:t>
-            </a:r>
-            <a:r>
-              <a:rPr lang="en-US" altLang="zh-CN" sz="2800" dirty="0" smtClean="0">
-                <a:latin typeface="Comic Sans MS" panose="030F0702030302020204" pitchFamily="66" charset="0"/>
-                <a:ea typeface="Cambria Math" panose="02040503050406030204" pitchFamily="18" charset="0"/>
-              </a:rPr>
-              <a:t>Complex 2) </a:t>
-            </a:r>
-            <a:endParaRPr lang="en-US" sz="2800" dirty="0">
-              <a:latin typeface="Comic Sans MS" panose="030F0702030302020204" pitchFamily="66" charset="0"/>
-              <a:ea typeface="Cambria Math" panose="02040503050406030204" pitchFamily="18" charset="0"/>
-            </a:endParaRPr>
-          </a:p>
-        </p:txBody>
-      </p:sp>
-      <p:cxnSp>
-        <p:nvCxnSpPr>
-          <p:cNvPr id="56" name="Straight Arrow Connector 55"/>
-          <p:cNvCxnSpPr/>
-          <p:nvPr/>
-        </p:nvCxnSpPr>
-        <p:spPr>
-          <a:xfrm>
-            <a:off x="5004880" y="2340930"/>
-            <a:ext cx="658783" cy="0"/>
-          </a:xfrm>
-          <a:prstGeom prst="straightConnector1">
-            <a:avLst/>
-          </a:prstGeom>
-          <a:ln w="28575">
-            <a:tailEnd type="triangle"/>
-          </a:ln>
-        </p:spPr>
-        <p:style>
-          <a:lnRef idx="1">
-            <a:schemeClr val="dk1"/>
-          </a:lnRef>
-          <a:fillRef idx="0">
-            <a:schemeClr val="dk1"/>
-          </a:fillRef>
-          <a:effectRef idx="0">
-            <a:schemeClr val="dk1"/>
-          </a:effectRef>
-          <a:fontRef idx="minor">
-            <a:schemeClr val="tx1"/>
-          </a:fontRef>
-        </p:style>
-      </p:cxnSp>
-      <p:cxnSp>
-        <p:nvCxnSpPr>
-          <p:cNvPr id="57" name="Straight Arrow Connector 56"/>
-          <p:cNvCxnSpPr/>
-          <p:nvPr/>
-        </p:nvCxnSpPr>
-        <p:spPr>
-          <a:xfrm flipH="1">
-            <a:off x="5004880" y="2489592"/>
-            <a:ext cx="634093" cy="0"/>
-          </a:xfrm>
-          <a:prstGeom prst="straightConnector1">
-            <a:avLst/>
-          </a:prstGeom>
-          <a:ln w="28575">
-            <a:tailEnd type="triangle"/>
-          </a:ln>
-        </p:spPr>
-        <p:style>
-          <a:lnRef idx="1">
-            <a:schemeClr val="dk1"/>
-          </a:lnRef>
-          <a:fillRef idx="0">
-            <a:schemeClr val="dk1"/>
-          </a:fillRef>
-          <a:effectRef idx="0">
-            <a:schemeClr val="dk1"/>
-          </a:effectRef>
-          <a:fontRef idx="minor">
-            <a:schemeClr val="tx1"/>
-          </a:fontRef>
-        </p:style>
-      </p:cxnSp>
-      <p:cxnSp>
-        <p:nvCxnSpPr>
-          <p:cNvPr id="3" name="Straight Arrow Connector 2"/>
-          <p:cNvCxnSpPr/>
-          <p:nvPr/>
-        </p:nvCxnSpPr>
-        <p:spPr>
-          <a:xfrm>
-            <a:off x="4428309" y="2704011"/>
-            <a:ext cx="26125" cy="757646"/>
-          </a:xfrm>
-          <a:prstGeom prst="straightConnector1">
-            <a:avLst/>
-          </a:prstGeom>
-          <a:ln w="28575">
-            <a:prstDash val="solid"/>
-            <a:tailEnd type="triangle"/>
-          </a:ln>
-        </p:spPr>
-        <p:style>
-          <a:lnRef idx="1">
-            <a:schemeClr val="dk1"/>
-          </a:lnRef>
-          <a:fillRef idx="0">
-            <a:schemeClr val="dk1"/>
-          </a:fillRef>
-          <a:effectRef idx="0">
-            <a:schemeClr val="dk1"/>
-          </a:effectRef>
-          <a:fontRef idx="minor">
-            <a:schemeClr val="tx1"/>
-          </a:fontRef>
-        </p:style>
-      </p:cxnSp>
-      <p:sp>
-        <p:nvSpPr>
-          <p:cNvPr id="40" name="Oval 39"/>
-          <p:cNvSpPr/>
-          <p:nvPr/>
-        </p:nvSpPr>
-        <p:spPr>
-          <a:xfrm>
-            <a:off x="4623795" y="3563128"/>
-            <a:ext cx="228685" cy="79080"/>
-          </a:xfrm>
-          <a:prstGeom prst="ellipse">
-            <a:avLst/>
-          </a:prstGeom>
-        </p:spPr>
-        <p:style>
-          <a:lnRef idx="2">
-            <a:schemeClr val="dk1">
-              <a:shade val="50000"/>
-            </a:schemeClr>
-          </a:lnRef>
-          <a:fillRef idx="1">
-            <a:schemeClr val="dk1"/>
-          </a:fillRef>
-          <a:effectRef idx="0">
-            <a:schemeClr val="dk1"/>
-          </a:effectRef>
-          <a:fontRef idx="minor">
-            <a:schemeClr val="lt1"/>
-          </a:fontRef>
-        </p:style>
-        <p:txBody>
-          <a:bodyPr rtlCol="0" anchor="ctr"/>
-          <a:lstStyle/>
-          <a:p>
-            <a:pPr algn="ctr"/>
-            <a:endParaRPr lang="en-US" dirty="0"/>
-          </a:p>
-        </p:txBody>
-      </p:sp>
-      <p:sp>
-        <p:nvSpPr>
-          <p:cNvPr id="44" name="Oval 43"/>
-          <p:cNvSpPr/>
-          <p:nvPr/>
-        </p:nvSpPr>
-        <p:spPr>
-          <a:xfrm>
-            <a:off x="4403579" y="3711174"/>
-            <a:ext cx="228685" cy="79080"/>
-          </a:xfrm>
-          <a:prstGeom prst="ellipse">
-            <a:avLst/>
-          </a:prstGeom>
-        </p:spPr>
-        <p:style>
-          <a:lnRef idx="2">
-            <a:schemeClr val="dk1">
-              <a:shade val="50000"/>
-            </a:schemeClr>
-          </a:lnRef>
-          <a:fillRef idx="1">
-            <a:schemeClr val="dk1"/>
-          </a:fillRef>
-          <a:effectRef idx="0">
-            <a:schemeClr val="dk1"/>
-          </a:effectRef>
-          <a:fontRef idx="minor">
-            <a:schemeClr val="lt1"/>
-          </a:fontRef>
-        </p:style>
-        <p:txBody>
-          <a:bodyPr rtlCol="0" anchor="ctr"/>
-          <a:lstStyle/>
-          <a:p>
-            <a:pPr algn="ctr"/>
-            <a:endParaRPr lang="en-US" dirty="0"/>
-          </a:p>
-        </p:txBody>
-      </p:sp>
-      <p:sp>
-        <p:nvSpPr>
-          <p:cNvPr id="45" name="Oval 44"/>
-          <p:cNvSpPr/>
-          <p:nvPr/>
-        </p:nvSpPr>
-        <p:spPr>
-          <a:xfrm>
-            <a:off x="4776195" y="3715528"/>
-            <a:ext cx="228685" cy="79080"/>
-          </a:xfrm>
-          <a:prstGeom prst="ellipse">
-            <a:avLst/>
-          </a:prstGeom>
-        </p:spPr>
-        <p:style>
-          <a:lnRef idx="2">
-            <a:schemeClr val="dk1">
-              <a:shade val="50000"/>
-            </a:schemeClr>
-          </a:lnRef>
-          <a:fillRef idx="1">
-            <a:schemeClr val="dk1"/>
-          </a:fillRef>
-          <a:effectRef idx="0">
-            <a:schemeClr val="dk1"/>
-          </a:effectRef>
-          <a:fontRef idx="minor">
-            <a:schemeClr val="lt1"/>
-          </a:fontRef>
-        </p:style>
-        <p:txBody>
-          <a:bodyPr rtlCol="0" anchor="ctr"/>
-          <a:lstStyle/>
-          <a:p>
-            <a:pPr algn="ctr"/>
-            <a:endParaRPr lang="en-US" dirty="0"/>
-          </a:p>
-        </p:txBody>
-      </p:sp>
-      <p:sp>
-        <p:nvSpPr>
-          <p:cNvPr id="46" name="Oval 45"/>
-          <p:cNvSpPr/>
-          <p:nvPr/>
-        </p:nvSpPr>
-        <p:spPr>
-          <a:xfrm>
-            <a:off x="4632264" y="3867928"/>
-            <a:ext cx="228685" cy="79080"/>
-          </a:xfrm>
-          <a:prstGeom prst="ellipse">
-            <a:avLst/>
-          </a:prstGeom>
-        </p:spPr>
-        <p:style>
-          <a:lnRef idx="2">
-            <a:schemeClr val="dk1">
-              <a:shade val="50000"/>
-            </a:schemeClr>
-          </a:lnRef>
-          <a:fillRef idx="1">
-            <a:schemeClr val="dk1"/>
-          </a:fillRef>
-          <a:effectRef idx="0">
-            <a:schemeClr val="dk1"/>
-          </a:effectRef>
-          <a:fontRef idx="minor">
-            <a:schemeClr val="lt1"/>
-          </a:fontRef>
-        </p:style>
-        <p:txBody>
-          <a:bodyPr rtlCol="0" anchor="ctr"/>
-          <a:lstStyle/>
-          <a:p>
-            <a:pPr algn="ctr"/>
-            <a:endParaRPr lang="en-US" dirty="0"/>
-          </a:p>
-        </p:txBody>
-      </p:sp>
-      <p:sp>
-        <p:nvSpPr>
-          <p:cNvPr id="51" name="Rectangle 50"/>
-          <p:cNvSpPr/>
-          <p:nvPr/>
-        </p:nvSpPr>
-        <p:spPr>
-          <a:xfrm>
-            <a:off x="3957623" y="2898168"/>
-            <a:ext cx="445956" cy="369332"/>
-          </a:xfrm>
-          <a:prstGeom prst="rect">
-            <a:avLst/>
-          </a:prstGeom>
-        </p:spPr>
-        <p:txBody>
-          <a:bodyPr wrap="none">
-            <a:spAutoFit/>
-          </a:bodyPr>
-          <a:lstStyle/>
-          <a:p>
-            <a:r>
-              <a:rPr lang="en-US" dirty="0" smtClean="0">
-                <a:latin typeface="Comic Sans MS" panose="030F0702030302020204" pitchFamily="66" charset="0"/>
-                <a:ea typeface="Cambria Math" panose="02040503050406030204" pitchFamily="18" charset="0"/>
-              </a:rPr>
-              <a:t>kd</a:t>
-            </a:r>
-            <a:endParaRPr lang="en-US" dirty="0">
-              <a:latin typeface="Comic Sans MS" panose="030F0702030302020204" pitchFamily="66" charset="0"/>
-            </a:endParaRPr>
-          </a:p>
-        </p:txBody>
-      </p:sp>
-      <p:cxnSp>
-        <p:nvCxnSpPr>
-          <p:cNvPr id="52" name="Straight Arrow Connector 51"/>
-          <p:cNvCxnSpPr/>
-          <p:nvPr/>
-        </p:nvCxnSpPr>
-        <p:spPr>
-          <a:xfrm>
-            <a:off x="4377454" y="1248897"/>
-            <a:ext cx="26125" cy="757646"/>
-          </a:xfrm>
-          <a:prstGeom prst="straightConnector1">
-            <a:avLst/>
-          </a:prstGeom>
-          <a:ln w="28575">
-            <a:prstDash val="solid"/>
-            <a:tailEnd type="triangle"/>
-          </a:ln>
-        </p:spPr>
-        <p:style>
-          <a:lnRef idx="1">
-            <a:schemeClr val="dk1"/>
-          </a:lnRef>
-          <a:fillRef idx="0">
-            <a:schemeClr val="dk1"/>
-          </a:fillRef>
-          <a:effectRef idx="0">
-            <a:schemeClr val="dk1"/>
-          </a:effectRef>
-          <a:fontRef idx="minor">
-            <a:schemeClr val="tx1"/>
-          </a:fontRef>
-        </p:style>
-      </p:cxnSp>
-      <p:sp>
-        <p:nvSpPr>
-          <p:cNvPr id="53" name="Rectangle 52"/>
-          <p:cNvSpPr/>
-          <p:nvPr/>
-        </p:nvSpPr>
-        <p:spPr>
-          <a:xfrm>
-            <a:off x="3866670" y="1443054"/>
-            <a:ext cx="421910" cy="369332"/>
-          </a:xfrm>
-          <a:prstGeom prst="rect">
-            <a:avLst/>
-          </a:prstGeom>
-        </p:spPr>
-        <p:txBody>
-          <a:bodyPr wrap="none">
-            <a:spAutoFit/>
-          </a:bodyPr>
-          <a:lstStyle/>
-          <a:p>
-            <a:r>
-              <a:rPr lang="en-US" dirty="0" smtClean="0">
-                <a:latin typeface="Comic Sans MS" panose="030F0702030302020204" pitchFamily="66" charset="0"/>
-                <a:ea typeface="Cambria Math" panose="02040503050406030204" pitchFamily="18" charset="0"/>
-              </a:rPr>
-              <a:t>ks</a:t>
-            </a:r>
-            <a:endParaRPr lang="en-US" dirty="0">
-              <a:latin typeface="Comic Sans MS" panose="030F0702030302020204" pitchFamily="66" charset="0"/>
-            </a:endParaRPr>
-          </a:p>
-        </p:txBody>
-      </p:sp>
-      <p:sp>
-        <p:nvSpPr>
-          <p:cNvPr id="54" name="Rectangle 53"/>
-          <p:cNvSpPr/>
-          <p:nvPr/>
-        </p:nvSpPr>
-        <p:spPr>
-          <a:xfrm>
-            <a:off x="5098948" y="1837669"/>
-            <a:ext cx="561372" cy="369332"/>
-          </a:xfrm>
-          <a:prstGeom prst="rect">
-            <a:avLst/>
-          </a:prstGeom>
-        </p:spPr>
-        <p:txBody>
-          <a:bodyPr wrap="none">
-            <a:spAutoFit/>
-          </a:bodyPr>
-          <a:lstStyle/>
-          <a:p>
-            <a:r>
-              <a:rPr lang="en-US" dirty="0">
-                <a:latin typeface="Comic Sans MS" panose="030F0702030302020204" pitchFamily="66" charset="0"/>
-                <a:ea typeface="Cambria Math" panose="02040503050406030204" pitchFamily="18" charset="0"/>
-              </a:rPr>
-              <a:t>k</a:t>
-            </a:r>
-            <a:r>
-              <a:rPr lang="en-US" dirty="0" smtClean="0">
-                <a:latin typeface="Comic Sans MS" panose="030F0702030302020204" pitchFamily="66" charset="0"/>
-                <a:ea typeface="Cambria Math" panose="02040503050406030204" pitchFamily="18" charset="0"/>
-              </a:rPr>
-              <a:t>3+</a:t>
-            </a:r>
-            <a:endParaRPr lang="en-US" dirty="0">
-              <a:latin typeface="Comic Sans MS" panose="030F0702030302020204" pitchFamily="66" charset="0"/>
-            </a:endParaRPr>
-          </a:p>
-        </p:txBody>
-      </p:sp>
-      <p:sp>
-        <p:nvSpPr>
-          <p:cNvPr id="55" name="Rectangle 54"/>
-          <p:cNvSpPr/>
-          <p:nvPr/>
-        </p:nvSpPr>
-        <p:spPr>
-          <a:xfrm>
-            <a:off x="5098948" y="2594835"/>
-            <a:ext cx="562975" cy="369332"/>
-          </a:xfrm>
-          <a:prstGeom prst="rect">
-            <a:avLst/>
-          </a:prstGeom>
-        </p:spPr>
-        <p:txBody>
-          <a:bodyPr wrap="none">
-            <a:spAutoFit/>
-          </a:bodyPr>
-          <a:lstStyle/>
-          <a:p>
-            <a:r>
-              <a:rPr lang="en-US" dirty="0" smtClean="0">
-                <a:latin typeface="Comic Sans MS" panose="030F0702030302020204" pitchFamily="66" charset="0"/>
-                <a:ea typeface="Cambria Math" panose="02040503050406030204" pitchFamily="18" charset="0"/>
-              </a:rPr>
-              <a:t>K3-</a:t>
-            </a:r>
-            <a:endParaRPr lang="en-US" dirty="0">
-              <a:latin typeface="Comic Sans MS" panose="030F0702030302020204" pitchFamily="66" charset="0"/>
-            </a:endParaRPr>
-          </a:p>
-        </p:txBody>
-      </p:sp>
-      <p:cxnSp>
-        <p:nvCxnSpPr>
-          <p:cNvPr id="18" name="Curved Connector 17"/>
-          <p:cNvCxnSpPr/>
-          <p:nvPr/>
-        </p:nvCxnSpPr>
-        <p:spPr>
-          <a:xfrm rot="16200000" flipV="1">
-            <a:off x="4470445" y="1634995"/>
-            <a:ext cx="353472" cy="309457"/>
-          </a:xfrm>
-          <a:prstGeom prst="curvedConnector3">
-            <a:avLst>
-              <a:gd name="adj1" fmla="val 171954"/>
-            </a:avLst>
-          </a:prstGeom>
-          <a:ln w="28575">
-            <a:prstDash val="dash"/>
-            <a:tailEnd type="triangle"/>
-          </a:ln>
-        </p:spPr>
-        <p:style>
-          <a:lnRef idx="1">
-            <a:schemeClr val="dk1"/>
-          </a:lnRef>
-          <a:fillRef idx="0">
-            <a:schemeClr val="dk1"/>
-          </a:fillRef>
-          <a:effectRef idx="0">
-            <a:schemeClr val="dk1"/>
-          </a:effectRef>
-          <a:fontRef idx="minor">
-            <a:schemeClr val="tx1"/>
-          </a:fontRef>
-        </p:style>
-      </p:cxnSp>
-      <p:cxnSp>
-        <p:nvCxnSpPr>
-          <p:cNvPr id="61" name="Elbow Connector 60"/>
-          <p:cNvCxnSpPr/>
-          <p:nvPr/>
-        </p:nvCxnSpPr>
-        <p:spPr>
-          <a:xfrm>
-            <a:off x="2377440" y="2704011"/>
-            <a:ext cx="1700185" cy="563489"/>
-          </a:xfrm>
-          <a:prstGeom prst="bentConnector3">
-            <a:avLst>
-              <a:gd name="adj1" fmla="val 59"/>
-            </a:avLst>
-          </a:prstGeom>
-          <a:ln w="28575">
-            <a:prstDash val="dash"/>
-            <a:tailEnd type="triangle"/>
-          </a:ln>
-        </p:spPr>
-        <p:style>
-          <a:lnRef idx="1">
-            <a:schemeClr val="dk1"/>
-          </a:lnRef>
-          <a:fillRef idx="0">
-            <a:schemeClr val="dk1"/>
-          </a:fillRef>
-          <a:effectRef idx="0">
-            <a:schemeClr val="dk1"/>
-          </a:effectRef>
-          <a:fontRef idx="minor">
-            <a:schemeClr val="tx1"/>
-          </a:fontRef>
-        </p:style>
-      </p:cxnSp>
-      <p:sp>
-        <p:nvSpPr>
-          <p:cNvPr id="69" name="TextBox 68"/>
-          <p:cNvSpPr txBox="1"/>
-          <p:nvPr/>
-        </p:nvSpPr>
-        <p:spPr>
-          <a:xfrm>
-            <a:off x="352697" y="561703"/>
-            <a:ext cx="2316316" cy="769441"/>
-          </a:xfrm>
-          <a:prstGeom prst="rect">
-            <a:avLst/>
-          </a:prstGeom>
-          <a:noFill/>
-        </p:spPr>
-        <p:txBody>
-          <a:bodyPr wrap="square" rtlCol="0">
-            <a:spAutoFit/>
-          </a:bodyPr>
-          <a:lstStyle/>
-          <a:p>
-            <a:r>
-              <a:rPr lang="en-US" sz="4400" dirty="0" smtClean="0">
-                <a:latin typeface="Comic Sans MS" panose="030F0702030302020204" pitchFamily="66" charset="0"/>
-              </a:rPr>
-              <a:t>Model 2</a:t>
-            </a:r>
-            <a:endParaRPr lang="en-US" sz="4400" dirty="0">
-              <a:latin typeface="Comic Sans MS" panose="030F0702030302020204" pitchFamily="66" charset="0"/>
-            </a:endParaRPr>
-          </a:p>
-        </p:txBody>
-      </p:sp>
-    </p:spTree>
-    <p:extLst>
-      <p:ext uri="{BB962C8B-B14F-4D97-AF65-F5344CB8AC3E}">
-        <p14:creationId xmlns:p14="http://schemas.microsoft.com/office/powerpoint/2010/main" val="3228121694"/>
-      </p:ext>
-    </p:extLst>
-  </p:cSld>
-  <p:clrMapOvr>
-    <a:masterClrMapping/>
-  </p:clrMapOvr>
-</p:sld>
-</file>
-
 <file path=ppt/slides/slide4.xml><?xml version="1.0" encoding="utf-8"?>
 <p:sld xmlns:a="http://schemas.openxmlformats.org/drawingml/2006/main" xmlns:r="http://schemas.openxmlformats.org/officeDocument/2006/relationships" xmlns:p="http://schemas.openxmlformats.org/presentationml/2006/main">
   <p:cSld>
@@ -5913,716 +8957,141 @@
       </p:grpSpPr>
       <p:sp>
         <p:nvSpPr>
-          <p:cNvPr id="4" name="Rectangle 3"/>
-          <p:cNvSpPr/>
-          <p:nvPr/>
-        </p:nvSpPr>
-        <p:spPr>
-          <a:xfrm>
-            <a:off x="698537" y="4645986"/>
-            <a:ext cx="10028707" cy="523220"/>
+          <p:cNvPr id="3" name="Content Placeholder 2"/>
+          <p:cNvSpPr>
+            <a:spLocks noGrp="1"/>
+          </p:cNvSpPr>
+          <p:nvPr>
+            <p:ph idx="1"/>
+          </p:nvPr>
+        </p:nvSpPr>
+        <p:spPr/>
+        <p:txBody>
+          <a:bodyPr/>
+          <a:lstStyle/>
+          <a:p>
+            <a:endParaRPr lang="en-CA" dirty="0"/>
+          </a:p>
+        </p:txBody>
+      </p:sp>
+      <p:pic>
+        <p:nvPicPr>
+          <p:cNvPr id="2051" name="Picture 3"/>
+          <p:cNvPicPr>
+            <a:picLocks noChangeAspect="1" noChangeArrowheads="1"/>
+          </p:cNvPicPr>
+          <p:nvPr/>
+        </p:nvPicPr>
+        <p:blipFill>
+          <a:blip r:embed="rId2">
+            <a:extLst>
+              <a:ext uri="{28A0092B-C50C-407E-A947-70E740481C1C}">
+                <a14:useLocalDpi xmlns:a14="http://schemas.microsoft.com/office/drawing/2010/main" val="0"/>
+              </a:ext>
+            </a:extLst>
+          </a:blip>
+          <a:srcRect/>
+          <a:stretch>
+            <a:fillRect/>
+          </a:stretch>
+        </p:blipFill>
+        <p:spPr bwMode="auto">
+          <a:xfrm>
+            <a:off x="743468" y="1477505"/>
+            <a:ext cx="10759386" cy="3831391"/>
           </a:xfrm>
           <a:prstGeom prst="rect">
             <a:avLst/>
           </a:prstGeom>
-        </p:spPr>
-        <p:txBody>
-          <a:bodyPr wrap="none">
-            <a:spAutoFit/>
-          </a:bodyPr>
-          <a:lstStyle/>
-          <a:p>
-            <a:r>
-              <a:rPr lang="en-US" sz="2800" dirty="0">
-                <a:latin typeface="Comic Sans MS" panose="030F0702030302020204" pitchFamily="66" charset="0"/>
-                <a:ea typeface="Cambria Math" panose="02040503050406030204" pitchFamily="18" charset="0"/>
-              </a:rPr>
-              <a:t>ClpXP:CpdR:RcdA (</a:t>
-            </a:r>
-            <a:r>
-              <a:rPr lang="en-US" altLang="zh-CN" sz="2800" dirty="0">
-                <a:latin typeface="Comic Sans MS" panose="030F0702030302020204" pitchFamily="66" charset="0"/>
-                <a:ea typeface="Cambria Math" panose="02040503050406030204" pitchFamily="18" charset="0"/>
-              </a:rPr>
-              <a:t>Complex 2</a:t>
-            </a:r>
-            <a:r>
-              <a:rPr lang="en-US" altLang="zh-CN" sz="2800" dirty="0" smtClean="0">
-                <a:latin typeface="Comic Sans MS" panose="030F0702030302020204" pitchFamily="66" charset="0"/>
-                <a:ea typeface="Cambria Math" panose="02040503050406030204" pitchFamily="18" charset="0"/>
-              </a:rPr>
-              <a:t>) + PopA:2cdG         Complex 3</a:t>
-            </a:r>
-            <a:endParaRPr lang="en-US" sz="2800" dirty="0"/>
-          </a:p>
-        </p:txBody>
-      </p:sp>
-      <p:cxnSp>
-        <p:nvCxnSpPr>
-          <p:cNvPr id="5" name="Straight Arrow Connector 4"/>
-          <p:cNvCxnSpPr/>
-          <p:nvPr/>
-        </p:nvCxnSpPr>
-        <p:spPr>
-          <a:xfrm flipH="1">
-            <a:off x="8013692" y="5014954"/>
-            <a:ext cx="557892" cy="14738"/>
-          </a:xfrm>
-          <a:prstGeom prst="straightConnector1">
-            <a:avLst/>
-          </a:prstGeom>
-          <a:ln w="28575">
-            <a:tailEnd type="triangle"/>
+          <a:noFill/>
+          <a:ln>
+            <a:noFill/>
           </a:ln>
-        </p:spPr>
-        <p:style>
-          <a:lnRef idx="1">
-            <a:schemeClr val="dk1"/>
-          </a:lnRef>
-          <a:fillRef idx="0">
-            <a:schemeClr val="dk1"/>
-          </a:fillRef>
-          <a:effectRef idx="0">
-            <a:schemeClr val="dk1"/>
-          </a:effectRef>
-          <a:fontRef idx="minor">
-            <a:schemeClr val="tx1"/>
-          </a:fontRef>
-        </p:style>
-      </p:cxnSp>
-      <p:cxnSp>
-        <p:nvCxnSpPr>
-          <p:cNvPr id="6" name="Straight Arrow Connector 5"/>
-          <p:cNvCxnSpPr/>
-          <p:nvPr/>
-        </p:nvCxnSpPr>
-        <p:spPr>
-          <a:xfrm>
-            <a:off x="8013692" y="4875440"/>
-            <a:ext cx="658783" cy="0"/>
-          </a:xfrm>
-          <a:prstGeom prst="straightConnector1">
-            <a:avLst/>
-          </a:prstGeom>
-          <a:ln w="28575">
-            <a:tailEnd type="triangle"/>
+          <a:extLst>
+            <a:ext uri="{909E8E84-426E-40DD-AFC4-6F175D3DCCD1}">
+              <a14:hiddenFill xmlns:a14="http://schemas.microsoft.com/office/drawing/2010/main">
+                <a:solidFill>
+                  <a:schemeClr val="accent1"/>
+                </a:solidFill>
+              </a14:hiddenFill>
+            </a:ext>
+            <a:ext uri="{91240B29-F687-4F45-9708-019B960494DF}">
+              <a14:hiddenLine xmlns:a14="http://schemas.microsoft.com/office/drawing/2010/main" w="9525">
+                <a:solidFill>
+                  <a:schemeClr val="tx1"/>
+                </a:solidFill>
+                <a:miter lim="800000"/>
+                <a:headEnd/>
+                <a:tailEnd/>
+              </a14:hiddenLine>
+            </a:ext>
+          </a:extLst>
+        </p:spPr>
+      </p:pic>
+      <p:pic>
+        <p:nvPicPr>
+          <p:cNvPr id="2052" name="Picture 4"/>
+          <p:cNvPicPr>
+            <a:picLocks noChangeAspect="1" noChangeArrowheads="1"/>
+          </p:cNvPicPr>
+          <p:nvPr/>
+        </p:nvPicPr>
+        <p:blipFill>
+          <a:blip r:embed="rId3">
+            <a:extLst>
+              <a:ext uri="{28A0092B-C50C-407E-A947-70E740481C1C}">
+                <a14:useLocalDpi xmlns:a14="http://schemas.microsoft.com/office/drawing/2010/main" val="0"/>
+              </a:ext>
+            </a:extLst>
+          </a:blip>
+          <a:srcRect/>
+          <a:stretch>
+            <a:fillRect/>
+          </a:stretch>
+        </p:blipFill>
+        <p:spPr bwMode="auto">
+          <a:xfrm>
+            <a:off x="2005578" y="1738447"/>
+            <a:ext cx="1733550" cy="538163"/>
+          </a:xfrm>
+          <a:prstGeom prst="rect">
+            <a:avLst/>
+          </a:prstGeom>
+          <a:noFill/>
+          <a:ln>
+            <a:noFill/>
           </a:ln>
-        </p:spPr>
-        <p:style>
-          <a:lnRef idx="1">
-            <a:schemeClr val="dk1"/>
-          </a:lnRef>
-          <a:fillRef idx="0">
-            <a:schemeClr val="dk1"/>
-          </a:fillRef>
-          <a:effectRef idx="0">
-            <a:schemeClr val="dk1"/>
-          </a:effectRef>
-          <a:fontRef idx="minor">
-            <a:schemeClr val="tx1"/>
-          </a:fontRef>
-        </p:style>
-      </p:cxnSp>
-      <p:sp>
-        <p:nvSpPr>
-          <p:cNvPr id="7" name="Rectangle 6"/>
-          <p:cNvSpPr/>
-          <p:nvPr/>
-        </p:nvSpPr>
-        <p:spPr>
-          <a:xfrm>
-            <a:off x="8013692" y="4402422"/>
-            <a:ext cx="561372" cy="369332"/>
-          </a:xfrm>
-          <a:prstGeom prst="rect">
-            <a:avLst/>
-          </a:prstGeom>
-        </p:spPr>
-        <p:txBody>
-          <a:bodyPr wrap="none">
-            <a:spAutoFit/>
-          </a:bodyPr>
-          <a:lstStyle/>
-          <a:p>
-            <a:r>
-              <a:rPr lang="en-US" dirty="0" smtClean="0">
-                <a:latin typeface="Comic Sans MS" panose="030F0702030302020204" pitchFamily="66" charset="0"/>
-                <a:ea typeface="Cambria Math" panose="02040503050406030204" pitchFamily="18" charset="0"/>
-              </a:rPr>
-              <a:t>k</a:t>
-            </a:r>
-            <a:r>
-              <a:rPr lang="en-US" dirty="0">
-                <a:latin typeface="Comic Sans MS" panose="030F0702030302020204" pitchFamily="66" charset="0"/>
-                <a:ea typeface="Cambria Math" panose="02040503050406030204" pitchFamily="18" charset="0"/>
-              </a:rPr>
-              <a:t>5</a:t>
-            </a:r>
-            <a:r>
-              <a:rPr lang="en-US" dirty="0" smtClean="0">
-                <a:latin typeface="Comic Sans MS" panose="030F0702030302020204" pitchFamily="66" charset="0"/>
-                <a:ea typeface="Cambria Math" panose="02040503050406030204" pitchFamily="18" charset="0"/>
-              </a:rPr>
-              <a:t>+</a:t>
-            </a:r>
-            <a:endParaRPr lang="en-US" dirty="0">
-              <a:latin typeface="Comic Sans MS" panose="030F0702030302020204" pitchFamily="66" charset="0"/>
-            </a:endParaRPr>
-          </a:p>
-        </p:txBody>
-      </p:sp>
-      <p:sp>
-        <p:nvSpPr>
-          <p:cNvPr id="8" name="Rectangle 7"/>
-          <p:cNvSpPr/>
-          <p:nvPr/>
-        </p:nvSpPr>
-        <p:spPr>
-          <a:xfrm>
-            <a:off x="8015283" y="5167531"/>
-            <a:ext cx="546945" cy="369332"/>
-          </a:xfrm>
-          <a:prstGeom prst="rect">
-            <a:avLst/>
-          </a:prstGeom>
-        </p:spPr>
-        <p:txBody>
-          <a:bodyPr wrap="none">
-            <a:spAutoFit/>
-          </a:bodyPr>
-          <a:lstStyle/>
-          <a:p>
-            <a:r>
-              <a:rPr lang="en-US" dirty="0">
-                <a:latin typeface="Comic Sans MS" panose="030F0702030302020204" pitchFamily="66" charset="0"/>
-                <a:ea typeface="Cambria Math" panose="02040503050406030204" pitchFamily="18" charset="0"/>
-              </a:rPr>
-              <a:t>k</a:t>
-            </a:r>
-            <a:r>
-              <a:rPr lang="en-US" dirty="0" smtClean="0">
-                <a:latin typeface="Comic Sans MS" panose="030F0702030302020204" pitchFamily="66" charset="0"/>
-                <a:ea typeface="Cambria Math" panose="02040503050406030204" pitchFamily="18" charset="0"/>
-              </a:rPr>
-              <a:t>5-</a:t>
-            </a:r>
-            <a:endParaRPr lang="en-US" dirty="0">
-              <a:latin typeface="Comic Sans MS" panose="030F0702030302020204" pitchFamily="66" charset="0"/>
-            </a:endParaRPr>
-          </a:p>
-        </p:txBody>
-      </p:sp>
-      <p:sp>
-        <p:nvSpPr>
-          <p:cNvPr id="9" name="Rectangle 8"/>
-          <p:cNvSpPr/>
-          <p:nvPr/>
-        </p:nvSpPr>
-        <p:spPr>
-          <a:xfrm>
-            <a:off x="8013692" y="2238494"/>
-            <a:ext cx="1983235" cy="523220"/>
-          </a:xfrm>
-          <a:prstGeom prst="rect">
-            <a:avLst/>
-          </a:prstGeom>
-        </p:spPr>
-        <p:txBody>
-          <a:bodyPr wrap="none">
-            <a:spAutoFit/>
-          </a:bodyPr>
-          <a:lstStyle/>
-          <a:p>
-            <a:r>
-              <a:rPr lang="en-US" altLang="zh-CN" sz="2800" dirty="0">
-                <a:latin typeface="Comic Sans MS" panose="030F0702030302020204" pitchFamily="66" charset="0"/>
-                <a:ea typeface="Cambria Math" panose="02040503050406030204" pitchFamily="18" charset="0"/>
-              </a:rPr>
-              <a:t>PopA:2cdG</a:t>
-            </a:r>
-            <a:endParaRPr lang="en-US" sz="2800" dirty="0"/>
-          </a:p>
-        </p:txBody>
-      </p:sp>
-      <p:cxnSp>
-        <p:nvCxnSpPr>
-          <p:cNvPr id="10" name="Straight Arrow Connector 9"/>
-          <p:cNvCxnSpPr/>
-          <p:nvPr/>
-        </p:nvCxnSpPr>
-        <p:spPr>
-          <a:xfrm flipV="1">
-            <a:off x="6686896" y="2498744"/>
-            <a:ext cx="1326796" cy="1360"/>
-          </a:xfrm>
-          <a:prstGeom prst="straightConnector1">
-            <a:avLst/>
-          </a:prstGeom>
-          <a:ln w="28575">
-            <a:tailEnd type="triangle"/>
-          </a:ln>
-        </p:spPr>
-        <p:style>
-          <a:lnRef idx="1">
-            <a:schemeClr val="dk1"/>
-          </a:lnRef>
-          <a:fillRef idx="0">
-            <a:schemeClr val="dk1"/>
-          </a:fillRef>
-          <a:effectRef idx="0">
-            <a:schemeClr val="dk1"/>
-          </a:effectRef>
-          <a:fontRef idx="minor">
-            <a:schemeClr val="tx1"/>
-          </a:fontRef>
-        </p:style>
-      </p:cxnSp>
-      <p:cxnSp>
-        <p:nvCxnSpPr>
-          <p:cNvPr id="12" name="Straight Arrow Connector 11"/>
-          <p:cNvCxnSpPr/>
-          <p:nvPr/>
-        </p:nvCxnSpPr>
-        <p:spPr>
-          <a:xfrm flipH="1">
-            <a:off x="6517079" y="2628140"/>
-            <a:ext cx="1221290" cy="5537"/>
-          </a:xfrm>
-          <a:prstGeom prst="straightConnector1">
-            <a:avLst/>
-          </a:prstGeom>
-          <a:ln w="28575">
-            <a:tailEnd type="triangle"/>
-          </a:ln>
-        </p:spPr>
-        <p:style>
-          <a:lnRef idx="1">
-            <a:schemeClr val="dk1"/>
-          </a:lnRef>
-          <a:fillRef idx="0">
-            <a:schemeClr val="dk1"/>
-          </a:fillRef>
-          <a:effectRef idx="0">
-            <a:schemeClr val="dk1"/>
-          </a:effectRef>
-          <a:fontRef idx="minor">
-            <a:schemeClr val="tx1"/>
-          </a:fontRef>
-        </p:style>
-      </p:cxnSp>
-      <p:sp>
-        <p:nvSpPr>
-          <p:cNvPr id="14" name="Rectangle 13"/>
-          <p:cNvSpPr/>
-          <p:nvPr/>
-        </p:nvSpPr>
-        <p:spPr>
-          <a:xfrm>
-            <a:off x="5335542" y="2238494"/>
-            <a:ext cx="1043876" cy="523220"/>
-          </a:xfrm>
-          <a:prstGeom prst="rect">
-            <a:avLst/>
-          </a:prstGeom>
-        </p:spPr>
-        <p:txBody>
-          <a:bodyPr wrap="none">
-            <a:spAutoFit/>
-          </a:bodyPr>
-          <a:lstStyle/>
-          <a:p>
-            <a:r>
-              <a:rPr lang="en-US" altLang="zh-CN" sz="2800" dirty="0">
-                <a:latin typeface="Comic Sans MS" panose="030F0702030302020204" pitchFamily="66" charset="0"/>
-                <a:ea typeface="Cambria Math" panose="02040503050406030204" pitchFamily="18" charset="0"/>
-              </a:rPr>
-              <a:t>2cdG</a:t>
-            </a:r>
-            <a:endParaRPr lang="en-US" sz="2800" dirty="0"/>
-          </a:p>
-        </p:txBody>
-      </p:sp>
-      <p:cxnSp>
-        <p:nvCxnSpPr>
-          <p:cNvPr id="15" name="Straight Arrow Connector 14"/>
-          <p:cNvCxnSpPr/>
-          <p:nvPr/>
-        </p:nvCxnSpPr>
-        <p:spPr>
-          <a:xfrm>
-            <a:off x="5857480" y="2782285"/>
-            <a:ext cx="0" cy="698572"/>
-          </a:xfrm>
-          <a:prstGeom prst="straightConnector1">
-            <a:avLst/>
-          </a:prstGeom>
-          <a:ln w="28575">
-            <a:tailEnd type="triangle"/>
-          </a:ln>
-        </p:spPr>
-        <p:style>
-          <a:lnRef idx="1">
-            <a:schemeClr val="dk1"/>
-          </a:lnRef>
-          <a:fillRef idx="0">
-            <a:schemeClr val="dk1"/>
-          </a:fillRef>
-          <a:effectRef idx="0">
-            <a:schemeClr val="dk1"/>
-          </a:effectRef>
-          <a:fontRef idx="minor">
-            <a:schemeClr val="tx1"/>
-          </a:fontRef>
-        </p:style>
-      </p:cxnSp>
-      <p:cxnSp>
-        <p:nvCxnSpPr>
-          <p:cNvPr id="18" name="Straight Arrow Connector 17"/>
-          <p:cNvCxnSpPr/>
-          <p:nvPr/>
-        </p:nvCxnSpPr>
-        <p:spPr>
-          <a:xfrm flipH="1" flipV="1">
-            <a:off x="6021174" y="3177835"/>
-            <a:ext cx="495905" cy="383391"/>
-          </a:xfrm>
-          <a:prstGeom prst="straightConnector1">
-            <a:avLst/>
-          </a:prstGeom>
-          <a:ln w="28575">
-            <a:prstDash val="dash"/>
-            <a:tailEnd type="triangle"/>
-          </a:ln>
-        </p:spPr>
-        <p:style>
-          <a:lnRef idx="1">
-            <a:schemeClr val="dk1"/>
-          </a:lnRef>
-          <a:fillRef idx="0">
-            <a:schemeClr val="dk1"/>
-          </a:fillRef>
-          <a:effectRef idx="0">
-            <a:schemeClr val="dk1"/>
-          </a:effectRef>
-          <a:fontRef idx="minor">
-            <a:schemeClr val="tx1"/>
-          </a:fontRef>
-        </p:style>
-      </p:cxnSp>
-      <p:sp>
-        <p:nvSpPr>
-          <p:cNvPr id="21" name="Rectangle 20"/>
-          <p:cNvSpPr/>
-          <p:nvPr/>
-        </p:nvSpPr>
-        <p:spPr>
-          <a:xfrm>
-            <a:off x="6581348" y="3349105"/>
-            <a:ext cx="769763" cy="369332"/>
-          </a:xfrm>
-          <a:prstGeom prst="rect">
-            <a:avLst/>
-          </a:prstGeom>
-        </p:spPr>
-        <p:txBody>
-          <a:bodyPr wrap="none">
-            <a:spAutoFit/>
-          </a:bodyPr>
-          <a:lstStyle/>
-          <a:p>
-            <a:r>
-              <a:rPr lang="en-US" dirty="0" smtClean="0">
-                <a:latin typeface="Comic Sans MS" panose="030F0702030302020204" pitchFamily="66" charset="0"/>
-                <a:ea typeface="Cambria Math" panose="02040503050406030204" pitchFamily="18" charset="0"/>
-              </a:rPr>
-              <a:t>pDeA</a:t>
-            </a:r>
-            <a:endParaRPr lang="en-US" dirty="0"/>
-          </a:p>
-        </p:txBody>
-      </p:sp>
-      <p:sp>
-        <p:nvSpPr>
-          <p:cNvPr id="22" name="Rectangle 21"/>
-          <p:cNvSpPr/>
-          <p:nvPr/>
-        </p:nvSpPr>
-        <p:spPr>
-          <a:xfrm>
-            <a:off x="6797345" y="1087644"/>
-            <a:ext cx="660758" cy="369332"/>
-          </a:xfrm>
-          <a:prstGeom prst="rect">
-            <a:avLst/>
-          </a:prstGeom>
-        </p:spPr>
-        <p:txBody>
-          <a:bodyPr wrap="none">
-            <a:spAutoFit/>
-          </a:bodyPr>
-          <a:lstStyle/>
-          <a:p>
-            <a:r>
-              <a:rPr lang="en-US" dirty="0" smtClean="0">
-                <a:latin typeface="Comic Sans MS" panose="030F0702030302020204" pitchFamily="66" charset="0"/>
-                <a:ea typeface="Cambria Math" panose="02040503050406030204" pitchFamily="18" charset="0"/>
-              </a:rPr>
-              <a:t>PleD</a:t>
-            </a:r>
-            <a:endParaRPr lang="en-US" dirty="0"/>
-          </a:p>
-        </p:txBody>
-      </p:sp>
-      <p:cxnSp>
-        <p:nvCxnSpPr>
-          <p:cNvPr id="23" name="Straight Arrow Connector 22"/>
-          <p:cNvCxnSpPr/>
-          <p:nvPr/>
-        </p:nvCxnSpPr>
-        <p:spPr>
-          <a:xfrm>
-            <a:off x="5857480" y="1123406"/>
-            <a:ext cx="0" cy="1048253"/>
-          </a:xfrm>
-          <a:prstGeom prst="straightConnector1">
-            <a:avLst/>
-          </a:prstGeom>
-          <a:ln w="28575">
-            <a:tailEnd type="triangle"/>
-          </a:ln>
-        </p:spPr>
-        <p:style>
-          <a:lnRef idx="1">
-            <a:schemeClr val="dk1"/>
-          </a:lnRef>
-          <a:fillRef idx="0">
-            <a:schemeClr val="dk1"/>
-          </a:fillRef>
-          <a:effectRef idx="0">
-            <a:schemeClr val="dk1"/>
-          </a:effectRef>
-          <a:fontRef idx="minor">
-            <a:schemeClr val="tx1"/>
-          </a:fontRef>
-        </p:style>
-      </p:cxnSp>
-      <p:sp>
-        <p:nvSpPr>
-          <p:cNvPr id="24" name="Arc 23"/>
-          <p:cNvSpPr/>
-          <p:nvPr/>
-        </p:nvSpPr>
-        <p:spPr>
-          <a:xfrm>
-            <a:off x="5188290" y="1457333"/>
-            <a:ext cx="737416" cy="1162594"/>
-          </a:xfrm>
-          <a:prstGeom prst="arc">
-            <a:avLst>
-              <a:gd name="adj1" fmla="val 7364553"/>
-              <a:gd name="adj2" fmla="val 16919878"/>
-            </a:avLst>
-          </a:prstGeom>
-          <a:ln w="28575">
-            <a:prstDash val="dash"/>
-          </a:ln>
-        </p:spPr>
-        <p:style>
-          <a:lnRef idx="1">
-            <a:schemeClr val="dk1"/>
-          </a:lnRef>
-          <a:fillRef idx="0">
-            <a:schemeClr val="dk1"/>
-          </a:fillRef>
-          <a:effectRef idx="0">
-            <a:schemeClr val="dk1"/>
-          </a:effectRef>
-          <a:fontRef idx="minor">
-            <a:schemeClr val="tx1"/>
-          </a:fontRef>
-        </p:style>
-        <p:txBody>
-          <a:bodyPr rtlCol="0" anchor="ctr"/>
-          <a:lstStyle/>
-          <a:p>
-            <a:pPr algn="ctr"/>
-            <a:endParaRPr lang="en-US"/>
-          </a:p>
-        </p:txBody>
-      </p:sp>
-      <p:cxnSp>
-        <p:nvCxnSpPr>
-          <p:cNvPr id="26" name="Straight Connector 25"/>
-          <p:cNvCxnSpPr/>
-          <p:nvPr/>
-        </p:nvCxnSpPr>
-        <p:spPr>
-          <a:xfrm flipH="1">
-            <a:off x="5654107" y="1389603"/>
-            <a:ext cx="117566" cy="300446"/>
-          </a:xfrm>
-          <a:prstGeom prst="line">
-            <a:avLst/>
-          </a:prstGeom>
-          <a:ln w="28575"/>
-        </p:spPr>
-        <p:style>
-          <a:lnRef idx="1">
-            <a:schemeClr val="dk1"/>
-          </a:lnRef>
-          <a:fillRef idx="0">
-            <a:schemeClr val="dk1"/>
-          </a:fillRef>
-          <a:effectRef idx="0">
-            <a:schemeClr val="dk1"/>
-          </a:effectRef>
-          <a:fontRef idx="minor">
-            <a:schemeClr val="tx1"/>
-          </a:fontRef>
-        </p:style>
-      </p:cxnSp>
-      <p:cxnSp>
-        <p:nvCxnSpPr>
-          <p:cNvPr id="28" name="Straight Arrow Connector 27"/>
-          <p:cNvCxnSpPr/>
-          <p:nvPr/>
-        </p:nvCxnSpPr>
-        <p:spPr>
-          <a:xfrm flipH="1">
-            <a:off x="6011514" y="1272310"/>
-            <a:ext cx="675382" cy="357681"/>
-          </a:xfrm>
-          <a:prstGeom prst="straightConnector1">
-            <a:avLst/>
-          </a:prstGeom>
-          <a:ln w="28575">
-            <a:prstDash val="dash"/>
-            <a:tailEnd type="triangle"/>
-          </a:ln>
-        </p:spPr>
-        <p:style>
-          <a:lnRef idx="1">
-            <a:schemeClr val="dk1"/>
-          </a:lnRef>
-          <a:fillRef idx="0">
-            <a:schemeClr val="dk1"/>
-          </a:fillRef>
-          <a:effectRef idx="0">
-            <a:schemeClr val="dk1"/>
-          </a:effectRef>
-          <a:fontRef idx="minor">
-            <a:schemeClr val="tx1"/>
-          </a:fontRef>
-        </p:style>
-      </p:cxnSp>
-      <p:sp>
-        <p:nvSpPr>
-          <p:cNvPr id="30" name="Rectangle 29"/>
-          <p:cNvSpPr/>
-          <p:nvPr/>
-        </p:nvSpPr>
-        <p:spPr>
-          <a:xfrm>
-            <a:off x="3792877" y="2259065"/>
-            <a:ext cx="1297150" cy="523220"/>
-          </a:xfrm>
-          <a:prstGeom prst="rect">
-            <a:avLst/>
-          </a:prstGeom>
-        </p:spPr>
-        <p:txBody>
-          <a:bodyPr wrap="none">
-            <a:spAutoFit/>
-          </a:bodyPr>
-          <a:lstStyle/>
-          <a:p>
-            <a:r>
-              <a:rPr lang="en-US" altLang="zh-CN" sz="2800" dirty="0" smtClean="0">
-                <a:latin typeface="Comic Sans MS" panose="030F0702030302020204" pitchFamily="66" charset="0"/>
-                <a:ea typeface="Cambria Math" panose="02040503050406030204" pitchFamily="18" charset="0"/>
-              </a:rPr>
-              <a:t>PopA +</a:t>
-            </a:r>
-            <a:endParaRPr lang="en-US" sz="2800" dirty="0"/>
-          </a:p>
-        </p:txBody>
-      </p:sp>
-      <p:cxnSp>
-        <p:nvCxnSpPr>
-          <p:cNvPr id="31" name="Straight Arrow Connector 30"/>
-          <p:cNvCxnSpPr/>
-          <p:nvPr/>
-        </p:nvCxnSpPr>
-        <p:spPr>
-          <a:xfrm>
-            <a:off x="4246394" y="1123406"/>
-            <a:ext cx="0" cy="1048253"/>
-          </a:xfrm>
-          <a:prstGeom prst="straightConnector1">
-            <a:avLst/>
-          </a:prstGeom>
-          <a:ln w="28575">
-            <a:tailEnd type="triangle"/>
-          </a:ln>
-        </p:spPr>
-        <p:style>
-          <a:lnRef idx="1">
-            <a:schemeClr val="dk1"/>
-          </a:lnRef>
-          <a:fillRef idx="0">
-            <a:schemeClr val="dk1"/>
-          </a:fillRef>
-          <a:effectRef idx="0">
-            <a:schemeClr val="dk1"/>
-          </a:effectRef>
-          <a:fontRef idx="minor">
-            <a:schemeClr val="tx1"/>
-          </a:fontRef>
-        </p:style>
-      </p:cxnSp>
-      <p:cxnSp>
-        <p:nvCxnSpPr>
-          <p:cNvPr id="32" name="Straight Arrow Connector 31"/>
-          <p:cNvCxnSpPr/>
-          <p:nvPr/>
-        </p:nvCxnSpPr>
-        <p:spPr>
-          <a:xfrm>
-            <a:off x="4246394" y="2794554"/>
-            <a:ext cx="0" cy="698572"/>
-          </a:xfrm>
-          <a:prstGeom prst="straightConnector1">
-            <a:avLst/>
-          </a:prstGeom>
-          <a:ln w="28575">
-            <a:tailEnd type="triangle"/>
-          </a:ln>
-        </p:spPr>
-        <p:style>
-          <a:lnRef idx="1">
-            <a:schemeClr val="dk1"/>
-          </a:lnRef>
-          <a:fillRef idx="0">
-            <a:schemeClr val="dk1"/>
-          </a:fillRef>
-          <a:effectRef idx="0">
-            <a:schemeClr val="dk1"/>
-          </a:effectRef>
-          <a:fontRef idx="minor">
-            <a:schemeClr val="tx1"/>
-          </a:fontRef>
-        </p:style>
-      </p:cxnSp>
-      <p:sp>
-        <p:nvSpPr>
-          <p:cNvPr id="33" name="TextBox 32"/>
+          <a:extLst>
+            <a:ext uri="{909E8E84-426E-40DD-AFC4-6F175D3DCCD1}">
+              <a14:hiddenFill xmlns:a14="http://schemas.microsoft.com/office/drawing/2010/main">
+                <a:solidFill>
+                  <a:schemeClr val="accent1"/>
+                </a:solidFill>
+              </a14:hiddenFill>
+            </a:ext>
+            <a:ext uri="{91240B29-F687-4F45-9708-019B960494DF}">
+              <a14:hiddenLine xmlns:a14="http://schemas.microsoft.com/office/drawing/2010/main" w="9525">
+                <a:solidFill>
+                  <a:schemeClr val="tx1"/>
+                </a:solidFill>
+                <a:miter lim="800000"/>
+                <a:headEnd/>
+                <a:tailEnd/>
+              </a14:hiddenLine>
+            </a:ext>
+          </a:extLst>
+        </p:spPr>
+      </p:pic>
+      <p:sp>
+        <p:nvSpPr>
+          <p:cNvPr id="7" name="TextBox 6"/>
           <p:cNvSpPr txBox="1"/>
           <p:nvPr/>
         </p:nvSpPr>
         <p:spPr>
           <a:xfrm>
             <a:off x="352697" y="561703"/>
-            <a:ext cx="2316316" cy="769441"/>
+            <a:ext cx="8440008" cy="769441"/>
           </a:xfrm>
           <a:prstGeom prst="rect">
             <a:avLst/>
@@ -6639,7 +9108,7 @@
               <a:rPr lang="en-US" sz="4400" dirty="0" smtClean="0">
                 <a:latin typeface="Comic Sans MS" panose="030F0702030302020204" pitchFamily="66" charset="0"/>
               </a:rPr>
-              <a:t>Model 3</a:t>
+              <a:t>Simulation Scheme</a:t>
             </a:r>
             <a:endParaRPr lang="en-US" sz="4400" dirty="0">
               <a:latin typeface="Comic Sans MS" panose="030F0702030302020204" pitchFamily="66" charset="0"/>
@@ -6647,92 +9116,10 @@
           </a:p>
         </p:txBody>
       </p:sp>
-      <p:sp>
-        <p:nvSpPr>
-          <p:cNvPr id="34" name="Rectangle 33"/>
-          <p:cNvSpPr/>
-          <p:nvPr/>
-        </p:nvSpPr>
-        <p:spPr>
-          <a:xfrm>
-            <a:off x="7048608" y="2065394"/>
-            <a:ext cx="561372" cy="369332"/>
-          </a:xfrm>
-          <a:prstGeom prst="rect">
-            <a:avLst/>
-          </a:prstGeom>
-        </p:spPr>
-        <p:txBody>
-          <a:bodyPr wrap="none">
-            <a:spAutoFit/>
-          </a:bodyPr>
-          <a:lstStyle/>
-          <a:p>
-            <a:r>
-              <a:rPr lang="en-US" dirty="0" smtClean="0">
-                <a:latin typeface="Comic Sans MS" panose="030F0702030302020204" pitchFamily="66" charset="0"/>
-                <a:ea typeface="Cambria Math" panose="02040503050406030204" pitchFamily="18" charset="0"/>
-              </a:rPr>
-              <a:t>k4+</a:t>
-            </a:r>
-            <a:endParaRPr lang="en-US" dirty="0">
-              <a:latin typeface="Comic Sans MS" panose="030F0702030302020204" pitchFamily="66" charset="0"/>
-            </a:endParaRPr>
-          </a:p>
-        </p:txBody>
-      </p:sp>
-      <p:sp>
-        <p:nvSpPr>
-          <p:cNvPr id="35" name="Rectangle 34"/>
-          <p:cNvSpPr/>
-          <p:nvPr/>
-        </p:nvSpPr>
-        <p:spPr>
-          <a:xfrm>
-            <a:off x="7025579" y="2728119"/>
-            <a:ext cx="546945" cy="369332"/>
-          </a:xfrm>
-          <a:prstGeom prst="rect">
-            <a:avLst/>
-          </a:prstGeom>
-        </p:spPr>
-        <p:txBody>
-          <a:bodyPr wrap="none">
-            <a:spAutoFit/>
-          </a:bodyPr>
-          <a:lstStyle/>
-          <a:p>
-            <a:r>
-              <a:rPr lang="en-US" dirty="0" smtClean="0">
-                <a:latin typeface="Comic Sans MS" panose="030F0702030302020204" pitchFamily="66" charset="0"/>
-                <a:ea typeface="Cambria Math" panose="02040503050406030204" pitchFamily="18" charset="0"/>
-              </a:rPr>
-              <a:t>k</a:t>
-            </a:r>
-            <a:r>
-              <a:rPr lang="en-US" dirty="0">
-                <a:latin typeface="Comic Sans MS" panose="030F0702030302020204" pitchFamily="66" charset="0"/>
-                <a:ea typeface="Cambria Math" panose="02040503050406030204" pitchFamily="18" charset="0"/>
-              </a:rPr>
-              <a:t>4</a:t>
-            </a:r>
-            <a:r>
-              <a:rPr lang="en-US" dirty="0" smtClean="0">
-                <a:latin typeface="Comic Sans MS" panose="030F0702030302020204" pitchFamily="66" charset="0"/>
-                <a:ea typeface="Cambria Math" panose="02040503050406030204" pitchFamily="18" charset="0"/>
-              </a:rPr>
-              <a:t>-</a:t>
-            </a:r>
-            <a:endParaRPr lang="en-US" dirty="0">
-              <a:latin typeface="Comic Sans MS" panose="030F0702030302020204" pitchFamily="66" charset="0"/>
-            </a:endParaRPr>
-          </a:p>
-        </p:txBody>
-      </p:sp>
     </p:spTree>
     <p:extLst>
       <p:ext uri="{BB962C8B-B14F-4D97-AF65-F5344CB8AC3E}">
-        <p14:creationId xmlns:p14="http://schemas.microsoft.com/office/powerpoint/2010/main" val="1885134579"/>
+        <p14:creationId xmlns:p14="http://schemas.microsoft.com/office/powerpoint/2010/main" val="2518359386"/>
       </p:ext>
     </p:extLst>
   </p:cSld>
@@ -6771,21 +9158,25 @@
         </p:nvSpPr>
         <p:spPr>
           <a:xfrm>
-            <a:off x="287383" y="862149"/>
-            <a:ext cx="10515600" cy="1325563"/>
-          </a:xfrm>
-        </p:spPr>
-        <p:txBody>
-          <a:bodyPr>
-            <a:normAutofit fontScale="90000"/>
-          </a:bodyPr>
+            <a:off x="-1" y="0"/>
+            <a:ext cx="11652069" cy="1325563"/>
+          </a:xfrm>
+        </p:spPr>
+        <p:txBody>
+          <a:bodyPr/>
           <a:lstStyle/>
           <a:p>
             <a:r>
               <a:rPr lang="en-US" dirty="0" smtClean="0">
                 <a:latin typeface="Comic Sans MS" panose="030F0702030302020204" pitchFamily="66" charset="0"/>
               </a:rPr>
-              <a:t>Our hypothesis</a:t>
+              <a:t>Temporal dynamics of species in our </a:t>
+            </a:r>
+            <a:r>
+              <a:rPr lang="en-US" dirty="0" smtClean="0">
+                <a:latin typeface="Comic Sans MS" panose="030F0702030302020204" pitchFamily="66" charset="0"/>
+              </a:rPr>
+              <a:t>model</a:t>
             </a:r>
             <a:br>
               <a:rPr lang="en-US" dirty="0" smtClean="0">
@@ -6793,32 +9184,195 @@
               </a:rPr>
             </a:br>
             <a:r>
+              <a:rPr lang="en-US" dirty="0">
+                <a:latin typeface="Comic Sans MS" panose="030F0702030302020204" pitchFamily="66" charset="0"/>
+              </a:rPr>
+              <a:t> </a:t>
+            </a:r>
+            <a:r>
               <a:rPr lang="en-US" dirty="0" smtClean="0">
                 <a:latin typeface="Comic Sans MS" panose="030F0702030302020204" pitchFamily="66" charset="0"/>
               </a:rPr>
-              <a:t/>
-            </a:r>
-            <a:br>
-              <a:rPr lang="en-US" dirty="0" smtClean="0">
-                <a:latin typeface="Comic Sans MS" panose="030F0702030302020204" pitchFamily="66" charset="0"/>
-              </a:rPr>
-            </a:br>
-            <a:r>
-              <a:rPr lang="en-US" dirty="0" smtClean="0">
-                <a:latin typeface="Comic Sans MS" panose="030F0702030302020204" pitchFamily="66" charset="0"/>
-              </a:rPr>
-              <a:t>Localization of proteases affects the spatial temporal profile of proteins</a:t>
-            </a:r>
-            <a:endParaRPr lang="en-US" dirty="0">
+              <a:t>– </a:t>
+            </a:r>
+            <a:r>
+              <a:rPr lang="en-US" u="sng" dirty="0" smtClean="0">
+                <a:latin typeface="Comic Sans MS" panose="030F0702030302020204" pitchFamily="66" charset="0"/>
+              </a:rPr>
+              <a:t>before division</a:t>
+            </a:r>
+            <a:endParaRPr lang="en-US" u="sng" dirty="0">
               <a:latin typeface="Comic Sans MS" panose="030F0702030302020204" pitchFamily="66" charset="0"/>
             </a:endParaRPr>
           </a:p>
         </p:txBody>
       </p:sp>
+      <p:pic>
+        <p:nvPicPr>
+          <p:cNvPr id="1027" name="Picture 3"/>
+          <p:cNvPicPr>
+            <a:picLocks noChangeAspect="1" noChangeArrowheads="1"/>
+          </p:cNvPicPr>
+          <p:nvPr/>
+        </p:nvPicPr>
+        <p:blipFill>
+          <a:blip r:embed="rId2">
+            <a:extLst>
+              <a:ext uri="{28A0092B-C50C-407E-A947-70E740481C1C}">
+                <a14:useLocalDpi xmlns:a14="http://schemas.microsoft.com/office/drawing/2010/main" val="0"/>
+              </a:ext>
+            </a:extLst>
+          </a:blip>
+          <a:srcRect/>
+          <a:stretch>
+            <a:fillRect/>
+          </a:stretch>
+        </p:blipFill>
+        <p:spPr bwMode="auto">
+          <a:xfrm>
+            <a:off x="955730" y="1430822"/>
+            <a:ext cx="9769098" cy="471487"/>
+          </a:xfrm>
+          <a:prstGeom prst="rect">
+            <a:avLst/>
+          </a:prstGeom>
+          <a:noFill/>
+          <a:ln>
+            <a:noFill/>
+          </a:ln>
+          <a:extLst>
+            <a:ext uri="{909E8E84-426E-40DD-AFC4-6F175D3DCCD1}">
+              <a14:hiddenFill xmlns:a14="http://schemas.microsoft.com/office/drawing/2010/main">
+                <a:solidFill>
+                  <a:schemeClr val="accent1"/>
+                </a:solidFill>
+              </a14:hiddenFill>
+            </a:ext>
+            <a:ext uri="{91240B29-F687-4F45-9708-019B960494DF}">
+              <a14:hiddenLine xmlns:a14="http://schemas.microsoft.com/office/drawing/2010/main" w="9525">
+                <a:solidFill>
+                  <a:schemeClr val="tx1"/>
+                </a:solidFill>
+                <a:miter lim="800000"/>
+                <a:headEnd/>
+                <a:tailEnd/>
+              </a14:hiddenLine>
+            </a:ext>
+          </a:extLst>
+        </p:spPr>
+      </p:pic>
+      <p:pic>
+        <p:nvPicPr>
+          <p:cNvPr id="1028" name="Picture 4"/>
+          <p:cNvPicPr>
+            <a:picLocks noChangeAspect="1" noChangeArrowheads="1"/>
+          </p:cNvPicPr>
+          <p:nvPr/>
+        </p:nvPicPr>
+        <p:blipFill>
+          <a:blip r:embed="rId3">
+            <a:extLst>
+              <a:ext uri="{28A0092B-C50C-407E-A947-70E740481C1C}">
+                <a14:useLocalDpi xmlns:a14="http://schemas.microsoft.com/office/drawing/2010/main" val="0"/>
+              </a:ext>
+            </a:extLst>
+          </a:blip>
+          <a:srcRect/>
+          <a:stretch>
+            <a:fillRect/>
+          </a:stretch>
+        </p:blipFill>
+        <p:spPr bwMode="auto">
+          <a:xfrm>
+            <a:off x="1584460" y="1902309"/>
+            <a:ext cx="9229725" cy="1371600"/>
+          </a:xfrm>
+          <a:prstGeom prst="rect">
+            <a:avLst/>
+          </a:prstGeom>
+          <a:noFill/>
+          <a:ln>
+            <a:noFill/>
+          </a:ln>
+          <a:extLst>
+            <a:ext uri="{909E8E84-426E-40DD-AFC4-6F175D3DCCD1}">
+              <a14:hiddenFill xmlns:a14="http://schemas.microsoft.com/office/drawing/2010/main">
+                <a:solidFill>
+                  <a:schemeClr val="accent1"/>
+                </a:solidFill>
+              </a14:hiddenFill>
+            </a:ext>
+            <a:ext uri="{91240B29-F687-4F45-9708-019B960494DF}">
+              <a14:hiddenLine xmlns:a14="http://schemas.microsoft.com/office/drawing/2010/main" w="9525">
+                <a:solidFill>
+                  <a:schemeClr val="tx1"/>
+                </a:solidFill>
+                <a:miter lim="800000"/>
+                <a:headEnd/>
+                <a:tailEnd/>
+              </a14:hiddenLine>
+            </a:ext>
+          </a:extLst>
+        </p:spPr>
+      </p:pic>
+      <p:pic>
+        <p:nvPicPr>
+          <p:cNvPr id="1032" name="Picture 8"/>
+          <p:cNvPicPr>
+            <a:picLocks noChangeAspect="1" noChangeArrowheads="1"/>
+          </p:cNvPicPr>
+          <p:nvPr/>
+        </p:nvPicPr>
+        <p:blipFill>
+          <a:blip r:embed="rId4">
+            <a:extLst>
+              <a:ext uri="{28A0092B-C50C-407E-A947-70E740481C1C}">
+                <a14:useLocalDpi xmlns:a14="http://schemas.microsoft.com/office/drawing/2010/main" val="0"/>
+              </a:ext>
+            </a:extLst>
+          </a:blip>
+          <a:srcRect/>
+          <a:stretch>
+            <a:fillRect/>
+          </a:stretch>
+        </p:blipFill>
+        <p:spPr bwMode="auto">
+          <a:xfrm>
+            <a:off x="2618379" y="3320404"/>
+            <a:ext cx="6034087" cy="3286125"/>
+          </a:xfrm>
+          <a:prstGeom prst="rect">
+            <a:avLst/>
+          </a:prstGeom>
+          <a:noFill/>
+          <a:ln>
+            <a:noFill/>
+          </a:ln>
+          <a:extLst>
+            <a:ext uri="{909E8E84-426E-40DD-AFC4-6F175D3DCCD1}">
+              <a14:hiddenFill xmlns:a14="http://schemas.microsoft.com/office/drawing/2010/main">
+                <a:solidFill>
+                  <a:schemeClr val="accent1"/>
+                </a:solidFill>
+              </a14:hiddenFill>
+            </a:ext>
+            <a:ext uri="{91240B29-F687-4F45-9708-019B960494DF}">
+              <a14:hiddenLine xmlns:a14="http://schemas.microsoft.com/office/drawing/2010/main" w="9525">
+                <a:solidFill>
+                  <a:schemeClr val="tx1"/>
+                </a:solidFill>
+                <a:miter lim="800000"/>
+                <a:headEnd/>
+                <a:tailEnd/>
+              </a14:hiddenLine>
+            </a:ext>
+          </a:extLst>
+        </p:spPr>
+      </p:pic>
     </p:spTree>
     <p:extLst>
       <p:ext uri="{BB962C8B-B14F-4D97-AF65-F5344CB8AC3E}">
-        <p14:creationId xmlns:p14="http://schemas.microsoft.com/office/powerpoint/2010/main" val="4212330151"/>
+        <p14:creationId xmlns:p14="http://schemas.microsoft.com/office/powerpoint/2010/main" val="790653888"/>
       </p:ext>
     </p:extLst>
   </p:cSld>
@@ -6866,18 +9420,41 @@
           <a:lstStyle/>
           <a:p>
             <a:r>
-              <a:rPr lang="en-US" smtClean="0">
-                <a:latin typeface="Comic Sans MS" panose="030F0702030302020204" pitchFamily="66" charset="0"/>
-              </a:rPr>
-              <a:t>Temporal dynamics </a:t>
-            </a:r>
-            <a:r>
               <a:rPr lang="en-US" dirty="0" smtClean="0">
                 <a:latin typeface="Comic Sans MS" panose="030F0702030302020204" pitchFamily="66" charset="0"/>
               </a:rPr>
-              <a:t>of species in our model from experiments</a:t>
-            </a:r>
-            <a:endParaRPr lang="en-US" dirty="0">
+              <a:t>Temporal dynamics of species in our </a:t>
+            </a:r>
+            <a:r>
+              <a:rPr lang="en-US" dirty="0" smtClean="0">
+                <a:latin typeface="Comic Sans MS" panose="030F0702030302020204" pitchFamily="66" charset="0"/>
+              </a:rPr>
+              <a:t>model</a:t>
+            </a:r>
+            <a:br>
+              <a:rPr lang="en-US" dirty="0" smtClean="0">
+                <a:latin typeface="Comic Sans MS" panose="030F0702030302020204" pitchFamily="66" charset="0"/>
+              </a:rPr>
+            </a:br>
+            <a:r>
+              <a:rPr lang="en-US" dirty="0">
+                <a:latin typeface="Comic Sans MS" panose="030F0702030302020204" pitchFamily="66" charset="0"/>
+              </a:rPr>
+              <a:t> </a:t>
+            </a:r>
+            <a:r>
+              <a:rPr lang="en-US" dirty="0" smtClean="0">
+                <a:latin typeface="Comic Sans MS" panose="030F0702030302020204" pitchFamily="66" charset="0"/>
+              </a:rPr>
+              <a:t>– </a:t>
+            </a:r>
+            <a:r>
+              <a:rPr lang="en-US" u="sng" dirty="0" smtClean="0">
+                <a:latin typeface="Comic Sans MS" panose="030F0702030302020204" pitchFamily="66" charset="0"/>
+              </a:rPr>
+              <a:t>before division</a:t>
+            </a:r>
+            <a:endParaRPr lang="en-US" u="sng" dirty="0">
               <a:latin typeface="Comic Sans MS" panose="030F0702030302020204" pitchFamily="66" charset="0"/>
             </a:endParaRPr>
           </a:p>
@@ -6885,56 +9462,265 @@
       </p:sp>
       <p:pic>
         <p:nvPicPr>
-          <p:cNvPr id="4" name="Picture 3"/>
+          <p:cNvPr id="1028" name="Picture 4"/>
           <p:cNvPicPr>
-            <a:picLocks noChangeAspect="1"/>
+            <a:picLocks noChangeAspect="1" noChangeArrowheads="1"/>
           </p:cNvPicPr>
           <p:nvPr/>
         </p:nvPicPr>
         <p:blipFill>
-          <a:blip r:embed="rId2"/>
+          <a:blip r:embed="rId2">
+            <a:extLst>
+              <a:ext uri="{28A0092B-C50C-407E-A947-70E740481C1C}">
+                <a14:useLocalDpi xmlns:a14="http://schemas.microsoft.com/office/drawing/2010/main" val="0"/>
+              </a:ext>
+            </a:extLst>
+          </a:blip>
+          <a:srcRect/>
           <a:stretch>
             <a:fillRect/>
           </a:stretch>
         </p:blipFill>
-        <p:spPr>
-          <a:xfrm>
-            <a:off x="1635641" y="3933870"/>
-            <a:ext cx="8187628" cy="993457"/>
+        <p:spPr bwMode="auto">
+          <a:xfrm>
+            <a:off x="1584460" y="1902309"/>
+            <a:ext cx="9229725" cy="1371600"/>
           </a:xfrm>
           <a:prstGeom prst="rect">
             <a:avLst/>
           </a:prstGeom>
+          <a:noFill/>
+          <a:ln>
+            <a:noFill/>
+          </a:ln>
+          <a:extLst>
+            <a:ext uri="{909E8E84-426E-40DD-AFC4-6F175D3DCCD1}">
+              <a14:hiddenFill xmlns:a14="http://schemas.microsoft.com/office/drawing/2010/main">
+                <a:solidFill>
+                  <a:schemeClr val="accent1"/>
+                </a:solidFill>
+              </a14:hiddenFill>
+            </a:ext>
+            <a:ext uri="{91240B29-F687-4F45-9708-019B960494DF}">
+              <a14:hiddenLine xmlns:a14="http://schemas.microsoft.com/office/drawing/2010/main" w="9525">
+                <a:solidFill>
+                  <a:schemeClr val="tx1"/>
+                </a:solidFill>
+                <a:miter lim="800000"/>
+                <a:headEnd/>
+                <a:tailEnd/>
+              </a14:hiddenLine>
+            </a:ext>
+          </a:extLst>
         </p:spPr>
       </p:pic>
       <p:pic>
         <p:nvPicPr>
-          <p:cNvPr id="5" name="Picture 4"/>
+          <p:cNvPr id="6" name="Picture 6"/>
           <p:cNvPicPr>
-            <a:picLocks noChangeAspect="1"/>
+            <a:picLocks noChangeAspect="1" noChangeArrowheads="1"/>
           </p:cNvPicPr>
           <p:nvPr/>
         </p:nvPicPr>
         <p:blipFill>
-          <a:blip r:embed="rId3"/>
+          <a:blip r:embed="rId3">
+            <a:extLst>
+              <a:ext uri="{28A0092B-C50C-407E-A947-70E740481C1C}">
+                <a14:useLocalDpi xmlns:a14="http://schemas.microsoft.com/office/drawing/2010/main" val="0"/>
+              </a:ext>
+            </a:extLst>
+          </a:blip>
+          <a:srcRect/>
           <a:stretch>
             <a:fillRect/>
           </a:stretch>
         </p:blipFill>
-        <p:spPr>
-          <a:xfrm>
-            <a:off x="979714" y="2063931"/>
-            <a:ext cx="9094540" cy="1576387"/>
+        <p:spPr bwMode="auto">
+          <a:xfrm>
+            <a:off x="1709979" y="1214034"/>
+            <a:ext cx="7067227" cy="795150"/>
           </a:xfrm>
           <a:prstGeom prst="rect">
             <a:avLst/>
           </a:prstGeom>
+          <a:noFill/>
+          <a:ln>
+            <a:noFill/>
+          </a:ln>
+          <a:extLst>
+            <a:ext uri="{909E8E84-426E-40DD-AFC4-6F175D3DCCD1}">
+              <a14:hiddenFill xmlns:a14="http://schemas.microsoft.com/office/drawing/2010/main">
+                <a:solidFill>
+                  <a:schemeClr val="accent1"/>
+                </a:solidFill>
+              </a14:hiddenFill>
+            </a:ext>
+            <a:ext uri="{91240B29-F687-4F45-9708-019B960494DF}">
+              <a14:hiddenLine xmlns:a14="http://schemas.microsoft.com/office/drawing/2010/main" w="9525">
+                <a:solidFill>
+                  <a:schemeClr val="tx1"/>
+                </a:solidFill>
+                <a:miter lim="800000"/>
+                <a:headEnd/>
+                <a:tailEnd/>
+              </a14:hiddenLine>
+            </a:ext>
+          </a:extLst>
+        </p:spPr>
+      </p:pic>
+      <p:sp>
+        <p:nvSpPr>
+          <p:cNvPr id="7" name="TextBox 6"/>
+          <p:cNvSpPr txBox="1"/>
+          <p:nvPr/>
+        </p:nvSpPr>
+        <p:spPr>
+          <a:xfrm>
+            <a:off x="743919" y="1322522"/>
+            <a:ext cx="1084881" cy="646331"/>
+          </a:xfrm>
+          <a:prstGeom prst="rect">
+            <a:avLst/>
+          </a:prstGeom>
+          <a:noFill/>
+        </p:spPr>
+        <p:txBody>
+          <a:bodyPr wrap="square" rtlCol="0">
+            <a:spAutoFit/>
+          </a:bodyPr>
+          <a:lstStyle/>
+          <a:p>
+            <a:r>
+              <a:rPr lang="en-US" dirty="0" err="1" smtClean="0"/>
+              <a:t>CpdR~P</a:t>
+            </a:r>
+            <a:endParaRPr lang="en-US" dirty="0" smtClean="0"/>
+          </a:p>
+          <a:p>
+            <a:r>
+              <a:rPr lang="en-US" dirty="0" smtClean="0"/>
+              <a:t>   </a:t>
+            </a:r>
+            <a:r>
+              <a:rPr lang="en-US" dirty="0" err="1" smtClean="0"/>
+              <a:t>CpdR</a:t>
+            </a:r>
+            <a:endParaRPr lang="en-CA" dirty="0"/>
+          </a:p>
+        </p:txBody>
+      </p:sp>
+      <p:pic>
+        <p:nvPicPr>
+          <p:cNvPr id="4098" name="Picture 2"/>
+          <p:cNvPicPr>
+            <a:picLocks noChangeAspect="1" noChangeArrowheads="1"/>
+          </p:cNvPicPr>
+          <p:nvPr/>
+        </p:nvPicPr>
+        <p:blipFill>
+          <a:blip r:embed="rId4">
+            <a:extLst>
+              <a:ext uri="{28A0092B-C50C-407E-A947-70E740481C1C}">
+                <a14:useLocalDpi xmlns:a14="http://schemas.microsoft.com/office/drawing/2010/main" val="0"/>
+              </a:ext>
+            </a:extLst>
+          </a:blip>
+          <a:srcRect/>
+          <a:stretch>
+            <a:fillRect/>
+          </a:stretch>
+        </p:blipFill>
+        <p:spPr bwMode="auto">
+          <a:xfrm>
+            <a:off x="1776491" y="3631366"/>
+            <a:ext cx="3678912" cy="2738970"/>
+          </a:xfrm>
+          <a:prstGeom prst="rect">
+            <a:avLst/>
+          </a:prstGeom>
+          <a:noFill/>
+          <a:ln>
+            <a:noFill/>
+          </a:ln>
+          <a:extLst>
+            <a:ext uri="{909E8E84-426E-40DD-AFC4-6F175D3DCCD1}">
+              <a14:hiddenFill xmlns:a14="http://schemas.microsoft.com/office/drawing/2010/main">
+                <a:solidFill>
+                  <a:schemeClr val="accent1"/>
+                </a:solidFill>
+              </a14:hiddenFill>
+            </a:ext>
+            <a:ext uri="{91240B29-F687-4F45-9708-019B960494DF}">
+              <a14:hiddenLine xmlns:a14="http://schemas.microsoft.com/office/drawing/2010/main" w="9525">
+                <a:solidFill>
+                  <a:schemeClr val="tx1"/>
+                </a:solidFill>
+                <a:miter lim="800000"/>
+                <a:headEnd/>
+                <a:tailEnd/>
+              </a14:hiddenLine>
+            </a:ext>
+          </a:extLst>
+        </p:spPr>
+      </p:pic>
+      <p:pic>
+        <p:nvPicPr>
+          <p:cNvPr id="4099" name="Picture 3"/>
+          <p:cNvPicPr>
+            <a:picLocks noChangeAspect="1" noChangeArrowheads="1"/>
+          </p:cNvPicPr>
+          <p:nvPr/>
+        </p:nvPicPr>
+        <p:blipFill>
+          <a:blip r:embed="rId5">
+            <a:extLst>
+              <a:ext uri="{28A0092B-C50C-407E-A947-70E740481C1C}">
+                <a14:useLocalDpi xmlns:a14="http://schemas.microsoft.com/office/drawing/2010/main" val="0"/>
+              </a:ext>
+            </a:extLst>
+          </a:blip>
+          <a:srcRect/>
+          <a:stretch>
+            <a:fillRect/>
+          </a:stretch>
+        </p:blipFill>
+        <p:spPr bwMode="auto">
+          <a:xfrm>
+            <a:off x="6244338" y="3631366"/>
+            <a:ext cx="3901886" cy="2711398"/>
+          </a:xfrm>
+          <a:prstGeom prst="rect">
+            <a:avLst/>
+          </a:prstGeom>
+          <a:noFill/>
+          <a:ln>
+            <a:noFill/>
+          </a:ln>
+          <a:extLst>
+            <a:ext uri="{909E8E84-426E-40DD-AFC4-6F175D3DCCD1}">
+              <a14:hiddenFill xmlns:a14="http://schemas.microsoft.com/office/drawing/2010/main">
+                <a:solidFill>
+                  <a:schemeClr val="accent1"/>
+                </a:solidFill>
+              </a14:hiddenFill>
+            </a:ext>
+            <a:ext uri="{91240B29-F687-4F45-9708-019B960494DF}">
+              <a14:hiddenLine xmlns:a14="http://schemas.microsoft.com/office/drawing/2010/main" w="9525">
+                <a:solidFill>
+                  <a:schemeClr val="tx1"/>
+                </a:solidFill>
+                <a:miter lim="800000"/>
+                <a:headEnd/>
+                <a:tailEnd/>
+              </a14:hiddenLine>
+            </a:ext>
+          </a:extLst>
         </p:spPr>
       </p:pic>
     </p:spTree>
     <p:extLst>
       <p:ext uri="{BB962C8B-B14F-4D97-AF65-F5344CB8AC3E}">
-        <p14:creationId xmlns:p14="http://schemas.microsoft.com/office/powerpoint/2010/main" val="4229760943"/>
+        <p14:creationId xmlns:p14="http://schemas.microsoft.com/office/powerpoint/2010/main" val="3307905376"/>
       </p:ext>
     </p:extLst>
   </p:cSld>
@@ -6961,58 +9747,233 @@
           <a:chExt cx="0" cy="0"/>
         </a:xfrm>
       </p:grpSpPr>
+      <p:sp>
+        <p:nvSpPr>
+          <p:cNvPr id="2" name="Title 1"/>
+          <p:cNvSpPr>
+            <a:spLocks noGrp="1"/>
+          </p:cNvSpPr>
+          <p:nvPr>
+            <p:ph type="title"/>
+          </p:nvPr>
+        </p:nvSpPr>
+        <p:spPr>
+          <a:xfrm>
+            <a:off x="-1" y="0"/>
+            <a:ext cx="11652069" cy="1325563"/>
+          </a:xfrm>
+        </p:spPr>
+        <p:txBody>
+          <a:bodyPr/>
+          <a:lstStyle/>
+          <a:p>
+            <a:r>
+              <a:rPr lang="en-US" dirty="0" smtClean="0">
+                <a:latin typeface="Comic Sans MS" panose="030F0702030302020204" pitchFamily="66" charset="0"/>
+              </a:rPr>
+              <a:t>Temporal dynamics of species in our </a:t>
+            </a:r>
+            <a:r>
+              <a:rPr lang="en-US" dirty="0" smtClean="0">
+                <a:latin typeface="Comic Sans MS" panose="030F0702030302020204" pitchFamily="66" charset="0"/>
+              </a:rPr>
+              <a:t>model</a:t>
+            </a:r>
+            <a:br>
+              <a:rPr lang="en-US" dirty="0" smtClean="0">
+                <a:latin typeface="Comic Sans MS" panose="030F0702030302020204" pitchFamily="66" charset="0"/>
+              </a:rPr>
+            </a:br>
+            <a:r>
+              <a:rPr lang="en-US" dirty="0">
+                <a:latin typeface="Comic Sans MS" panose="030F0702030302020204" pitchFamily="66" charset="0"/>
+              </a:rPr>
+              <a:t> </a:t>
+            </a:r>
+            <a:r>
+              <a:rPr lang="en-US" dirty="0" smtClean="0">
+                <a:latin typeface="Comic Sans MS" panose="030F0702030302020204" pitchFamily="66" charset="0"/>
+              </a:rPr>
+              <a:t>– </a:t>
+            </a:r>
+            <a:r>
+              <a:rPr lang="en-US" u="sng" dirty="0" smtClean="0">
+                <a:latin typeface="Comic Sans MS" panose="030F0702030302020204" pitchFamily="66" charset="0"/>
+              </a:rPr>
+              <a:t>before division</a:t>
+            </a:r>
+            <a:endParaRPr lang="en-US" u="sng" dirty="0">
+              <a:latin typeface="Comic Sans MS" panose="030F0702030302020204" pitchFamily="66" charset="0"/>
+            </a:endParaRPr>
+          </a:p>
+        </p:txBody>
+      </p:sp>
       <p:pic>
         <p:nvPicPr>
-          <p:cNvPr id="4" name="Picture 3"/>
+          <p:cNvPr id="1028" name="Picture 4"/>
           <p:cNvPicPr>
-            <a:picLocks noChangeAspect="1"/>
+            <a:picLocks noChangeAspect="1" noChangeArrowheads="1"/>
           </p:cNvPicPr>
           <p:nvPr/>
         </p:nvPicPr>
         <p:blipFill>
-          <a:blip r:embed="rId2"/>
+          <a:blip r:embed="rId2" cstate="print">
+            <a:extLst>
+              <a:ext uri="{28A0092B-C50C-407E-A947-70E740481C1C}">
+                <a14:useLocalDpi xmlns:a14="http://schemas.microsoft.com/office/drawing/2010/main" val="0"/>
+              </a:ext>
+            </a:extLst>
+          </a:blip>
+          <a:srcRect/>
           <a:stretch>
             <a:fillRect/>
           </a:stretch>
         </p:blipFill>
-        <p:spPr>
-          <a:xfrm>
-            <a:off x="2921998" y="601709"/>
-            <a:ext cx="5856242" cy="2636927"/>
+        <p:spPr bwMode="auto">
+          <a:xfrm>
+            <a:off x="3755756" y="3138174"/>
+            <a:ext cx="7223744" cy="1073498"/>
           </a:xfrm>
           <a:prstGeom prst="rect">
             <a:avLst/>
           </a:prstGeom>
+          <a:noFill/>
+          <a:ln>
+            <a:noFill/>
+          </a:ln>
+          <a:extLst>
+            <a:ext uri="{909E8E84-426E-40DD-AFC4-6F175D3DCCD1}">
+              <a14:hiddenFill xmlns:a14="http://schemas.microsoft.com/office/drawing/2010/main">
+                <a:solidFill>
+                  <a:schemeClr val="accent1"/>
+                </a:solidFill>
+              </a14:hiddenFill>
+            </a:ext>
+            <a:ext uri="{91240B29-F687-4F45-9708-019B960494DF}">
+              <a14:hiddenLine xmlns:a14="http://schemas.microsoft.com/office/drawing/2010/main" w="9525">
+                <a:solidFill>
+                  <a:schemeClr val="tx1"/>
+                </a:solidFill>
+                <a:miter lim="800000"/>
+                <a:headEnd/>
+                <a:tailEnd/>
+              </a14:hiddenLine>
+            </a:ext>
+          </a:extLst>
         </p:spPr>
       </p:pic>
       <p:pic>
         <p:nvPicPr>
-          <p:cNvPr id="5" name="Picture 4"/>
+          <p:cNvPr id="4099" name="Picture 3"/>
           <p:cNvPicPr>
-            <a:picLocks noChangeAspect="1"/>
+            <a:picLocks noChangeAspect="1" noChangeArrowheads="1"/>
           </p:cNvPicPr>
           <p:nvPr/>
         </p:nvPicPr>
         <p:blipFill>
-          <a:blip r:embed="rId3"/>
+          <a:blip r:embed="rId3">
+            <a:extLst>
+              <a:ext uri="{28A0092B-C50C-407E-A947-70E740481C1C}">
+                <a14:useLocalDpi xmlns:a14="http://schemas.microsoft.com/office/drawing/2010/main" val="0"/>
+              </a:ext>
+            </a:extLst>
+          </a:blip>
+          <a:srcRect/>
           <a:stretch>
             <a:fillRect/>
           </a:stretch>
         </p:blipFill>
-        <p:spPr>
-          <a:xfrm>
-            <a:off x="2220686" y="3370782"/>
-            <a:ext cx="6435042" cy="691767"/>
+        <p:spPr bwMode="auto">
+          <a:xfrm>
+            <a:off x="3897439" y="3781586"/>
+            <a:ext cx="4352825" cy="3024753"/>
           </a:xfrm>
           <a:prstGeom prst="rect">
             <a:avLst/>
           </a:prstGeom>
+          <a:noFill/>
+          <a:ln>
+            <a:noFill/>
+          </a:ln>
+          <a:extLst>
+            <a:ext uri="{909E8E84-426E-40DD-AFC4-6F175D3DCCD1}">
+              <a14:hiddenFill xmlns:a14="http://schemas.microsoft.com/office/drawing/2010/main">
+                <a:solidFill>
+                  <a:schemeClr val="accent1"/>
+                </a:solidFill>
+              </a14:hiddenFill>
+            </a:ext>
+            <a:ext uri="{91240B29-F687-4F45-9708-019B960494DF}">
+              <a14:hiddenLine xmlns:a14="http://schemas.microsoft.com/office/drawing/2010/main" w="9525">
+                <a:solidFill>
+                  <a:schemeClr val="tx1"/>
+                </a:solidFill>
+                <a:miter lim="800000"/>
+                <a:headEnd/>
+                <a:tailEnd/>
+              </a14:hiddenLine>
+            </a:ext>
+          </a:extLst>
+        </p:spPr>
+      </p:pic>
+      <p:pic>
+        <p:nvPicPr>
+          <p:cNvPr id="8" name="Picture 7"/>
+          <p:cNvPicPr>
+            <a:picLocks noChangeAspect="1" noChangeArrowheads="1"/>
+          </p:cNvPicPr>
+          <p:nvPr/>
+        </p:nvPicPr>
+        <p:blipFill>
+          <a:blip r:embed="rId4">
+            <a:extLst>
+              <a:ext uri="{28A0092B-C50C-407E-A947-70E740481C1C}">
+                <a14:useLocalDpi xmlns:a14="http://schemas.microsoft.com/office/drawing/2010/main" val="0"/>
+              </a:ext>
+            </a:extLst>
+          </a:blip>
+          <a:srcRect/>
+          <a:stretch>
+            <a:fillRect/>
+          </a:stretch>
+        </p:blipFill>
+        <p:spPr bwMode="auto">
+          <a:xfrm>
+            <a:off x="1596326" y="1157208"/>
+            <a:ext cx="9544090" cy="2079122"/>
+          </a:xfrm>
+          <a:prstGeom prst="rect">
+            <a:avLst/>
+          </a:prstGeom>
+          <a:noFill/>
+          <a:ln>
+            <a:noFill/>
+          </a:ln>
+          <a:extLst>
+            <a:ext uri="{909E8E84-426E-40DD-AFC4-6F175D3DCCD1}">
+              <a14:hiddenFill xmlns:a14="http://schemas.microsoft.com/office/drawing/2010/main">
+                <a:solidFill>
+                  <a:schemeClr val="accent1"/>
+                </a:solidFill>
+              </a14:hiddenFill>
+            </a:ext>
+            <a:ext uri="{91240B29-F687-4F45-9708-019B960494DF}">
+              <a14:hiddenLine xmlns:a14="http://schemas.microsoft.com/office/drawing/2010/main" w="9525">
+                <a:solidFill>
+                  <a:schemeClr val="tx1"/>
+                </a:solidFill>
+                <a:miter lim="800000"/>
+                <a:headEnd/>
+                <a:tailEnd/>
+              </a14:hiddenLine>
+            </a:ext>
+          </a:extLst>
         </p:spPr>
       </p:pic>
     </p:spTree>
     <p:extLst>
       <p:ext uri="{BB962C8B-B14F-4D97-AF65-F5344CB8AC3E}">
-        <p14:creationId xmlns:p14="http://schemas.microsoft.com/office/powerpoint/2010/main" val="92550712"/>
+        <p14:creationId xmlns:p14="http://schemas.microsoft.com/office/powerpoint/2010/main" val="2308137916"/>
       </p:ext>
     </p:extLst>
   </p:cSld>
@@ -7039,40 +10000,209 @@
           <a:chExt cx="0" cy="0"/>
         </a:xfrm>
       </p:grpSpPr>
+      <p:sp>
+        <p:nvSpPr>
+          <p:cNvPr id="2" name="Title 1"/>
+          <p:cNvSpPr>
+            <a:spLocks noGrp="1"/>
+          </p:cNvSpPr>
+          <p:nvPr>
+            <p:ph type="title"/>
+          </p:nvPr>
+        </p:nvSpPr>
+        <p:spPr>
+          <a:xfrm>
+            <a:off x="0" y="0"/>
+            <a:ext cx="10515600" cy="1325563"/>
+          </a:xfrm>
+        </p:spPr>
+        <p:txBody>
+          <a:bodyPr>
+            <a:normAutofit fontScale="90000"/>
+          </a:bodyPr>
+          <a:lstStyle/>
+          <a:p>
+            <a:r>
+              <a:rPr lang="en-US" dirty="0" smtClean="0">
+                <a:latin typeface="Comic Sans MS" panose="030F0702030302020204" pitchFamily="66" charset="0"/>
+              </a:rPr>
+              <a:t>Spatial dynamics </a:t>
+            </a:r>
+            <a:r>
+              <a:rPr lang="en-US" dirty="0">
+                <a:latin typeface="Comic Sans MS" panose="030F0702030302020204" pitchFamily="66" charset="0"/>
+              </a:rPr>
+              <a:t>of species in our </a:t>
+            </a:r>
+            <a:r>
+              <a:rPr lang="en-US" dirty="0" smtClean="0">
+                <a:latin typeface="Comic Sans MS" panose="030F0702030302020204" pitchFamily="66" charset="0"/>
+              </a:rPr>
+              <a:t>model</a:t>
+            </a:r>
+            <a:br>
+              <a:rPr lang="en-US" dirty="0" smtClean="0">
+                <a:latin typeface="Comic Sans MS" panose="030F0702030302020204" pitchFamily="66" charset="0"/>
+              </a:rPr>
+            </a:br>
+            <a:r>
+              <a:rPr lang="en-US" dirty="0">
+                <a:latin typeface="Comic Sans MS" panose="030F0702030302020204" pitchFamily="66" charset="0"/>
+              </a:rPr>
+              <a:t> </a:t>
+            </a:r>
+            <a:r>
+              <a:rPr lang="en-US" dirty="0" smtClean="0">
+                <a:latin typeface="Comic Sans MS" panose="030F0702030302020204" pitchFamily="66" charset="0"/>
+              </a:rPr>
+              <a:t>– </a:t>
+            </a:r>
+            <a:r>
+              <a:rPr lang="en-US" u="sng" dirty="0" smtClean="0">
+                <a:latin typeface="Comic Sans MS" panose="030F0702030302020204" pitchFamily="66" charset="0"/>
+              </a:rPr>
+              <a:t>before division</a:t>
+            </a:r>
+            <a:endParaRPr lang="en-US" u="sng" dirty="0"/>
+          </a:p>
+        </p:txBody>
+      </p:sp>
       <p:pic>
         <p:nvPicPr>
-          <p:cNvPr id="4" name="Picture 3"/>
+          <p:cNvPr id="5" name="Picture 4"/>
           <p:cNvPicPr>
             <a:picLocks noChangeAspect="1"/>
           </p:cNvPicPr>
           <p:nvPr/>
         </p:nvPicPr>
         <p:blipFill>
-          <a:blip r:embed="rId2">
+          <a:blip r:embed="rId2"/>
+          <a:stretch>
+            <a:fillRect/>
+          </a:stretch>
+        </p:blipFill>
+        <p:spPr>
+          <a:xfrm>
+            <a:off x="144651" y="1658560"/>
+            <a:ext cx="7085381" cy="4264877"/>
+          </a:xfrm>
+          <a:prstGeom prst="rect">
+            <a:avLst/>
+          </a:prstGeom>
+        </p:spPr>
+      </p:pic>
+      <p:pic>
+        <p:nvPicPr>
+          <p:cNvPr id="5122" name="Picture 2"/>
+          <p:cNvPicPr>
+            <a:picLocks noChangeAspect="1" noChangeArrowheads="1"/>
+          </p:cNvPicPr>
+          <p:nvPr/>
+        </p:nvPicPr>
+        <p:blipFill>
+          <a:blip r:embed="rId3">
             <a:extLst>
               <a:ext uri="{28A0092B-C50C-407E-A947-70E740481C1C}">
                 <a14:useLocalDpi xmlns:a14="http://schemas.microsoft.com/office/drawing/2010/main" val="0"/>
               </a:ext>
             </a:extLst>
           </a:blip>
+          <a:srcRect/>
           <a:stretch>
             <a:fillRect/>
           </a:stretch>
         </p:blipFill>
-        <p:spPr>
-          <a:xfrm>
-            <a:off x="692332" y="635247"/>
-            <a:ext cx="10267406" cy="3082472"/>
+        <p:spPr bwMode="auto">
+          <a:xfrm>
+            <a:off x="7715653" y="4081274"/>
+            <a:ext cx="3928740" cy="2710976"/>
           </a:xfrm>
           <a:prstGeom prst="rect">
             <a:avLst/>
           </a:prstGeom>
+          <a:noFill/>
+          <a:ln>
+            <a:noFill/>
+          </a:ln>
+          <a:extLst>
+            <a:ext uri="{909E8E84-426E-40DD-AFC4-6F175D3DCCD1}">
+              <a14:hiddenFill xmlns:a14="http://schemas.microsoft.com/office/drawing/2010/main">
+                <a:solidFill>
+                  <a:schemeClr val="accent1"/>
+                </a:solidFill>
+              </a14:hiddenFill>
+            </a:ext>
+            <a:ext uri="{91240B29-F687-4F45-9708-019B960494DF}">
+              <a14:hiddenLine xmlns:a14="http://schemas.microsoft.com/office/drawing/2010/main" w="9525">
+                <a:solidFill>
+                  <a:schemeClr val="tx1"/>
+                </a:solidFill>
+                <a:miter lim="800000"/>
+                <a:headEnd/>
+                <a:tailEnd/>
+              </a14:hiddenLine>
+            </a:ext>
+          </a:extLst>
+        </p:spPr>
+      </p:pic>
+      <p:pic>
+        <p:nvPicPr>
+          <p:cNvPr id="6" name="Picture 3"/>
+          <p:cNvPicPr>
+            <a:picLocks noChangeAspect="1" noChangeArrowheads="1"/>
+          </p:cNvPicPr>
+          <p:nvPr/>
+        </p:nvPicPr>
+        <p:blipFill>
+          <a:blip r:embed="rId4">
+            <a:extLst>
+              <a:ext uri="{28A0092B-C50C-407E-A947-70E740481C1C}">
+                <a14:useLocalDpi xmlns:a14="http://schemas.microsoft.com/office/drawing/2010/main" val="0"/>
+              </a:ext>
+            </a:extLst>
+          </a:blip>
+          <a:srcRect/>
+          <a:stretch>
+            <a:fillRect/>
+          </a:stretch>
+        </p:blipFill>
+        <p:spPr bwMode="auto">
+          <a:xfrm>
+            <a:off x="7714401" y="1275624"/>
+            <a:ext cx="3901886" cy="2711398"/>
+          </a:xfrm>
+          <a:prstGeom prst="rect">
+            <a:avLst/>
+          </a:prstGeom>
+          <a:noFill/>
+          <a:ln>
+            <a:noFill/>
+          </a:ln>
+          <a:extLst>
+            <a:ext uri="{909E8E84-426E-40DD-AFC4-6F175D3DCCD1}">
+              <a14:hiddenFill xmlns:a14="http://schemas.microsoft.com/office/drawing/2010/main">
+                <a:solidFill>
+                  <a:schemeClr val="accent1"/>
+                </a:solidFill>
+              </a14:hiddenFill>
+            </a:ext>
+            <a:ext uri="{91240B29-F687-4F45-9708-019B960494DF}">
+              <a14:hiddenLine xmlns:a14="http://schemas.microsoft.com/office/drawing/2010/main" w="9525">
+                <a:solidFill>
+                  <a:schemeClr val="tx1"/>
+                </a:solidFill>
+                <a:miter lim="800000"/>
+                <a:headEnd/>
+                <a:tailEnd/>
+              </a14:hiddenLine>
+            </a:ext>
+          </a:extLst>
         </p:spPr>
       </p:pic>
     </p:spTree>
     <p:extLst>
       <p:ext uri="{BB962C8B-B14F-4D97-AF65-F5344CB8AC3E}">
-        <p14:creationId xmlns:p14="http://schemas.microsoft.com/office/powerpoint/2010/main" val="4232095211"/>
+        <p14:creationId xmlns:p14="http://schemas.microsoft.com/office/powerpoint/2010/main" val="1513638782"/>
       </p:ext>
     </p:extLst>
   </p:cSld>
@@ -7111,8 +10241,8 @@
         </p:nvSpPr>
         <p:spPr>
           <a:xfrm>
-            <a:off x="0" y="0"/>
-            <a:ext cx="10515600" cy="1325563"/>
+            <a:off x="-1" y="0"/>
+            <a:ext cx="11652069" cy="1325563"/>
           </a:xfrm>
         </p:spPr>
         <p:txBody>
@@ -7123,46 +10253,263 @@
               <a:rPr lang="en-US" dirty="0" smtClean="0">
                 <a:latin typeface="Comic Sans MS" panose="030F0702030302020204" pitchFamily="66" charset="0"/>
               </a:rPr>
-              <a:t>Spatial dynamics </a:t>
-            </a:r>
+              <a:t>Temporal dynamics of species in our </a:t>
+            </a:r>
+            <a:r>
+              <a:rPr lang="en-US" dirty="0" smtClean="0">
+                <a:latin typeface="Comic Sans MS" panose="030F0702030302020204" pitchFamily="66" charset="0"/>
+              </a:rPr>
+              <a:t>model</a:t>
+            </a:r>
+            <a:br>
+              <a:rPr lang="en-US" dirty="0" smtClean="0">
+                <a:latin typeface="Comic Sans MS" panose="030F0702030302020204" pitchFamily="66" charset="0"/>
+              </a:rPr>
+            </a:br>
             <a:r>
               <a:rPr lang="en-US" dirty="0">
                 <a:latin typeface="Comic Sans MS" panose="030F0702030302020204" pitchFamily="66" charset="0"/>
               </a:rPr>
-              <a:t>of species in our model from experiments</a:t>
-            </a:r>
-            <a:endParaRPr lang="en-US" dirty="0"/>
+              <a:t> </a:t>
+            </a:r>
+            <a:r>
+              <a:rPr lang="en-US" dirty="0" smtClean="0">
+                <a:latin typeface="Comic Sans MS" panose="030F0702030302020204" pitchFamily="66" charset="0"/>
+              </a:rPr>
+              <a:t>– </a:t>
+            </a:r>
+            <a:r>
+              <a:rPr lang="en-US" u="sng" dirty="0" smtClean="0">
+                <a:latin typeface="Comic Sans MS" panose="030F0702030302020204" pitchFamily="66" charset="0"/>
+              </a:rPr>
+              <a:t>after division</a:t>
+            </a:r>
+            <a:endParaRPr lang="en-US" u="sng" dirty="0">
+              <a:latin typeface="Comic Sans MS" panose="030F0702030302020204" pitchFamily="66" charset="0"/>
+            </a:endParaRPr>
           </a:p>
         </p:txBody>
       </p:sp>
       <p:pic>
         <p:nvPicPr>
-          <p:cNvPr id="5" name="Picture 4"/>
+          <p:cNvPr id="1027" name="Picture 3"/>
           <p:cNvPicPr>
-            <a:picLocks noChangeAspect="1"/>
+            <a:picLocks noChangeAspect="1" noChangeArrowheads="1"/>
           </p:cNvPicPr>
           <p:nvPr/>
         </p:nvPicPr>
         <p:blipFill>
-          <a:blip r:embed="rId2"/>
+          <a:blip r:embed="rId2">
+            <a:extLst>
+              <a:ext uri="{28A0092B-C50C-407E-A947-70E740481C1C}">
+                <a14:useLocalDpi xmlns:a14="http://schemas.microsoft.com/office/drawing/2010/main" val="0"/>
+              </a:ext>
+            </a:extLst>
+          </a:blip>
+          <a:srcRect/>
           <a:stretch>
             <a:fillRect/>
           </a:stretch>
         </p:blipFill>
-        <p:spPr>
-          <a:xfrm>
-            <a:off x="875211" y="1643062"/>
-            <a:ext cx="8503919" cy="5118732"/>
+        <p:spPr bwMode="auto">
+          <a:xfrm>
+            <a:off x="955730" y="1430822"/>
+            <a:ext cx="9769098" cy="471487"/>
           </a:xfrm>
           <a:prstGeom prst="rect">
             <a:avLst/>
           </a:prstGeom>
+          <a:noFill/>
+          <a:ln>
+            <a:noFill/>
+          </a:ln>
+          <a:extLst>
+            <a:ext uri="{909E8E84-426E-40DD-AFC4-6F175D3DCCD1}">
+              <a14:hiddenFill xmlns:a14="http://schemas.microsoft.com/office/drawing/2010/main">
+                <a:solidFill>
+                  <a:schemeClr val="accent1"/>
+                </a:solidFill>
+              </a14:hiddenFill>
+            </a:ext>
+            <a:ext uri="{91240B29-F687-4F45-9708-019B960494DF}">
+              <a14:hiddenLine xmlns:a14="http://schemas.microsoft.com/office/drawing/2010/main" w="9525">
+                <a:solidFill>
+                  <a:schemeClr val="tx1"/>
+                </a:solidFill>
+                <a:miter lim="800000"/>
+                <a:headEnd/>
+                <a:tailEnd/>
+              </a14:hiddenLine>
+            </a:ext>
+          </a:extLst>
+        </p:spPr>
+      </p:pic>
+      <p:pic>
+        <p:nvPicPr>
+          <p:cNvPr id="1028" name="Picture 4"/>
+          <p:cNvPicPr>
+            <a:picLocks noChangeAspect="1" noChangeArrowheads="1"/>
+          </p:cNvPicPr>
+          <p:nvPr/>
+        </p:nvPicPr>
+        <p:blipFill>
+          <a:blip r:embed="rId3">
+            <a:extLst>
+              <a:ext uri="{28A0092B-C50C-407E-A947-70E740481C1C}">
+                <a14:useLocalDpi xmlns:a14="http://schemas.microsoft.com/office/drawing/2010/main" val="0"/>
+              </a:ext>
+            </a:extLst>
+          </a:blip>
+          <a:srcRect/>
+          <a:stretch>
+            <a:fillRect/>
+          </a:stretch>
+        </p:blipFill>
+        <p:spPr bwMode="auto">
+          <a:xfrm>
+            <a:off x="1584460" y="1902309"/>
+            <a:ext cx="9229725" cy="1371600"/>
+          </a:xfrm>
+          <a:prstGeom prst="rect">
+            <a:avLst/>
+          </a:prstGeom>
+          <a:noFill/>
+          <a:ln>
+            <a:noFill/>
+          </a:ln>
+          <a:extLst>
+            <a:ext uri="{909E8E84-426E-40DD-AFC4-6F175D3DCCD1}">
+              <a14:hiddenFill xmlns:a14="http://schemas.microsoft.com/office/drawing/2010/main">
+                <a:solidFill>
+                  <a:schemeClr val="accent1"/>
+                </a:solidFill>
+              </a14:hiddenFill>
+            </a:ext>
+            <a:ext uri="{91240B29-F687-4F45-9708-019B960494DF}">
+              <a14:hiddenLine xmlns:a14="http://schemas.microsoft.com/office/drawing/2010/main" w="9525">
+                <a:solidFill>
+                  <a:schemeClr val="tx1"/>
+                </a:solidFill>
+                <a:miter lim="800000"/>
+                <a:headEnd/>
+                <a:tailEnd/>
+              </a14:hiddenLine>
+            </a:ext>
+          </a:extLst>
+        </p:spPr>
+      </p:pic>
+      <p:pic>
+        <p:nvPicPr>
+          <p:cNvPr id="1032" name="Picture 8"/>
+          <p:cNvPicPr>
+            <a:picLocks noChangeAspect="1" noChangeArrowheads="1"/>
+          </p:cNvPicPr>
+          <p:nvPr/>
+        </p:nvPicPr>
+        <p:blipFill>
+          <a:blip r:embed="rId4">
+            <a:extLst>
+              <a:ext uri="{28A0092B-C50C-407E-A947-70E740481C1C}">
+                <a14:useLocalDpi xmlns:a14="http://schemas.microsoft.com/office/drawing/2010/main" val="0"/>
+              </a:ext>
+            </a:extLst>
+          </a:blip>
+          <a:srcRect/>
+          <a:stretch>
+            <a:fillRect/>
+          </a:stretch>
+        </p:blipFill>
+        <p:spPr bwMode="auto">
+          <a:xfrm>
+            <a:off x="613933" y="3341068"/>
+            <a:ext cx="4557336" cy="3286125"/>
+          </a:xfrm>
+          <a:prstGeom prst="rect">
+            <a:avLst/>
+          </a:prstGeom>
+          <a:noFill/>
+          <a:ln>
+            <a:noFill/>
+          </a:ln>
+          <a:extLst>
+            <a:ext uri="{909E8E84-426E-40DD-AFC4-6F175D3DCCD1}">
+              <a14:hiddenFill xmlns:a14="http://schemas.microsoft.com/office/drawing/2010/main">
+                <a:solidFill>
+                  <a:schemeClr val="accent1"/>
+                </a:solidFill>
+              </a14:hiddenFill>
+            </a:ext>
+            <a:ext uri="{91240B29-F687-4F45-9708-019B960494DF}">
+              <a14:hiddenLine xmlns:a14="http://schemas.microsoft.com/office/drawing/2010/main" w="9525">
+                <a:solidFill>
+                  <a:schemeClr val="tx1"/>
+                </a:solidFill>
+                <a:miter lim="800000"/>
+                <a:headEnd/>
+                <a:tailEnd/>
+              </a14:hiddenLine>
+            </a:ext>
+          </a:extLst>
+        </p:spPr>
+      </p:pic>
+      <p:pic>
+        <p:nvPicPr>
+          <p:cNvPr id="6146" name="Picture 2"/>
+          <p:cNvPicPr>
+            <a:picLocks noChangeAspect="1" noChangeArrowheads="1"/>
+          </p:cNvPicPr>
+          <p:nvPr/>
+        </p:nvPicPr>
+        <p:blipFill>
+          <a:blip r:embed="rId5">
+            <a:extLst>
+              <a:ext uri="{28A0092B-C50C-407E-A947-70E740481C1C}">
+                <a14:useLocalDpi xmlns:a14="http://schemas.microsoft.com/office/drawing/2010/main" val="0"/>
+              </a:ext>
+            </a:extLst>
+          </a:blip>
+          <a:srcRect/>
+          <a:stretch>
+            <a:fillRect/>
+          </a:stretch>
+        </p:blipFill>
+        <p:spPr bwMode="auto">
+          <a:xfrm>
+            <a:off x="6133912" y="3348211"/>
+            <a:ext cx="4721602" cy="3271837"/>
+          </a:xfrm>
+          <a:prstGeom prst="rect">
+            <a:avLst/>
+          </a:prstGeom>
+          <a:noFill/>
+          <a:ln>
+            <a:noFill/>
+          </a:ln>
+          <a:extLst>
+            <a:ext uri="{909E8E84-426E-40DD-AFC4-6F175D3DCCD1}">
+              <a14:hiddenFill xmlns:a14="http://schemas.microsoft.com/office/drawing/2010/main">
+                <a:solidFill>
+                  <a:schemeClr val="accent1"/>
+                </a:solidFill>
+              </a14:hiddenFill>
+            </a:ext>
+            <a:ext uri="{91240B29-F687-4F45-9708-019B960494DF}">
+              <a14:hiddenLine xmlns:a14="http://schemas.microsoft.com/office/drawing/2010/main" w="9525">
+                <a:solidFill>
+                  <a:schemeClr val="tx1"/>
+                </a:solidFill>
+                <a:miter lim="800000"/>
+                <a:headEnd/>
+                <a:tailEnd/>
+              </a14:hiddenLine>
+            </a:ext>
+          </a:extLst>
         </p:spPr>
       </p:pic>
     </p:spTree>
     <p:extLst>
       <p:ext uri="{BB962C8B-B14F-4D97-AF65-F5344CB8AC3E}">
-        <p14:creationId xmlns:p14="http://schemas.microsoft.com/office/powerpoint/2010/main" val="1281407082"/>
+        <p14:creationId xmlns:p14="http://schemas.microsoft.com/office/powerpoint/2010/main" val="3452835236"/>
       </p:ext>
     </p:extLst>
   </p:cSld>
@@ -7427,7 +10774,7 @@
   <a:extraClrSchemeLst/>
   <a:extLst>
     <a:ext uri="{05A4C25C-085E-4340-85A3-A5531E510DB2}">
-      <thm15:themeFamily xmlns:thm15="http://schemas.microsoft.com/office/thememl/2012/main" xmlns="" name="Office Theme" id="{62F939B6-93AF-4DB8-9C6B-D6C7DFDC589F}" vid="{4A3C46E8-61CC-4603-A589-7422A47A8E4A}"/>
+      <thm15:themeFamily xmlns="" xmlns:thm15="http://schemas.microsoft.com/office/thememl/2012/main" name="Office Theme" id="{62F939B6-93AF-4DB8-9C6B-D6C7DFDC589F}" vid="{4A3C46E8-61CC-4603-A589-7422A47A8E4A}"/>
     </a:ext>
   </a:extLst>
 </a:theme>
@@ -7688,7 +11035,7 @@
   <a:extraClrSchemeLst/>
   <a:extLst>
     <a:ext uri="{05A4C25C-085E-4340-85A3-A5531E510DB2}">
-      <thm15:themeFamily xmlns:thm15="http://schemas.microsoft.com/office/thememl/2012/main" xmlns="" name="Office Theme" id="{62F939B6-93AF-4DB8-9C6B-D6C7DFDC589F}" vid="{4A3C46E8-61CC-4603-A589-7422A47A8E4A}"/>
+      <thm15:themeFamily xmlns="" xmlns:thm15="http://schemas.microsoft.com/office/thememl/2012/main" name="Office Theme" id="{62F939B6-93AF-4DB8-9C6B-D6C7DFDC589F}" vid="{4A3C46E8-61CC-4603-A589-7422A47A8E4A}"/>
     </a:ext>
   </a:extLst>
 </a:theme>

--- a/CS6824FinalPresentation.pptx
+++ b/CS6824FinalPresentation.pptx
@@ -5,27 +5,30 @@
     <p:sldMasterId id="2147483648" r:id="rId1"/>
   </p:sldMasterIdLst>
   <p:notesMasterIdLst>
-    <p:notesMasterId r:id="rId20"/>
+    <p:notesMasterId r:id="rId23"/>
   </p:notesMasterIdLst>
   <p:sldIdLst>
     <p:sldId id="261" r:id="rId2"/>
     <p:sldId id="274" r:id="rId3"/>
     <p:sldId id="256" r:id="rId4"/>
     <p:sldId id="272" r:id="rId5"/>
-    <p:sldId id="270" r:id="rId6"/>
-    <p:sldId id="273" r:id="rId7"/>
-    <p:sldId id="275" r:id="rId8"/>
-    <p:sldId id="276" r:id="rId9"/>
-    <p:sldId id="277" r:id="rId10"/>
-    <p:sldId id="278" r:id="rId11"/>
-    <p:sldId id="279" r:id="rId12"/>
-    <p:sldId id="280" r:id="rId13"/>
-    <p:sldId id="257" r:id="rId14"/>
-    <p:sldId id="281" r:id="rId15"/>
-    <p:sldId id="258" r:id="rId16"/>
-    <p:sldId id="284" r:id="rId17"/>
-    <p:sldId id="285" r:id="rId18"/>
-    <p:sldId id="286" r:id="rId19"/>
+    <p:sldId id="287" r:id="rId6"/>
+    <p:sldId id="288" r:id="rId7"/>
+    <p:sldId id="289" r:id="rId8"/>
+    <p:sldId id="270" r:id="rId9"/>
+    <p:sldId id="273" r:id="rId10"/>
+    <p:sldId id="275" r:id="rId11"/>
+    <p:sldId id="276" r:id="rId12"/>
+    <p:sldId id="277" r:id="rId13"/>
+    <p:sldId id="278" r:id="rId14"/>
+    <p:sldId id="279" r:id="rId15"/>
+    <p:sldId id="280" r:id="rId16"/>
+    <p:sldId id="257" r:id="rId17"/>
+    <p:sldId id="281" r:id="rId18"/>
+    <p:sldId id="258" r:id="rId19"/>
+    <p:sldId id="284" r:id="rId20"/>
+    <p:sldId id="285" r:id="rId21"/>
+    <p:sldId id="286" r:id="rId22"/>
   </p:sldIdLst>
   <p:sldSz cx="12192000" cy="6858000"/>
   <p:notesSz cx="6858000" cy="9144000"/>
@@ -225,7 +228,7 @@
           <a:p>
             <a:fld id="{D941CF75-020E-40C3-8046-15C68E5A11AF}" type="datetimeFigureOut">
               <a:rPr lang="en-US" smtClean="0"/>
-              <a:t>11/14/2018</a:t>
+              <a:t>11/15/2018</a:t>
             </a:fld>
             <a:endParaRPr lang="en-US"/>
           </a:p>
@@ -602,6 +605,318 @@
 </p:notes>
 </file>
 
+<file path=ppt/notesSlides/notesSlide2.xml><?xml version="1.0" encoding="utf-8"?>
+<p:notes xmlns:a="http://schemas.openxmlformats.org/drawingml/2006/main" xmlns:r="http://schemas.openxmlformats.org/officeDocument/2006/relationships" xmlns:p="http://schemas.openxmlformats.org/presentationml/2006/main" showMasterSp="0" showMasterPhAnim="0">
+  <p:cSld>
+    <p:spTree>
+      <p:nvGrpSpPr>
+        <p:cNvPr id="1" name="Shape 164"/>
+        <p:cNvGrpSpPr/>
+        <p:nvPr/>
+      </p:nvGrpSpPr>
+      <p:grpSpPr>
+        <a:xfrm>
+          <a:off x="0" y="0"/>
+          <a:ext cx="0" cy="0"/>
+          <a:chOff x="0" y="0"/>
+          <a:chExt cx="0" cy="0"/>
+        </a:xfrm>
+      </p:grpSpPr>
+      <p:sp>
+        <p:nvSpPr>
+          <p:cNvPr id="165" name="Google Shape;165;g441ef0ff88_3_13:notes"/>
+          <p:cNvSpPr>
+            <a:spLocks noGrp="1" noRot="1" noChangeAspect="1"/>
+          </p:cNvSpPr>
+          <p:nvPr>
+            <p:ph type="sldImg" idx="2"/>
+          </p:nvPr>
+        </p:nvSpPr>
+        <p:spPr>
+          <a:xfrm>
+            <a:off x="381300" y="685800"/>
+            <a:ext cx="6096000" cy="3429000"/>
+          </a:xfrm>
+          <a:custGeom>
+            <a:avLst/>
+            <a:gdLst/>
+            <a:ahLst/>
+            <a:cxnLst/>
+            <a:rect l="l" t="t" r="r" b="b"/>
+            <a:pathLst>
+              <a:path w="120000" h="120000" extrusionOk="0">
+                <a:moveTo>
+                  <a:pt x="0" y="0"/>
+                </a:moveTo>
+                <a:lnTo>
+                  <a:pt x="120000" y="0"/>
+                </a:lnTo>
+                <a:lnTo>
+                  <a:pt x="120000" y="120000"/>
+                </a:lnTo>
+                <a:lnTo>
+                  <a:pt x="0" y="120000"/>
+                </a:lnTo>
+                <a:close/>
+              </a:path>
+            </a:pathLst>
+          </a:custGeom>
+        </p:spPr>
+      </p:sp>
+      <p:sp>
+        <p:nvSpPr>
+          <p:cNvPr id="166" name="Google Shape;166;g441ef0ff88_3_13:notes"/>
+          <p:cNvSpPr txBox="1">
+            <a:spLocks noGrp="1"/>
+          </p:cNvSpPr>
+          <p:nvPr>
+            <p:ph type="body" idx="1"/>
+          </p:nvPr>
+        </p:nvSpPr>
+        <p:spPr>
+          <a:xfrm>
+            <a:off x="685800" y="4343400"/>
+            <a:ext cx="5486400" cy="4114800"/>
+          </a:xfrm>
+          <a:prstGeom prst="rect">
+            <a:avLst/>
+          </a:prstGeom>
+        </p:spPr>
+        <p:txBody>
+          <a:bodyPr spcFirstLastPara="1" wrap="square" lIns="91425" tIns="91425" rIns="91425" bIns="91425" anchor="t" anchorCtr="0">
+            <a:noAutofit/>
+          </a:bodyPr>
+          <a:lstStyle/>
+          <a:p>
+            <a:pPr marL="0" lvl="0" indent="0" algn="l" rtl="0">
+              <a:spcBef>
+                <a:spcPts val="0"/>
+              </a:spcBef>
+              <a:spcAft>
+                <a:spcPts val="0"/>
+              </a:spcAft>
+              <a:buNone/>
+            </a:pPr>
+            <a:endParaRPr/>
+          </a:p>
+        </p:txBody>
+      </p:sp>
+    </p:spTree>
+  </p:cSld>
+  <p:clrMapOvr>
+    <a:masterClrMapping/>
+  </p:clrMapOvr>
+</p:notes>
+</file>
+
+<file path=ppt/notesSlides/notesSlide3.xml><?xml version="1.0" encoding="utf-8"?>
+<p:notes xmlns:a="http://schemas.openxmlformats.org/drawingml/2006/main" xmlns:r="http://schemas.openxmlformats.org/officeDocument/2006/relationships" xmlns:p="http://schemas.openxmlformats.org/presentationml/2006/main" showMasterSp="0" showMasterPhAnim="0">
+  <p:cSld>
+    <p:spTree>
+      <p:nvGrpSpPr>
+        <p:cNvPr id="1" name="Shape 187"/>
+        <p:cNvGrpSpPr/>
+        <p:nvPr/>
+      </p:nvGrpSpPr>
+      <p:grpSpPr>
+        <a:xfrm>
+          <a:off x="0" y="0"/>
+          <a:ext cx="0" cy="0"/>
+          <a:chOff x="0" y="0"/>
+          <a:chExt cx="0" cy="0"/>
+        </a:xfrm>
+      </p:grpSpPr>
+      <p:sp>
+        <p:nvSpPr>
+          <p:cNvPr id="188" name="Google Shape;188;g441ef0ff88_3_46:notes"/>
+          <p:cNvSpPr>
+            <a:spLocks noGrp="1" noRot="1" noChangeAspect="1"/>
+          </p:cNvSpPr>
+          <p:nvPr>
+            <p:ph type="sldImg" idx="2"/>
+          </p:nvPr>
+        </p:nvSpPr>
+        <p:spPr>
+          <a:xfrm>
+            <a:off x="381300" y="685800"/>
+            <a:ext cx="6096000" cy="3429000"/>
+          </a:xfrm>
+          <a:custGeom>
+            <a:avLst/>
+            <a:gdLst/>
+            <a:ahLst/>
+            <a:cxnLst/>
+            <a:rect l="l" t="t" r="r" b="b"/>
+            <a:pathLst>
+              <a:path w="120000" h="120000" extrusionOk="0">
+                <a:moveTo>
+                  <a:pt x="0" y="0"/>
+                </a:moveTo>
+                <a:lnTo>
+                  <a:pt x="120000" y="0"/>
+                </a:lnTo>
+                <a:lnTo>
+                  <a:pt x="120000" y="120000"/>
+                </a:lnTo>
+                <a:lnTo>
+                  <a:pt x="0" y="120000"/>
+                </a:lnTo>
+                <a:close/>
+              </a:path>
+            </a:pathLst>
+          </a:custGeom>
+        </p:spPr>
+      </p:sp>
+      <p:sp>
+        <p:nvSpPr>
+          <p:cNvPr id="189" name="Google Shape;189;g441ef0ff88_3_46:notes"/>
+          <p:cNvSpPr txBox="1">
+            <a:spLocks noGrp="1"/>
+          </p:cNvSpPr>
+          <p:nvPr>
+            <p:ph type="body" idx="1"/>
+          </p:nvPr>
+        </p:nvSpPr>
+        <p:spPr>
+          <a:xfrm>
+            <a:off x="685800" y="4343400"/>
+            <a:ext cx="5486400" cy="4114800"/>
+          </a:xfrm>
+          <a:prstGeom prst="rect">
+            <a:avLst/>
+          </a:prstGeom>
+        </p:spPr>
+        <p:txBody>
+          <a:bodyPr spcFirstLastPara="1" wrap="square" lIns="91425" tIns="91425" rIns="91425" bIns="91425" anchor="t" anchorCtr="0">
+            <a:noAutofit/>
+          </a:bodyPr>
+          <a:lstStyle/>
+          <a:p>
+            <a:pPr marL="0" lvl="0" indent="0" algn="l" rtl="0">
+              <a:spcBef>
+                <a:spcPts val="0"/>
+              </a:spcBef>
+              <a:spcAft>
+                <a:spcPts val="0"/>
+              </a:spcAft>
+              <a:buNone/>
+            </a:pPr>
+            <a:endParaRPr/>
+          </a:p>
+        </p:txBody>
+      </p:sp>
+    </p:spTree>
+  </p:cSld>
+  <p:clrMapOvr>
+    <a:masterClrMapping/>
+  </p:clrMapOvr>
+</p:notes>
+</file>
+
+<file path=ppt/notesSlides/notesSlide4.xml><?xml version="1.0" encoding="utf-8"?>
+<p:notes xmlns:a="http://schemas.openxmlformats.org/drawingml/2006/main" xmlns:r="http://schemas.openxmlformats.org/officeDocument/2006/relationships" xmlns:p="http://schemas.openxmlformats.org/presentationml/2006/main" showMasterSp="0" showMasterPhAnim="0">
+  <p:cSld>
+    <p:spTree>
+      <p:nvGrpSpPr>
+        <p:cNvPr id="1" name="Shape 197"/>
+        <p:cNvGrpSpPr/>
+        <p:nvPr/>
+      </p:nvGrpSpPr>
+      <p:grpSpPr>
+        <a:xfrm>
+          <a:off x="0" y="0"/>
+          <a:ext cx="0" cy="0"/>
+          <a:chOff x="0" y="0"/>
+          <a:chExt cx="0" cy="0"/>
+        </a:xfrm>
+      </p:grpSpPr>
+      <p:sp>
+        <p:nvSpPr>
+          <p:cNvPr id="198" name="Google Shape;198;g441fee2908_7_0:notes"/>
+          <p:cNvSpPr>
+            <a:spLocks noGrp="1" noRot="1" noChangeAspect="1"/>
+          </p:cNvSpPr>
+          <p:nvPr>
+            <p:ph type="sldImg" idx="2"/>
+          </p:nvPr>
+        </p:nvSpPr>
+        <p:spPr>
+          <a:xfrm>
+            <a:off x="381300" y="685800"/>
+            <a:ext cx="6096000" cy="3429000"/>
+          </a:xfrm>
+          <a:custGeom>
+            <a:avLst/>
+            <a:gdLst/>
+            <a:ahLst/>
+            <a:cxnLst/>
+            <a:rect l="l" t="t" r="r" b="b"/>
+            <a:pathLst>
+              <a:path w="120000" h="120000" extrusionOk="0">
+                <a:moveTo>
+                  <a:pt x="0" y="0"/>
+                </a:moveTo>
+                <a:lnTo>
+                  <a:pt x="120000" y="0"/>
+                </a:lnTo>
+                <a:lnTo>
+                  <a:pt x="120000" y="120000"/>
+                </a:lnTo>
+                <a:lnTo>
+                  <a:pt x="0" y="120000"/>
+                </a:lnTo>
+                <a:close/>
+              </a:path>
+            </a:pathLst>
+          </a:custGeom>
+        </p:spPr>
+      </p:sp>
+      <p:sp>
+        <p:nvSpPr>
+          <p:cNvPr id="199" name="Google Shape;199;g441fee2908_7_0:notes"/>
+          <p:cNvSpPr txBox="1">
+            <a:spLocks noGrp="1"/>
+          </p:cNvSpPr>
+          <p:nvPr>
+            <p:ph type="body" idx="1"/>
+          </p:nvPr>
+        </p:nvSpPr>
+        <p:spPr>
+          <a:xfrm>
+            <a:off x="685800" y="4343400"/>
+            <a:ext cx="5486400" cy="4114800"/>
+          </a:xfrm>
+          <a:prstGeom prst="rect">
+            <a:avLst/>
+          </a:prstGeom>
+        </p:spPr>
+        <p:txBody>
+          <a:bodyPr spcFirstLastPara="1" wrap="square" lIns="91425" tIns="91425" rIns="91425" bIns="91425" anchor="t" anchorCtr="0">
+            <a:noAutofit/>
+          </a:bodyPr>
+          <a:lstStyle/>
+          <a:p>
+            <a:pPr marL="0" lvl="0" indent="0" algn="l" rtl="0">
+              <a:spcBef>
+                <a:spcPts val="0"/>
+              </a:spcBef>
+              <a:spcAft>
+                <a:spcPts val="0"/>
+              </a:spcAft>
+              <a:buNone/>
+            </a:pPr>
+            <a:endParaRPr/>
+          </a:p>
+        </p:txBody>
+      </p:sp>
+    </p:spTree>
+  </p:cSld>
+  <p:clrMapOvr>
+    <a:masterClrMapping/>
+  </p:clrMapOvr>
+</p:notes>
+</file>
+
 <file path=ppt/slideLayouts/slideLayout1.xml><?xml version="1.0" encoding="utf-8"?>
 <p:sldLayout xmlns:a="http://schemas.openxmlformats.org/drawingml/2006/main" xmlns:r="http://schemas.openxmlformats.org/officeDocument/2006/relationships" xmlns:p="http://schemas.openxmlformats.org/presentationml/2006/main" type="title" preserve="1">
   <p:cSld name="Title Slide">
@@ -733,7 +1048,7 @@
           <a:p>
             <a:fld id="{E07CFE67-75FB-4872-B524-51534803A1BF}" type="datetimeFigureOut">
               <a:rPr lang="en-US" smtClean="0"/>
-              <a:t>11/14/2018</a:t>
+              <a:t>11/15/2018</a:t>
             </a:fld>
             <a:endParaRPr lang="en-US" dirty="0"/>
           </a:p>
@@ -903,7 +1218,7 @@
           <a:p>
             <a:fld id="{E07CFE67-75FB-4872-B524-51534803A1BF}" type="datetimeFigureOut">
               <a:rPr lang="en-US" smtClean="0"/>
-              <a:t>11/14/2018</a:t>
+              <a:t>11/15/2018</a:t>
             </a:fld>
             <a:endParaRPr lang="en-US" dirty="0"/>
           </a:p>
@@ -1083,7 +1398,7 @@
           <a:p>
             <a:fld id="{E07CFE67-75FB-4872-B524-51534803A1BF}" type="datetimeFigureOut">
               <a:rPr lang="en-US" smtClean="0"/>
-              <a:t>11/14/2018</a:t>
+              <a:t>11/15/2018</a:t>
             </a:fld>
             <a:endParaRPr lang="en-US" dirty="0"/>
           </a:p>
@@ -1135,6 +1450,361 @@
     <p:extLst>
       <p:ext uri="{BB962C8B-B14F-4D97-AF65-F5344CB8AC3E}">
         <p14:creationId xmlns:p14="http://schemas.microsoft.com/office/powerpoint/2010/main" val="299684864"/>
+      </p:ext>
+    </p:extLst>
+  </p:cSld>
+  <p:clrMapOvr>
+    <a:masterClrMapping/>
+  </p:clrMapOvr>
+</p:sldLayout>
+</file>
+
+<file path=ppt/slideLayouts/slideLayout12.xml><?xml version="1.0" encoding="utf-8"?>
+<p:sldLayout xmlns:a="http://schemas.openxmlformats.org/drawingml/2006/main" xmlns:r="http://schemas.openxmlformats.org/officeDocument/2006/relationships" xmlns:p="http://schemas.openxmlformats.org/presentationml/2006/main" matchingName="Title and body" type="tx">
+  <p:cSld name="Title and body">
+    <p:spTree>
+      <p:nvGrpSpPr>
+        <p:cNvPr id="1" name="Shape 16"/>
+        <p:cNvGrpSpPr/>
+        <p:nvPr/>
+      </p:nvGrpSpPr>
+      <p:grpSpPr>
+        <a:xfrm>
+          <a:off x="0" y="0"/>
+          <a:ext cx="0" cy="0"/>
+          <a:chOff x="0" y="0"/>
+          <a:chExt cx="0" cy="0"/>
+        </a:xfrm>
+      </p:grpSpPr>
+      <p:sp>
+        <p:nvSpPr>
+          <p:cNvPr id="17" name="Google Shape;17;p4"/>
+          <p:cNvSpPr txBox="1">
+            <a:spLocks noGrp="1"/>
+          </p:cNvSpPr>
+          <p:nvPr>
+            <p:ph type="title"/>
+          </p:nvPr>
+        </p:nvSpPr>
+        <p:spPr>
+          <a:xfrm>
+            <a:off x="415600" y="593367"/>
+            <a:ext cx="11360800" cy="763600"/>
+          </a:xfrm>
+          <a:prstGeom prst="rect">
+            <a:avLst/>
+          </a:prstGeom>
+        </p:spPr>
+        <p:txBody>
+          <a:bodyPr spcFirstLastPara="1" wrap="square" lIns="121897" tIns="121897" rIns="121897" bIns="121897" anchor="t" anchorCtr="0"/>
+          <a:lstStyle>
+            <a:lvl1pPr lvl="0">
+              <a:spcBef>
+                <a:spcPts val="0"/>
+              </a:spcBef>
+              <a:spcAft>
+                <a:spcPts val="0"/>
+              </a:spcAft>
+              <a:buSzPts val="2800"/>
+              <a:buNone/>
+              <a:defRPr/>
+            </a:lvl1pPr>
+            <a:lvl2pPr lvl="1">
+              <a:spcBef>
+                <a:spcPts val="0"/>
+              </a:spcBef>
+              <a:spcAft>
+                <a:spcPts val="0"/>
+              </a:spcAft>
+              <a:buSzPts val="2800"/>
+              <a:buNone/>
+              <a:defRPr/>
+            </a:lvl2pPr>
+            <a:lvl3pPr lvl="2">
+              <a:spcBef>
+                <a:spcPts val="0"/>
+              </a:spcBef>
+              <a:spcAft>
+                <a:spcPts val="0"/>
+              </a:spcAft>
+              <a:buSzPts val="2800"/>
+              <a:buNone/>
+              <a:defRPr/>
+            </a:lvl3pPr>
+            <a:lvl4pPr lvl="3">
+              <a:spcBef>
+                <a:spcPts val="0"/>
+              </a:spcBef>
+              <a:spcAft>
+                <a:spcPts val="0"/>
+              </a:spcAft>
+              <a:buSzPts val="2800"/>
+              <a:buNone/>
+              <a:defRPr/>
+            </a:lvl4pPr>
+            <a:lvl5pPr lvl="4">
+              <a:spcBef>
+                <a:spcPts val="0"/>
+              </a:spcBef>
+              <a:spcAft>
+                <a:spcPts val="0"/>
+              </a:spcAft>
+              <a:buSzPts val="2800"/>
+              <a:buNone/>
+              <a:defRPr/>
+            </a:lvl5pPr>
+            <a:lvl6pPr lvl="5">
+              <a:spcBef>
+                <a:spcPts val="0"/>
+              </a:spcBef>
+              <a:spcAft>
+                <a:spcPts val="0"/>
+              </a:spcAft>
+              <a:buSzPts val="2800"/>
+              <a:buNone/>
+              <a:defRPr/>
+            </a:lvl6pPr>
+            <a:lvl7pPr lvl="6">
+              <a:spcBef>
+                <a:spcPts val="0"/>
+              </a:spcBef>
+              <a:spcAft>
+                <a:spcPts val="0"/>
+              </a:spcAft>
+              <a:buSzPts val="2800"/>
+              <a:buNone/>
+              <a:defRPr/>
+            </a:lvl7pPr>
+            <a:lvl8pPr lvl="7">
+              <a:spcBef>
+                <a:spcPts val="0"/>
+              </a:spcBef>
+              <a:spcAft>
+                <a:spcPts val="0"/>
+              </a:spcAft>
+              <a:buSzPts val="2800"/>
+              <a:buNone/>
+              <a:defRPr/>
+            </a:lvl8pPr>
+            <a:lvl9pPr lvl="8">
+              <a:spcBef>
+                <a:spcPts val="0"/>
+              </a:spcBef>
+              <a:spcAft>
+                <a:spcPts val="0"/>
+              </a:spcAft>
+              <a:buSzPts val="2800"/>
+              <a:buNone/>
+              <a:defRPr/>
+            </a:lvl9pPr>
+          </a:lstStyle>
+          <a:p>
+            <a:endParaRPr/>
+          </a:p>
+        </p:txBody>
+      </p:sp>
+      <p:sp>
+        <p:nvSpPr>
+          <p:cNvPr id="18" name="Google Shape;18;p4"/>
+          <p:cNvSpPr txBox="1">
+            <a:spLocks noGrp="1"/>
+          </p:cNvSpPr>
+          <p:nvPr>
+            <p:ph type="body" idx="1"/>
+          </p:nvPr>
+        </p:nvSpPr>
+        <p:spPr>
+          <a:xfrm>
+            <a:off x="415600" y="1536633"/>
+            <a:ext cx="11360800" cy="4555200"/>
+          </a:xfrm>
+          <a:prstGeom prst="rect">
+            <a:avLst/>
+          </a:prstGeom>
+        </p:spPr>
+        <p:txBody>
+          <a:bodyPr spcFirstLastPara="1" wrap="square" lIns="121897" tIns="121897" rIns="121897" bIns="121897" anchor="t" anchorCtr="0"/>
+          <a:lstStyle>
+            <a:lvl1pPr marL="609585" lvl="0" indent="-457189">
+              <a:spcBef>
+                <a:spcPts val="0"/>
+              </a:spcBef>
+              <a:spcAft>
+                <a:spcPts val="0"/>
+              </a:spcAft>
+              <a:buSzPts val="1800"/>
+              <a:buChar char="●"/>
+              <a:defRPr/>
+            </a:lvl1pPr>
+            <a:lvl2pPr marL="1219170" lvl="1" indent="-423323">
+              <a:spcBef>
+                <a:spcPts val="2133"/>
+              </a:spcBef>
+              <a:spcAft>
+                <a:spcPts val="0"/>
+              </a:spcAft>
+              <a:buSzPts val="1400"/>
+              <a:buChar char="○"/>
+              <a:defRPr/>
+            </a:lvl2pPr>
+            <a:lvl3pPr marL="1828754" lvl="2" indent="-423323">
+              <a:spcBef>
+                <a:spcPts val="2133"/>
+              </a:spcBef>
+              <a:spcAft>
+                <a:spcPts val="0"/>
+              </a:spcAft>
+              <a:buSzPts val="1400"/>
+              <a:buChar char="■"/>
+              <a:defRPr/>
+            </a:lvl3pPr>
+            <a:lvl4pPr marL="2438339" lvl="3" indent="-423323">
+              <a:spcBef>
+                <a:spcPts val="2133"/>
+              </a:spcBef>
+              <a:spcAft>
+                <a:spcPts val="0"/>
+              </a:spcAft>
+              <a:buSzPts val="1400"/>
+              <a:buChar char="●"/>
+              <a:defRPr/>
+            </a:lvl4pPr>
+            <a:lvl5pPr marL="3047924" lvl="4" indent="-423323">
+              <a:spcBef>
+                <a:spcPts val="2133"/>
+              </a:spcBef>
+              <a:spcAft>
+                <a:spcPts val="0"/>
+              </a:spcAft>
+              <a:buSzPts val="1400"/>
+              <a:buChar char="○"/>
+              <a:defRPr/>
+            </a:lvl5pPr>
+            <a:lvl6pPr marL="3657509" lvl="5" indent="-423323">
+              <a:spcBef>
+                <a:spcPts val="2133"/>
+              </a:spcBef>
+              <a:spcAft>
+                <a:spcPts val="0"/>
+              </a:spcAft>
+              <a:buSzPts val="1400"/>
+              <a:buChar char="■"/>
+              <a:defRPr/>
+            </a:lvl6pPr>
+            <a:lvl7pPr marL="4267093" lvl="6" indent="-423323">
+              <a:spcBef>
+                <a:spcPts val="2133"/>
+              </a:spcBef>
+              <a:spcAft>
+                <a:spcPts val="0"/>
+              </a:spcAft>
+              <a:buSzPts val="1400"/>
+              <a:buChar char="●"/>
+              <a:defRPr/>
+            </a:lvl7pPr>
+            <a:lvl8pPr marL="4876678" lvl="7" indent="-423323">
+              <a:spcBef>
+                <a:spcPts val="2133"/>
+              </a:spcBef>
+              <a:spcAft>
+                <a:spcPts val="0"/>
+              </a:spcAft>
+              <a:buSzPts val="1400"/>
+              <a:buChar char="○"/>
+              <a:defRPr/>
+            </a:lvl8pPr>
+            <a:lvl9pPr marL="5486263" lvl="8" indent="-423323">
+              <a:spcBef>
+                <a:spcPts val="2133"/>
+              </a:spcBef>
+              <a:spcAft>
+                <a:spcPts val="2133"/>
+              </a:spcAft>
+              <a:buSzPts val="1400"/>
+              <a:buChar char="■"/>
+              <a:defRPr/>
+            </a:lvl9pPr>
+          </a:lstStyle>
+          <a:p>
+            <a:endParaRPr/>
+          </a:p>
+        </p:txBody>
+      </p:sp>
+      <p:sp>
+        <p:nvSpPr>
+          <p:cNvPr id="19" name="Google Shape;19;p4"/>
+          <p:cNvSpPr txBox="1">
+            <a:spLocks noGrp="1"/>
+          </p:cNvSpPr>
+          <p:nvPr>
+            <p:ph type="sldNum" idx="12"/>
+          </p:nvPr>
+        </p:nvSpPr>
+        <p:spPr>
+          <a:xfrm>
+            <a:off x="11296611" y="6217623"/>
+            <a:ext cx="731600" cy="524800"/>
+          </a:xfrm>
+          <a:prstGeom prst="rect">
+            <a:avLst/>
+          </a:prstGeom>
+        </p:spPr>
+        <p:txBody>
+          <a:bodyPr spcFirstLastPara="1" wrap="square" lIns="121897" tIns="121897" rIns="121897" bIns="121897" anchor="ctr" anchorCtr="0">
+            <a:noAutofit/>
+          </a:bodyPr>
+          <a:lstStyle>
+            <a:lvl1pPr lvl="0">
+              <a:buNone/>
+              <a:defRPr/>
+            </a:lvl1pPr>
+            <a:lvl2pPr lvl="1">
+              <a:buNone/>
+              <a:defRPr/>
+            </a:lvl2pPr>
+            <a:lvl3pPr lvl="2">
+              <a:buNone/>
+              <a:defRPr/>
+            </a:lvl3pPr>
+            <a:lvl4pPr lvl="3">
+              <a:buNone/>
+              <a:defRPr/>
+            </a:lvl4pPr>
+            <a:lvl5pPr lvl="4">
+              <a:buNone/>
+              <a:defRPr/>
+            </a:lvl5pPr>
+            <a:lvl6pPr lvl="5">
+              <a:buNone/>
+              <a:defRPr/>
+            </a:lvl6pPr>
+            <a:lvl7pPr lvl="6">
+              <a:buNone/>
+              <a:defRPr/>
+            </a:lvl7pPr>
+            <a:lvl8pPr lvl="7">
+              <a:buNone/>
+              <a:defRPr/>
+            </a:lvl8pPr>
+            <a:lvl9pPr lvl="8">
+              <a:buNone/>
+              <a:defRPr/>
+            </a:lvl9pPr>
+          </a:lstStyle>
+          <a:p>
+            <a:fld id="{00000000-1234-1234-1234-123412341234}" type="slidenum">
+              <a:rPr lang="en" smtClean="0"/>
+              <a:pPr/>
+              <a:t>‹#›</a:t>
+            </a:fld>
+            <a:endParaRPr lang="en"/>
+          </a:p>
+        </p:txBody>
+      </p:sp>
+    </p:spTree>
+    <p:extLst>
+      <p:ext uri="{BB962C8B-B14F-4D97-AF65-F5344CB8AC3E}">
+        <p14:creationId xmlns:p14="http://schemas.microsoft.com/office/powerpoint/2010/main" val="2372389059"/>
       </p:ext>
     </p:extLst>
   </p:cSld>
@@ -1253,7 +1923,7 @@
           <a:p>
             <a:fld id="{E07CFE67-75FB-4872-B524-51534803A1BF}" type="datetimeFigureOut">
               <a:rPr lang="en-US" smtClean="0"/>
-              <a:t>11/14/2018</a:t>
+              <a:t>11/15/2018</a:t>
             </a:fld>
             <a:endParaRPr lang="en-US" dirty="0"/>
           </a:p>
@@ -1499,7 +2169,7 @@
           <a:p>
             <a:fld id="{E07CFE67-75FB-4872-B524-51534803A1BF}" type="datetimeFigureOut">
               <a:rPr lang="en-US" smtClean="0"/>
-              <a:t>11/14/2018</a:t>
+              <a:t>11/15/2018</a:t>
             </a:fld>
             <a:endParaRPr lang="en-US" dirty="0"/>
           </a:p>
@@ -1731,7 +2401,7 @@
           <a:p>
             <a:fld id="{E07CFE67-75FB-4872-B524-51534803A1BF}" type="datetimeFigureOut">
               <a:rPr lang="en-US" smtClean="0"/>
-              <a:t>11/14/2018</a:t>
+              <a:t>11/15/2018</a:t>
             </a:fld>
             <a:endParaRPr lang="en-US" dirty="0"/>
           </a:p>
@@ -2098,7 +2768,7 @@
           <a:p>
             <a:fld id="{E07CFE67-75FB-4872-B524-51534803A1BF}" type="datetimeFigureOut">
               <a:rPr lang="en-US" smtClean="0"/>
-              <a:t>11/14/2018</a:t>
+              <a:t>11/15/2018</a:t>
             </a:fld>
             <a:endParaRPr lang="en-US" dirty="0"/>
           </a:p>
@@ -2216,7 +2886,7 @@
           <a:p>
             <a:fld id="{E07CFE67-75FB-4872-B524-51534803A1BF}" type="datetimeFigureOut">
               <a:rPr lang="en-US" smtClean="0"/>
-              <a:t>11/14/2018</a:t>
+              <a:t>11/15/2018</a:t>
             </a:fld>
             <a:endParaRPr lang="en-US" dirty="0"/>
           </a:p>
@@ -2311,7 +2981,7 @@
           <a:p>
             <a:fld id="{E07CFE67-75FB-4872-B524-51534803A1BF}" type="datetimeFigureOut">
               <a:rPr lang="en-US" smtClean="0"/>
-              <a:t>11/14/2018</a:t>
+              <a:t>11/15/2018</a:t>
             </a:fld>
             <a:endParaRPr lang="en-US" dirty="0"/>
           </a:p>
@@ -2588,7 +3258,7 @@
           <a:p>
             <a:fld id="{E07CFE67-75FB-4872-B524-51534803A1BF}" type="datetimeFigureOut">
               <a:rPr lang="en-US" smtClean="0"/>
-              <a:t>11/14/2018</a:t>
+              <a:t>11/15/2018</a:t>
             </a:fld>
             <a:endParaRPr lang="en-US" dirty="0"/>
           </a:p>
@@ -2841,7 +3511,7 @@
           <a:p>
             <a:fld id="{E07CFE67-75FB-4872-B524-51534803A1BF}" type="datetimeFigureOut">
               <a:rPr lang="en-US" smtClean="0"/>
-              <a:t>11/14/2018</a:t>
+              <a:t>11/15/2018</a:t>
             </a:fld>
             <a:endParaRPr lang="en-US" dirty="0"/>
           </a:p>
@@ -3054,7 +3724,7 @@
           <a:p>
             <a:fld id="{E07CFE67-75FB-4872-B524-51534803A1BF}" type="datetimeFigureOut">
               <a:rPr lang="en-US" smtClean="0"/>
-              <a:t>11/14/2018</a:t>
+              <a:t>11/15/2018</a:t>
             </a:fld>
             <a:endParaRPr lang="en-US" dirty="0"/>
           </a:p>
@@ -3158,6 +3828,7 @@
     <p:sldLayoutId id="2147483657" r:id="rId9"/>
     <p:sldLayoutId id="2147483658" r:id="rId10"/>
     <p:sldLayoutId id="2147483659" r:id="rId11"/>
+    <p:sldLayoutId id="2147483660" r:id="rId12"/>
   </p:sldLayoutIdLst>
   <p:txStyles>
     <p:titleStyle>
@@ -3717,13 +4388,7 @@
               <a:rPr lang="en-US" dirty="0" smtClean="0">
                 <a:latin typeface="Comic Sans MS" panose="030F0702030302020204" pitchFamily="66" charset="0"/>
               </a:rPr>
-              <a:t>Temporal dynamics of species in our </a:t>
-            </a:r>
-            <a:r>
-              <a:rPr lang="en-US" dirty="0" smtClean="0">
-                <a:latin typeface="Comic Sans MS" panose="030F0702030302020204" pitchFamily="66" charset="0"/>
-              </a:rPr>
-              <a:t>model</a:t>
+              <a:t>Temporal dynamics of species in our model</a:t>
             </a:r>
             <a:br>
               <a:rPr lang="en-US" dirty="0" smtClean="0">
@@ -3746,13 +4411,7 @@
               <a:rPr lang="en-US" u="sng" dirty="0" smtClean="0">
                 <a:latin typeface="Comic Sans MS" panose="030F0702030302020204" pitchFamily="66" charset="0"/>
               </a:rPr>
-              <a:t>after</a:t>
-            </a:r>
-            <a:r>
-              <a:rPr lang="en-US" u="sng" dirty="0" smtClean="0">
-                <a:latin typeface="Comic Sans MS" panose="030F0702030302020204" pitchFamily="66" charset="0"/>
-              </a:rPr>
-              <a:t> division</a:t>
+              <a:t>before division</a:t>
             </a:r>
             <a:endParaRPr lang="en-US" u="sng" dirty="0">
               <a:latin typeface="Comic Sans MS" panose="030F0702030302020204" pitchFamily="66" charset="0"/>
@@ -3837,7 +4496,7 @@
         </p:blipFill>
         <p:spPr bwMode="auto">
           <a:xfrm>
-            <a:off x="2456097" y="3847886"/>
+            <a:off x="3897439" y="3781586"/>
             <a:ext cx="4352825" cy="3024753"/>
           </a:xfrm>
           <a:prstGeom prst="rect">
@@ -3922,64 +4581,10 @@
           </a:extLst>
         </p:spPr>
       </p:pic>
-      <p:pic>
-        <p:nvPicPr>
-          <p:cNvPr id="6" name="Picture 2"/>
-          <p:cNvPicPr>
-            <a:picLocks noChangeAspect="1" noChangeArrowheads="1"/>
-          </p:cNvPicPr>
-          <p:nvPr/>
-        </p:nvPicPr>
-        <p:blipFill>
-          <a:blip r:embed="rId5">
-            <a:extLst>
-              <a:ext uri="{28A0092B-C50C-407E-A947-70E740481C1C}">
-                <a14:useLocalDpi xmlns:a14="http://schemas.microsoft.com/office/drawing/2010/main" val="0"/>
-              </a:ext>
-            </a:extLst>
-          </a:blip>
-          <a:srcRect/>
-          <a:stretch>
-            <a:fillRect/>
-          </a:stretch>
-        </p:blipFill>
-        <p:spPr bwMode="auto">
-          <a:xfrm>
-            <a:off x="7196380" y="3847886"/>
-            <a:ext cx="4020761" cy="2905432"/>
-          </a:xfrm>
-          <a:prstGeom prst="rect">
-            <a:avLst/>
-          </a:prstGeom>
-          <a:noFill/>
-          <a:ln>
-            <a:noFill/>
-          </a:ln>
-          <a:extLst>
-            <a:ext uri="{909E8E84-426E-40DD-AFC4-6F175D3DCCD1}">
-              <a14:hiddenFill xmlns:a14="http://schemas.microsoft.com/office/drawing/2010/main">
-                <a:solidFill>
-                  <a:schemeClr val="accent1"/>
-                </a:solidFill>
-              </a14:hiddenFill>
-            </a:ext>
-            <a:ext uri="{91240B29-F687-4F45-9708-019B960494DF}">
-              <a14:hiddenLine xmlns:a14="http://schemas.microsoft.com/office/drawing/2010/main" w="9525">
-                <a:solidFill>
-                  <a:schemeClr val="tx1"/>
-                </a:solidFill>
-                <a:miter lim="800000"/>
-                <a:headEnd/>
-                <a:tailEnd/>
-              </a14:hiddenLine>
-            </a:ext>
-          </a:extLst>
-        </p:spPr>
-      </p:pic>
     </p:spTree>
     <p:extLst>
       <p:ext uri="{BB962C8B-B14F-4D97-AF65-F5344CB8AC3E}">
-        <p14:creationId xmlns:p14="http://schemas.microsoft.com/office/powerpoint/2010/main" val="509097660"/>
+        <p14:creationId xmlns:p14="http://schemas.microsoft.com/office/powerpoint/2010/main" val="2308137916"/>
       </p:ext>
     </p:extLst>
   </p:cSld>
@@ -4067,7 +4672,7 @@
               <a:rPr lang="en-US" u="sng" dirty="0" smtClean="0">
                 <a:latin typeface="Comic Sans MS" panose="030F0702030302020204" pitchFamily="66" charset="0"/>
               </a:rPr>
-              <a:t>after division</a:t>
+              <a:t>before division</a:t>
             </a:r>
             <a:endParaRPr lang="en-US" u="sng" dirty="0"/>
           </a:p>
@@ -4099,7 +4704,7 @@
       </p:pic>
       <p:pic>
         <p:nvPicPr>
-          <p:cNvPr id="8194" name="Picture 2"/>
+          <p:cNvPr id="5122" name="Picture 2"/>
           <p:cNvPicPr>
             <a:picLocks noChangeAspect="1" noChangeArrowheads="1"/>
           </p:cNvPicPr>
@@ -4120,8 +4725,8 @@
         </p:blipFill>
         <p:spPr bwMode="auto">
           <a:xfrm>
-            <a:off x="7718157" y="4082086"/>
-            <a:ext cx="4076052" cy="2734437"/>
+            <a:off x="7715653" y="4081274"/>
+            <a:ext cx="3928740" cy="2710976"/>
           </a:xfrm>
           <a:prstGeom prst="rect">
             <a:avLst/>
@@ -4153,7 +4758,7 @@
       </p:pic>
       <p:pic>
         <p:nvPicPr>
-          <p:cNvPr id="8195" name="Picture 3"/>
+          <p:cNvPr id="6" name="Picture 3"/>
           <p:cNvPicPr>
             <a:picLocks noChangeAspect="1" noChangeArrowheads="1"/>
           </p:cNvPicPr>
@@ -4174,8 +4779,8 @@
         </p:blipFill>
         <p:spPr bwMode="auto">
           <a:xfrm>
-            <a:off x="7657345" y="1100788"/>
-            <a:ext cx="4136864" cy="2952585"/>
+            <a:off x="7714401" y="1275624"/>
+            <a:ext cx="3901886" cy="2711398"/>
           </a:xfrm>
           <a:prstGeom prst="rect">
             <a:avLst/>
@@ -4208,6 +4813,837 @@
     </p:spTree>
     <p:extLst>
       <p:ext uri="{BB962C8B-B14F-4D97-AF65-F5344CB8AC3E}">
+        <p14:creationId xmlns:p14="http://schemas.microsoft.com/office/powerpoint/2010/main" val="1513638782"/>
+      </p:ext>
+    </p:extLst>
+  </p:cSld>
+  <p:clrMapOvr>
+    <a:masterClrMapping/>
+  </p:clrMapOvr>
+</p:sld>
+</file>
+
+<file path=ppt/slides/slide12.xml><?xml version="1.0" encoding="utf-8"?>
+<p:sld xmlns:a="http://schemas.openxmlformats.org/drawingml/2006/main" xmlns:r="http://schemas.openxmlformats.org/officeDocument/2006/relationships" xmlns:p="http://schemas.openxmlformats.org/presentationml/2006/main">
+  <p:cSld>
+    <p:spTree>
+      <p:nvGrpSpPr>
+        <p:cNvPr id="1" name=""/>
+        <p:cNvGrpSpPr/>
+        <p:nvPr/>
+      </p:nvGrpSpPr>
+      <p:grpSpPr>
+        <a:xfrm>
+          <a:off x="0" y="0"/>
+          <a:ext cx="0" cy="0"/>
+          <a:chOff x="0" y="0"/>
+          <a:chExt cx="0" cy="0"/>
+        </a:xfrm>
+      </p:grpSpPr>
+      <p:sp>
+        <p:nvSpPr>
+          <p:cNvPr id="2" name="Title 1"/>
+          <p:cNvSpPr>
+            <a:spLocks noGrp="1"/>
+          </p:cNvSpPr>
+          <p:nvPr>
+            <p:ph type="title"/>
+          </p:nvPr>
+        </p:nvSpPr>
+        <p:spPr>
+          <a:xfrm>
+            <a:off x="-1" y="0"/>
+            <a:ext cx="11652069" cy="1325563"/>
+          </a:xfrm>
+        </p:spPr>
+        <p:txBody>
+          <a:bodyPr/>
+          <a:lstStyle/>
+          <a:p>
+            <a:r>
+              <a:rPr lang="en-US" dirty="0" smtClean="0">
+                <a:latin typeface="Comic Sans MS" panose="030F0702030302020204" pitchFamily="66" charset="0"/>
+              </a:rPr>
+              <a:t>Temporal dynamics of species in our model</a:t>
+            </a:r>
+            <a:br>
+              <a:rPr lang="en-US" dirty="0" smtClean="0">
+                <a:latin typeface="Comic Sans MS" panose="030F0702030302020204" pitchFamily="66" charset="0"/>
+              </a:rPr>
+            </a:br>
+            <a:r>
+              <a:rPr lang="en-US" dirty="0">
+                <a:latin typeface="Comic Sans MS" panose="030F0702030302020204" pitchFamily="66" charset="0"/>
+              </a:rPr>
+              <a:t> </a:t>
+            </a:r>
+            <a:r>
+              <a:rPr lang="en-US" dirty="0" smtClean="0">
+                <a:latin typeface="Comic Sans MS" panose="030F0702030302020204" pitchFamily="66" charset="0"/>
+              </a:rPr>
+              <a:t>– </a:t>
+            </a:r>
+            <a:r>
+              <a:rPr lang="en-US" u="sng" dirty="0" smtClean="0">
+                <a:latin typeface="Comic Sans MS" panose="030F0702030302020204" pitchFamily="66" charset="0"/>
+              </a:rPr>
+              <a:t>after division</a:t>
+            </a:r>
+            <a:endParaRPr lang="en-US" u="sng" dirty="0">
+              <a:latin typeface="Comic Sans MS" panose="030F0702030302020204" pitchFamily="66" charset="0"/>
+            </a:endParaRPr>
+          </a:p>
+        </p:txBody>
+      </p:sp>
+      <p:pic>
+        <p:nvPicPr>
+          <p:cNvPr id="1027" name="Picture 3"/>
+          <p:cNvPicPr>
+            <a:picLocks noChangeAspect="1" noChangeArrowheads="1"/>
+          </p:cNvPicPr>
+          <p:nvPr/>
+        </p:nvPicPr>
+        <p:blipFill>
+          <a:blip r:embed="rId2">
+            <a:extLst>
+              <a:ext uri="{28A0092B-C50C-407E-A947-70E740481C1C}">
+                <a14:useLocalDpi xmlns:a14="http://schemas.microsoft.com/office/drawing/2010/main" val="0"/>
+              </a:ext>
+            </a:extLst>
+          </a:blip>
+          <a:srcRect/>
+          <a:stretch>
+            <a:fillRect/>
+          </a:stretch>
+        </p:blipFill>
+        <p:spPr bwMode="auto">
+          <a:xfrm>
+            <a:off x="955730" y="1430822"/>
+            <a:ext cx="9769098" cy="471487"/>
+          </a:xfrm>
+          <a:prstGeom prst="rect">
+            <a:avLst/>
+          </a:prstGeom>
+          <a:noFill/>
+          <a:ln>
+            <a:noFill/>
+          </a:ln>
+          <a:extLst>
+            <a:ext uri="{909E8E84-426E-40DD-AFC4-6F175D3DCCD1}">
+              <a14:hiddenFill xmlns:a14="http://schemas.microsoft.com/office/drawing/2010/main">
+                <a:solidFill>
+                  <a:schemeClr val="accent1"/>
+                </a:solidFill>
+              </a14:hiddenFill>
+            </a:ext>
+            <a:ext uri="{91240B29-F687-4F45-9708-019B960494DF}">
+              <a14:hiddenLine xmlns:a14="http://schemas.microsoft.com/office/drawing/2010/main" w="9525">
+                <a:solidFill>
+                  <a:schemeClr val="tx1"/>
+                </a:solidFill>
+                <a:miter lim="800000"/>
+                <a:headEnd/>
+                <a:tailEnd/>
+              </a14:hiddenLine>
+            </a:ext>
+          </a:extLst>
+        </p:spPr>
+      </p:pic>
+      <p:pic>
+        <p:nvPicPr>
+          <p:cNvPr id="1028" name="Picture 4"/>
+          <p:cNvPicPr>
+            <a:picLocks noChangeAspect="1" noChangeArrowheads="1"/>
+          </p:cNvPicPr>
+          <p:nvPr/>
+        </p:nvPicPr>
+        <p:blipFill>
+          <a:blip r:embed="rId3">
+            <a:extLst>
+              <a:ext uri="{28A0092B-C50C-407E-A947-70E740481C1C}">
+                <a14:useLocalDpi xmlns:a14="http://schemas.microsoft.com/office/drawing/2010/main" val="0"/>
+              </a:ext>
+            </a:extLst>
+          </a:blip>
+          <a:srcRect/>
+          <a:stretch>
+            <a:fillRect/>
+          </a:stretch>
+        </p:blipFill>
+        <p:spPr bwMode="auto">
+          <a:xfrm>
+            <a:off x="1584460" y="1902309"/>
+            <a:ext cx="9229725" cy="1371600"/>
+          </a:xfrm>
+          <a:prstGeom prst="rect">
+            <a:avLst/>
+          </a:prstGeom>
+          <a:noFill/>
+          <a:ln>
+            <a:noFill/>
+          </a:ln>
+          <a:extLst>
+            <a:ext uri="{909E8E84-426E-40DD-AFC4-6F175D3DCCD1}">
+              <a14:hiddenFill xmlns:a14="http://schemas.microsoft.com/office/drawing/2010/main">
+                <a:solidFill>
+                  <a:schemeClr val="accent1"/>
+                </a:solidFill>
+              </a14:hiddenFill>
+            </a:ext>
+            <a:ext uri="{91240B29-F687-4F45-9708-019B960494DF}">
+              <a14:hiddenLine xmlns:a14="http://schemas.microsoft.com/office/drawing/2010/main" w="9525">
+                <a:solidFill>
+                  <a:schemeClr val="tx1"/>
+                </a:solidFill>
+                <a:miter lim="800000"/>
+                <a:headEnd/>
+                <a:tailEnd/>
+              </a14:hiddenLine>
+            </a:ext>
+          </a:extLst>
+        </p:spPr>
+      </p:pic>
+      <p:pic>
+        <p:nvPicPr>
+          <p:cNvPr id="1032" name="Picture 8"/>
+          <p:cNvPicPr>
+            <a:picLocks noChangeAspect="1" noChangeArrowheads="1"/>
+          </p:cNvPicPr>
+          <p:nvPr/>
+        </p:nvPicPr>
+        <p:blipFill>
+          <a:blip r:embed="rId4">
+            <a:extLst>
+              <a:ext uri="{28A0092B-C50C-407E-A947-70E740481C1C}">
+                <a14:useLocalDpi xmlns:a14="http://schemas.microsoft.com/office/drawing/2010/main" val="0"/>
+              </a:ext>
+            </a:extLst>
+          </a:blip>
+          <a:srcRect/>
+          <a:stretch>
+            <a:fillRect/>
+          </a:stretch>
+        </p:blipFill>
+        <p:spPr bwMode="auto">
+          <a:xfrm>
+            <a:off x="613933" y="3341068"/>
+            <a:ext cx="4557336" cy="3286125"/>
+          </a:xfrm>
+          <a:prstGeom prst="rect">
+            <a:avLst/>
+          </a:prstGeom>
+          <a:noFill/>
+          <a:ln>
+            <a:noFill/>
+          </a:ln>
+          <a:extLst>
+            <a:ext uri="{909E8E84-426E-40DD-AFC4-6F175D3DCCD1}">
+              <a14:hiddenFill xmlns:a14="http://schemas.microsoft.com/office/drawing/2010/main">
+                <a:solidFill>
+                  <a:schemeClr val="accent1"/>
+                </a:solidFill>
+              </a14:hiddenFill>
+            </a:ext>
+            <a:ext uri="{91240B29-F687-4F45-9708-019B960494DF}">
+              <a14:hiddenLine xmlns:a14="http://schemas.microsoft.com/office/drawing/2010/main" w="9525">
+                <a:solidFill>
+                  <a:schemeClr val="tx1"/>
+                </a:solidFill>
+                <a:miter lim="800000"/>
+                <a:headEnd/>
+                <a:tailEnd/>
+              </a14:hiddenLine>
+            </a:ext>
+          </a:extLst>
+        </p:spPr>
+      </p:pic>
+      <p:pic>
+        <p:nvPicPr>
+          <p:cNvPr id="6146" name="Picture 2"/>
+          <p:cNvPicPr>
+            <a:picLocks noChangeAspect="1" noChangeArrowheads="1"/>
+          </p:cNvPicPr>
+          <p:nvPr/>
+        </p:nvPicPr>
+        <p:blipFill>
+          <a:blip r:embed="rId5">
+            <a:extLst>
+              <a:ext uri="{28A0092B-C50C-407E-A947-70E740481C1C}">
+                <a14:useLocalDpi xmlns:a14="http://schemas.microsoft.com/office/drawing/2010/main" val="0"/>
+              </a:ext>
+            </a:extLst>
+          </a:blip>
+          <a:srcRect/>
+          <a:stretch>
+            <a:fillRect/>
+          </a:stretch>
+        </p:blipFill>
+        <p:spPr bwMode="auto">
+          <a:xfrm>
+            <a:off x="6133912" y="3348211"/>
+            <a:ext cx="4721602" cy="3271837"/>
+          </a:xfrm>
+          <a:prstGeom prst="rect">
+            <a:avLst/>
+          </a:prstGeom>
+          <a:noFill/>
+          <a:ln>
+            <a:noFill/>
+          </a:ln>
+          <a:extLst>
+            <a:ext uri="{909E8E84-426E-40DD-AFC4-6F175D3DCCD1}">
+              <a14:hiddenFill xmlns:a14="http://schemas.microsoft.com/office/drawing/2010/main">
+                <a:solidFill>
+                  <a:schemeClr val="accent1"/>
+                </a:solidFill>
+              </a14:hiddenFill>
+            </a:ext>
+            <a:ext uri="{91240B29-F687-4F45-9708-019B960494DF}">
+              <a14:hiddenLine xmlns:a14="http://schemas.microsoft.com/office/drawing/2010/main" w="9525">
+                <a:solidFill>
+                  <a:schemeClr val="tx1"/>
+                </a:solidFill>
+                <a:miter lim="800000"/>
+                <a:headEnd/>
+                <a:tailEnd/>
+              </a14:hiddenLine>
+            </a:ext>
+          </a:extLst>
+        </p:spPr>
+      </p:pic>
+    </p:spTree>
+    <p:extLst>
+      <p:ext uri="{BB962C8B-B14F-4D97-AF65-F5344CB8AC3E}">
+        <p14:creationId xmlns:p14="http://schemas.microsoft.com/office/powerpoint/2010/main" val="3452835236"/>
+      </p:ext>
+    </p:extLst>
+  </p:cSld>
+  <p:clrMapOvr>
+    <a:masterClrMapping/>
+  </p:clrMapOvr>
+</p:sld>
+</file>
+
+<file path=ppt/slides/slide13.xml><?xml version="1.0" encoding="utf-8"?>
+<p:sld xmlns:a="http://schemas.openxmlformats.org/drawingml/2006/main" xmlns:r="http://schemas.openxmlformats.org/officeDocument/2006/relationships" xmlns:p="http://schemas.openxmlformats.org/presentationml/2006/main">
+  <p:cSld>
+    <p:spTree>
+      <p:nvGrpSpPr>
+        <p:cNvPr id="1" name=""/>
+        <p:cNvGrpSpPr/>
+        <p:nvPr/>
+      </p:nvGrpSpPr>
+      <p:grpSpPr>
+        <a:xfrm>
+          <a:off x="0" y="0"/>
+          <a:ext cx="0" cy="0"/>
+          <a:chOff x="0" y="0"/>
+          <a:chExt cx="0" cy="0"/>
+        </a:xfrm>
+      </p:grpSpPr>
+      <p:sp>
+        <p:nvSpPr>
+          <p:cNvPr id="2" name="Title 1"/>
+          <p:cNvSpPr>
+            <a:spLocks noGrp="1"/>
+          </p:cNvSpPr>
+          <p:nvPr>
+            <p:ph type="title"/>
+          </p:nvPr>
+        </p:nvSpPr>
+        <p:spPr>
+          <a:xfrm>
+            <a:off x="-1" y="0"/>
+            <a:ext cx="11652069" cy="1325563"/>
+          </a:xfrm>
+        </p:spPr>
+        <p:txBody>
+          <a:bodyPr/>
+          <a:lstStyle/>
+          <a:p>
+            <a:r>
+              <a:rPr lang="en-US" dirty="0" smtClean="0">
+                <a:latin typeface="Comic Sans MS" panose="030F0702030302020204" pitchFamily="66" charset="0"/>
+              </a:rPr>
+              <a:t>Temporal dynamics of species in our model</a:t>
+            </a:r>
+            <a:br>
+              <a:rPr lang="en-US" dirty="0" smtClean="0">
+                <a:latin typeface="Comic Sans MS" panose="030F0702030302020204" pitchFamily="66" charset="0"/>
+              </a:rPr>
+            </a:br>
+            <a:r>
+              <a:rPr lang="en-US" dirty="0">
+                <a:latin typeface="Comic Sans MS" panose="030F0702030302020204" pitchFamily="66" charset="0"/>
+              </a:rPr>
+              <a:t> </a:t>
+            </a:r>
+            <a:r>
+              <a:rPr lang="en-US" dirty="0" smtClean="0">
+                <a:latin typeface="Comic Sans MS" panose="030F0702030302020204" pitchFamily="66" charset="0"/>
+              </a:rPr>
+              <a:t>– </a:t>
+            </a:r>
+            <a:r>
+              <a:rPr lang="en-US" u="sng" dirty="0" smtClean="0">
+                <a:latin typeface="Comic Sans MS" panose="030F0702030302020204" pitchFamily="66" charset="0"/>
+              </a:rPr>
+              <a:t>after division</a:t>
+            </a:r>
+            <a:endParaRPr lang="en-US" u="sng" dirty="0">
+              <a:latin typeface="Comic Sans MS" panose="030F0702030302020204" pitchFamily="66" charset="0"/>
+            </a:endParaRPr>
+          </a:p>
+        </p:txBody>
+      </p:sp>
+      <p:pic>
+        <p:nvPicPr>
+          <p:cNvPr id="1028" name="Picture 4"/>
+          <p:cNvPicPr>
+            <a:picLocks noChangeAspect="1" noChangeArrowheads="1"/>
+          </p:cNvPicPr>
+          <p:nvPr/>
+        </p:nvPicPr>
+        <p:blipFill>
+          <a:blip r:embed="rId2" cstate="print">
+            <a:extLst>
+              <a:ext uri="{28A0092B-C50C-407E-A947-70E740481C1C}">
+                <a14:useLocalDpi xmlns:a14="http://schemas.microsoft.com/office/drawing/2010/main" val="0"/>
+              </a:ext>
+            </a:extLst>
+          </a:blip>
+          <a:srcRect/>
+          <a:stretch>
+            <a:fillRect/>
+          </a:stretch>
+        </p:blipFill>
+        <p:spPr bwMode="auto">
+          <a:xfrm>
+            <a:off x="3755756" y="3138174"/>
+            <a:ext cx="7223744" cy="1073498"/>
+          </a:xfrm>
+          <a:prstGeom prst="rect">
+            <a:avLst/>
+          </a:prstGeom>
+          <a:noFill/>
+          <a:ln>
+            <a:noFill/>
+          </a:ln>
+          <a:extLst>
+            <a:ext uri="{909E8E84-426E-40DD-AFC4-6F175D3DCCD1}">
+              <a14:hiddenFill xmlns:a14="http://schemas.microsoft.com/office/drawing/2010/main">
+                <a:solidFill>
+                  <a:schemeClr val="accent1"/>
+                </a:solidFill>
+              </a14:hiddenFill>
+            </a:ext>
+            <a:ext uri="{91240B29-F687-4F45-9708-019B960494DF}">
+              <a14:hiddenLine xmlns:a14="http://schemas.microsoft.com/office/drawing/2010/main" w="9525">
+                <a:solidFill>
+                  <a:schemeClr val="tx1"/>
+                </a:solidFill>
+                <a:miter lim="800000"/>
+                <a:headEnd/>
+                <a:tailEnd/>
+              </a14:hiddenLine>
+            </a:ext>
+          </a:extLst>
+        </p:spPr>
+      </p:pic>
+      <p:pic>
+        <p:nvPicPr>
+          <p:cNvPr id="4099" name="Picture 3"/>
+          <p:cNvPicPr>
+            <a:picLocks noChangeAspect="1" noChangeArrowheads="1"/>
+          </p:cNvPicPr>
+          <p:nvPr/>
+        </p:nvPicPr>
+        <p:blipFill>
+          <a:blip r:embed="rId3">
+            <a:extLst>
+              <a:ext uri="{28A0092B-C50C-407E-A947-70E740481C1C}">
+                <a14:useLocalDpi xmlns:a14="http://schemas.microsoft.com/office/drawing/2010/main" val="0"/>
+              </a:ext>
+            </a:extLst>
+          </a:blip>
+          <a:srcRect/>
+          <a:stretch>
+            <a:fillRect/>
+          </a:stretch>
+        </p:blipFill>
+        <p:spPr bwMode="auto">
+          <a:xfrm>
+            <a:off x="2456097" y="3847886"/>
+            <a:ext cx="4352825" cy="3024753"/>
+          </a:xfrm>
+          <a:prstGeom prst="rect">
+            <a:avLst/>
+          </a:prstGeom>
+          <a:noFill/>
+          <a:ln>
+            <a:noFill/>
+          </a:ln>
+          <a:extLst>
+            <a:ext uri="{909E8E84-426E-40DD-AFC4-6F175D3DCCD1}">
+              <a14:hiddenFill xmlns:a14="http://schemas.microsoft.com/office/drawing/2010/main">
+                <a:solidFill>
+                  <a:schemeClr val="accent1"/>
+                </a:solidFill>
+              </a14:hiddenFill>
+            </a:ext>
+            <a:ext uri="{91240B29-F687-4F45-9708-019B960494DF}">
+              <a14:hiddenLine xmlns:a14="http://schemas.microsoft.com/office/drawing/2010/main" w="9525">
+                <a:solidFill>
+                  <a:schemeClr val="tx1"/>
+                </a:solidFill>
+                <a:miter lim="800000"/>
+                <a:headEnd/>
+                <a:tailEnd/>
+              </a14:hiddenLine>
+            </a:ext>
+          </a:extLst>
+        </p:spPr>
+      </p:pic>
+      <p:pic>
+        <p:nvPicPr>
+          <p:cNvPr id="8" name="Picture 7"/>
+          <p:cNvPicPr>
+            <a:picLocks noChangeAspect="1" noChangeArrowheads="1"/>
+          </p:cNvPicPr>
+          <p:nvPr/>
+        </p:nvPicPr>
+        <p:blipFill>
+          <a:blip r:embed="rId4">
+            <a:extLst>
+              <a:ext uri="{28A0092B-C50C-407E-A947-70E740481C1C}">
+                <a14:useLocalDpi xmlns:a14="http://schemas.microsoft.com/office/drawing/2010/main" val="0"/>
+              </a:ext>
+            </a:extLst>
+          </a:blip>
+          <a:srcRect/>
+          <a:stretch>
+            <a:fillRect/>
+          </a:stretch>
+        </p:blipFill>
+        <p:spPr bwMode="auto">
+          <a:xfrm>
+            <a:off x="1596326" y="1157208"/>
+            <a:ext cx="9544090" cy="2079122"/>
+          </a:xfrm>
+          <a:prstGeom prst="rect">
+            <a:avLst/>
+          </a:prstGeom>
+          <a:noFill/>
+          <a:ln>
+            <a:noFill/>
+          </a:ln>
+          <a:extLst>
+            <a:ext uri="{909E8E84-426E-40DD-AFC4-6F175D3DCCD1}">
+              <a14:hiddenFill xmlns:a14="http://schemas.microsoft.com/office/drawing/2010/main">
+                <a:solidFill>
+                  <a:schemeClr val="accent1"/>
+                </a:solidFill>
+              </a14:hiddenFill>
+            </a:ext>
+            <a:ext uri="{91240B29-F687-4F45-9708-019B960494DF}">
+              <a14:hiddenLine xmlns:a14="http://schemas.microsoft.com/office/drawing/2010/main" w="9525">
+                <a:solidFill>
+                  <a:schemeClr val="tx1"/>
+                </a:solidFill>
+                <a:miter lim="800000"/>
+                <a:headEnd/>
+                <a:tailEnd/>
+              </a14:hiddenLine>
+            </a:ext>
+          </a:extLst>
+        </p:spPr>
+      </p:pic>
+      <p:pic>
+        <p:nvPicPr>
+          <p:cNvPr id="6" name="Picture 2"/>
+          <p:cNvPicPr>
+            <a:picLocks noChangeAspect="1" noChangeArrowheads="1"/>
+          </p:cNvPicPr>
+          <p:nvPr/>
+        </p:nvPicPr>
+        <p:blipFill>
+          <a:blip r:embed="rId5">
+            <a:extLst>
+              <a:ext uri="{28A0092B-C50C-407E-A947-70E740481C1C}">
+                <a14:useLocalDpi xmlns:a14="http://schemas.microsoft.com/office/drawing/2010/main" val="0"/>
+              </a:ext>
+            </a:extLst>
+          </a:blip>
+          <a:srcRect/>
+          <a:stretch>
+            <a:fillRect/>
+          </a:stretch>
+        </p:blipFill>
+        <p:spPr bwMode="auto">
+          <a:xfrm>
+            <a:off x="7196380" y="3847886"/>
+            <a:ext cx="4020761" cy="2905432"/>
+          </a:xfrm>
+          <a:prstGeom prst="rect">
+            <a:avLst/>
+          </a:prstGeom>
+          <a:noFill/>
+          <a:ln>
+            <a:noFill/>
+          </a:ln>
+          <a:extLst>
+            <a:ext uri="{909E8E84-426E-40DD-AFC4-6F175D3DCCD1}">
+              <a14:hiddenFill xmlns:a14="http://schemas.microsoft.com/office/drawing/2010/main">
+                <a:solidFill>
+                  <a:schemeClr val="accent1"/>
+                </a:solidFill>
+              </a14:hiddenFill>
+            </a:ext>
+            <a:ext uri="{91240B29-F687-4F45-9708-019B960494DF}">
+              <a14:hiddenLine xmlns:a14="http://schemas.microsoft.com/office/drawing/2010/main" w="9525">
+                <a:solidFill>
+                  <a:schemeClr val="tx1"/>
+                </a:solidFill>
+                <a:miter lim="800000"/>
+                <a:headEnd/>
+                <a:tailEnd/>
+              </a14:hiddenLine>
+            </a:ext>
+          </a:extLst>
+        </p:spPr>
+      </p:pic>
+    </p:spTree>
+    <p:extLst>
+      <p:ext uri="{BB962C8B-B14F-4D97-AF65-F5344CB8AC3E}">
+        <p14:creationId xmlns:p14="http://schemas.microsoft.com/office/powerpoint/2010/main" val="509097660"/>
+      </p:ext>
+    </p:extLst>
+  </p:cSld>
+  <p:clrMapOvr>
+    <a:masterClrMapping/>
+  </p:clrMapOvr>
+</p:sld>
+</file>
+
+<file path=ppt/slides/slide14.xml><?xml version="1.0" encoding="utf-8"?>
+<p:sld xmlns:a="http://schemas.openxmlformats.org/drawingml/2006/main" xmlns:r="http://schemas.openxmlformats.org/officeDocument/2006/relationships" xmlns:p="http://schemas.openxmlformats.org/presentationml/2006/main">
+  <p:cSld>
+    <p:spTree>
+      <p:nvGrpSpPr>
+        <p:cNvPr id="1" name=""/>
+        <p:cNvGrpSpPr/>
+        <p:nvPr/>
+      </p:nvGrpSpPr>
+      <p:grpSpPr>
+        <a:xfrm>
+          <a:off x="0" y="0"/>
+          <a:ext cx="0" cy="0"/>
+          <a:chOff x="0" y="0"/>
+          <a:chExt cx="0" cy="0"/>
+        </a:xfrm>
+      </p:grpSpPr>
+      <p:sp>
+        <p:nvSpPr>
+          <p:cNvPr id="2" name="Title 1"/>
+          <p:cNvSpPr>
+            <a:spLocks noGrp="1"/>
+          </p:cNvSpPr>
+          <p:nvPr>
+            <p:ph type="title"/>
+          </p:nvPr>
+        </p:nvSpPr>
+        <p:spPr>
+          <a:xfrm>
+            <a:off x="0" y="0"/>
+            <a:ext cx="10515600" cy="1325563"/>
+          </a:xfrm>
+        </p:spPr>
+        <p:txBody>
+          <a:bodyPr>
+            <a:normAutofit fontScale="90000"/>
+          </a:bodyPr>
+          <a:lstStyle/>
+          <a:p>
+            <a:r>
+              <a:rPr lang="en-US" dirty="0" smtClean="0">
+                <a:latin typeface="Comic Sans MS" panose="030F0702030302020204" pitchFamily="66" charset="0"/>
+              </a:rPr>
+              <a:t>Spatial dynamics </a:t>
+            </a:r>
+            <a:r>
+              <a:rPr lang="en-US" dirty="0">
+                <a:latin typeface="Comic Sans MS" panose="030F0702030302020204" pitchFamily="66" charset="0"/>
+              </a:rPr>
+              <a:t>of species in our </a:t>
+            </a:r>
+            <a:r>
+              <a:rPr lang="en-US" dirty="0" smtClean="0">
+                <a:latin typeface="Comic Sans MS" panose="030F0702030302020204" pitchFamily="66" charset="0"/>
+              </a:rPr>
+              <a:t>model</a:t>
+            </a:r>
+            <a:br>
+              <a:rPr lang="en-US" dirty="0" smtClean="0">
+                <a:latin typeface="Comic Sans MS" panose="030F0702030302020204" pitchFamily="66" charset="0"/>
+              </a:rPr>
+            </a:br>
+            <a:r>
+              <a:rPr lang="en-US" dirty="0">
+                <a:latin typeface="Comic Sans MS" panose="030F0702030302020204" pitchFamily="66" charset="0"/>
+              </a:rPr>
+              <a:t> </a:t>
+            </a:r>
+            <a:r>
+              <a:rPr lang="en-US" dirty="0" smtClean="0">
+                <a:latin typeface="Comic Sans MS" panose="030F0702030302020204" pitchFamily="66" charset="0"/>
+              </a:rPr>
+              <a:t>– </a:t>
+            </a:r>
+            <a:r>
+              <a:rPr lang="en-US" u="sng" dirty="0" smtClean="0">
+                <a:latin typeface="Comic Sans MS" panose="030F0702030302020204" pitchFamily="66" charset="0"/>
+              </a:rPr>
+              <a:t>after division</a:t>
+            </a:r>
+            <a:endParaRPr lang="en-US" u="sng" dirty="0"/>
+          </a:p>
+        </p:txBody>
+      </p:sp>
+      <p:pic>
+        <p:nvPicPr>
+          <p:cNvPr id="5" name="Picture 4"/>
+          <p:cNvPicPr>
+            <a:picLocks noChangeAspect="1"/>
+          </p:cNvPicPr>
+          <p:nvPr/>
+        </p:nvPicPr>
+        <p:blipFill>
+          <a:blip r:embed="rId2"/>
+          <a:stretch>
+            <a:fillRect/>
+          </a:stretch>
+        </p:blipFill>
+        <p:spPr>
+          <a:xfrm>
+            <a:off x="144651" y="1658560"/>
+            <a:ext cx="7085381" cy="4264877"/>
+          </a:xfrm>
+          <a:prstGeom prst="rect">
+            <a:avLst/>
+          </a:prstGeom>
+        </p:spPr>
+      </p:pic>
+      <p:pic>
+        <p:nvPicPr>
+          <p:cNvPr id="8194" name="Picture 2"/>
+          <p:cNvPicPr>
+            <a:picLocks noChangeAspect="1" noChangeArrowheads="1"/>
+          </p:cNvPicPr>
+          <p:nvPr/>
+        </p:nvPicPr>
+        <p:blipFill>
+          <a:blip r:embed="rId3">
+            <a:extLst>
+              <a:ext uri="{28A0092B-C50C-407E-A947-70E740481C1C}">
+                <a14:useLocalDpi xmlns:a14="http://schemas.microsoft.com/office/drawing/2010/main" val="0"/>
+              </a:ext>
+            </a:extLst>
+          </a:blip>
+          <a:srcRect/>
+          <a:stretch>
+            <a:fillRect/>
+          </a:stretch>
+        </p:blipFill>
+        <p:spPr bwMode="auto">
+          <a:xfrm>
+            <a:off x="7718157" y="4082086"/>
+            <a:ext cx="4076052" cy="2734437"/>
+          </a:xfrm>
+          <a:prstGeom prst="rect">
+            <a:avLst/>
+          </a:prstGeom>
+          <a:noFill/>
+          <a:ln>
+            <a:noFill/>
+          </a:ln>
+          <a:extLst>
+            <a:ext uri="{909E8E84-426E-40DD-AFC4-6F175D3DCCD1}">
+              <a14:hiddenFill xmlns:a14="http://schemas.microsoft.com/office/drawing/2010/main">
+                <a:solidFill>
+                  <a:schemeClr val="accent1"/>
+                </a:solidFill>
+              </a14:hiddenFill>
+            </a:ext>
+            <a:ext uri="{91240B29-F687-4F45-9708-019B960494DF}">
+              <a14:hiddenLine xmlns:a14="http://schemas.microsoft.com/office/drawing/2010/main" w="9525">
+                <a:solidFill>
+                  <a:schemeClr val="tx1"/>
+                </a:solidFill>
+                <a:miter lim="800000"/>
+                <a:headEnd/>
+                <a:tailEnd/>
+              </a14:hiddenLine>
+            </a:ext>
+          </a:extLst>
+        </p:spPr>
+      </p:pic>
+      <p:pic>
+        <p:nvPicPr>
+          <p:cNvPr id="8195" name="Picture 3"/>
+          <p:cNvPicPr>
+            <a:picLocks noChangeAspect="1" noChangeArrowheads="1"/>
+          </p:cNvPicPr>
+          <p:nvPr/>
+        </p:nvPicPr>
+        <p:blipFill>
+          <a:blip r:embed="rId4">
+            <a:extLst>
+              <a:ext uri="{28A0092B-C50C-407E-A947-70E740481C1C}">
+                <a14:useLocalDpi xmlns:a14="http://schemas.microsoft.com/office/drawing/2010/main" val="0"/>
+              </a:ext>
+            </a:extLst>
+          </a:blip>
+          <a:srcRect/>
+          <a:stretch>
+            <a:fillRect/>
+          </a:stretch>
+        </p:blipFill>
+        <p:spPr bwMode="auto">
+          <a:xfrm>
+            <a:off x="7657345" y="1100788"/>
+            <a:ext cx="4136864" cy="2952585"/>
+          </a:xfrm>
+          <a:prstGeom prst="rect">
+            <a:avLst/>
+          </a:prstGeom>
+          <a:noFill/>
+          <a:ln>
+            <a:noFill/>
+          </a:ln>
+          <a:extLst>
+            <a:ext uri="{909E8E84-426E-40DD-AFC4-6F175D3DCCD1}">
+              <a14:hiddenFill xmlns:a14="http://schemas.microsoft.com/office/drawing/2010/main">
+                <a:solidFill>
+                  <a:schemeClr val="accent1"/>
+                </a:solidFill>
+              </a14:hiddenFill>
+            </a:ext>
+            <a:ext uri="{91240B29-F687-4F45-9708-019B960494DF}">
+              <a14:hiddenLine xmlns:a14="http://schemas.microsoft.com/office/drawing/2010/main" w="9525">
+                <a:solidFill>
+                  <a:schemeClr val="tx1"/>
+                </a:solidFill>
+                <a:miter lim="800000"/>
+                <a:headEnd/>
+                <a:tailEnd/>
+              </a14:hiddenLine>
+            </a:ext>
+          </a:extLst>
+        </p:spPr>
+      </p:pic>
+    </p:spTree>
+    <p:extLst>
+      <p:ext uri="{BB962C8B-B14F-4D97-AF65-F5344CB8AC3E}">
         <p14:creationId xmlns:p14="http://schemas.microsoft.com/office/powerpoint/2010/main" val="2857777548"/>
       </p:ext>
     </p:extLst>
@@ -4218,7 +5654,7 @@
 </p:sld>
 </file>
 
-<file path=ppt/slides/slide12.xml><?xml version="1.0" encoding="utf-8"?>
+<file path=ppt/slides/slide15.xml><?xml version="1.0" encoding="utf-8"?>
 <p:sld xmlns:a="http://schemas.openxmlformats.org/drawingml/2006/main" xmlns:r="http://schemas.openxmlformats.org/officeDocument/2006/relationships" xmlns:p="http://schemas.openxmlformats.org/presentationml/2006/main">
   <p:cSld>
     <p:spTree>
@@ -4704,7 +6140,7 @@
 </p:sld>
 </file>
 
-<file path=ppt/slides/slide13.xml><?xml version="1.0" encoding="utf-8"?>
+<file path=ppt/slides/slide16.xml><?xml version="1.0" encoding="utf-8"?>
 <p:sld xmlns:a="http://schemas.openxmlformats.org/drawingml/2006/main" xmlns:r="http://schemas.openxmlformats.org/officeDocument/2006/relationships" xmlns:p="http://schemas.openxmlformats.org/presentationml/2006/main">
   <p:cSld>
     <p:spTree>
@@ -5325,1529 +6761,6 @@
     <p:extLst>
       <p:ext uri="{BB962C8B-B14F-4D97-AF65-F5344CB8AC3E}">
         <p14:creationId xmlns:p14="http://schemas.microsoft.com/office/powerpoint/2010/main" val="3228121694"/>
-      </p:ext>
-    </p:extLst>
-  </p:cSld>
-  <p:clrMapOvr>
-    <a:masterClrMapping/>
-  </p:clrMapOvr>
-</p:sld>
-</file>
-
-<file path=ppt/slides/slide14.xml><?xml version="1.0" encoding="utf-8"?>
-<p:sld xmlns:a="http://schemas.openxmlformats.org/drawingml/2006/main" xmlns:r="http://schemas.openxmlformats.org/officeDocument/2006/relationships" xmlns:p="http://schemas.openxmlformats.org/presentationml/2006/main">
-  <p:cSld>
-    <p:spTree>
-      <p:nvGrpSpPr>
-        <p:cNvPr id="1" name=""/>
-        <p:cNvGrpSpPr/>
-        <p:nvPr/>
-      </p:nvGrpSpPr>
-      <p:grpSpPr>
-        <a:xfrm>
-          <a:off x="0" y="0"/>
-          <a:ext cx="0" cy="0"/>
-          <a:chOff x="0" y="0"/>
-          <a:chExt cx="0" cy="0"/>
-        </a:xfrm>
-      </p:grpSpPr>
-      <p:sp>
-        <p:nvSpPr>
-          <p:cNvPr id="2" name="Title 1"/>
-          <p:cNvSpPr>
-            <a:spLocks noGrp="1"/>
-          </p:cNvSpPr>
-          <p:nvPr>
-            <p:ph type="title"/>
-          </p:nvPr>
-        </p:nvSpPr>
-        <p:spPr>
-          <a:xfrm>
-            <a:off x="-1" y="0"/>
-            <a:ext cx="11652069" cy="1325563"/>
-          </a:xfrm>
-        </p:spPr>
-        <p:txBody>
-          <a:bodyPr/>
-          <a:lstStyle/>
-          <a:p>
-            <a:r>
-              <a:rPr lang="en-US" dirty="0" smtClean="0">
-                <a:latin typeface="Comic Sans MS" panose="030F0702030302020204" pitchFamily="66" charset="0"/>
-              </a:rPr>
-              <a:t>Temporal dynamics of species in our </a:t>
-            </a:r>
-            <a:r>
-              <a:rPr lang="en-US" dirty="0" smtClean="0">
-                <a:latin typeface="Comic Sans MS" panose="030F0702030302020204" pitchFamily="66" charset="0"/>
-              </a:rPr>
-              <a:t>model</a:t>
-            </a:r>
-            <a:br>
-              <a:rPr lang="en-US" dirty="0" smtClean="0">
-                <a:latin typeface="Comic Sans MS" panose="030F0702030302020204" pitchFamily="66" charset="0"/>
-              </a:rPr>
-            </a:br>
-            <a:r>
-              <a:rPr lang="en-US" dirty="0">
-                <a:latin typeface="Comic Sans MS" panose="030F0702030302020204" pitchFamily="66" charset="0"/>
-              </a:rPr>
-              <a:t> </a:t>
-            </a:r>
-            <a:r>
-              <a:rPr lang="en-US" dirty="0" smtClean="0">
-                <a:latin typeface="Comic Sans MS" panose="030F0702030302020204" pitchFamily="66" charset="0"/>
-              </a:rPr>
-              <a:t>– </a:t>
-            </a:r>
-            <a:r>
-              <a:rPr lang="en-US" u="sng" dirty="0" smtClean="0">
-                <a:latin typeface="Comic Sans MS" panose="030F0702030302020204" pitchFamily="66" charset="0"/>
-              </a:rPr>
-              <a:t>before division</a:t>
-            </a:r>
-            <a:endParaRPr lang="en-US" u="sng" dirty="0">
-              <a:latin typeface="Comic Sans MS" panose="030F0702030302020204" pitchFamily="66" charset="0"/>
-            </a:endParaRPr>
-          </a:p>
-        </p:txBody>
-      </p:sp>
-      <p:pic>
-        <p:nvPicPr>
-          <p:cNvPr id="1028" name="Picture 4"/>
-          <p:cNvPicPr>
-            <a:picLocks noChangeAspect="1" noChangeArrowheads="1"/>
-          </p:cNvPicPr>
-          <p:nvPr/>
-        </p:nvPicPr>
-        <p:blipFill>
-          <a:blip r:embed="rId2" cstate="print">
-            <a:extLst>
-              <a:ext uri="{28A0092B-C50C-407E-A947-70E740481C1C}">
-                <a14:useLocalDpi xmlns:a14="http://schemas.microsoft.com/office/drawing/2010/main" val="0"/>
-              </a:ext>
-            </a:extLst>
-          </a:blip>
-          <a:srcRect/>
-          <a:stretch>
-            <a:fillRect/>
-          </a:stretch>
-        </p:blipFill>
-        <p:spPr bwMode="auto">
-          <a:xfrm>
-            <a:off x="0" y="2129619"/>
-            <a:ext cx="5713708" cy="1011126"/>
-          </a:xfrm>
-          <a:prstGeom prst="rect">
-            <a:avLst/>
-          </a:prstGeom>
-          <a:noFill/>
-          <a:ln>
-            <a:noFill/>
-          </a:ln>
-          <a:extLst>
-            <a:ext uri="{909E8E84-426E-40DD-AFC4-6F175D3DCCD1}">
-              <a14:hiddenFill xmlns:a14="http://schemas.microsoft.com/office/drawing/2010/main">
-                <a:solidFill>
-                  <a:schemeClr val="accent1"/>
-                </a:solidFill>
-              </a14:hiddenFill>
-            </a:ext>
-            <a:ext uri="{91240B29-F687-4F45-9708-019B960494DF}">
-              <a14:hiddenLine xmlns:a14="http://schemas.microsoft.com/office/drawing/2010/main" w="9525">
-                <a:solidFill>
-                  <a:schemeClr val="tx1"/>
-                </a:solidFill>
-                <a:miter lim="800000"/>
-                <a:headEnd/>
-                <a:tailEnd/>
-              </a14:hiddenLine>
-            </a:ext>
-          </a:extLst>
-        </p:spPr>
-      </p:pic>
-      <p:pic>
-        <p:nvPicPr>
-          <p:cNvPr id="9219" name="Picture 3"/>
-          <p:cNvPicPr>
-            <a:picLocks noChangeAspect="1" noChangeArrowheads="1"/>
-          </p:cNvPicPr>
-          <p:nvPr/>
-        </p:nvPicPr>
-        <p:blipFill>
-          <a:blip r:embed="rId3">
-            <a:extLst>
-              <a:ext uri="{28A0092B-C50C-407E-A947-70E740481C1C}">
-                <a14:useLocalDpi xmlns:a14="http://schemas.microsoft.com/office/drawing/2010/main" val="0"/>
-              </a:ext>
-            </a:extLst>
-          </a:blip>
-          <a:srcRect/>
-          <a:stretch>
-            <a:fillRect/>
-          </a:stretch>
-        </p:blipFill>
-        <p:spPr bwMode="auto">
-          <a:xfrm>
-            <a:off x="70063" y="1502676"/>
-            <a:ext cx="5524825" cy="490537"/>
-          </a:xfrm>
-          <a:prstGeom prst="rect">
-            <a:avLst/>
-          </a:prstGeom>
-          <a:noFill/>
-          <a:ln>
-            <a:noFill/>
-          </a:ln>
-          <a:extLst>
-            <a:ext uri="{909E8E84-426E-40DD-AFC4-6F175D3DCCD1}">
-              <a14:hiddenFill xmlns:a14="http://schemas.microsoft.com/office/drawing/2010/main">
-                <a:solidFill>
-                  <a:schemeClr val="accent1"/>
-                </a:solidFill>
-              </a14:hiddenFill>
-            </a:ext>
-            <a:ext uri="{91240B29-F687-4F45-9708-019B960494DF}">
-              <a14:hiddenLine xmlns:a14="http://schemas.microsoft.com/office/drawing/2010/main" w="9525">
-                <a:solidFill>
-                  <a:schemeClr val="tx1"/>
-                </a:solidFill>
-                <a:miter lim="800000"/>
-                <a:headEnd/>
-                <a:tailEnd/>
-              </a14:hiddenLine>
-            </a:ext>
-          </a:extLst>
-        </p:spPr>
-      </p:pic>
-      <p:sp>
-        <p:nvSpPr>
-          <p:cNvPr id="3" name="TextBox 2"/>
-          <p:cNvSpPr txBox="1"/>
-          <p:nvPr/>
-        </p:nvSpPr>
-        <p:spPr>
-          <a:xfrm>
-            <a:off x="1582278" y="1944953"/>
-            <a:ext cx="1250197" cy="369332"/>
-          </a:xfrm>
-          <a:prstGeom prst="rect">
-            <a:avLst/>
-          </a:prstGeom>
-          <a:noFill/>
-        </p:spPr>
-        <p:txBody>
-          <a:bodyPr wrap="square" rtlCol="0">
-            <a:spAutoFit/>
-          </a:bodyPr>
-          <a:lstStyle/>
-          <a:p>
-            <a:r>
-              <a:rPr lang="en-US" dirty="0" err="1" smtClean="0"/>
-              <a:t>TacA</a:t>
-            </a:r>
-            <a:endParaRPr lang="en-CA" dirty="0"/>
-          </a:p>
-        </p:txBody>
-      </p:sp>
-      <p:pic>
-        <p:nvPicPr>
-          <p:cNvPr id="9221" name="Picture 5"/>
-          <p:cNvPicPr>
-            <a:picLocks noChangeAspect="1" noChangeArrowheads="1"/>
-          </p:cNvPicPr>
-          <p:nvPr/>
-        </p:nvPicPr>
-        <p:blipFill>
-          <a:blip r:embed="rId4">
-            <a:extLst>
-              <a:ext uri="{28A0092B-C50C-407E-A947-70E740481C1C}">
-                <a14:useLocalDpi xmlns:a14="http://schemas.microsoft.com/office/drawing/2010/main" val="0"/>
-              </a:ext>
-            </a:extLst>
-          </a:blip>
-          <a:srcRect/>
-          <a:stretch>
-            <a:fillRect/>
-          </a:stretch>
-        </p:blipFill>
-        <p:spPr bwMode="auto">
-          <a:xfrm>
-            <a:off x="7046563" y="1175113"/>
-            <a:ext cx="3727181" cy="2688274"/>
-          </a:xfrm>
-          <a:prstGeom prst="rect">
-            <a:avLst/>
-          </a:prstGeom>
-          <a:noFill/>
-          <a:ln>
-            <a:noFill/>
-          </a:ln>
-          <a:extLst>
-            <a:ext uri="{909E8E84-426E-40DD-AFC4-6F175D3DCCD1}">
-              <a14:hiddenFill xmlns:a14="http://schemas.microsoft.com/office/drawing/2010/main">
-                <a:solidFill>
-                  <a:schemeClr val="accent1"/>
-                </a:solidFill>
-              </a14:hiddenFill>
-            </a:ext>
-            <a:ext uri="{91240B29-F687-4F45-9708-019B960494DF}">
-              <a14:hiddenLine xmlns:a14="http://schemas.microsoft.com/office/drawing/2010/main" w="9525">
-                <a:solidFill>
-                  <a:schemeClr val="tx1"/>
-                </a:solidFill>
-                <a:miter lim="800000"/>
-                <a:headEnd/>
-                <a:tailEnd/>
-              </a14:hiddenLine>
-            </a:ext>
-          </a:extLst>
-        </p:spPr>
-      </p:pic>
-      <p:pic>
-        <p:nvPicPr>
-          <p:cNvPr id="11" name="Picture 4"/>
-          <p:cNvPicPr>
-            <a:picLocks noChangeAspect="1" noChangeArrowheads="1"/>
-          </p:cNvPicPr>
-          <p:nvPr/>
-        </p:nvPicPr>
-        <p:blipFill>
-          <a:blip r:embed="rId5">
-            <a:extLst>
-              <a:ext uri="{28A0092B-C50C-407E-A947-70E740481C1C}">
-                <a14:useLocalDpi xmlns:a14="http://schemas.microsoft.com/office/drawing/2010/main" val="0"/>
-              </a:ext>
-            </a:extLst>
-          </a:blip>
-          <a:srcRect/>
-          <a:stretch>
-            <a:fillRect/>
-          </a:stretch>
-        </p:blipFill>
-        <p:spPr bwMode="auto">
-          <a:xfrm>
-            <a:off x="382291" y="3186118"/>
-            <a:ext cx="5331417" cy="3671882"/>
-          </a:xfrm>
-          <a:prstGeom prst="rect">
-            <a:avLst/>
-          </a:prstGeom>
-          <a:noFill/>
-          <a:ln>
-            <a:noFill/>
-          </a:ln>
-          <a:extLst>
-            <a:ext uri="{909E8E84-426E-40DD-AFC4-6F175D3DCCD1}">
-              <a14:hiddenFill xmlns:a14="http://schemas.microsoft.com/office/drawing/2010/main">
-                <a:solidFill>
-                  <a:schemeClr val="accent1"/>
-                </a:solidFill>
-              </a14:hiddenFill>
-            </a:ext>
-            <a:ext uri="{91240B29-F687-4F45-9708-019B960494DF}">
-              <a14:hiddenLine xmlns:a14="http://schemas.microsoft.com/office/drawing/2010/main" w="9525">
-                <a:solidFill>
-                  <a:schemeClr val="tx1"/>
-                </a:solidFill>
-                <a:miter lim="800000"/>
-                <a:headEnd/>
-                <a:tailEnd/>
-              </a14:hiddenLine>
-            </a:ext>
-          </a:extLst>
-        </p:spPr>
-      </p:pic>
-      <p:sp>
-        <p:nvSpPr>
-          <p:cNvPr id="12" name="TextBox 11"/>
-          <p:cNvSpPr txBox="1"/>
-          <p:nvPr/>
-        </p:nvSpPr>
-        <p:spPr>
-          <a:xfrm>
-            <a:off x="2973093" y="3863386"/>
-            <a:ext cx="1250197" cy="369332"/>
-          </a:xfrm>
-          <a:prstGeom prst="rect">
-            <a:avLst/>
-          </a:prstGeom>
-          <a:noFill/>
-        </p:spPr>
-        <p:txBody>
-          <a:bodyPr wrap="square" rtlCol="0">
-            <a:spAutoFit/>
-          </a:bodyPr>
-          <a:lstStyle/>
-          <a:p>
-            <a:r>
-              <a:rPr lang="en-US" dirty="0" err="1" smtClean="0"/>
-              <a:t>RcdA</a:t>
-            </a:r>
-            <a:endParaRPr lang="en-CA" dirty="0"/>
-          </a:p>
-        </p:txBody>
-      </p:sp>
-      <p:pic>
-        <p:nvPicPr>
-          <p:cNvPr id="9222" name="Picture 6"/>
-          <p:cNvPicPr>
-            <a:picLocks noChangeAspect="1" noChangeArrowheads="1"/>
-          </p:cNvPicPr>
-          <p:nvPr/>
-        </p:nvPicPr>
-        <p:blipFill>
-          <a:blip r:embed="rId6">
-            <a:extLst>
-              <a:ext uri="{28A0092B-C50C-407E-A947-70E740481C1C}">
-                <a14:useLocalDpi xmlns:a14="http://schemas.microsoft.com/office/drawing/2010/main" val="0"/>
-              </a:ext>
-            </a:extLst>
-          </a:blip>
-          <a:srcRect/>
-          <a:stretch>
-            <a:fillRect/>
-          </a:stretch>
-        </p:blipFill>
-        <p:spPr bwMode="auto">
-          <a:xfrm>
-            <a:off x="7087892" y="3870234"/>
-            <a:ext cx="3685852" cy="2919413"/>
-          </a:xfrm>
-          <a:prstGeom prst="rect">
-            <a:avLst/>
-          </a:prstGeom>
-          <a:noFill/>
-          <a:ln>
-            <a:noFill/>
-          </a:ln>
-          <a:extLst>
-            <a:ext uri="{909E8E84-426E-40DD-AFC4-6F175D3DCCD1}">
-              <a14:hiddenFill xmlns:a14="http://schemas.microsoft.com/office/drawing/2010/main">
-                <a:solidFill>
-                  <a:schemeClr val="accent1"/>
-                </a:solidFill>
-              </a14:hiddenFill>
-            </a:ext>
-            <a:ext uri="{91240B29-F687-4F45-9708-019B960494DF}">
-              <a14:hiddenLine xmlns:a14="http://schemas.microsoft.com/office/drawing/2010/main" w="9525">
-                <a:solidFill>
-                  <a:schemeClr val="tx1"/>
-                </a:solidFill>
-                <a:miter lim="800000"/>
-                <a:headEnd/>
-                <a:tailEnd/>
-              </a14:hiddenLine>
-            </a:ext>
-          </a:extLst>
-        </p:spPr>
-      </p:pic>
-      <p:pic>
-        <p:nvPicPr>
-          <p:cNvPr id="9223" name="Picture 7"/>
-          <p:cNvPicPr>
-            <a:picLocks noChangeAspect="1" noChangeArrowheads="1"/>
-          </p:cNvPicPr>
-          <p:nvPr/>
-        </p:nvPicPr>
-        <p:blipFill>
-          <a:blip r:embed="rId7">
-            <a:extLst>
-              <a:ext uri="{28A0092B-C50C-407E-A947-70E740481C1C}">
-                <a14:useLocalDpi xmlns:a14="http://schemas.microsoft.com/office/drawing/2010/main" val="0"/>
-              </a:ext>
-            </a:extLst>
-          </a:blip>
-          <a:srcRect/>
-          <a:stretch>
-            <a:fillRect/>
-          </a:stretch>
-        </p:blipFill>
-        <p:spPr bwMode="auto">
-          <a:xfrm>
-            <a:off x="4515172" y="1502677"/>
-            <a:ext cx="1198535" cy="5239786"/>
-          </a:xfrm>
-          <a:prstGeom prst="rect">
-            <a:avLst/>
-          </a:prstGeom>
-          <a:noFill/>
-          <a:ln>
-            <a:noFill/>
-          </a:ln>
-          <a:extLst>
-            <a:ext uri="{909E8E84-426E-40DD-AFC4-6F175D3DCCD1}">
-              <a14:hiddenFill xmlns:a14="http://schemas.microsoft.com/office/drawing/2010/main">
-                <a:solidFill>
-                  <a:schemeClr val="accent1"/>
-                </a:solidFill>
-              </a14:hiddenFill>
-            </a:ext>
-            <a:ext uri="{91240B29-F687-4F45-9708-019B960494DF}">
-              <a14:hiddenLine xmlns:a14="http://schemas.microsoft.com/office/drawing/2010/main" w="9525">
-                <a:solidFill>
-                  <a:schemeClr val="tx1"/>
-                </a:solidFill>
-                <a:miter lim="800000"/>
-                <a:headEnd/>
-                <a:tailEnd/>
-              </a14:hiddenLine>
-            </a:ext>
-          </a:extLst>
-        </p:spPr>
-      </p:pic>
-    </p:spTree>
-    <p:extLst>
-      <p:ext uri="{BB962C8B-B14F-4D97-AF65-F5344CB8AC3E}">
-        <p14:creationId xmlns:p14="http://schemas.microsoft.com/office/powerpoint/2010/main" val="1927386655"/>
-      </p:ext>
-    </p:extLst>
-  </p:cSld>
-  <p:clrMapOvr>
-    <a:masterClrMapping/>
-  </p:clrMapOvr>
-</p:sld>
-</file>
-
-<file path=ppt/slides/slide15.xml><?xml version="1.0" encoding="utf-8"?>
-<p:sld xmlns:a="http://schemas.openxmlformats.org/drawingml/2006/main" xmlns:r="http://schemas.openxmlformats.org/officeDocument/2006/relationships" xmlns:p="http://schemas.openxmlformats.org/presentationml/2006/main">
-  <p:cSld>
-    <p:spTree>
-      <p:nvGrpSpPr>
-        <p:cNvPr id="1" name=""/>
-        <p:cNvGrpSpPr/>
-        <p:nvPr/>
-      </p:nvGrpSpPr>
-      <p:grpSpPr>
-        <a:xfrm>
-          <a:off x="0" y="0"/>
-          <a:ext cx="0" cy="0"/>
-          <a:chOff x="0" y="0"/>
-          <a:chExt cx="0" cy="0"/>
-        </a:xfrm>
-      </p:grpSpPr>
-      <p:sp>
-        <p:nvSpPr>
-          <p:cNvPr id="4" name="Rectangle 3"/>
-          <p:cNvSpPr/>
-          <p:nvPr/>
-        </p:nvSpPr>
-        <p:spPr>
-          <a:xfrm>
-            <a:off x="698537" y="4645986"/>
-            <a:ext cx="10028707" cy="523220"/>
-          </a:xfrm>
-          <a:prstGeom prst="rect">
-            <a:avLst/>
-          </a:prstGeom>
-        </p:spPr>
-        <p:txBody>
-          <a:bodyPr wrap="none">
-            <a:spAutoFit/>
-          </a:bodyPr>
-          <a:lstStyle/>
-          <a:p>
-            <a:r>
-              <a:rPr lang="en-US" sz="2800" dirty="0">
-                <a:latin typeface="Comic Sans MS" panose="030F0702030302020204" pitchFamily="66" charset="0"/>
-                <a:ea typeface="Cambria Math" panose="02040503050406030204" pitchFamily="18" charset="0"/>
-              </a:rPr>
-              <a:t>ClpXP:CpdR:RcdA (</a:t>
-            </a:r>
-            <a:r>
-              <a:rPr lang="en-US" altLang="zh-CN" sz="2800" dirty="0">
-                <a:latin typeface="Comic Sans MS" panose="030F0702030302020204" pitchFamily="66" charset="0"/>
-                <a:ea typeface="Cambria Math" panose="02040503050406030204" pitchFamily="18" charset="0"/>
-              </a:rPr>
-              <a:t>Complex 2</a:t>
-            </a:r>
-            <a:r>
-              <a:rPr lang="en-US" altLang="zh-CN" sz="2800" dirty="0" smtClean="0">
-                <a:latin typeface="Comic Sans MS" panose="030F0702030302020204" pitchFamily="66" charset="0"/>
-                <a:ea typeface="Cambria Math" panose="02040503050406030204" pitchFamily="18" charset="0"/>
-              </a:rPr>
-              <a:t>) + PopA:2cdG         Complex 3</a:t>
-            </a:r>
-            <a:endParaRPr lang="en-US" sz="2800" dirty="0"/>
-          </a:p>
-        </p:txBody>
-      </p:sp>
-      <p:cxnSp>
-        <p:nvCxnSpPr>
-          <p:cNvPr id="5" name="Straight Arrow Connector 4"/>
-          <p:cNvCxnSpPr/>
-          <p:nvPr/>
-        </p:nvCxnSpPr>
-        <p:spPr>
-          <a:xfrm flipH="1">
-            <a:off x="8013692" y="5014954"/>
-            <a:ext cx="557892" cy="14738"/>
-          </a:xfrm>
-          <a:prstGeom prst="straightConnector1">
-            <a:avLst/>
-          </a:prstGeom>
-          <a:ln w="28575">
-            <a:tailEnd type="triangle"/>
-          </a:ln>
-        </p:spPr>
-        <p:style>
-          <a:lnRef idx="1">
-            <a:schemeClr val="dk1"/>
-          </a:lnRef>
-          <a:fillRef idx="0">
-            <a:schemeClr val="dk1"/>
-          </a:fillRef>
-          <a:effectRef idx="0">
-            <a:schemeClr val="dk1"/>
-          </a:effectRef>
-          <a:fontRef idx="minor">
-            <a:schemeClr val="tx1"/>
-          </a:fontRef>
-        </p:style>
-      </p:cxnSp>
-      <p:cxnSp>
-        <p:nvCxnSpPr>
-          <p:cNvPr id="6" name="Straight Arrow Connector 5"/>
-          <p:cNvCxnSpPr/>
-          <p:nvPr/>
-        </p:nvCxnSpPr>
-        <p:spPr>
-          <a:xfrm>
-            <a:off x="8013692" y="4875440"/>
-            <a:ext cx="658783" cy="0"/>
-          </a:xfrm>
-          <a:prstGeom prst="straightConnector1">
-            <a:avLst/>
-          </a:prstGeom>
-          <a:ln w="28575">
-            <a:tailEnd type="triangle"/>
-          </a:ln>
-        </p:spPr>
-        <p:style>
-          <a:lnRef idx="1">
-            <a:schemeClr val="dk1"/>
-          </a:lnRef>
-          <a:fillRef idx="0">
-            <a:schemeClr val="dk1"/>
-          </a:fillRef>
-          <a:effectRef idx="0">
-            <a:schemeClr val="dk1"/>
-          </a:effectRef>
-          <a:fontRef idx="minor">
-            <a:schemeClr val="tx1"/>
-          </a:fontRef>
-        </p:style>
-      </p:cxnSp>
-      <p:sp>
-        <p:nvSpPr>
-          <p:cNvPr id="7" name="Rectangle 6"/>
-          <p:cNvSpPr/>
-          <p:nvPr/>
-        </p:nvSpPr>
-        <p:spPr>
-          <a:xfrm>
-            <a:off x="8013692" y="4402422"/>
-            <a:ext cx="561372" cy="369332"/>
-          </a:xfrm>
-          <a:prstGeom prst="rect">
-            <a:avLst/>
-          </a:prstGeom>
-        </p:spPr>
-        <p:txBody>
-          <a:bodyPr wrap="none">
-            <a:spAutoFit/>
-          </a:bodyPr>
-          <a:lstStyle/>
-          <a:p>
-            <a:r>
-              <a:rPr lang="en-US" dirty="0" smtClean="0">
-                <a:latin typeface="Comic Sans MS" panose="030F0702030302020204" pitchFamily="66" charset="0"/>
-                <a:ea typeface="Cambria Math" panose="02040503050406030204" pitchFamily="18" charset="0"/>
-              </a:rPr>
-              <a:t>k</a:t>
-            </a:r>
-            <a:r>
-              <a:rPr lang="en-US" dirty="0">
-                <a:latin typeface="Comic Sans MS" panose="030F0702030302020204" pitchFamily="66" charset="0"/>
-                <a:ea typeface="Cambria Math" panose="02040503050406030204" pitchFamily="18" charset="0"/>
-              </a:rPr>
-              <a:t>5</a:t>
-            </a:r>
-            <a:r>
-              <a:rPr lang="en-US" dirty="0" smtClean="0">
-                <a:latin typeface="Comic Sans MS" panose="030F0702030302020204" pitchFamily="66" charset="0"/>
-                <a:ea typeface="Cambria Math" panose="02040503050406030204" pitchFamily="18" charset="0"/>
-              </a:rPr>
-              <a:t>+</a:t>
-            </a:r>
-            <a:endParaRPr lang="en-US" dirty="0">
-              <a:latin typeface="Comic Sans MS" panose="030F0702030302020204" pitchFamily="66" charset="0"/>
-            </a:endParaRPr>
-          </a:p>
-        </p:txBody>
-      </p:sp>
-      <p:sp>
-        <p:nvSpPr>
-          <p:cNvPr id="8" name="Rectangle 7"/>
-          <p:cNvSpPr/>
-          <p:nvPr/>
-        </p:nvSpPr>
-        <p:spPr>
-          <a:xfrm>
-            <a:off x="8015283" y="5167531"/>
-            <a:ext cx="546945" cy="369332"/>
-          </a:xfrm>
-          <a:prstGeom prst="rect">
-            <a:avLst/>
-          </a:prstGeom>
-        </p:spPr>
-        <p:txBody>
-          <a:bodyPr wrap="none">
-            <a:spAutoFit/>
-          </a:bodyPr>
-          <a:lstStyle/>
-          <a:p>
-            <a:r>
-              <a:rPr lang="en-US" dirty="0">
-                <a:latin typeface="Comic Sans MS" panose="030F0702030302020204" pitchFamily="66" charset="0"/>
-                <a:ea typeface="Cambria Math" panose="02040503050406030204" pitchFamily="18" charset="0"/>
-              </a:rPr>
-              <a:t>k</a:t>
-            </a:r>
-            <a:r>
-              <a:rPr lang="en-US" dirty="0" smtClean="0">
-                <a:latin typeface="Comic Sans MS" panose="030F0702030302020204" pitchFamily="66" charset="0"/>
-                <a:ea typeface="Cambria Math" panose="02040503050406030204" pitchFamily="18" charset="0"/>
-              </a:rPr>
-              <a:t>5-</a:t>
-            </a:r>
-            <a:endParaRPr lang="en-US" dirty="0">
-              <a:latin typeface="Comic Sans MS" panose="030F0702030302020204" pitchFamily="66" charset="0"/>
-            </a:endParaRPr>
-          </a:p>
-        </p:txBody>
-      </p:sp>
-      <p:sp>
-        <p:nvSpPr>
-          <p:cNvPr id="9" name="Rectangle 8"/>
-          <p:cNvSpPr/>
-          <p:nvPr/>
-        </p:nvSpPr>
-        <p:spPr>
-          <a:xfrm>
-            <a:off x="8013692" y="2238494"/>
-            <a:ext cx="1983235" cy="523220"/>
-          </a:xfrm>
-          <a:prstGeom prst="rect">
-            <a:avLst/>
-          </a:prstGeom>
-        </p:spPr>
-        <p:txBody>
-          <a:bodyPr wrap="none">
-            <a:spAutoFit/>
-          </a:bodyPr>
-          <a:lstStyle/>
-          <a:p>
-            <a:r>
-              <a:rPr lang="en-US" altLang="zh-CN" sz="2800" dirty="0">
-                <a:latin typeface="Comic Sans MS" panose="030F0702030302020204" pitchFamily="66" charset="0"/>
-                <a:ea typeface="Cambria Math" panose="02040503050406030204" pitchFamily="18" charset="0"/>
-              </a:rPr>
-              <a:t>PopA:2cdG</a:t>
-            </a:r>
-            <a:endParaRPr lang="en-US" sz="2800" dirty="0"/>
-          </a:p>
-        </p:txBody>
-      </p:sp>
-      <p:cxnSp>
-        <p:nvCxnSpPr>
-          <p:cNvPr id="10" name="Straight Arrow Connector 9"/>
-          <p:cNvCxnSpPr/>
-          <p:nvPr/>
-        </p:nvCxnSpPr>
-        <p:spPr>
-          <a:xfrm flipV="1">
-            <a:off x="6686896" y="2498744"/>
-            <a:ext cx="1326796" cy="1360"/>
-          </a:xfrm>
-          <a:prstGeom prst="straightConnector1">
-            <a:avLst/>
-          </a:prstGeom>
-          <a:ln w="28575">
-            <a:tailEnd type="triangle"/>
-          </a:ln>
-        </p:spPr>
-        <p:style>
-          <a:lnRef idx="1">
-            <a:schemeClr val="dk1"/>
-          </a:lnRef>
-          <a:fillRef idx="0">
-            <a:schemeClr val="dk1"/>
-          </a:fillRef>
-          <a:effectRef idx="0">
-            <a:schemeClr val="dk1"/>
-          </a:effectRef>
-          <a:fontRef idx="minor">
-            <a:schemeClr val="tx1"/>
-          </a:fontRef>
-        </p:style>
-      </p:cxnSp>
-      <p:cxnSp>
-        <p:nvCxnSpPr>
-          <p:cNvPr id="12" name="Straight Arrow Connector 11"/>
-          <p:cNvCxnSpPr/>
-          <p:nvPr/>
-        </p:nvCxnSpPr>
-        <p:spPr>
-          <a:xfrm flipH="1">
-            <a:off x="6517079" y="2628140"/>
-            <a:ext cx="1221290" cy="5537"/>
-          </a:xfrm>
-          <a:prstGeom prst="straightConnector1">
-            <a:avLst/>
-          </a:prstGeom>
-          <a:ln w="28575">
-            <a:tailEnd type="triangle"/>
-          </a:ln>
-        </p:spPr>
-        <p:style>
-          <a:lnRef idx="1">
-            <a:schemeClr val="dk1"/>
-          </a:lnRef>
-          <a:fillRef idx="0">
-            <a:schemeClr val="dk1"/>
-          </a:fillRef>
-          <a:effectRef idx="0">
-            <a:schemeClr val="dk1"/>
-          </a:effectRef>
-          <a:fontRef idx="minor">
-            <a:schemeClr val="tx1"/>
-          </a:fontRef>
-        </p:style>
-      </p:cxnSp>
-      <p:sp>
-        <p:nvSpPr>
-          <p:cNvPr id="14" name="Rectangle 13"/>
-          <p:cNvSpPr/>
-          <p:nvPr/>
-        </p:nvSpPr>
-        <p:spPr>
-          <a:xfrm>
-            <a:off x="5335542" y="2238494"/>
-            <a:ext cx="1043876" cy="523220"/>
-          </a:xfrm>
-          <a:prstGeom prst="rect">
-            <a:avLst/>
-          </a:prstGeom>
-        </p:spPr>
-        <p:txBody>
-          <a:bodyPr wrap="none">
-            <a:spAutoFit/>
-          </a:bodyPr>
-          <a:lstStyle/>
-          <a:p>
-            <a:r>
-              <a:rPr lang="en-US" altLang="zh-CN" sz="2800" dirty="0">
-                <a:latin typeface="Comic Sans MS" panose="030F0702030302020204" pitchFamily="66" charset="0"/>
-                <a:ea typeface="Cambria Math" panose="02040503050406030204" pitchFamily="18" charset="0"/>
-              </a:rPr>
-              <a:t>2cdG</a:t>
-            </a:r>
-            <a:endParaRPr lang="en-US" sz="2800" dirty="0"/>
-          </a:p>
-        </p:txBody>
-      </p:sp>
-      <p:cxnSp>
-        <p:nvCxnSpPr>
-          <p:cNvPr id="15" name="Straight Arrow Connector 14"/>
-          <p:cNvCxnSpPr/>
-          <p:nvPr/>
-        </p:nvCxnSpPr>
-        <p:spPr>
-          <a:xfrm>
-            <a:off x="5857480" y="2782285"/>
-            <a:ext cx="0" cy="698572"/>
-          </a:xfrm>
-          <a:prstGeom prst="straightConnector1">
-            <a:avLst/>
-          </a:prstGeom>
-          <a:ln w="28575">
-            <a:tailEnd type="triangle"/>
-          </a:ln>
-        </p:spPr>
-        <p:style>
-          <a:lnRef idx="1">
-            <a:schemeClr val="dk1"/>
-          </a:lnRef>
-          <a:fillRef idx="0">
-            <a:schemeClr val="dk1"/>
-          </a:fillRef>
-          <a:effectRef idx="0">
-            <a:schemeClr val="dk1"/>
-          </a:effectRef>
-          <a:fontRef idx="minor">
-            <a:schemeClr val="tx1"/>
-          </a:fontRef>
-        </p:style>
-      </p:cxnSp>
-      <p:cxnSp>
-        <p:nvCxnSpPr>
-          <p:cNvPr id="18" name="Straight Arrow Connector 17"/>
-          <p:cNvCxnSpPr/>
-          <p:nvPr/>
-        </p:nvCxnSpPr>
-        <p:spPr>
-          <a:xfrm flipH="1" flipV="1">
-            <a:off x="6021174" y="3177835"/>
-            <a:ext cx="495905" cy="383391"/>
-          </a:xfrm>
-          <a:prstGeom prst="straightConnector1">
-            <a:avLst/>
-          </a:prstGeom>
-          <a:ln w="28575">
-            <a:prstDash val="dash"/>
-            <a:tailEnd type="triangle"/>
-          </a:ln>
-        </p:spPr>
-        <p:style>
-          <a:lnRef idx="1">
-            <a:schemeClr val="dk1"/>
-          </a:lnRef>
-          <a:fillRef idx="0">
-            <a:schemeClr val="dk1"/>
-          </a:fillRef>
-          <a:effectRef idx="0">
-            <a:schemeClr val="dk1"/>
-          </a:effectRef>
-          <a:fontRef idx="minor">
-            <a:schemeClr val="tx1"/>
-          </a:fontRef>
-        </p:style>
-      </p:cxnSp>
-      <p:sp>
-        <p:nvSpPr>
-          <p:cNvPr id="21" name="Rectangle 20"/>
-          <p:cNvSpPr/>
-          <p:nvPr/>
-        </p:nvSpPr>
-        <p:spPr>
-          <a:xfrm>
-            <a:off x="6581348" y="3349105"/>
-            <a:ext cx="769763" cy="369332"/>
-          </a:xfrm>
-          <a:prstGeom prst="rect">
-            <a:avLst/>
-          </a:prstGeom>
-        </p:spPr>
-        <p:txBody>
-          <a:bodyPr wrap="none">
-            <a:spAutoFit/>
-          </a:bodyPr>
-          <a:lstStyle/>
-          <a:p>
-            <a:r>
-              <a:rPr lang="en-US" dirty="0" smtClean="0">
-                <a:latin typeface="Comic Sans MS" panose="030F0702030302020204" pitchFamily="66" charset="0"/>
-                <a:ea typeface="Cambria Math" panose="02040503050406030204" pitchFamily="18" charset="0"/>
-              </a:rPr>
-              <a:t>pDeA</a:t>
-            </a:r>
-            <a:endParaRPr lang="en-US" dirty="0"/>
-          </a:p>
-        </p:txBody>
-      </p:sp>
-      <p:sp>
-        <p:nvSpPr>
-          <p:cNvPr id="22" name="Rectangle 21"/>
-          <p:cNvSpPr/>
-          <p:nvPr/>
-        </p:nvSpPr>
-        <p:spPr>
-          <a:xfrm>
-            <a:off x="6797345" y="1087644"/>
-            <a:ext cx="660758" cy="369332"/>
-          </a:xfrm>
-          <a:prstGeom prst="rect">
-            <a:avLst/>
-          </a:prstGeom>
-        </p:spPr>
-        <p:txBody>
-          <a:bodyPr wrap="none">
-            <a:spAutoFit/>
-          </a:bodyPr>
-          <a:lstStyle/>
-          <a:p>
-            <a:r>
-              <a:rPr lang="en-US" dirty="0" smtClean="0">
-                <a:latin typeface="Comic Sans MS" panose="030F0702030302020204" pitchFamily="66" charset="0"/>
-                <a:ea typeface="Cambria Math" panose="02040503050406030204" pitchFamily="18" charset="0"/>
-              </a:rPr>
-              <a:t>PleD</a:t>
-            </a:r>
-            <a:endParaRPr lang="en-US" dirty="0"/>
-          </a:p>
-        </p:txBody>
-      </p:sp>
-      <p:cxnSp>
-        <p:nvCxnSpPr>
-          <p:cNvPr id="23" name="Straight Arrow Connector 22"/>
-          <p:cNvCxnSpPr/>
-          <p:nvPr/>
-        </p:nvCxnSpPr>
-        <p:spPr>
-          <a:xfrm>
-            <a:off x="5857480" y="1123406"/>
-            <a:ext cx="0" cy="1048253"/>
-          </a:xfrm>
-          <a:prstGeom prst="straightConnector1">
-            <a:avLst/>
-          </a:prstGeom>
-          <a:ln w="28575">
-            <a:tailEnd type="triangle"/>
-          </a:ln>
-        </p:spPr>
-        <p:style>
-          <a:lnRef idx="1">
-            <a:schemeClr val="dk1"/>
-          </a:lnRef>
-          <a:fillRef idx="0">
-            <a:schemeClr val="dk1"/>
-          </a:fillRef>
-          <a:effectRef idx="0">
-            <a:schemeClr val="dk1"/>
-          </a:effectRef>
-          <a:fontRef idx="minor">
-            <a:schemeClr val="tx1"/>
-          </a:fontRef>
-        </p:style>
-      </p:cxnSp>
-      <p:sp>
-        <p:nvSpPr>
-          <p:cNvPr id="24" name="Arc 23"/>
-          <p:cNvSpPr/>
-          <p:nvPr/>
-        </p:nvSpPr>
-        <p:spPr>
-          <a:xfrm>
-            <a:off x="5188290" y="1457333"/>
-            <a:ext cx="737416" cy="1162594"/>
-          </a:xfrm>
-          <a:prstGeom prst="arc">
-            <a:avLst>
-              <a:gd name="adj1" fmla="val 7364553"/>
-              <a:gd name="adj2" fmla="val 16919878"/>
-            </a:avLst>
-          </a:prstGeom>
-          <a:ln w="28575">
-            <a:prstDash val="dash"/>
-          </a:ln>
-        </p:spPr>
-        <p:style>
-          <a:lnRef idx="1">
-            <a:schemeClr val="dk1"/>
-          </a:lnRef>
-          <a:fillRef idx="0">
-            <a:schemeClr val="dk1"/>
-          </a:fillRef>
-          <a:effectRef idx="0">
-            <a:schemeClr val="dk1"/>
-          </a:effectRef>
-          <a:fontRef idx="minor">
-            <a:schemeClr val="tx1"/>
-          </a:fontRef>
-        </p:style>
-        <p:txBody>
-          <a:bodyPr rtlCol="0" anchor="ctr"/>
-          <a:lstStyle/>
-          <a:p>
-            <a:pPr algn="ctr"/>
-            <a:endParaRPr lang="en-US"/>
-          </a:p>
-        </p:txBody>
-      </p:sp>
-      <p:cxnSp>
-        <p:nvCxnSpPr>
-          <p:cNvPr id="26" name="Straight Connector 25"/>
-          <p:cNvCxnSpPr/>
-          <p:nvPr/>
-        </p:nvCxnSpPr>
-        <p:spPr>
-          <a:xfrm flipH="1">
-            <a:off x="5654107" y="1389603"/>
-            <a:ext cx="117566" cy="300446"/>
-          </a:xfrm>
-          <a:prstGeom prst="line">
-            <a:avLst/>
-          </a:prstGeom>
-          <a:ln w="28575"/>
-        </p:spPr>
-        <p:style>
-          <a:lnRef idx="1">
-            <a:schemeClr val="dk1"/>
-          </a:lnRef>
-          <a:fillRef idx="0">
-            <a:schemeClr val="dk1"/>
-          </a:fillRef>
-          <a:effectRef idx="0">
-            <a:schemeClr val="dk1"/>
-          </a:effectRef>
-          <a:fontRef idx="minor">
-            <a:schemeClr val="tx1"/>
-          </a:fontRef>
-        </p:style>
-      </p:cxnSp>
-      <p:cxnSp>
-        <p:nvCxnSpPr>
-          <p:cNvPr id="28" name="Straight Arrow Connector 27"/>
-          <p:cNvCxnSpPr/>
-          <p:nvPr/>
-        </p:nvCxnSpPr>
-        <p:spPr>
-          <a:xfrm flipH="1">
-            <a:off x="6011514" y="1272310"/>
-            <a:ext cx="675382" cy="357681"/>
-          </a:xfrm>
-          <a:prstGeom prst="straightConnector1">
-            <a:avLst/>
-          </a:prstGeom>
-          <a:ln w="28575">
-            <a:prstDash val="dash"/>
-            <a:tailEnd type="triangle"/>
-          </a:ln>
-        </p:spPr>
-        <p:style>
-          <a:lnRef idx="1">
-            <a:schemeClr val="dk1"/>
-          </a:lnRef>
-          <a:fillRef idx="0">
-            <a:schemeClr val="dk1"/>
-          </a:fillRef>
-          <a:effectRef idx="0">
-            <a:schemeClr val="dk1"/>
-          </a:effectRef>
-          <a:fontRef idx="minor">
-            <a:schemeClr val="tx1"/>
-          </a:fontRef>
-        </p:style>
-      </p:cxnSp>
-      <p:sp>
-        <p:nvSpPr>
-          <p:cNvPr id="30" name="Rectangle 29"/>
-          <p:cNvSpPr/>
-          <p:nvPr/>
-        </p:nvSpPr>
-        <p:spPr>
-          <a:xfrm>
-            <a:off x="3792877" y="2259065"/>
-            <a:ext cx="1297150" cy="523220"/>
-          </a:xfrm>
-          <a:prstGeom prst="rect">
-            <a:avLst/>
-          </a:prstGeom>
-        </p:spPr>
-        <p:txBody>
-          <a:bodyPr wrap="none">
-            <a:spAutoFit/>
-          </a:bodyPr>
-          <a:lstStyle/>
-          <a:p>
-            <a:r>
-              <a:rPr lang="en-US" altLang="zh-CN" sz="2800" dirty="0" smtClean="0">
-                <a:latin typeface="Comic Sans MS" panose="030F0702030302020204" pitchFamily="66" charset="0"/>
-                <a:ea typeface="Cambria Math" panose="02040503050406030204" pitchFamily="18" charset="0"/>
-              </a:rPr>
-              <a:t>PopA +</a:t>
-            </a:r>
-            <a:endParaRPr lang="en-US" sz="2800" dirty="0"/>
-          </a:p>
-        </p:txBody>
-      </p:sp>
-      <p:cxnSp>
-        <p:nvCxnSpPr>
-          <p:cNvPr id="31" name="Straight Arrow Connector 30"/>
-          <p:cNvCxnSpPr/>
-          <p:nvPr/>
-        </p:nvCxnSpPr>
-        <p:spPr>
-          <a:xfrm>
-            <a:off x="4246394" y="1123406"/>
-            <a:ext cx="0" cy="1048253"/>
-          </a:xfrm>
-          <a:prstGeom prst="straightConnector1">
-            <a:avLst/>
-          </a:prstGeom>
-          <a:ln w="28575">
-            <a:tailEnd type="triangle"/>
-          </a:ln>
-        </p:spPr>
-        <p:style>
-          <a:lnRef idx="1">
-            <a:schemeClr val="dk1"/>
-          </a:lnRef>
-          <a:fillRef idx="0">
-            <a:schemeClr val="dk1"/>
-          </a:fillRef>
-          <a:effectRef idx="0">
-            <a:schemeClr val="dk1"/>
-          </a:effectRef>
-          <a:fontRef idx="minor">
-            <a:schemeClr val="tx1"/>
-          </a:fontRef>
-        </p:style>
-      </p:cxnSp>
-      <p:cxnSp>
-        <p:nvCxnSpPr>
-          <p:cNvPr id="32" name="Straight Arrow Connector 31"/>
-          <p:cNvCxnSpPr/>
-          <p:nvPr/>
-        </p:nvCxnSpPr>
-        <p:spPr>
-          <a:xfrm>
-            <a:off x="4246394" y="2794554"/>
-            <a:ext cx="0" cy="698572"/>
-          </a:xfrm>
-          <a:prstGeom prst="straightConnector1">
-            <a:avLst/>
-          </a:prstGeom>
-          <a:ln w="28575">
-            <a:tailEnd type="triangle"/>
-          </a:ln>
-        </p:spPr>
-        <p:style>
-          <a:lnRef idx="1">
-            <a:schemeClr val="dk1"/>
-          </a:lnRef>
-          <a:fillRef idx="0">
-            <a:schemeClr val="dk1"/>
-          </a:fillRef>
-          <a:effectRef idx="0">
-            <a:schemeClr val="dk1"/>
-          </a:effectRef>
-          <a:fontRef idx="minor">
-            <a:schemeClr val="tx1"/>
-          </a:fontRef>
-        </p:style>
-      </p:cxnSp>
-      <p:sp>
-        <p:nvSpPr>
-          <p:cNvPr id="33" name="TextBox 32"/>
-          <p:cNvSpPr txBox="1"/>
-          <p:nvPr/>
-        </p:nvSpPr>
-        <p:spPr>
-          <a:xfrm>
-            <a:off x="352697" y="561703"/>
-            <a:ext cx="2316316" cy="769441"/>
-          </a:xfrm>
-          <a:prstGeom prst="rect">
-            <a:avLst/>
-          </a:prstGeom>
-          <a:noFill/>
-        </p:spPr>
-        <p:txBody>
-          <a:bodyPr wrap="square" rtlCol="0">
-            <a:spAutoFit/>
-          </a:bodyPr>
-          <a:lstStyle/>
-          <a:p>
-            <a:r>
-              <a:rPr lang="en-US" sz="4400" dirty="0" smtClean="0">
-                <a:latin typeface="Comic Sans MS" panose="030F0702030302020204" pitchFamily="66" charset="0"/>
-              </a:rPr>
-              <a:t>Model 3</a:t>
-            </a:r>
-            <a:endParaRPr lang="en-US" sz="4400" dirty="0">
-              <a:latin typeface="Comic Sans MS" panose="030F0702030302020204" pitchFamily="66" charset="0"/>
-            </a:endParaRPr>
-          </a:p>
-        </p:txBody>
-      </p:sp>
-      <p:sp>
-        <p:nvSpPr>
-          <p:cNvPr id="34" name="Rectangle 33"/>
-          <p:cNvSpPr/>
-          <p:nvPr/>
-        </p:nvSpPr>
-        <p:spPr>
-          <a:xfrm>
-            <a:off x="7048608" y="2065394"/>
-            <a:ext cx="561372" cy="369332"/>
-          </a:xfrm>
-          <a:prstGeom prst="rect">
-            <a:avLst/>
-          </a:prstGeom>
-        </p:spPr>
-        <p:txBody>
-          <a:bodyPr wrap="none">
-            <a:spAutoFit/>
-          </a:bodyPr>
-          <a:lstStyle/>
-          <a:p>
-            <a:r>
-              <a:rPr lang="en-US" dirty="0" smtClean="0">
-                <a:latin typeface="Comic Sans MS" panose="030F0702030302020204" pitchFamily="66" charset="0"/>
-                <a:ea typeface="Cambria Math" panose="02040503050406030204" pitchFamily="18" charset="0"/>
-              </a:rPr>
-              <a:t>k4+</a:t>
-            </a:r>
-            <a:endParaRPr lang="en-US" dirty="0">
-              <a:latin typeface="Comic Sans MS" panose="030F0702030302020204" pitchFamily="66" charset="0"/>
-            </a:endParaRPr>
-          </a:p>
-        </p:txBody>
-      </p:sp>
-      <p:sp>
-        <p:nvSpPr>
-          <p:cNvPr id="35" name="Rectangle 34"/>
-          <p:cNvSpPr/>
-          <p:nvPr/>
-        </p:nvSpPr>
-        <p:spPr>
-          <a:xfrm>
-            <a:off x="7025579" y="2728119"/>
-            <a:ext cx="546945" cy="369332"/>
-          </a:xfrm>
-          <a:prstGeom prst="rect">
-            <a:avLst/>
-          </a:prstGeom>
-        </p:spPr>
-        <p:txBody>
-          <a:bodyPr wrap="none">
-            <a:spAutoFit/>
-          </a:bodyPr>
-          <a:lstStyle/>
-          <a:p>
-            <a:r>
-              <a:rPr lang="en-US" dirty="0" smtClean="0">
-                <a:latin typeface="Comic Sans MS" panose="030F0702030302020204" pitchFamily="66" charset="0"/>
-                <a:ea typeface="Cambria Math" panose="02040503050406030204" pitchFamily="18" charset="0"/>
-              </a:rPr>
-              <a:t>k</a:t>
-            </a:r>
-            <a:r>
-              <a:rPr lang="en-US" dirty="0">
-                <a:latin typeface="Comic Sans MS" panose="030F0702030302020204" pitchFamily="66" charset="0"/>
-                <a:ea typeface="Cambria Math" panose="02040503050406030204" pitchFamily="18" charset="0"/>
-              </a:rPr>
-              <a:t>4</a:t>
-            </a:r>
-            <a:r>
-              <a:rPr lang="en-US" dirty="0" smtClean="0">
-                <a:latin typeface="Comic Sans MS" panose="030F0702030302020204" pitchFamily="66" charset="0"/>
-                <a:ea typeface="Cambria Math" panose="02040503050406030204" pitchFamily="18" charset="0"/>
-              </a:rPr>
-              <a:t>-</a:t>
-            </a:r>
-            <a:endParaRPr lang="en-US" dirty="0">
-              <a:latin typeface="Comic Sans MS" panose="030F0702030302020204" pitchFamily="66" charset="0"/>
-            </a:endParaRPr>
-          </a:p>
-        </p:txBody>
-      </p:sp>
-    </p:spTree>
-    <p:extLst>
-      <p:ext uri="{BB962C8B-B14F-4D97-AF65-F5344CB8AC3E}">
-        <p14:creationId xmlns:p14="http://schemas.microsoft.com/office/powerpoint/2010/main" val="1885134579"/>
-      </p:ext>
-    </p:extLst>
-  </p:cSld>
-  <p:clrMapOvr>
-    <a:masterClrMapping/>
-  </p:clrMapOvr>
-</p:sld>
-</file>
-
-<file path=ppt/slides/slide16.xml><?xml version="1.0" encoding="utf-8"?>
-<p:sld xmlns:a="http://schemas.openxmlformats.org/drawingml/2006/main" xmlns:r="http://schemas.openxmlformats.org/officeDocument/2006/relationships" xmlns:p="http://schemas.openxmlformats.org/presentationml/2006/main">
-  <p:cSld>
-    <p:spTree>
-      <p:nvGrpSpPr>
-        <p:cNvPr id="1" name=""/>
-        <p:cNvGrpSpPr/>
-        <p:nvPr/>
-      </p:nvGrpSpPr>
-      <p:grpSpPr>
-        <a:xfrm>
-          <a:off x="0" y="0"/>
-          <a:ext cx="0" cy="0"/>
-          <a:chOff x="0" y="0"/>
-          <a:chExt cx="0" cy="0"/>
-        </a:xfrm>
-      </p:grpSpPr>
-      <p:sp>
-        <p:nvSpPr>
-          <p:cNvPr id="2" name="Title 1"/>
-          <p:cNvSpPr>
-            <a:spLocks noGrp="1"/>
-          </p:cNvSpPr>
-          <p:nvPr>
-            <p:ph type="title"/>
-          </p:nvPr>
-        </p:nvSpPr>
-        <p:spPr>
-          <a:xfrm>
-            <a:off x="-1" y="0"/>
-            <a:ext cx="11652069" cy="1325563"/>
-          </a:xfrm>
-        </p:spPr>
-        <p:txBody>
-          <a:bodyPr/>
-          <a:lstStyle/>
-          <a:p>
-            <a:r>
-              <a:rPr lang="en-US" dirty="0" smtClean="0">
-                <a:latin typeface="Comic Sans MS" panose="030F0702030302020204" pitchFamily="66" charset="0"/>
-              </a:rPr>
-              <a:t>Temporal dynamics of species in our model from </a:t>
-            </a:r>
-            <a:r>
-              <a:rPr lang="en-US" dirty="0" smtClean="0">
-                <a:latin typeface="Comic Sans MS" panose="030F0702030302020204" pitchFamily="66" charset="0"/>
-              </a:rPr>
-              <a:t>experiments</a:t>
-            </a:r>
-            <a:endParaRPr lang="en-US" dirty="0">
-              <a:latin typeface="Comic Sans MS" panose="030F0702030302020204" pitchFamily="66" charset="0"/>
-            </a:endParaRPr>
-          </a:p>
-        </p:txBody>
-      </p:sp>
-      <p:pic>
-        <p:nvPicPr>
-          <p:cNvPr id="1028" name="Picture 4"/>
-          <p:cNvPicPr>
-            <a:picLocks noChangeAspect="1" noChangeArrowheads="1"/>
-          </p:cNvPicPr>
-          <p:nvPr/>
-        </p:nvPicPr>
-        <p:blipFill>
-          <a:blip r:embed="rId2" cstate="print">
-            <a:extLst>
-              <a:ext uri="{28A0092B-C50C-407E-A947-70E740481C1C}">
-                <a14:useLocalDpi xmlns:a14="http://schemas.microsoft.com/office/drawing/2010/main" val="0"/>
-              </a:ext>
-            </a:extLst>
-          </a:blip>
-          <a:srcRect/>
-          <a:stretch>
-            <a:fillRect/>
-          </a:stretch>
-        </p:blipFill>
-        <p:spPr bwMode="auto">
-          <a:xfrm>
-            <a:off x="3099661" y="2259936"/>
-            <a:ext cx="6137334" cy="912050"/>
-          </a:xfrm>
-          <a:prstGeom prst="rect">
-            <a:avLst/>
-          </a:prstGeom>
-          <a:noFill/>
-          <a:ln>
-            <a:noFill/>
-          </a:ln>
-          <a:extLst>
-            <a:ext uri="{909E8E84-426E-40DD-AFC4-6F175D3DCCD1}">
-              <a14:hiddenFill xmlns:a14="http://schemas.microsoft.com/office/drawing/2010/main">
-                <a:solidFill>
-                  <a:schemeClr val="accent1"/>
-                </a:solidFill>
-              </a14:hiddenFill>
-            </a:ext>
-            <a:ext uri="{91240B29-F687-4F45-9708-019B960494DF}">
-              <a14:hiddenLine xmlns:a14="http://schemas.microsoft.com/office/drawing/2010/main" w="9525">
-                <a:solidFill>
-                  <a:schemeClr val="tx1"/>
-                </a:solidFill>
-                <a:miter lim="800000"/>
-                <a:headEnd/>
-                <a:tailEnd/>
-              </a14:hiddenLine>
-            </a:ext>
-          </a:extLst>
-        </p:spPr>
-      </p:pic>
-      <p:pic>
-        <p:nvPicPr>
-          <p:cNvPr id="6" name="Picture 5"/>
-          <p:cNvPicPr>
-            <a:picLocks noChangeAspect="1"/>
-          </p:cNvPicPr>
-          <p:nvPr/>
-        </p:nvPicPr>
-        <p:blipFill>
-          <a:blip r:embed="rId3"/>
-          <a:stretch>
-            <a:fillRect/>
-          </a:stretch>
-        </p:blipFill>
-        <p:spPr>
-          <a:xfrm>
-            <a:off x="2112197" y="1568169"/>
-            <a:ext cx="6887151" cy="691767"/>
-          </a:xfrm>
-          <a:prstGeom prst="rect">
-            <a:avLst/>
-          </a:prstGeom>
-        </p:spPr>
-      </p:pic>
-      <p:pic>
-        <p:nvPicPr>
-          <p:cNvPr id="12290" name="Picture 2"/>
-          <p:cNvPicPr>
-            <a:picLocks noChangeAspect="1" noChangeArrowheads="1"/>
-          </p:cNvPicPr>
-          <p:nvPr/>
-        </p:nvPicPr>
-        <p:blipFill>
-          <a:blip r:embed="rId4">
-            <a:extLst>
-              <a:ext uri="{28A0092B-C50C-407E-A947-70E740481C1C}">
-                <a14:useLocalDpi xmlns:a14="http://schemas.microsoft.com/office/drawing/2010/main" val="0"/>
-              </a:ext>
-            </a:extLst>
-          </a:blip>
-          <a:srcRect/>
-          <a:stretch>
-            <a:fillRect/>
-          </a:stretch>
-        </p:blipFill>
-        <p:spPr bwMode="auto">
-          <a:xfrm>
-            <a:off x="3689164" y="3273855"/>
-            <a:ext cx="5133975" cy="3409950"/>
-          </a:xfrm>
-          <a:prstGeom prst="rect">
-            <a:avLst/>
-          </a:prstGeom>
-          <a:noFill/>
-          <a:ln>
-            <a:noFill/>
-          </a:ln>
-          <a:extLst>
-            <a:ext uri="{909E8E84-426E-40DD-AFC4-6F175D3DCCD1}">
-              <a14:hiddenFill xmlns:a14="http://schemas.microsoft.com/office/drawing/2010/main">
-                <a:solidFill>
-                  <a:schemeClr val="accent1"/>
-                </a:solidFill>
-              </a14:hiddenFill>
-            </a:ext>
-            <a:ext uri="{91240B29-F687-4F45-9708-019B960494DF}">
-              <a14:hiddenLine xmlns:a14="http://schemas.microsoft.com/office/drawing/2010/main" w="9525">
-                <a:solidFill>
-                  <a:schemeClr val="tx1"/>
-                </a:solidFill>
-                <a:miter lim="800000"/>
-                <a:headEnd/>
-                <a:tailEnd/>
-              </a14:hiddenLine>
-            </a:ext>
-          </a:extLst>
-        </p:spPr>
-      </p:pic>
-    </p:spTree>
-    <p:extLst>
-      <p:ext uri="{BB962C8B-B14F-4D97-AF65-F5344CB8AC3E}">
-        <p14:creationId xmlns:p14="http://schemas.microsoft.com/office/powerpoint/2010/main" val="2255287142"/>
       </p:ext>
     </p:extLst>
   </p:cSld>
@@ -6874,34 +6787,6 @@
           <a:chExt cx="0" cy="0"/>
         </a:xfrm>
       </p:grpSpPr>
-      <p:pic>
-        <p:nvPicPr>
-          <p:cNvPr id="7" name="Google Shape;128;p22"/>
-          <p:cNvPicPr preferRelativeResize="0"/>
-          <p:nvPr/>
-        </p:nvPicPr>
-        <p:blipFill>
-          <a:blip r:embed="rId2">
-            <a:alphaModFix/>
-          </a:blip>
-          <a:stretch>
-            <a:fillRect/>
-          </a:stretch>
-        </p:blipFill>
-        <p:spPr>
-          <a:xfrm>
-            <a:off x="2072634" y="2200759"/>
-            <a:ext cx="7624138" cy="2867187"/>
-          </a:xfrm>
-          <a:prstGeom prst="rect">
-            <a:avLst/>
-          </a:prstGeom>
-          <a:noFill/>
-          <a:ln>
-            <a:noFill/>
-          </a:ln>
-        </p:spPr>
-      </p:pic>
       <p:sp>
         <p:nvSpPr>
           <p:cNvPr id="2" name="Title 1"/>
@@ -6926,30 +6811,425 @@
               <a:rPr lang="en-US" dirty="0" smtClean="0">
                 <a:latin typeface="Comic Sans MS" panose="030F0702030302020204" pitchFamily="66" charset="0"/>
               </a:rPr>
-              <a:t>Spatial </a:t>
-            </a:r>
-            <a:r>
+              <a:t>Temporal dynamics of species in our model</a:t>
+            </a:r>
+            <a:br>
               <a:rPr lang="en-US" dirty="0" smtClean="0">
                 <a:latin typeface="Comic Sans MS" panose="030F0702030302020204" pitchFamily="66" charset="0"/>
               </a:rPr>
-              <a:t>dynamics of species in our model from </a:t>
+            </a:br>
+            <a:r>
+              <a:rPr lang="en-US" dirty="0">
+                <a:latin typeface="Comic Sans MS" panose="030F0702030302020204" pitchFamily="66" charset="0"/>
+              </a:rPr>
+              <a:t> </a:t>
             </a:r>
             <a:r>
               <a:rPr lang="en-US" dirty="0" smtClean="0">
                 <a:latin typeface="Comic Sans MS" panose="030F0702030302020204" pitchFamily="66" charset="0"/>
               </a:rPr>
-              <a:t>experiments</a:t>
-            </a:r>
-            <a:endParaRPr lang="en-US" dirty="0">
+              <a:t>– </a:t>
+            </a:r>
+            <a:r>
+              <a:rPr lang="en-US" u="sng" dirty="0" smtClean="0">
+                <a:latin typeface="Comic Sans MS" panose="030F0702030302020204" pitchFamily="66" charset="0"/>
+              </a:rPr>
+              <a:t>before division</a:t>
+            </a:r>
+            <a:endParaRPr lang="en-US" u="sng" dirty="0">
               <a:latin typeface="Comic Sans MS" panose="030F0702030302020204" pitchFamily="66" charset="0"/>
             </a:endParaRPr>
           </a:p>
         </p:txBody>
       </p:sp>
+      <p:pic>
+        <p:nvPicPr>
+          <p:cNvPr id="1028" name="Picture 4"/>
+          <p:cNvPicPr>
+            <a:picLocks noChangeAspect="1" noChangeArrowheads="1"/>
+          </p:cNvPicPr>
+          <p:nvPr/>
+        </p:nvPicPr>
+        <p:blipFill>
+          <a:blip r:embed="rId2" cstate="print">
+            <a:extLst>
+              <a:ext uri="{28A0092B-C50C-407E-A947-70E740481C1C}">
+                <a14:useLocalDpi xmlns:a14="http://schemas.microsoft.com/office/drawing/2010/main" val="0"/>
+              </a:ext>
+            </a:extLst>
+          </a:blip>
+          <a:srcRect/>
+          <a:stretch>
+            <a:fillRect/>
+          </a:stretch>
+        </p:blipFill>
+        <p:spPr bwMode="auto">
+          <a:xfrm>
+            <a:off x="0" y="2129619"/>
+            <a:ext cx="5713708" cy="1011126"/>
+          </a:xfrm>
+          <a:prstGeom prst="rect">
+            <a:avLst/>
+          </a:prstGeom>
+          <a:noFill/>
+          <a:ln>
+            <a:noFill/>
+          </a:ln>
+          <a:extLst>
+            <a:ext uri="{909E8E84-426E-40DD-AFC4-6F175D3DCCD1}">
+              <a14:hiddenFill xmlns:a14="http://schemas.microsoft.com/office/drawing/2010/main">
+                <a:solidFill>
+                  <a:schemeClr val="accent1"/>
+                </a:solidFill>
+              </a14:hiddenFill>
+            </a:ext>
+            <a:ext uri="{91240B29-F687-4F45-9708-019B960494DF}">
+              <a14:hiddenLine xmlns:a14="http://schemas.microsoft.com/office/drawing/2010/main" w="9525">
+                <a:solidFill>
+                  <a:schemeClr val="tx1"/>
+                </a:solidFill>
+                <a:miter lim="800000"/>
+                <a:headEnd/>
+                <a:tailEnd/>
+              </a14:hiddenLine>
+            </a:ext>
+          </a:extLst>
+        </p:spPr>
+      </p:pic>
+      <p:pic>
+        <p:nvPicPr>
+          <p:cNvPr id="9219" name="Picture 3"/>
+          <p:cNvPicPr>
+            <a:picLocks noChangeAspect="1" noChangeArrowheads="1"/>
+          </p:cNvPicPr>
+          <p:nvPr/>
+        </p:nvPicPr>
+        <p:blipFill>
+          <a:blip r:embed="rId3">
+            <a:extLst>
+              <a:ext uri="{28A0092B-C50C-407E-A947-70E740481C1C}">
+                <a14:useLocalDpi xmlns:a14="http://schemas.microsoft.com/office/drawing/2010/main" val="0"/>
+              </a:ext>
+            </a:extLst>
+          </a:blip>
+          <a:srcRect/>
+          <a:stretch>
+            <a:fillRect/>
+          </a:stretch>
+        </p:blipFill>
+        <p:spPr bwMode="auto">
+          <a:xfrm>
+            <a:off x="70063" y="1502676"/>
+            <a:ext cx="5524825" cy="490537"/>
+          </a:xfrm>
+          <a:prstGeom prst="rect">
+            <a:avLst/>
+          </a:prstGeom>
+          <a:noFill/>
+          <a:ln>
+            <a:noFill/>
+          </a:ln>
+          <a:extLst>
+            <a:ext uri="{909E8E84-426E-40DD-AFC4-6F175D3DCCD1}">
+              <a14:hiddenFill xmlns:a14="http://schemas.microsoft.com/office/drawing/2010/main">
+                <a:solidFill>
+                  <a:schemeClr val="accent1"/>
+                </a:solidFill>
+              </a14:hiddenFill>
+            </a:ext>
+            <a:ext uri="{91240B29-F687-4F45-9708-019B960494DF}">
+              <a14:hiddenLine xmlns:a14="http://schemas.microsoft.com/office/drawing/2010/main" w="9525">
+                <a:solidFill>
+                  <a:schemeClr val="tx1"/>
+                </a:solidFill>
+                <a:miter lim="800000"/>
+                <a:headEnd/>
+                <a:tailEnd/>
+              </a14:hiddenLine>
+            </a:ext>
+          </a:extLst>
+        </p:spPr>
+      </p:pic>
+      <p:sp>
+        <p:nvSpPr>
+          <p:cNvPr id="3" name="TextBox 2"/>
+          <p:cNvSpPr txBox="1"/>
+          <p:nvPr/>
+        </p:nvSpPr>
+        <p:spPr>
+          <a:xfrm>
+            <a:off x="1582278" y="1944953"/>
+            <a:ext cx="1250197" cy="369332"/>
+          </a:xfrm>
+          <a:prstGeom prst="rect">
+            <a:avLst/>
+          </a:prstGeom>
+          <a:noFill/>
+        </p:spPr>
+        <p:txBody>
+          <a:bodyPr wrap="square" rtlCol="0">
+            <a:spAutoFit/>
+          </a:bodyPr>
+          <a:lstStyle/>
+          <a:p>
+            <a:r>
+              <a:rPr lang="en-US" dirty="0" err="1" smtClean="0"/>
+              <a:t>TacA</a:t>
+            </a:r>
+            <a:endParaRPr lang="en-CA" dirty="0"/>
+          </a:p>
+        </p:txBody>
+      </p:sp>
+      <p:pic>
+        <p:nvPicPr>
+          <p:cNvPr id="9221" name="Picture 5"/>
+          <p:cNvPicPr>
+            <a:picLocks noChangeAspect="1" noChangeArrowheads="1"/>
+          </p:cNvPicPr>
+          <p:nvPr/>
+        </p:nvPicPr>
+        <p:blipFill>
+          <a:blip r:embed="rId4">
+            <a:extLst>
+              <a:ext uri="{28A0092B-C50C-407E-A947-70E740481C1C}">
+                <a14:useLocalDpi xmlns:a14="http://schemas.microsoft.com/office/drawing/2010/main" val="0"/>
+              </a:ext>
+            </a:extLst>
+          </a:blip>
+          <a:srcRect/>
+          <a:stretch>
+            <a:fillRect/>
+          </a:stretch>
+        </p:blipFill>
+        <p:spPr bwMode="auto">
+          <a:xfrm>
+            <a:off x="7046563" y="1175113"/>
+            <a:ext cx="3727181" cy="2688274"/>
+          </a:xfrm>
+          <a:prstGeom prst="rect">
+            <a:avLst/>
+          </a:prstGeom>
+          <a:noFill/>
+          <a:ln>
+            <a:noFill/>
+          </a:ln>
+          <a:extLst>
+            <a:ext uri="{909E8E84-426E-40DD-AFC4-6F175D3DCCD1}">
+              <a14:hiddenFill xmlns:a14="http://schemas.microsoft.com/office/drawing/2010/main">
+                <a:solidFill>
+                  <a:schemeClr val="accent1"/>
+                </a:solidFill>
+              </a14:hiddenFill>
+            </a:ext>
+            <a:ext uri="{91240B29-F687-4F45-9708-019B960494DF}">
+              <a14:hiddenLine xmlns:a14="http://schemas.microsoft.com/office/drawing/2010/main" w="9525">
+                <a:solidFill>
+                  <a:schemeClr val="tx1"/>
+                </a:solidFill>
+                <a:miter lim="800000"/>
+                <a:headEnd/>
+                <a:tailEnd/>
+              </a14:hiddenLine>
+            </a:ext>
+          </a:extLst>
+        </p:spPr>
+      </p:pic>
+      <p:pic>
+        <p:nvPicPr>
+          <p:cNvPr id="11" name="Picture 4"/>
+          <p:cNvPicPr>
+            <a:picLocks noChangeAspect="1" noChangeArrowheads="1"/>
+          </p:cNvPicPr>
+          <p:nvPr/>
+        </p:nvPicPr>
+        <p:blipFill>
+          <a:blip r:embed="rId5">
+            <a:extLst>
+              <a:ext uri="{28A0092B-C50C-407E-A947-70E740481C1C}">
+                <a14:useLocalDpi xmlns:a14="http://schemas.microsoft.com/office/drawing/2010/main" val="0"/>
+              </a:ext>
+            </a:extLst>
+          </a:blip>
+          <a:srcRect/>
+          <a:stretch>
+            <a:fillRect/>
+          </a:stretch>
+        </p:blipFill>
+        <p:spPr bwMode="auto">
+          <a:xfrm>
+            <a:off x="382291" y="3186118"/>
+            <a:ext cx="5331417" cy="3671882"/>
+          </a:xfrm>
+          <a:prstGeom prst="rect">
+            <a:avLst/>
+          </a:prstGeom>
+          <a:noFill/>
+          <a:ln>
+            <a:noFill/>
+          </a:ln>
+          <a:extLst>
+            <a:ext uri="{909E8E84-426E-40DD-AFC4-6F175D3DCCD1}">
+              <a14:hiddenFill xmlns:a14="http://schemas.microsoft.com/office/drawing/2010/main">
+                <a:solidFill>
+                  <a:schemeClr val="accent1"/>
+                </a:solidFill>
+              </a14:hiddenFill>
+            </a:ext>
+            <a:ext uri="{91240B29-F687-4F45-9708-019B960494DF}">
+              <a14:hiddenLine xmlns:a14="http://schemas.microsoft.com/office/drawing/2010/main" w="9525">
+                <a:solidFill>
+                  <a:schemeClr val="tx1"/>
+                </a:solidFill>
+                <a:miter lim="800000"/>
+                <a:headEnd/>
+                <a:tailEnd/>
+              </a14:hiddenLine>
+            </a:ext>
+          </a:extLst>
+        </p:spPr>
+      </p:pic>
+      <p:sp>
+        <p:nvSpPr>
+          <p:cNvPr id="12" name="TextBox 11"/>
+          <p:cNvSpPr txBox="1"/>
+          <p:nvPr/>
+        </p:nvSpPr>
+        <p:spPr>
+          <a:xfrm>
+            <a:off x="2973093" y="3863386"/>
+            <a:ext cx="1250197" cy="369332"/>
+          </a:xfrm>
+          <a:prstGeom prst="rect">
+            <a:avLst/>
+          </a:prstGeom>
+          <a:noFill/>
+        </p:spPr>
+        <p:txBody>
+          <a:bodyPr wrap="square" rtlCol="0">
+            <a:spAutoFit/>
+          </a:bodyPr>
+          <a:lstStyle/>
+          <a:p>
+            <a:r>
+              <a:rPr lang="en-US" dirty="0" err="1" smtClean="0"/>
+              <a:t>RcdA</a:t>
+            </a:r>
+            <a:endParaRPr lang="en-CA" dirty="0"/>
+          </a:p>
+        </p:txBody>
+      </p:sp>
+      <p:pic>
+        <p:nvPicPr>
+          <p:cNvPr id="9222" name="Picture 6"/>
+          <p:cNvPicPr>
+            <a:picLocks noChangeAspect="1" noChangeArrowheads="1"/>
+          </p:cNvPicPr>
+          <p:nvPr/>
+        </p:nvPicPr>
+        <p:blipFill>
+          <a:blip r:embed="rId6">
+            <a:extLst>
+              <a:ext uri="{28A0092B-C50C-407E-A947-70E740481C1C}">
+                <a14:useLocalDpi xmlns:a14="http://schemas.microsoft.com/office/drawing/2010/main" val="0"/>
+              </a:ext>
+            </a:extLst>
+          </a:blip>
+          <a:srcRect/>
+          <a:stretch>
+            <a:fillRect/>
+          </a:stretch>
+        </p:blipFill>
+        <p:spPr bwMode="auto">
+          <a:xfrm>
+            <a:off x="7087892" y="3870234"/>
+            <a:ext cx="3685852" cy="2919413"/>
+          </a:xfrm>
+          <a:prstGeom prst="rect">
+            <a:avLst/>
+          </a:prstGeom>
+          <a:noFill/>
+          <a:ln>
+            <a:noFill/>
+          </a:ln>
+          <a:extLst>
+            <a:ext uri="{909E8E84-426E-40DD-AFC4-6F175D3DCCD1}">
+              <a14:hiddenFill xmlns:a14="http://schemas.microsoft.com/office/drawing/2010/main">
+                <a:solidFill>
+                  <a:schemeClr val="accent1"/>
+                </a:solidFill>
+              </a14:hiddenFill>
+            </a:ext>
+            <a:ext uri="{91240B29-F687-4F45-9708-019B960494DF}">
+              <a14:hiddenLine xmlns:a14="http://schemas.microsoft.com/office/drawing/2010/main" w="9525">
+                <a:solidFill>
+                  <a:schemeClr val="tx1"/>
+                </a:solidFill>
+                <a:miter lim="800000"/>
+                <a:headEnd/>
+                <a:tailEnd/>
+              </a14:hiddenLine>
+            </a:ext>
+          </a:extLst>
+        </p:spPr>
+      </p:pic>
+      <p:pic>
+        <p:nvPicPr>
+          <p:cNvPr id="9223" name="Picture 7"/>
+          <p:cNvPicPr>
+            <a:picLocks noChangeAspect="1" noChangeArrowheads="1"/>
+          </p:cNvPicPr>
+          <p:nvPr/>
+        </p:nvPicPr>
+        <p:blipFill>
+          <a:blip r:embed="rId7">
+            <a:extLst>
+              <a:ext uri="{28A0092B-C50C-407E-A947-70E740481C1C}">
+                <a14:useLocalDpi xmlns:a14="http://schemas.microsoft.com/office/drawing/2010/main" val="0"/>
+              </a:ext>
+            </a:extLst>
+          </a:blip>
+          <a:srcRect/>
+          <a:stretch>
+            <a:fillRect/>
+          </a:stretch>
+        </p:blipFill>
+        <p:spPr bwMode="auto">
+          <a:xfrm>
+            <a:off x="4515172" y="1502677"/>
+            <a:ext cx="1198535" cy="5239786"/>
+          </a:xfrm>
+          <a:prstGeom prst="rect">
+            <a:avLst/>
+          </a:prstGeom>
+          <a:noFill/>
+          <a:ln>
+            <a:noFill/>
+          </a:ln>
+          <a:extLst>
+            <a:ext uri="{909E8E84-426E-40DD-AFC4-6F175D3DCCD1}">
+              <a14:hiddenFill xmlns:a14="http://schemas.microsoft.com/office/drawing/2010/main">
+                <a:solidFill>
+                  <a:schemeClr val="accent1"/>
+                </a:solidFill>
+              </a14:hiddenFill>
+            </a:ext>
+            <a:ext uri="{91240B29-F687-4F45-9708-019B960494DF}">
+              <a14:hiddenLine xmlns:a14="http://schemas.microsoft.com/office/drawing/2010/main" w="9525">
+                <a:solidFill>
+                  <a:schemeClr val="tx1"/>
+                </a:solidFill>
+                <a:miter lim="800000"/>
+                <a:headEnd/>
+                <a:tailEnd/>
+              </a14:hiddenLine>
+            </a:ext>
+          </a:extLst>
+        </p:spPr>
+      </p:pic>
     </p:spTree>
     <p:extLst>
       <p:ext uri="{BB962C8B-B14F-4D97-AF65-F5344CB8AC3E}">
-        <p14:creationId xmlns:p14="http://schemas.microsoft.com/office/powerpoint/2010/main" val="534332264"/>
+        <p14:creationId xmlns:p14="http://schemas.microsoft.com/office/powerpoint/2010/main" val="1927386655"/>
       </p:ext>
     </p:extLst>
   </p:cSld>
@@ -6978,6 +7258,854 @@
       </p:grpSpPr>
       <p:sp>
         <p:nvSpPr>
+          <p:cNvPr id="4" name="Rectangle 3"/>
+          <p:cNvSpPr/>
+          <p:nvPr/>
+        </p:nvSpPr>
+        <p:spPr>
+          <a:xfrm>
+            <a:off x="698537" y="4645986"/>
+            <a:ext cx="10028707" cy="523220"/>
+          </a:xfrm>
+          <a:prstGeom prst="rect">
+            <a:avLst/>
+          </a:prstGeom>
+        </p:spPr>
+        <p:txBody>
+          <a:bodyPr wrap="none">
+            <a:spAutoFit/>
+          </a:bodyPr>
+          <a:lstStyle/>
+          <a:p>
+            <a:r>
+              <a:rPr lang="en-US" sz="2800" dirty="0">
+                <a:latin typeface="Comic Sans MS" panose="030F0702030302020204" pitchFamily="66" charset="0"/>
+                <a:ea typeface="Cambria Math" panose="02040503050406030204" pitchFamily="18" charset="0"/>
+              </a:rPr>
+              <a:t>ClpXP:CpdR:RcdA (</a:t>
+            </a:r>
+            <a:r>
+              <a:rPr lang="en-US" altLang="zh-CN" sz="2800" dirty="0">
+                <a:latin typeface="Comic Sans MS" panose="030F0702030302020204" pitchFamily="66" charset="0"/>
+                <a:ea typeface="Cambria Math" panose="02040503050406030204" pitchFamily="18" charset="0"/>
+              </a:rPr>
+              <a:t>Complex 2</a:t>
+            </a:r>
+            <a:r>
+              <a:rPr lang="en-US" altLang="zh-CN" sz="2800" dirty="0" smtClean="0">
+                <a:latin typeface="Comic Sans MS" panose="030F0702030302020204" pitchFamily="66" charset="0"/>
+                <a:ea typeface="Cambria Math" panose="02040503050406030204" pitchFamily="18" charset="0"/>
+              </a:rPr>
+              <a:t>) + PopA:2cdG         Complex 3</a:t>
+            </a:r>
+            <a:endParaRPr lang="en-US" sz="2800" dirty="0"/>
+          </a:p>
+        </p:txBody>
+      </p:sp>
+      <p:cxnSp>
+        <p:nvCxnSpPr>
+          <p:cNvPr id="5" name="Straight Arrow Connector 4"/>
+          <p:cNvCxnSpPr/>
+          <p:nvPr/>
+        </p:nvCxnSpPr>
+        <p:spPr>
+          <a:xfrm flipH="1">
+            <a:off x="8013692" y="5014954"/>
+            <a:ext cx="557892" cy="14738"/>
+          </a:xfrm>
+          <a:prstGeom prst="straightConnector1">
+            <a:avLst/>
+          </a:prstGeom>
+          <a:ln w="28575">
+            <a:tailEnd type="triangle"/>
+          </a:ln>
+        </p:spPr>
+        <p:style>
+          <a:lnRef idx="1">
+            <a:schemeClr val="dk1"/>
+          </a:lnRef>
+          <a:fillRef idx="0">
+            <a:schemeClr val="dk1"/>
+          </a:fillRef>
+          <a:effectRef idx="0">
+            <a:schemeClr val="dk1"/>
+          </a:effectRef>
+          <a:fontRef idx="minor">
+            <a:schemeClr val="tx1"/>
+          </a:fontRef>
+        </p:style>
+      </p:cxnSp>
+      <p:cxnSp>
+        <p:nvCxnSpPr>
+          <p:cNvPr id="6" name="Straight Arrow Connector 5"/>
+          <p:cNvCxnSpPr/>
+          <p:nvPr/>
+        </p:nvCxnSpPr>
+        <p:spPr>
+          <a:xfrm>
+            <a:off x="8013692" y="4875440"/>
+            <a:ext cx="658783" cy="0"/>
+          </a:xfrm>
+          <a:prstGeom prst="straightConnector1">
+            <a:avLst/>
+          </a:prstGeom>
+          <a:ln w="28575">
+            <a:tailEnd type="triangle"/>
+          </a:ln>
+        </p:spPr>
+        <p:style>
+          <a:lnRef idx="1">
+            <a:schemeClr val="dk1"/>
+          </a:lnRef>
+          <a:fillRef idx="0">
+            <a:schemeClr val="dk1"/>
+          </a:fillRef>
+          <a:effectRef idx="0">
+            <a:schemeClr val="dk1"/>
+          </a:effectRef>
+          <a:fontRef idx="minor">
+            <a:schemeClr val="tx1"/>
+          </a:fontRef>
+        </p:style>
+      </p:cxnSp>
+      <p:sp>
+        <p:nvSpPr>
+          <p:cNvPr id="7" name="Rectangle 6"/>
+          <p:cNvSpPr/>
+          <p:nvPr/>
+        </p:nvSpPr>
+        <p:spPr>
+          <a:xfrm>
+            <a:off x="8013692" y="4402422"/>
+            <a:ext cx="561372" cy="369332"/>
+          </a:xfrm>
+          <a:prstGeom prst="rect">
+            <a:avLst/>
+          </a:prstGeom>
+        </p:spPr>
+        <p:txBody>
+          <a:bodyPr wrap="none">
+            <a:spAutoFit/>
+          </a:bodyPr>
+          <a:lstStyle/>
+          <a:p>
+            <a:r>
+              <a:rPr lang="en-US" dirty="0" smtClean="0">
+                <a:latin typeface="Comic Sans MS" panose="030F0702030302020204" pitchFamily="66" charset="0"/>
+                <a:ea typeface="Cambria Math" panose="02040503050406030204" pitchFamily="18" charset="0"/>
+              </a:rPr>
+              <a:t>k</a:t>
+            </a:r>
+            <a:r>
+              <a:rPr lang="en-US" dirty="0">
+                <a:latin typeface="Comic Sans MS" panose="030F0702030302020204" pitchFamily="66" charset="0"/>
+                <a:ea typeface="Cambria Math" panose="02040503050406030204" pitchFamily="18" charset="0"/>
+              </a:rPr>
+              <a:t>5</a:t>
+            </a:r>
+            <a:r>
+              <a:rPr lang="en-US" dirty="0" smtClean="0">
+                <a:latin typeface="Comic Sans MS" panose="030F0702030302020204" pitchFamily="66" charset="0"/>
+                <a:ea typeface="Cambria Math" panose="02040503050406030204" pitchFamily="18" charset="0"/>
+              </a:rPr>
+              <a:t>+</a:t>
+            </a:r>
+            <a:endParaRPr lang="en-US" dirty="0">
+              <a:latin typeface="Comic Sans MS" panose="030F0702030302020204" pitchFamily="66" charset="0"/>
+            </a:endParaRPr>
+          </a:p>
+        </p:txBody>
+      </p:sp>
+      <p:sp>
+        <p:nvSpPr>
+          <p:cNvPr id="8" name="Rectangle 7"/>
+          <p:cNvSpPr/>
+          <p:nvPr/>
+        </p:nvSpPr>
+        <p:spPr>
+          <a:xfrm>
+            <a:off x="8015283" y="5167531"/>
+            <a:ext cx="546945" cy="369332"/>
+          </a:xfrm>
+          <a:prstGeom prst="rect">
+            <a:avLst/>
+          </a:prstGeom>
+        </p:spPr>
+        <p:txBody>
+          <a:bodyPr wrap="none">
+            <a:spAutoFit/>
+          </a:bodyPr>
+          <a:lstStyle/>
+          <a:p>
+            <a:r>
+              <a:rPr lang="en-US" dirty="0">
+                <a:latin typeface="Comic Sans MS" panose="030F0702030302020204" pitchFamily="66" charset="0"/>
+                <a:ea typeface="Cambria Math" panose="02040503050406030204" pitchFamily="18" charset="0"/>
+              </a:rPr>
+              <a:t>k</a:t>
+            </a:r>
+            <a:r>
+              <a:rPr lang="en-US" dirty="0" smtClean="0">
+                <a:latin typeface="Comic Sans MS" panose="030F0702030302020204" pitchFamily="66" charset="0"/>
+                <a:ea typeface="Cambria Math" panose="02040503050406030204" pitchFamily="18" charset="0"/>
+              </a:rPr>
+              <a:t>5-</a:t>
+            </a:r>
+            <a:endParaRPr lang="en-US" dirty="0">
+              <a:latin typeface="Comic Sans MS" panose="030F0702030302020204" pitchFamily="66" charset="0"/>
+            </a:endParaRPr>
+          </a:p>
+        </p:txBody>
+      </p:sp>
+      <p:sp>
+        <p:nvSpPr>
+          <p:cNvPr id="9" name="Rectangle 8"/>
+          <p:cNvSpPr/>
+          <p:nvPr/>
+        </p:nvSpPr>
+        <p:spPr>
+          <a:xfrm>
+            <a:off x="8013692" y="2238494"/>
+            <a:ext cx="1983235" cy="523220"/>
+          </a:xfrm>
+          <a:prstGeom prst="rect">
+            <a:avLst/>
+          </a:prstGeom>
+        </p:spPr>
+        <p:txBody>
+          <a:bodyPr wrap="none">
+            <a:spAutoFit/>
+          </a:bodyPr>
+          <a:lstStyle/>
+          <a:p>
+            <a:r>
+              <a:rPr lang="en-US" altLang="zh-CN" sz="2800" dirty="0">
+                <a:latin typeface="Comic Sans MS" panose="030F0702030302020204" pitchFamily="66" charset="0"/>
+                <a:ea typeface="Cambria Math" panose="02040503050406030204" pitchFamily="18" charset="0"/>
+              </a:rPr>
+              <a:t>PopA:2cdG</a:t>
+            </a:r>
+            <a:endParaRPr lang="en-US" sz="2800" dirty="0"/>
+          </a:p>
+        </p:txBody>
+      </p:sp>
+      <p:cxnSp>
+        <p:nvCxnSpPr>
+          <p:cNvPr id="10" name="Straight Arrow Connector 9"/>
+          <p:cNvCxnSpPr/>
+          <p:nvPr/>
+        </p:nvCxnSpPr>
+        <p:spPr>
+          <a:xfrm flipV="1">
+            <a:off x="6686896" y="2498744"/>
+            <a:ext cx="1326796" cy="1360"/>
+          </a:xfrm>
+          <a:prstGeom prst="straightConnector1">
+            <a:avLst/>
+          </a:prstGeom>
+          <a:ln w="28575">
+            <a:tailEnd type="triangle"/>
+          </a:ln>
+        </p:spPr>
+        <p:style>
+          <a:lnRef idx="1">
+            <a:schemeClr val="dk1"/>
+          </a:lnRef>
+          <a:fillRef idx="0">
+            <a:schemeClr val="dk1"/>
+          </a:fillRef>
+          <a:effectRef idx="0">
+            <a:schemeClr val="dk1"/>
+          </a:effectRef>
+          <a:fontRef idx="minor">
+            <a:schemeClr val="tx1"/>
+          </a:fontRef>
+        </p:style>
+      </p:cxnSp>
+      <p:cxnSp>
+        <p:nvCxnSpPr>
+          <p:cNvPr id="12" name="Straight Arrow Connector 11"/>
+          <p:cNvCxnSpPr/>
+          <p:nvPr/>
+        </p:nvCxnSpPr>
+        <p:spPr>
+          <a:xfrm flipH="1">
+            <a:off x="6517079" y="2628140"/>
+            <a:ext cx="1221290" cy="5537"/>
+          </a:xfrm>
+          <a:prstGeom prst="straightConnector1">
+            <a:avLst/>
+          </a:prstGeom>
+          <a:ln w="28575">
+            <a:tailEnd type="triangle"/>
+          </a:ln>
+        </p:spPr>
+        <p:style>
+          <a:lnRef idx="1">
+            <a:schemeClr val="dk1"/>
+          </a:lnRef>
+          <a:fillRef idx="0">
+            <a:schemeClr val="dk1"/>
+          </a:fillRef>
+          <a:effectRef idx="0">
+            <a:schemeClr val="dk1"/>
+          </a:effectRef>
+          <a:fontRef idx="minor">
+            <a:schemeClr val="tx1"/>
+          </a:fontRef>
+        </p:style>
+      </p:cxnSp>
+      <p:sp>
+        <p:nvSpPr>
+          <p:cNvPr id="14" name="Rectangle 13"/>
+          <p:cNvSpPr/>
+          <p:nvPr/>
+        </p:nvSpPr>
+        <p:spPr>
+          <a:xfrm>
+            <a:off x="5335542" y="2238494"/>
+            <a:ext cx="1043876" cy="523220"/>
+          </a:xfrm>
+          <a:prstGeom prst="rect">
+            <a:avLst/>
+          </a:prstGeom>
+        </p:spPr>
+        <p:txBody>
+          <a:bodyPr wrap="none">
+            <a:spAutoFit/>
+          </a:bodyPr>
+          <a:lstStyle/>
+          <a:p>
+            <a:r>
+              <a:rPr lang="en-US" altLang="zh-CN" sz="2800" dirty="0">
+                <a:latin typeface="Comic Sans MS" panose="030F0702030302020204" pitchFamily="66" charset="0"/>
+                <a:ea typeface="Cambria Math" panose="02040503050406030204" pitchFamily="18" charset="0"/>
+              </a:rPr>
+              <a:t>2cdG</a:t>
+            </a:r>
+            <a:endParaRPr lang="en-US" sz="2800" dirty="0"/>
+          </a:p>
+        </p:txBody>
+      </p:sp>
+      <p:cxnSp>
+        <p:nvCxnSpPr>
+          <p:cNvPr id="15" name="Straight Arrow Connector 14"/>
+          <p:cNvCxnSpPr/>
+          <p:nvPr/>
+        </p:nvCxnSpPr>
+        <p:spPr>
+          <a:xfrm>
+            <a:off x="5857480" y="2782285"/>
+            <a:ext cx="0" cy="698572"/>
+          </a:xfrm>
+          <a:prstGeom prst="straightConnector1">
+            <a:avLst/>
+          </a:prstGeom>
+          <a:ln w="28575">
+            <a:tailEnd type="triangle"/>
+          </a:ln>
+        </p:spPr>
+        <p:style>
+          <a:lnRef idx="1">
+            <a:schemeClr val="dk1"/>
+          </a:lnRef>
+          <a:fillRef idx="0">
+            <a:schemeClr val="dk1"/>
+          </a:fillRef>
+          <a:effectRef idx="0">
+            <a:schemeClr val="dk1"/>
+          </a:effectRef>
+          <a:fontRef idx="minor">
+            <a:schemeClr val="tx1"/>
+          </a:fontRef>
+        </p:style>
+      </p:cxnSp>
+      <p:cxnSp>
+        <p:nvCxnSpPr>
+          <p:cNvPr id="18" name="Straight Arrow Connector 17"/>
+          <p:cNvCxnSpPr/>
+          <p:nvPr/>
+        </p:nvCxnSpPr>
+        <p:spPr>
+          <a:xfrm flipH="1" flipV="1">
+            <a:off x="6021174" y="3177835"/>
+            <a:ext cx="495905" cy="383391"/>
+          </a:xfrm>
+          <a:prstGeom prst="straightConnector1">
+            <a:avLst/>
+          </a:prstGeom>
+          <a:ln w="28575">
+            <a:prstDash val="dash"/>
+            <a:tailEnd type="triangle"/>
+          </a:ln>
+        </p:spPr>
+        <p:style>
+          <a:lnRef idx="1">
+            <a:schemeClr val="dk1"/>
+          </a:lnRef>
+          <a:fillRef idx="0">
+            <a:schemeClr val="dk1"/>
+          </a:fillRef>
+          <a:effectRef idx="0">
+            <a:schemeClr val="dk1"/>
+          </a:effectRef>
+          <a:fontRef idx="minor">
+            <a:schemeClr val="tx1"/>
+          </a:fontRef>
+        </p:style>
+      </p:cxnSp>
+      <p:sp>
+        <p:nvSpPr>
+          <p:cNvPr id="21" name="Rectangle 20"/>
+          <p:cNvSpPr/>
+          <p:nvPr/>
+        </p:nvSpPr>
+        <p:spPr>
+          <a:xfrm>
+            <a:off x="6581348" y="3349105"/>
+            <a:ext cx="769763" cy="369332"/>
+          </a:xfrm>
+          <a:prstGeom prst="rect">
+            <a:avLst/>
+          </a:prstGeom>
+        </p:spPr>
+        <p:txBody>
+          <a:bodyPr wrap="none">
+            <a:spAutoFit/>
+          </a:bodyPr>
+          <a:lstStyle/>
+          <a:p>
+            <a:r>
+              <a:rPr lang="en-US" dirty="0" smtClean="0">
+                <a:latin typeface="Comic Sans MS" panose="030F0702030302020204" pitchFamily="66" charset="0"/>
+                <a:ea typeface="Cambria Math" panose="02040503050406030204" pitchFamily="18" charset="0"/>
+              </a:rPr>
+              <a:t>pDeA</a:t>
+            </a:r>
+            <a:endParaRPr lang="en-US" dirty="0"/>
+          </a:p>
+        </p:txBody>
+      </p:sp>
+      <p:sp>
+        <p:nvSpPr>
+          <p:cNvPr id="22" name="Rectangle 21"/>
+          <p:cNvSpPr/>
+          <p:nvPr/>
+        </p:nvSpPr>
+        <p:spPr>
+          <a:xfrm>
+            <a:off x="6797345" y="1087644"/>
+            <a:ext cx="660758" cy="369332"/>
+          </a:xfrm>
+          <a:prstGeom prst="rect">
+            <a:avLst/>
+          </a:prstGeom>
+        </p:spPr>
+        <p:txBody>
+          <a:bodyPr wrap="none">
+            <a:spAutoFit/>
+          </a:bodyPr>
+          <a:lstStyle/>
+          <a:p>
+            <a:r>
+              <a:rPr lang="en-US" dirty="0" smtClean="0">
+                <a:latin typeface="Comic Sans MS" panose="030F0702030302020204" pitchFamily="66" charset="0"/>
+                <a:ea typeface="Cambria Math" panose="02040503050406030204" pitchFamily="18" charset="0"/>
+              </a:rPr>
+              <a:t>PleD</a:t>
+            </a:r>
+            <a:endParaRPr lang="en-US" dirty="0"/>
+          </a:p>
+        </p:txBody>
+      </p:sp>
+      <p:cxnSp>
+        <p:nvCxnSpPr>
+          <p:cNvPr id="23" name="Straight Arrow Connector 22"/>
+          <p:cNvCxnSpPr/>
+          <p:nvPr/>
+        </p:nvCxnSpPr>
+        <p:spPr>
+          <a:xfrm>
+            <a:off x="5857480" y="1123406"/>
+            <a:ext cx="0" cy="1048253"/>
+          </a:xfrm>
+          <a:prstGeom prst="straightConnector1">
+            <a:avLst/>
+          </a:prstGeom>
+          <a:ln w="28575">
+            <a:tailEnd type="triangle"/>
+          </a:ln>
+        </p:spPr>
+        <p:style>
+          <a:lnRef idx="1">
+            <a:schemeClr val="dk1"/>
+          </a:lnRef>
+          <a:fillRef idx="0">
+            <a:schemeClr val="dk1"/>
+          </a:fillRef>
+          <a:effectRef idx="0">
+            <a:schemeClr val="dk1"/>
+          </a:effectRef>
+          <a:fontRef idx="minor">
+            <a:schemeClr val="tx1"/>
+          </a:fontRef>
+        </p:style>
+      </p:cxnSp>
+      <p:sp>
+        <p:nvSpPr>
+          <p:cNvPr id="24" name="Arc 23"/>
+          <p:cNvSpPr/>
+          <p:nvPr/>
+        </p:nvSpPr>
+        <p:spPr>
+          <a:xfrm>
+            <a:off x="5188290" y="1457333"/>
+            <a:ext cx="737416" cy="1162594"/>
+          </a:xfrm>
+          <a:prstGeom prst="arc">
+            <a:avLst>
+              <a:gd name="adj1" fmla="val 7364553"/>
+              <a:gd name="adj2" fmla="val 16919878"/>
+            </a:avLst>
+          </a:prstGeom>
+          <a:ln w="28575">
+            <a:prstDash val="dash"/>
+          </a:ln>
+        </p:spPr>
+        <p:style>
+          <a:lnRef idx="1">
+            <a:schemeClr val="dk1"/>
+          </a:lnRef>
+          <a:fillRef idx="0">
+            <a:schemeClr val="dk1"/>
+          </a:fillRef>
+          <a:effectRef idx="0">
+            <a:schemeClr val="dk1"/>
+          </a:effectRef>
+          <a:fontRef idx="minor">
+            <a:schemeClr val="tx1"/>
+          </a:fontRef>
+        </p:style>
+        <p:txBody>
+          <a:bodyPr rtlCol="0" anchor="ctr"/>
+          <a:lstStyle/>
+          <a:p>
+            <a:pPr algn="ctr"/>
+            <a:endParaRPr lang="en-US"/>
+          </a:p>
+        </p:txBody>
+      </p:sp>
+      <p:cxnSp>
+        <p:nvCxnSpPr>
+          <p:cNvPr id="26" name="Straight Connector 25"/>
+          <p:cNvCxnSpPr/>
+          <p:nvPr/>
+        </p:nvCxnSpPr>
+        <p:spPr>
+          <a:xfrm flipH="1">
+            <a:off x="5654107" y="1389603"/>
+            <a:ext cx="117566" cy="300446"/>
+          </a:xfrm>
+          <a:prstGeom prst="line">
+            <a:avLst/>
+          </a:prstGeom>
+          <a:ln w="28575"/>
+        </p:spPr>
+        <p:style>
+          <a:lnRef idx="1">
+            <a:schemeClr val="dk1"/>
+          </a:lnRef>
+          <a:fillRef idx="0">
+            <a:schemeClr val="dk1"/>
+          </a:fillRef>
+          <a:effectRef idx="0">
+            <a:schemeClr val="dk1"/>
+          </a:effectRef>
+          <a:fontRef idx="minor">
+            <a:schemeClr val="tx1"/>
+          </a:fontRef>
+        </p:style>
+      </p:cxnSp>
+      <p:cxnSp>
+        <p:nvCxnSpPr>
+          <p:cNvPr id="28" name="Straight Arrow Connector 27"/>
+          <p:cNvCxnSpPr/>
+          <p:nvPr/>
+        </p:nvCxnSpPr>
+        <p:spPr>
+          <a:xfrm flipH="1">
+            <a:off x="6011514" y="1272310"/>
+            <a:ext cx="675382" cy="357681"/>
+          </a:xfrm>
+          <a:prstGeom prst="straightConnector1">
+            <a:avLst/>
+          </a:prstGeom>
+          <a:ln w="28575">
+            <a:prstDash val="dash"/>
+            <a:tailEnd type="triangle"/>
+          </a:ln>
+        </p:spPr>
+        <p:style>
+          <a:lnRef idx="1">
+            <a:schemeClr val="dk1"/>
+          </a:lnRef>
+          <a:fillRef idx="0">
+            <a:schemeClr val="dk1"/>
+          </a:fillRef>
+          <a:effectRef idx="0">
+            <a:schemeClr val="dk1"/>
+          </a:effectRef>
+          <a:fontRef idx="minor">
+            <a:schemeClr val="tx1"/>
+          </a:fontRef>
+        </p:style>
+      </p:cxnSp>
+      <p:sp>
+        <p:nvSpPr>
+          <p:cNvPr id="30" name="Rectangle 29"/>
+          <p:cNvSpPr/>
+          <p:nvPr/>
+        </p:nvSpPr>
+        <p:spPr>
+          <a:xfrm>
+            <a:off x="3792877" y="2259065"/>
+            <a:ext cx="1297150" cy="523220"/>
+          </a:xfrm>
+          <a:prstGeom prst="rect">
+            <a:avLst/>
+          </a:prstGeom>
+        </p:spPr>
+        <p:txBody>
+          <a:bodyPr wrap="none">
+            <a:spAutoFit/>
+          </a:bodyPr>
+          <a:lstStyle/>
+          <a:p>
+            <a:r>
+              <a:rPr lang="en-US" altLang="zh-CN" sz="2800" dirty="0" smtClean="0">
+                <a:latin typeface="Comic Sans MS" panose="030F0702030302020204" pitchFamily="66" charset="0"/>
+                <a:ea typeface="Cambria Math" panose="02040503050406030204" pitchFamily="18" charset="0"/>
+              </a:rPr>
+              <a:t>PopA +</a:t>
+            </a:r>
+            <a:endParaRPr lang="en-US" sz="2800" dirty="0"/>
+          </a:p>
+        </p:txBody>
+      </p:sp>
+      <p:cxnSp>
+        <p:nvCxnSpPr>
+          <p:cNvPr id="31" name="Straight Arrow Connector 30"/>
+          <p:cNvCxnSpPr/>
+          <p:nvPr/>
+        </p:nvCxnSpPr>
+        <p:spPr>
+          <a:xfrm>
+            <a:off x="4246394" y="1123406"/>
+            <a:ext cx="0" cy="1048253"/>
+          </a:xfrm>
+          <a:prstGeom prst="straightConnector1">
+            <a:avLst/>
+          </a:prstGeom>
+          <a:ln w="28575">
+            <a:tailEnd type="triangle"/>
+          </a:ln>
+        </p:spPr>
+        <p:style>
+          <a:lnRef idx="1">
+            <a:schemeClr val="dk1"/>
+          </a:lnRef>
+          <a:fillRef idx="0">
+            <a:schemeClr val="dk1"/>
+          </a:fillRef>
+          <a:effectRef idx="0">
+            <a:schemeClr val="dk1"/>
+          </a:effectRef>
+          <a:fontRef idx="minor">
+            <a:schemeClr val="tx1"/>
+          </a:fontRef>
+        </p:style>
+      </p:cxnSp>
+      <p:cxnSp>
+        <p:nvCxnSpPr>
+          <p:cNvPr id="32" name="Straight Arrow Connector 31"/>
+          <p:cNvCxnSpPr/>
+          <p:nvPr/>
+        </p:nvCxnSpPr>
+        <p:spPr>
+          <a:xfrm>
+            <a:off x="4246394" y="2794554"/>
+            <a:ext cx="0" cy="698572"/>
+          </a:xfrm>
+          <a:prstGeom prst="straightConnector1">
+            <a:avLst/>
+          </a:prstGeom>
+          <a:ln w="28575">
+            <a:tailEnd type="triangle"/>
+          </a:ln>
+        </p:spPr>
+        <p:style>
+          <a:lnRef idx="1">
+            <a:schemeClr val="dk1"/>
+          </a:lnRef>
+          <a:fillRef idx="0">
+            <a:schemeClr val="dk1"/>
+          </a:fillRef>
+          <a:effectRef idx="0">
+            <a:schemeClr val="dk1"/>
+          </a:effectRef>
+          <a:fontRef idx="minor">
+            <a:schemeClr val="tx1"/>
+          </a:fontRef>
+        </p:style>
+      </p:cxnSp>
+      <p:sp>
+        <p:nvSpPr>
+          <p:cNvPr id="33" name="TextBox 32"/>
+          <p:cNvSpPr txBox="1"/>
+          <p:nvPr/>
+        </p:nvSpPr>
+        <p:spPr>
+          <a:xfrm>
+            <a:off x="352697" y="561703"/>
+            <a:ext cx="2316316" cy="769441"/>
+          </a:xfrm>
+          <a:prstGeom prst="rect">
+            <a:avLst/>
+          </a:prstGeom>
+          <a:noFill/>
+        </p:spPr>
+        <p:txBody>
+          <a:bodyPr wrap="square" rtlCol="0">
+            <a:spAutoFit/>
+          </a:bodyPr>
+          <a:lstStyle/>
+          <a:p>
+            <a:r>
+              <a:rPr lang="en-US" sz="4400" dirty="0" smtClean="0">
+                <a:latin typeface="Comic Sans MS" panose="030F0702030302020204" pitchFamily="66" charset="0"/>
+              </a:rPr>
+              <a:t>Model 3</a:t>
+            </a:r>
+            <a:endParaRPr lang="en-US" sz="4400" dirty="0">
+              <a:latin typeface="Comic Sans MS" panose="030F0702030302020204" pitchFamily="66" charset="0"/>
+            </a:endParaRPr>
+          </a:p>
+        </p:txBody>
+      </p:sp>
+      <p:sp>
+        <p:nvSpPr>
+          <p:cNvPr id="34" name="Rectangle 33"/>
+          <p:cNvSpPr/>
+          <p:nvPr/>
+        </p:nvSpPr>
+        <p:spPr>
+          <a:xfrm>
+            <a:off x="7048608" y="2065394"/>
+            <a:ext cx="561372" cy="369332"/>
+          </a:xfrm>
+          <a:prstGeom prst="rect">
+            <a:avLst/>
+          </a:prstGeom>
+        </p:spPr>
+        <p:txBody>
+          <a:bodyPr wrap="none">
+            <a:spAutoFit/>
+          </a:bodyPr>
+          <a:lstStyle/>
+          <a:p>
+            <a:r>
+              <a:rPr lang="en-US" dirty="0" smtClean="0">
+                <a:latin typeface="Comic Sans MS" panose="030F0702030302020204" pitchFamily="66" charset="0"/>
+                <a:ea typeface="Cambria Math" panose="02040503050406030204" pitchFamily="18" charset="0"/>
+              </a:rPr>
+              <a:t>k4+</a:t>
+            </a:r>
+            <a:endParaRPr lang="en-US" dirty="0">
+              <a:latin typeface="Comic Sans MS" panose="030F0702030302020204" pitchFamily="66" charset="0"/>
+            </a:endParaRPr>
+          </a:p>
+        </p:txBody>
+      </p:sp>
+      <p:sp>
+        <p:nvSpPr>
+          <p:cNvPr id="35" name="Rectangle 34"/>
+          <p:cNvSpPr/>
+          <p:nvPr/>
+        </p:nvSpPr>
+        <p:spPr>
+          <a:xfrm>
+            <a:off x="7025579" y="2728119"/>
+            <a:ext cx="546945" cy="369332"/>
+          </a:xfrm>
+          <a:prstGeom prst="rect">
+            <a:avLst/>
+          </a:prstGeom>
+        </p:spPr>
+        <p:txBody>
+          <a:bodyPr wrap="none">
+            <a:spAutoFit/>
+          </a:bodyPr>
+          <a:lstStyle/>
+          <a:p>
+            <a:r>
+              <a:rPr lang="en-US" dirty="0" smtClean="0">
+                <a:latin typeface="Comic Sans MS" panose="030F0702030302020204" pitchFamily="66" charset="0"/>
+                <a:ea typeface="Cambria Math" panose="02040503050406030204" pitchFamily="18" charset="0"/>
+              </a:rPr>
+              <a:t>k</a:t>
+            </a:r>
+            <a:r>
+              <a:rPr lang="en-US" dirty="0">
+                <a:latin typeface="Comic Sans MS" panose="030F0702030302020204" pitchFamily="66" charset="0"/>
+                <a:ea typeface="Cambria Math" panose="02040503050406030204" pitchFamily="18" charset="0"/>
+              </a:rPr>
+              <a:t>4</a:t>
+            </a:r>
+            <a:r>
+              <a:rPr lang="en-US" dirty="0" smtClean="0">
+                <a:latin typeface="Comic Sans MS" panose="030F0702030302020204" pitchFamily="66" charset="0"/>
+                <a:ea typeface="Cambria Math" panose="02040503050406030204" pitchFamily="18" charset="0"/>
+              </a:rPr>
+              <a:t>-</a:t>
+            </a:r>
+            <a:endParaRPr lang="en-US" dirty="0">
+              <a:latin typeface="Comic Sans MS" panose="030F0702030302020204" pitchFamily="66" charset="0"/>
+            </a:endParaRPr>
+          </a:p>
+        </p:txBody>
+      </p:sp>
+    </p:spTree>
+    <p:extLst>
+      <p:ext uri="{BB962C8B-B14F-4D97-AF65-F5344CB8AC3E}">
+        <p14:creationId xmlns:p14="http://schemas.microsoft.com/office/powerpoint/2010/main" val="1885134579"/>
+      </p:ext>
+    </p:extLst>
+  </p:cSld>
+  <p:clrMapOvr>
+    <a:masterClrMapping/>
+  </p:clrMapOvr>
+</p:sld>
+</file>
+
+<file path=ppt/slides/slide19.xml><?xml version="1.0" encoding="utf-8"?>
+<p:sld xmlns:a="http://schemas.openxmlformats.org/drawingml/2006/main" xmlns:r="http://schemas.openxmlformats.org/officeDocument/2006/relationships" xmlns:p="http://schemas.openxmlformats.org/presentationml/2006/main">
+  <p:cSld>
+    <p:spTree>
+      <p:nvGrpSpPr>
+        <p:cNvPr id="1" name=""/>
+        <p:cNvGrpSpPr/>
+        <p:nvPr/>
+      </p:nvGrpSpPr>
+      <p:grpSpPr>
+        <a:xfrm>
+          <a:off x="0" y="0"/>
+          <a:ext cx="0" cy="0"/>
+          <a:chOff x="0" y="0"/>
+          <a:chExt cx="0" cy="0"/>
+        </a:xfrm>
+      </p:grpSpPr>
+      <p:sp>
+        <p:nvSpPr>
           <p:cNvPr id="2" name="Title 1"/>
           <p:cNvSpPr>
             <a:spLocks noGrp="1"/>
@@ -7000,19 +8128,7 @@
               <a:rPr lang="en-US" dirty="0" smtClean="0">
                 <a:latin typeface="Comic Sans MS" panose="030F0702030302020204" pitchFamily="66" charset="0"/>
               </a:rPr>
-              <a:t>Spatial </a:t>
-            </a:r>
-            <a:r>
-              <a:rPr lang="en-US" dirty="0" smtClean="0">
-                <a:latin typeface="Comic Sans MS" panose="030F0702030302020204" pitchFamily="66" charset="0"/>
-              </a:rPr>
-              <a:t>dynamics of species in our model from </a:t>
-            </a:r>
-            <a:r>
-              <a:rPr lang="en-US" dirty="0" smtClean="0">
-                <a:latin typeface="Comic Sans MS" panose="030F0702030302020204" pitchFamily="66" charset="0"/>
-              </a:rPr>
-              <a:t>experiments</a:t>
+              <a:t>Temporal dynamics of species in our model from experiments</a:t>
             </a:r>
             <a:endParaRPr lang="en-US" dirty="0">
               <a:latin typeface="Comic Sans MS" panose="030F0702030302020204" pitchFamily="66" charset="0"/>
@@ -7022,14 +8138,14 @@
       </p:sp>
       <p:pic>
         <p:nvPicPr>
-          <p:cNvPr id="8" name="Picture 2"/>
+          <p:cNvPr id="1028" name="Picture 4"/>
           <p:cNvPicPr>
             <a:picLocks noChangeAspect="1" noChangeArrowheads="1"/>
           </p:cNvPicPr>
           <p:nvPr/>
         </p:nvPicPr>
         <p:blipFill>
-          <a:blip r:embed="rId2">
+          <a:blip r:embed="rId2" cstate="print">
             <a:extLst>
               <a:ext uri="{28A0092B-C50C-407E-A947-70E740481C1C}">
                 <a14:useLocalDpi xmlns:a14="http://schemas.microsoft.com/office/drawing/2010/main" val="0"/>
@@ -7043,8 +8159,8 @@
         </p:blipFill>
         <p:spPr bwMode="auto">
           <a:xfrm>
-            <a:off x="2963487" y="1249308"/>
-            <a:ext cx="6296025" cy="4276725"/>
+            <a:off x="3099661" y="2259936"/>
+            <a:ext cx="6137334" cy="912050"/>
           </a:xfrm>
           <a:prstGeom prst="rect">
             <a:avLst/>
@@ -7074,10 +8190,88 @@
           </a:extLst>
         </p:spPr>
       </p:pic>
+      <p:pic>
+        <p:nvPicPr>
+          <p:cNvPr id="6" name="Picture 5"/>
+          <p:cNvPicPr>
+            <a:picLocks noChangeAspect="1"/>
+          </p:cNvPicPr>
+          <p:nvPr/>
+        </p:nvPicPr>
+        <p:blipFill>
+          <a:blip r:embed="rId3"/>
+          <a:stretch>
+            <a:fillRect/>
+          </a:stretch>
+        </p:blipFill>
+        <p:spPr>
+          <a:xfrm>
+            <a:off x="2112197" y="1568169"/>
+            <a:ext cx="6887151" cy="691767"/>
+          </a:xfrm>
+          <a:prstGeom prst="rect">
+            <a:avLst/>
+          </a:prstGeom>
+        </p:spPr>
+      </p:pic>
+      <p:pic>
+        <p:nvPicPr>
+          <p:cNvPr id="12290" name="Picture 2"/>
+          <p:cNvPicPr>
+            <a:picLocks noChangeAspect="1" noChangeArrowheads="1"/>
+          </p:cNvPicPr>
+          <p:nvPr/>
+        </p:nvPicPr>
+        <p:blipFill>
+          <a:blip r:embed="rId4">
+            <a:extLst>
+              <a:ext uri="{28A0092B-C50C-407E-A947-70E740481C1C}">
+                <a14:useLocalDpi xmlns:a14="http://schemas.microsoft.com/office/drawing/2010/main" val="0"/>
+              </a:ext>
+            </a:extLst>
+          </a:blip>
+          <a:srcRect/>
+          <a:stretch>
+            <a:fillRect/>
+          </a:stretch>
+        </p:blipFill>
+        <p:spPr bwMode="auto">
+          <a:xfrm>
+            <a:off x="3689164" y="3273855"/>
+            <a:ext cx="5133975" cy="3409950"/>
+          </a:xfrm>
+          <a:prstGeom prst="rect">
+            <a:avLst/>
+          </a:prstGeom>
+          <a:noFill/>
+          <a:ln>
+            <a:noFill/>
+          </a:ln>
+          <a:extLst>
+            <a:ext uri="{909E8E84-426E-40DD-AFC4-6F175D3DCCD1}">
+              <a14:hiddenFill xmlns:a14="http://schemas.microsoft.com/office/drawing/2010/main">
+                <a:solidFill>
+                  <a:schemeClr val="accent1"/>
+                </a:solidFill>
+              </a14:hiddenFill>
+            </a:ext>
+            <a:ext uri="{91240B29-F687-4F45-9708-019B960494DF}">
+              <a14:hiddenLine xmlns:a14="http://schemas.microsoft.com/office/drawing/2010/main" w="9525">
+                <a:solidFill>
+                  <a:schemeClr val="tx1"/>
+                </a:solidFill>
+                <a:miter lim="800000"/>
+                <a:headEnd/>
+                <a:tailEnd/>
+              </a14:hiddenLine>
+            </a:ext>
+          </a:extLst>
+        </p:spPr>
+      </p:pic>
     </p:spTree>
     <p:extLst>
       <p:ext uri="{BB962C8B-B14F-4D97-AF65-F5344CB8AC3E}">
-        <p14:creationId xmlns:p14="http://schemas.microsoft.com/office/powerpoint/2010/main" val="1766772939"/>
+        <p14:creationId xmlns:p14="http://schemas.microsoft.com/office/powerpoint/2010/main" val="2255287142"/>
       </p:ext>
     </p:extLst>
   </p:cSld>
@@ -7573,6 +8767,212 @@
 </p:sld>
 </file>
 
+<file path=ppt/slides/slide20.xml><?xml version="1.0" encoding="utf-8"?>
+<p:sld xmlns:a="http://schemas.openxmlformats.org/drawingml/2006/main" xmlns:r="http://schemas.openxmlformats.org/officeDocument/2006/relationships" xmlns:p="http://schemas.openxmlformats.org/presentationml/2006/main">
+  <p:cSld>
+    <p:spTree>
+      <p:nvGrpSpPr>
+        <p:cNvPr id="1" name=""/>
+        <p:cNvGrpSpPr/>
+        <p:nvPr/>
+      </p:nvGrpSpPr>
+      <p:grpSpPr>
+        <a:xfrm>
+          <a:off x="0" y="0"/>
+          <a:ext cx="0" cy="0"/>
+          <a:chOff x="0" y="0"/>
+          <a:chExt cx="0" cy="0"/>
+        </a:xfrm>
+      </p:grpSpPr>
+      <p:pic>
+        <p:nvPicPr>
+          <p:cNvPr id="7" name="Google Shape;128;p22"/>
+          <p:cNvPicPr preferRelativeResize="0"/>
+          <p:nvPr/>
+        </p:nvPicPr>
+        <p:blipFill>
+          <a:blip r:embed="rId2">
+            <a:alphaModFix/>
+          </a:blip>
+          <a:stretch>
+            <a:fillRect/>
+          </a:stretch>
+        </p:blipFill>
+        <p:spPr>
+          <a:xfrm>
+            <a:off x="2072634" y="2200759"/>
+            <a:ext cx="7624138" cy="2867187"/>
+          </a:xfrm>
+          <a:prstGeom prst="rect">
+            <a:avLst/>
+          </a:prstGeom>
+          <a:noFill/>
+          <a:ln>
+            <a:noFill/>
+          </a:ln>
+        </p:spPr>
+      </p:pic>
+      <p:sp>
+        <p:nvSpPr>
+          <p:cNvPr id="2" name="Title 1"/>
+          <p:cNvSpPr>
+            <a:spLocks noGrp="1"/>
+          </p:cNvSpPr>
+          <p:nvPr>
+            <p:ph type="title"/>
+          </p:nvPr>
+        </p:nvSpPr>
+        <p:spPr>
+          <a:xfrm>
+            <a:off x="-1" y="0"/>
+            <a:ext cx="11652069" cy="1325563"/>
+          </a:xfrm>
+        </p:spPr>
+        <p:txBody>
+          <a:bodyPr/>
+          <a:lstStyle/>
+          <a:p>
+            <a:r>
+              <a:rPr lang="en-US" dirty="0" smtClean="0">
+                <a:latin typeface="Comic Sans MS" panose="030F0702030302020204" pitchFamily="66" charset="0"/>
+              </a:rPr>
+              <a:t>Spatial dynamics of species in our model from experiments</a:t>
+            </a:r>
+            <a:endParaRPr lang="en-US" dirty="0">
+              <a:latin typeface="Comic Sans MS" panose="030F0702030302020204" pitchFamily="66" charset="0"/>
+            </a:endParaRPr>
+          </a:p>
+        </p:txBody>
+      </p:sp>
+    </p:spTree>
+    <p:extLst>
+      <p:ext uri="{BB962C8B-B14F-4D97-AF65-F5344CB8AC3E}">
+        <p14:creationId xmlns:p14="http://schemas.microsoft.com/office/powerpoint/2010/main" val="534332264"/>
+      </p:ext>
+    </p:extLst>
+  </p:cSld>
+  <p:clrMapOvr>
+    <a:masterClrMapping/>
+  </p:clrMapOvr>
+</p:sld>
+</file>
+
+<file path=ppt/slides/slide21.xml><?xml version="1.0" encoding="utf-8"?>
+<p:sld xmlns:a="http://schemas.openxmlformats.org/drawingml/2006/main" xmlns:r="http://schemas.openxmlformats.org/officeDocument/2006/relationships" xmlns:p="http://schemas.openxmlformats.org/presentationml/2006/main">
+  <p:cSld>
+    <p:spTree>
+      <p:nvGrpSpPr>
+        <p:cNvPr id="1" name=""/>
+        <p:cNvGrpSpPr/>
+        <p:nvPr/>
+      </p:nvGrpSpPr>
+      <p:grpSpPr>
+        <a:xfrm>
+          <a:off x="0" y="0"/>
+          <a:ext cx="0" cy="0"/>
+          <a:chOff x="0" y="0"/>
+          <a:chExt cx="0" cy="0"/>
+        </a:xfrm>
+      </p:grpSpPr>
+      <p:sp>
+        <p:nvSpPr>
+          <p:cNvPr id="2" name="Title 1"/>
+          <p:cNvSpPr>
+            <a:spLocks noGrp="1"/>
+          </p:cNvSpPr>
+          <p:nvPr>
+            <p:ph type="title"/>
+          </p:nvPr>
+        </p:nvSpPr>
+        <p:spPr>
+          <a:xfrm>
+            <a:off x="-1" y="0"/>
+            <a:ext cx="11652069" cy="1325563"/>
+          </a:xfrm>
+        </p:spPr>
+        <p:txBody>
+          <a:bodyPr/>
+          <a:lstStyle/>
+          <a:p>
+            <a:r>
+              <a:rPr lang="en-US" dirty="0" smtClean="0">
+                <a:latin typeface="Comic Sans MS" panose="030F0702030302020204" pitchFamily="66" charset="0"/>
+              </a:rPr>
+              <a:t>Spatial dynamics of species in our model from experiments</a:t>
+            </a:r>
+            <a:endParaRPr lang="en-US" dirty="0">
+              <a:latin typeface="Comic Sans MS" panose="030F0702030302020204" pitchFamily="66" charset="0"/>
+            </a:endParaRPr>
+          </a:p>
+        </p:txBody>
+      </p:sp>
+      <p:pic>
+        <p:nvPicPr>
+          <p:cNvPr id="8" name="Picture 2"/>
+          <p:cNvPicPr>
+            <a:picLocks noChangeAspect="1" noChangeArrowheads="1"/>
+          </p:cNvPicPr>
+          <p:nvPr/>
+        </p:nvPicPr>
+        <p:blipFill>
+          <a:blip r:embed="rId2">
+            <a:extLst>
+              <a:ext uri="{28A0092B-C50C-407E-A947-70E740481C1C}">
+                <a14:useLocalDpi xmlns:a14="http://schemas.microsoft.com/office/drawing/2010/main" val="0"/>
+              </a:ext>
+            </a:extLst>
+          </a:blip>
+          <a:srcRect/>
+          <a:stretch>
+            <a:fillRect/>
+          </a:stretch>
+        </p:blipFill>
+        <p:spPr bwMode="auto">
+          <a:xfrm>
+            <a:off x="2963487" y="1249308"/>
+            <a:ext cx="6296025" cy="4276725"/>
+          </a:xfrm>
+          <a:prstGeom prst="rect">
+            <a:avLst/>
+          </a:prstGeom>
+          <a:noFill/>
+          <a:ln>
+            <a:noFill/>
+          </a:ln>
+          <a:extLst>
+            <a:ext uri="{909E8E84-426E-40DD-AFC4-6F175D3DCCD1}">
+              <a14:hiddenFill xmlns:a14="http://schemas.microsoft.com/office/drawing/2010/main">
+                <a:solidFill>
+                  <a:schemeClr val="accent1"/>
+                </a:solidFill>
+              </a14:hiddenFill>
+            </a:ext>
+            <a:ext uri="{91240B29-F687-4F45-9708-019B960494DF}">
+              <a14:hiddenLine xmlns:a14="http://schemas.microsoft.com/office/drawing/2010/main" w="9525">
+                <a:solidFill>
+                  <a:schemeClr val="tx1"/>
+                </a:solidFill>
+                <a:miter lim="800000"/>
+                <a:headEnd/>
+                <a:tailEnd/>
+              </a14:hiddenLine>
+            </a:ext>
+          </a:extLst>
+        </p:spPr>
+      </p:pic>
+    </p:spTree>
+    <p:extLst>
+      <p:ext uri="{BB962C8B-B14F-4D97-AF65-F5344CB8AC3E}">
+        <p14:creationId xmlns:p14="http://schemas.microsoft.com/office/powerpoint/2010/main" val="1766772939"/>
+      </p:ext>
+    </p:extLst>
+  </p:cSld>
+  <p:clrMapOvr>
+    <a:masterClrMapping/>
+  </p:clrMapOvr>
+</p:sld>
+</file>
+
 <file path=ppt/slides/slide3.xml><?xml version="1.0" encoding="utf-8"?>
 <p:sld xmlns:a="http://schemas.openxmlformats.org/drawingml/2006/main" xmlns:r="http://schemas.openxmlformats.org/officeDocument/2006/relationships" xmlns:p="http://schemas.openxmlformats.org/presentationml/2006/main">
   <p:cSld>
@@ -7592,6 +8992,58 @@
       </p:grpSpPr>
       <p:sp>
         <p:nvSpPr>
+          <p:cNvPr id="3" name="Oval Callout 2"/>
+          <p:cNvSpPr/>
+          <p:nvPr/>
+        </p:nvSpPr>
+        <p:spPr>
+          <a:xfrm>
+            <a:off x="4613571" y="719117"/>
+            <a:ext cx="3770878" cy="1655676"/>
+          </a:xfrm>
+          <a:prstGeom prst="wedgeEllipseCallout">
+            <a:avLst>
+              <a:gd name="adj1" fmla="val -57549"/>
+              <a:gd name="adj2" fmla="val 94326"/>
+            </a:avLst>
+          </a:prstGeom>
+          <a:solidFill>
+            <a:schemeClr val="bg1"/>
+          </a:solidFill>
+          <a:ln>
+            <a:solidFill>
+              <a:schemeClr val="tx1"/>
+            </a:solidFill>
+            <a:prstDash val="dashDot"/>
+          </a:ln>
+        </p:spPr>
+        <p:style>
+          <a:lnRef idx="2">
+            <a:schemeClr val="accent1">
+              <a:shade val="50000"/>
+            </a:schemeClr>
+          </a:lnRef>
+          <a:fillRef idx="1">
+            <a:schemeClr val="accent1"/>
+          </a:fillRef>
+          <a:effectRef idx="0">
+            <a:schemeClr val="accent1"/>
+          </a:effectRef>
+          <a:fontRef idx="minor">
+            <a:schemeClr val="lt1"/>
+          </a:fontRef>
+        </p:style>
+        <p:txBody>
+          <a:bodyPr rtlCol="0" anchor="ctr"/>
+          <a:lstStyle/>
+          <a:p>
+            <a:pPr algn="ctr"/>
+            <a:endParaRPr lang="en-CA"/>
+          </a:p>
+        </p:txBody>
+      </p:sp>
+      <p:sp>
+        <p:nvSpPr>
           <p:cNvPr id="4" name="TextBox 3"/>
           <p:cNvSpPr txBox="1"/>
           <p:nvPr/>
@@ -7617,7 +9069,35 @@
                 <a:latin typeface="Comic Sans MS" panose="030F0702030302020204" pitchFamily="66" charset="0"/>
                 <a:ea typeface="Cambria Math" panose="02040503050406030204" pitchFamily="18" charset="0"/>
               </a:rPr>
-              <a:t>ClpXP + CpdR                ClpXP:CpdR_b (Complex 1)</a:t>
+              <a:t>ClpXP + </a:t>
+            </a:r>
+            <a:r>
+              <a:rPr lang="en-US" sz="2800" dirty="0" err="1" smtClean="0">
+                <a:latin typeface="Comic Sans MS" panose="030F0702030302020204" pitchFamily="66" charset="0"/>
+                <a:ea typeface="Cambria Math" panose="02040503050406030204" pitchFamily="18" charset="0"/>
+              </a:rPr>
+              <a:t>CpdR</a:t>
+            </a:r>
+            <a:r>
+              <a:rPr lang="en-US" sz="2800" dirty="0" smtClean="0">
+                <a:latin typeface="Comic Sans MS" panose="030F0702030302020204" pitchFamily="66" charset="0"/>
+                <a:ea typeface="Cambria Math" panose="02040503050406030204" pitchFamily="18" charset="0"/>
+              </a:rPr>
+              <a:t>                </a:t>
+            </a:r>
+            <a:r>
+              <a:rPr lang="en-US" sz="2800" dirty="0" err="1" smtClean="0">
+                <a:latin typeface="Comic Sans MS" panose="030F0702030302020204" pitchFamily="66" charset="0"/>
+                <a:ea typeface="Cambria Math" panose="02040503050406030204" pitchFamily="18" charset="0"/>
+              </a:rPr>
+              <a:t>ClpXP:CpdR</a:t>
+            </a:r>
+            <a:r>
+              <a:rPr lang="en-US" sz="2800" dirty="0" smtClean="0">
+                <a:latin typeface="Comic Sans MS" panose="030F0702030302020204" pitchFamily="66" charset="0"/>
+                <a:ea typeface="Cambria Math" panose="02040503050406030204" pitchFamily="18" charset="0"/>
+              </a:rPr>
+              <a:t> (Complex 1)</a:t>
             </a:r>
             <a:endParaRPr lang="en-US" sz="2800" dirty="0">
               <a:latin typeface="Comic Sans MS" panose="030F0702030302020204" pitchFamily="66" charset="0"/>
@@ -8816,83 +10296,6 @@
       </p:sp>
       <p:sp>
         <p:nvSpPr>
-          <p:cNvPr id="8" name="Oval 7"/>
-          <p:cNvSpPr/>
-          <p:nvPr/>
-        </p:nvSpPr>
-        <p:spPr>
-          <a:xfrm>
-            <a:off x="4411082" y="1090974"/>
-            <a:ext cx="4505895" cy="1223404"/>
-          </a:xfrm>
-          <a:prstGeom prst="ellipse">
-            <a:avLst/>
-          </a:prstGeom>
-          <a:noFill/>
-          <a:ln w="28575">
-            <a:prstDash val="dash"/>
-          </a:ln>
-        </p:spPr>
-        <p:style>
-          <a:lnRef idx="2">
-            <a:schemeClr val="dk1">
-              <a:shade val="50000"/>
-            </a:schemeClr>
-          </a:lnRef>
-          <a:fillRef idx="1">
-            <a:schemeClr val="dk1"/>
-          </a:fillRef>
-          <a:effectRef idx="0">
-            <a:schemeClr val="dk1"/>
-          </a:effectRef>
-          <a:fontRef idx="minor">
-            <a:schemeClr val="lt1"/>
-          </a:fontRef>
-        </p:style>
-        <p:txBody>
-          <a:bodyPr rtlCol="0" anchor="ctr"/>
-          <a:lstStyle/>
-          <a:p>
-            <a:pPr algn="ctr"/>
-            <a:endParaRPr lang="en-US"/>
-          </a:p>
-        </p:txBody>
-      </p:sp>
-      <p:cxnSp>
-        <p:nvCxnSpPr>
-          <p:cNvPr id="10" name="Straight Connector 9"/>
-          <p:cNvCxnSpPr/>
-          <p:nvPr/>
-        </p:nvCxnSpPr>
-        <p:spPr>
-          <a:xfrm flipH="1">
-            <a:off x="4311846" y="2314378"/>
-            <a:ext cx="808794" cy="581965"/>
-          </a:xfrm>
-          <a:prstGeom prst="line">
-            <a:avLst/>
-          </a:prstGeom>
-          <a:ln w="28575">
-            <a:prstDash val="dash"/>
-          </a:ln>
-        </p:spPr>
-        <p:style>
-          <a:lnRef idx="1">
-            <a:schemeClr val="dk1"/>
-          </a:lnRef>
-          <a:fillRef idx="0">
-            <a:schemeClr val="dk1"/>
-          </a:fillRef>
-          <a:effectRef idx="0">
-            <a:schemeClr val="dk1"/>
-          </a:effectRef>
-          <a:fontRef idx="minor">
-            <a:schemeClr val="tx1"/>
-          </a:fontRef>
-        </p:style>
-      </p:cxnSp>
-      <p:sp>
-        <p:nvSpPr>
           <p:cNvPr id="2" name="TextBox 1"/>
           <p:cNvSpPr txBox="1"/>
           <p:nvPr/>
@@ -9134,7 +10537,7 @@
   <p:cSld>
     <p:spTree>
       <p:nvGrpSpPr>
-        <p:cNvPr id="1" name=""/>
+        <p:cNvPr id="1" name="Shape 167"/>
         <p:cNvGrpSpPr/>
         <p:nvPr/>
       </p:nvGrpSpPr>
@@ -9148,8 +10551,8 @@
       </p:grpSpPr>
       <p:sp>
         <p:nvSpPr>
-          <p:cNvPr id="2" name="Title 1"/>
-          <p:cNvSpPr>
+          <p:cNvPr id="168" name="Google Shape;168;p27"/>
+          <p:cNvSpPr txBox="1">
             <a:spLocks noGrp="1"/>
           </p:cNvSpPr>
           <p:nvPr>
@@ -9158,80 +10561,606 @@
         </p:nvSpPr>
         <p:spPr>
           <a:xfrm>
-            <a:off x="-1" y="0"/>
-            <a:ext cx="11652069" cy="1325563"/>
-          </a:xfrm>
-        </p:spPr>
-        <p:txBody>
-          <a:bodyPr/>
-          <a:lstStyle/>
-          <a:p>
-            <a:r>
-              <a:rPr lang="en-US" dirty="0" smtClean="0">
-                <a:latin typeface="Comic Sans MS" panose="030F0702030302020204" pitchFamily="66" charset="0"/>
-              </a:rPr>
-              <a:t>Temporal dynamics of species in our </a:t>
-            </a:r>
-            <a:r>
-              <a:rPr lang="en-US" dirty="0" smtClean="0">
-                <a:latin typeface="Comic Sans MS" panose="030F0702030302020204" pitchFamily="66" charset="0"/>
-              </a:rPr>
-              <a:t>model</a:t>
-            </a:r>
-            <a:br>
-              <a:rPr lang="en-US" dirty="0" smtClean="0">
-                <a:latin typeface="Comic Sans MS" panose="030F0702030302020204" pitchFamily="66" charset="0"/>
-              </a:rPr>
-            </a:br>
-            <a:r>
-              <a:rPr lang="en-US" dirty="0">
-                <a:latin typeface="Comic Sans MS" panose="030F0702030302020204" pitchFamily="66" charset="0"/>
-              </a:rPr>
-              <a:t> </a:t>
-            </a:r>
-            <a:r>
-              <a:rPr lang="en-US" dirty="0" smtClean="0">
-                <a:latin typeface="Comic Sans MS" panose="030F0702030302020204" pitchFamily="66" charset="0"/>
-              </a:rPr>
-              <a:t>– </a:t>
-            </a:r>
-            <a:r>
-              <a:rPr lang="en-US" u="sng" dirty="0" smtClean="0">
-                <a:latin typeface="Comic Sans MS" panose="030F0702030302020204" pitchFamily="66" charset="0"/>
-              </a:rPr>
-              <a:t>before division</a:t>
-            </a:r>
-            <a:endParaRPr lang="en-US" u="sng" dirty="0">
-              <a:latin typeface="Comic Sans MS" panose="030F0702030302020204" pitchFamily="66" charset="0"/>
-            </a:endParaRPr>
+            <a:off x="0" y="0"/>
+            <a:ext cx="11360800" cy="763600"/>
+          </a:xfrm>
+          <a:prstGeom prst="rect">
+            <a:avLst/>
+          </a:prstGeom>
+        </p:spPr>
+        <p:txBody>
+          <a:bodyPr spcFirstLastPara="1" wrap="square" lIns="121897" tIns="121897" rIns="121897" bIns="121897" anchor="t" anchorCtr="0">
+            <a:noAutofit/>
+          </a:bodyPr>
+          <a:lstStyle/>
+          <a:p>
+            <a:r>
+              <a:rPr lang="en" sz="4000"/>
+              <a:t>Simulation Scheme</a:t>
+            </a:r>
+            <a:endParaRPr sz="4000"/>
+          </a:p>
+        </p:txBody>
+      </p:sp>
+      <p:sp>
+        <p:nvSpPr>
+          <p:cNvPr id="169" name="Google Shape;169;p27"/>
+          <p:cNvSpPr txBox="1">
+            <a:spLocks noGrp="1"/>
+          </p:cNvSpPr>
+          <p:nvPr>
+            <p:ph type="body" idx="1"/>
+          </p:nvPr>
+        </p:nvSpPr>
+        <p:spPr>
+          <a:xfrm>
+            <a:off x="0" y="992333"/>
+            <a:ext cx="11360800" cy="656000"/>
+          </a:xfrm>
+          <a:prstGeom prst="rect">
+            <a:avLst/>
+          </a:prstGeom>
+        </p:spPr>
+        <p:txBody>
+          <a:bodyPr spcFirstLastPara="1" wrap="square" lIns="121897" tIns="121897" rIns="121897" bIns="121897" anchor="t" anchorCtr="0">
+            <a:noAutofit/>
+          </a:bodyPr>
+          <a:lstStyle/>
+          <a:p>
+            <a:pPr marL="0" indent="0">
+              <a:buNone/>
+            </a:pPr>
+            <a:r>
+              <a:rPr lang="en"/>
+              <a:t>Use finite difference method to get numerical approximation of PDE system</a:t>
+            </a:r>
+            <a:endParaRPr/>
+          </a:p>
+          <a:p>
+            <a:pPr marL="0" indent="0">
+              <a:spcBef>
+                <a:spcPts val="2133"/>
+              </a:spcBef>
+              <a:buNone/>
+            </a:pPr>
+            <a:endParaRPr/>
+          </a:p>
+          <a:p>
+            <a:pPr marL="0" indent="0">
+              <a:spcBef>
+                <a:spcPts val="2133"/>
+              </a:spcBef>
+              <a:spcAft>
+                <a:spcPts val="2133"/>
+              </a:spcAft>
+              <a:buNone/>
+            </a:pPr>
+            <a:endParaRPr/>
+          </a:p>
+        </p:txBody>
+      </p:sp>
+      <p:sp>
+        <p:nvSpPr>
+          <p:cNvPr id="170" name="Google Shape;170;p27"/>
+          <p:cNvSpPr/>
+          <p:nvPr/>
+        </p:nvSpPr>
+        <p:spPr>
+          <a:xfrm>
+            <a:off x="761967" y="2146033"/>
+            <a:ext cx="6826800" cy="552000"/>
+          </a:xfrm>
+          <a:prstGeom prst="roundRect">
+            <a:avLst>
+              <a:gd name="adj" fmla="val 16667"/>
+            </a:avLst>
+          </a:prstGeom>
+          <a:solidFill>
+            <a:schemeClr val="lt2"/>
+          </a:solidFill>
+          <a:ln w="19050" cap="flat" cmpd="sng">
+            <a:solidFill>
+              <a:srgbClr val="000000"/>
+            </a:solidFill>
+            <a:prstDash val="solid"/>
+            <a:round/>
+            <a:headEnd type="none" w="sm" len="sm"/>
+            <a:tailEnd type="none" w="sm" len="sm"/>
+          </a:ln>
+        </p:spPr>
+        <p:txBody>
+          <a:bodyPr spcFirstLastPara="1" wrap="square" lIns="121897" tIns="121897" rIns="121897" bIns="121897" anchor="ctr" anchorCtr="0">
+            <a:noAutofit/>
+          </a:bodyPr>
+          <a:lstStyle/>
+          <a:p>
+            <a:endParaRPr/>
+          </a:p>
+        </p:txBody>
+      </p:sp>
+      <p:sp>
+        <p:nvSpPr>
+          <p:cNvPr id="171" name="Google Shape;171;p27"/>
+          <p:cNvSpPr/>
+          <p:nvPr/>
+        </p:nvSpPr>
+        <p:spPr>
+          <a:xfrm>
+            <a:off x="761967" y="2146033"/>
+            <a:ext cx="777600" cy="552000"/>
+          </a:xfrm>
+          <a:prstGeom prst="roundRect">
+            <a:avLst>
+              <a:gd name="adj" fmla="val 16667"/>
+            </a:avLst>
+          </a:prstGeom>
+          <a:solidFill>
+            <a:schemeClr val="lt2"/>
+          </a:solidFill>
+          <a:ln w="19050" cap="flat" cmpd="sng">
+            <a:solidFill>
+              <a:srgbClr val="0000FF"/>
+            </a:solidFill>
+            <a:prstDash val="solid"/>
+            <a:round/>
+            <a:headEnd type="none" w="sm" len="sm"/>
+            <a:tailEnd type="none" w="sm" len="sm"/>
+          </a:ln>
+        </p:spPr>
+        <p:txBody>
+          <a:bodyPr spcFirstLastPara="1" wrap="square" lIns="121897" tIns="121897" rIns="121897" bIns="121897" anchor="ctr" anchorCtr="0">
+            <a:noAutofit/>
+          </a:bodyPr>
+          <a:lstStyle/>
+          <a:p>
+            <a:endParaRPr/>
+          </a:p>
+        </p:txBody>
+      </p:sp>
+      <p:sp>
+        <p:nvSpPr>
+          <p:cNvPr id="172" name="Google Shape;172;p27"/>
+          <p:cNvSpPr/>
+          <p:nvPr/>
+        </p:nvSpPr>
+        <p:spPr>
+          <a:xfrm>
+            <a:off x="1539567" y="2146033"/>
+            <a:ext cx="777600" cy="552000"/>
+          </a:xfrm>
+          <a:prstGeom prst="roundRect">
+            <a:avLst>
+              <a:gd name="adj" fmla="val 16667"/>
+            </a:avLst>
+          </a:prstGeom>
+          <a:solidFill>
+            <a:schemeClr val="lt2"/>
+          </a:solidFill>
+          <a:ln w="19050" cap="flat" cmpd="sng">
+            <a:solidFill>
+              <a:srgbClr val="0000FF"/>
+            </a:solidFill>
+            <a:prstDash val="solid"/>
+            <a:round/>
+            <a:headEnd type="none" w="sm" len="sm"/>
+            <a:tailEnd type="none" w="sm" len="sm"/>
+          </a:ln>
+        </p:spPr>
+        <p:txBody>
+          <a:bodyPr spcFirstLastPara="1" wrap="square" lIns="121897" tIns="121897" rIns="121897" bIns="121897" anchor="ctr" anchorCtr="0">
+            <a:noAutofit/>
+          </a:bodyPr>
+          <a:lstStyle/>
+          <a:p>
+            <a:endParaRPr/>
+          </a:p>
+        </p:txBody>
+      </p:sp>
+      <p:sp>
+        <p:nvSpPr>
+          <p:cNvPr id="173" name="Google Shape;173;p27"/>
+          <p:cNvSpPr/>
+          <p:nvPr/>
+        </p:nvSpPr>
+        <p:spPr>
+          <a:xfrm>
+            <a:off x="2317167" y="2146033"/>
+            <a:ext cx="777600" cy="552000"/>
+          </a:xfrm>
+          <a:prstGeom prst="roundRect">
+            <a:avLst>
+              <a:gd name="adj" fmla="val 16667"/>
+            </a:avLst>
+          </a:prstGeom>
+          <a:solidFill>
+            <a:schemeClr val="lt2"/>
+          </a:solidFill>
+          <a:ln w="19050" cap="flat" cmpd="sng">
+            <a:solidFill>
+              <a:srgbClr val="0000FF"/>
+            </a:solidFill>
+            <a:prstDash val="solid"/>
+            <a:round/>
+            <a:headEnd type="none" w="sm" len="sm"/>
+            <a:tailEnd type="none" w="sm" len="sm"/>
+          </a:ln>
+        </p:spPr>
+        <p:txBody>
+          <a:bodyPr spcFirstLastPara="1" wrap="square" lIns="121897" tIns="121897" rIns="121897" bIns="121897" anchor="ctr" anchorCtr="0">
+            <a:noAutofit/>
+          </a:bodyPr>
+          <a:lstStyle/>
+          <a:p>
+            <a:endParaRPr/>
+          </a:p>
+        </p:txBody>
+      </p:sp>
+      <p:sp>
+        <p:nvSpPr>
+          <p:cNvPr id="174" name="Google Shape;174;p27"/>
+          <p:cNvSpPr/>
+          <p:nvPr/>
+        </p:nvSpPr>
+        <p:spPr>
+          <a:xfrm>
+            <a:off x="6033567" y="2146033"/>
+            <a:ext cx="777600" cy="552000"/>
+          </a:xfrm>
+          <a:prstGeom prst="roundRect">
+            <a:avLst>
+              <a:gd name="adj" fmla="val 16667"/>
+            </a:avLst>
+          </a:prstGeom>
+          <a:solidFill>
+            <a:schemeClr val="lt2"/>
+          </a:solidFill>
+          <a:ln w="9525" cap="flat" cmpd="sng">
+            <a:solidFill>
+              <a:srgbClr val="0000FF"/>
+            </a:solidFill>
+            <a:prstDash val="solid"/>
+            <a:round/>
+            <a:headEnd type="none" w="sm" len="sm"/>
+            <a:tailEnd type="none" w="sm" len="sm"/>
+          </a:ln>
+        </p:spPr>
+        <p:txBody>
+          <a:bodyPr spcFirstLastPara="1" wrap="square" lIns="121897" tIns="121897" rIns="121897" bIns="121897" anchor="ctr" anchorCtr="0">
+            <a:noAutofit/>
+          </a:bodyPr>
+          <a:lstStyle/>
+          <a:p>
+            <a:endParaRPr/>
+          </a:p>
+        </p:txBody>
+      </p:sp>
+      <p:sp>
+        <p:nvSpPr>
+          <p:cNvPr id="175" name="Google Shape;175;p27"/>
+          <p:cNvSpPr/>
+          <p:nvPr/>
+        </p:nvSpPr>
+        <p:spPr>
+          <a:xfrm>
+            <a:off x="6811167" y="2146033"/>
+            <a:ext cx="777600" cy="552000"/>
+          </a:xfrm>
+          <a:prstGeom prst="roundRect">
+            <a:avLst>
+              <a:gd name="adj" fmla="val 16667"/>
+            </a:avLst>
+          </a:prstGeom>
+          <a:solidFill>
+            <a:schemeClr val="lt2"/>
+          </a:solidFill>
+          <a:ln w="19050" cap="flat" cmpd="sng">
+            <a:solidFill>
+              <a:srgbClr val="0000FF"/>
+            </a:solidFill>
+            <a:prstDash val="solid"/>
+            <a:round/>
+            <a:headEnd type="none" w="sm" len="sm"/>
+            <a:tailEnd type="none" w="sm" len="sm"/>
+          </a:ln>
+        </p:spPr>
+        <p:txBody>
+          <a:bodyPr spcFirstLastPara="1" wrap="square" lIns="121897" tIns="121897" rIns="121897" bIns="121897" anchor="ctr" anchorCtr="0">
+            <a:noAutofit/>
+          </a:bodyPr>
+          <a:lstStyle/>
+          <a:p>
+            <a:endParaRPr/>
+          </a:p>
+        </p:txBody>
+      </p:sp>
+      <p:sp>
+        <p:nvSpPr>
+          <p:cNvPr id="176" name="Google Shape;176;p27"/>
+          <p:cNvSpPr/>
+          <p:nvPr/>
+        </p:nvSpPr>
+        <p:spPr>
+          <a:xfrm>
+            <a:off x="5255967" y="2146033"/>
+            <a:ext cx="777600" cy="552000"/>
+          </a:xfrm>
+          <a:prstGeom prst="roundRect">
+            <a:avLst>
+              <a:gd name="adj" fmla="val 16667"/>
+            </a:avLst>
+          </a:prstGeom>
+          <a:solidFill>
+            <a:schemeClr val="lt2"/>
+          </a:solidFill>
+          <a:ln w="19050" cap="flat" cmpd="sng">
+            <a:solidFill>
+              <a:srgbClr val="0000FF"/>
+            </a:solidFill>
+            <a:prstDash val="solid"/>
+            <a:round/>
+            <a:headEnd type="none" w="sm" len="sm"/>
+            <a:tailEnd type="none" w="sm" len="sm"/>
+          </a:ln>
+        </p:spPr>
+        <p:txBody>
+          <a:bodyPr spcFirstLastPara="1" wrap="square" lIns="121897" tIns="121897" rIns="121897" bIns="121897" anchor="ctr" anchorCtr="0">
+            <a:noAutofit/>
+          </a:bodyPr>
+          <a:lstStyle/>
+          <a:p>
+            <a:endParaRPr/>
+          </a:p>
+        </p:txBody>
+      </p:sp>
+      <p:sp>
+        <p:nvSpPr>
+          <p:cNvPr id="177" name="Google Shape;177;p27"/>
+          <p:cNvSpPr txBox="1"/>
+          <p:nvPr/>
+        </p:nvSpPr>
+        <p:spPr>
+          <a:xfrm>
+            <a:off x="979800" y="2146033"/>
+            <a:ext cx="466400" cy="330400"/>
+          </a:xfrm>
+          <a:prstGeom prst="rect">
+            <a:avLst/>
+          </a:prstGeom>
+          <a:noFill/>
+          <a:ln>
+            <a:noFill/>
+          </a:ln>
+        </p:spPr>
+        <p:txBody>
+          <a:bodyPr spcFirstLastPara="1" wrap="square" lIns="121897" tIns="121897" rIns="121897" bIns="121897" anchor="t" anchorCtr="0">
+            <a:noAutofit/>
+          </a:bodyPr>
+          <a:lstStyle/>
+          <a:p>
+            <a:r>
+              <a:rPr lang="en" b="1"/>
+              <a:t>1</a:t>
+            </a:r>
+            <a:endParaRPr b="1"/>
+          </a:p>
+        </p:txBody>
+      </p:sp>
+      <p:sp>
+        <p:nvSpPr>
+          <p:cNvPr id="178" name="Google Shape;178;p27"/>
+          <p:cNvSpPr txBox="1"/>
+          <p:nvPr/>
+        </p:nvSpPr>
+        <p:spPr>
+          <a:xfrm>
+            <a:off x="1695167" y="2146033"/>
+            <a:ext cx="466400" cy="330400"/>
+          </a:xfrm>
+          <a:prstGeom prst="rect">
+            <a:avLst/>
+          </a:prstGeom>
+          <a:noFill/>
+          <a:ln>
+            <a:noFill/>
+          </a:ln>
+        </p:spPr>
+        <p:txBody>
+          <a:bodyPr spcFirstLastPara="1" wrap="square" lIns="121897" tIns="121897" rIns="121897" bIns="121897" anchor="t" anchorCtr="0">
+            <a:noAutofit/>
+          </a:bodyPr>
+          <a:lstStyle/>
+          <a:p>
+            <a:r>
+              <a:rPr lang="en" b="1"/>
+              <a:t>2</a:t>
+            </a:r>
+            <a:endParaRPr b="1"/>
+          </a:p>
+        </p:txBody>
+      </p:sp>
+      <p:sp>
+        <p:nvSpPr>
+          <p:cNvPr id="179" name="Google Shape;179;p27"/>
+          <p:cNvSpPr txBox="1"/>
+          <p:nvPr/>
+        </p:nvSpPr>
+        <p:spPr>
+          <a:xfrm>
+            <a:off x="2472767" y="2146033"/>
+            <a:ext cx="466400" cy="330400"/>
+          </a:xfrm>
+          <a:prstGeom prst="rect">
+            <a:avLst/>
+          </a:prstGeom>
+          <a:noFill/>
+          <a:ln>
+            <a:noFill/>
+          </a:ln>
+        </p:spPr>
+        <p:txBody>
+          <a:bodyPr spcFirstLastPara="1" wrap="square" lIns="121897" tIns="121897" rIns="121897" bIns="121897" anchor="t" anchorCtr="0">
+            <a:noAutofit/>
+          </a:bodyPr>
+          <a:lstStyle/>
+          <a:p>
+            <a:r>
+              <a:rPr lang="en" b="1"/>
+              <a:t>3</a:t>
+            </a:r>
+            <a:endParaRPr b="1"/>
+          </a:p>
+        </p:txBody>
+      </p:sp>
+      <p:sp>
+        <p:nvSpPr>
+          <p:cNvPr id="180" name="Google Shape;180;p27"/>
+          <p:cNvSpPr txBox="1"/>
+          <p:nvPr/>
+        </p:nvSpPr>
+        <p:spPr>
+          <a:xfrm>
+            <a:off x="3942167" y="2146033"/>
+            <a:ext cx="466400" cy="330400"/>
+          </a:xfrm>
+          <a:prstGeom prst="rect">
+            <a:avLst/>
+          </a:prstGeom>
+          <a:noFill/>
+          <a:ln>
+            <a:noFill/>
+          </a:ln>
+        </p:spPr>
+        <p:txBody>
+          <a:bodyPr spcFirstLastPara="1" wrap="square" lIns="121897" tIns="121897" rIns="121897" bIns="121897" anchor="t" anchorCtr="0">
+            <a:noAutofit/>
+          </a:bodyPr>
+          <a:lstStyle/>
+          <a:p>
+            <a:r>
+              <a:rPr lang="en" b="1"/>
+              <a:t>...</a:t>
+            </a:r>
+            <a:endParaRPr b="1"/>
+          </a:p>
+        </p:txBody>
+      </p:sp>
+      <p:sp>
+        <p:nvSpPr>
+          <p:cNvPr id="181" name="Google Shape;181;p27"/>
+          <p:cNvSpPr txBox="1"/>
+          <p:nvPr/>
+        </p:nvSpPr>
+        <p:spPr>
+          <a:xfrm>
+            <a:off x="5376667" y="2146033"/>
+            <a:ext cx="466400" cy="330400"/>
+          </a:xfrm>
+          <a:prstGeom prst="rect">
+            <a:avLst/>
+          </a:prstGeom>
+          <a:noFill/>
+          <a:ln>
+            <a:noFill/>
+          </a:ln>
+        </p:spPr>
+        <p:txBody>
+          <a:bodyPr spcFirstLastPara="1" wrap="square" lIns="121897" tIns="121897" rIns="121897" bIns="121897" anchor="t" anchorCtr="0">
+            <a:noAutofit/>
+          </a:bodyPr>
+          <a:lstStyle/>
+          <a:p>
+            <a:r>
+              <a:rPr lang="en" b="1"/>
+              <a:t>i</a:t>
+            </a:r>
+            <a:endParaRPr b="1"/>
+          </a:p>
+        </p:txBody>
+      </p:sp>
+      <p:sp>
+        <p:nvSpPr>
+          <p:cNvPr id="182" name="Google Shape;182;p27"/>
+          <p:cNvSpPr txBox="1"/>
+          <p:nvPr/>
+        </p:nvSpPr>
+        <p:spPr>
+          <a:xfrm>
+            <a:off x="7001667" y="2146033"/>
+            <a:ext cx="466400" cy="330400"/>
+          </a:xfrm>
+          <a:prstGeom prst="rect">
+            <a:avLst/>
+          </a:prstGeom>
+          <a:noFill/>
+          <a:ln>
+            <a:noFill/>
+          </a:ln>
+        </p:spPr>
+        <p:txBody>
+          <a:bodyPr spcFirstLastPara="1" wrap="square" lIns="121897" tIns="121897" rIns="121897" bIns="121897" anchor="t" anchorCtr="0">
+            <a:noAutofit/>
+          </a:bodyPr>
+          <a:lstStyle/>
+          <a:p>
+            <a:r>
+              <a:rPr lang="en" b="1"/>
+              <a:t>N</a:t>
+            </a:r>
+            <a:endParaRPr b="1"/>
+          </a:p>
+        </p:txBody>
+      </p:sp>
+      <p:sp>
+        <p:nvSpPr>
+          <p:cNvPr id="183" name="Google Shape;183;p27"/>
+          <p:cNvSpPr txBox="1"/>
+          <p:nvPr/>
+        </p:nvSpPr>
+        <p:spPr>
+          <a:xfrm>
+            <a:off x="5338200" y="2783700"/>
+            <a:ext cx="684400" cy="330400"/>
+          </a:xfrm>
+          <a:prstGeom prst="rect">
+            <a:avLst/>
+          </a:prstGeom>
+          <a:noFill/>
+          <a:ln>
+            <a:noFill/>
+          </a:ln>
+        </p:spPr>
+        <p:txBody>
+          <a:bodyPr spcFirstLastPara="1" wrap="square" lIns="121897" tIns="121897" rIns="121897" bIns="121897" anchor="t" anchorCtr="0">
+            <a:noAutofit/>
+          </a:bodyPr>
+          <a:lstStyle/>
+          <a:p>
+            <a:r>
+              <a:rPr lang="en" b="1"/>
+              <a:t>h</a:t>
+            </a:r>
+            <a:endParaRPr b="1"/>
           </a:p>
         </p:txBody>
       </p:sp>
       <p:pic>
         <p:nvPicPr>
-          <p:cNvPr id="1027" name="Picture 3"/>
-          <p:cNvPicPr>
-            <a:picLocks noChangeAspect="1" noChangeArrowheads="1"/>
-          </p:cNvPicPr>
+          <p:cNvPr id="184" name="Google Shape;184;p27"/>
+          <p:cNvPicPr preferRelativeResize="0"/>
           <p:nvPr/>
         </p:nvPicPr>
         <p:blipFill>
-          <a:blip r:embed="rId2">
-            <a:extLst>
-              <a:ext uri="{28A0092B-C50C-407E-A947-70E740481C1C}">
-                <a14:useLocalDpi xmlns:a14="http://schemas.microsoft.com/office/drawing/2010/main" val="0"/>
-              </a:ext>
-            </a:extLst>
+          <a:blip r:embed="rId3">
+            <a:alphaModFix/>
           </a:blip>
-          <a:srcRect/>
           <a:stretch>
             <a:fillRect/>
           </a:stretch>
         </p:blipFill>
-        <p:spPr bwMode="auto">
-          <a:xfrm>
-            <a:off x="955730" y="1430822"/>
-            <a:ext cx="9769098" cy="471487"/>
+        <p:spPr>
+          <a:xfrm>
+            <a:off x="572567" y="3199767"/>
+            <a:ext cx="5689599" cy="1726332"/>
           </a:xfrm>
           <a:prstGeom prst="rect">
             <a:avLst/>
@@ -9240,52 +11169,26 @@
           <a:ln>
             <a:noFill/>
           </a:ln>
-          <a:extLst>
-            <a:ext uri="{909E8E84-426E-40DD-AFC4-6F175D3DCCD1}">
-              <a14:hiddenFill xmlns:a14="http://schemas.microsoft.com/office/drawing/2010/main">
-                <a:solidFill>
-                  <a:schemeClr val="accent1"/>
-                </a:solidFill>
-              </a14:hiddenFill>
-            </a:ext>
-            <a:ext uri="{91240B29-F687-4F45-9708-019B960494DF}">
-              <a14:hiddenLine xmlns:a14="http://schemas.microsoft.com/office/drawing/2010/main" w="9525">
-                <a:solidFill>
-                  <a:schemeClr val="tx1"/>
-                </a:solidFill>
-                <a:miter lim="800000"/>
-                <a:headEnd/>
-                <a:tailEnd/>
-              </a14:hiddenLine>
-            </a:ext>
-          </a:extLst>
         </p:spPr>
       </p:pic>
       <p:pic>
         <p:nvPicPr>
-          <p:cNvPr id="1028" name="Picture 4"/>
-          <p:cNvPicPr>
-            <a:picLocks noChangeAspect="1" noChangeArrowheads="1"/>
-          </p:cNvPicPr>
+          <p:cNvPr id="185" name="Google Shape;185;p27"/>
+          <p:cNvPicPr preferRelativeResize="0"/>
           <p:nvPr/>
         </p:nvPicPr>
         <p:blipFill>
-          <a:blip r:embed="rId3">
-            <a:extLst>
-              <a:ext uri="{28A0092B-C50C-407E-A947-70E740481C1C}">
-                <a14:useLocalDpi xmlns:a14="http://schemas.microsoft.com/office/drawing/2010/main" val="0"/>
-              </a:ext>
-            </a:extLst>
+          <a:blip r:embed="rId4">
+            <a:alphaModFix/>
           </a:blip>
-          <a:srcRect/>
           <a:stretch>
             <a:fillRect/>
           </a:stretch>
         </p:blipFill>
-        <p:spPr bwMode="auto">
-          <a:xfrm>
-            <a:off x="1584460" y="1902309"/>
-            <a:ext cx="9229725" cy="1371600"/>
+        <p:spPr>
+          <a:xfrm>
+            <a:off x="660185" y="4871300"/>
+            <a:ext cx="8242300" cy="1778000"/>
           </a:xfrm>
           <a:prstGeom prst="rect">
             <a:avLst/>
@@ -9294,52 +11197,18 @@
           <a:ln>
             <a:noFill/>
           </a:ln>
-          <a:extLst>
-            <a:ext uri="{909E8E84-426E-40DD-AFC4-6F175D3DCCD1}">
-              <a14:hiddenFill xmlns:a14="http://schemas.microsoft.com/office/drawing/2010/main">
-                <a:solidFill>
-                  <a:schemeClr val="accent1"/>
-                </a:solidFill>
-              </a14:hiddenFill>
-            </a:ext>
-            <a:ext uri="{91240B29-F687-4F45-9708-019B960494DF}">
-              <a14:hiddenLine xmlns:a14="http://schemas.microsoft.com/office/drawing/2010/main" w="9525">
-                <a:solidFill>
-                  <a:schemeClr val="tx1"/>
-                </a:solidFill>
-                <a:miter lim="800000"/>
-                <a:headEnd/>
-                <a:tailEnd/>
-              </a14:hiddenLine>
-            </a:ext>
-          </a:extLst>
         </p:spPr>
       </p:pic>
-      <p:pic>
-        <p:nvPicPr>
-          <p:cNvPr id="1032" name="Picture 8"/>
-          <p:cNvPicPr>
-            <a:picLocks noChangeAspect="1" noChangeArrowheads="1"/>
-          </p:cNvPicPr>
-          <p:nvPr/>
-        </p:nvPicPr>
-        <p:blipFill>
-          <a:blip r:embed="rId4">
-            <a:extLst>
-              <a:ext uri="{28A0092B-C50C-407E-A947-70E740481C1C}">
-                <a14:useLocalDpi xmlns:a14="http://schemas.microsoft.com/office/drawing/2010/main" val="0"/>
-              </a:ext>
-            </a:extLst>
-          </a:blip>
-          <a:srcRect/>
-          <a:stretch>
-            <a:fillRect/>
-          </a:stretch>
-        </p:blipFill>
-        <p:spPr bwMode="auto">
-          <a:xfrm>
-            <a:off x="2618379" y="3320404"/>
-            <a:ext cx="6034087" cy="3286125"/>
+      <p:sp>
+        <p:nvSpPr>
+          <p:cNvPr id="186" name="Google Shape;186;p27"/>
+          <p:cNvSpPr txBox="1"/>
+          <p:nvPr/>
+        </p:nvSpPr>
+        <p:spPr>
+          <a:xfrm>
+            <a:off x="8065200" y="6350800"/>
+            <a:ext cx="4126800" cy="507200"/>
           </a:xfrm>
           <a:prstGeom prst="rect">
             <a:avLst/>
@@ -9348,31 +11217,33 @@
           <a:ln>
             <a:noFill/>
           </a:ln>
-          <a:extLst>
-            <a:ext uri="{909E8E84-426E-40DD-AFC4-6F175D3DCCD1}">
-              <a14:hiddenFill xmlns:a14="http://schemas.microsoft.com/office/drawing/2010/main">
-                <a:solidFill>
-                  <a:schemeClr val="accent1"/>
-                </a:solidFill>
-              </a14:hiddenFill>
-            </a:ext>
-            <a:ext uri="{91240B29-F687-4F45-9708-019B960494DF}">
-              <a14:hiddenLine xmlns:a14="http://schemas.microsoft.com/office/drawing/2010/main" w="9525">
-                <a:solidFill>
-                  <a:schemeClr val="tx1"/>
-                </a:solidFill>
-                <a:miter lim="800000"/>
-                <a:headEnd/>
-                <a:tailEnd/>
-              </a14:hiddenLine>
-            </a:ext>
-          </a:extLst>
-        </p:spPr>
-      </p:pic>
+        </p:spPr>
+        <p:txBody>
+          <a:bodyPr spcFirstLastPara="1" wrap="square" lIns="121897" tIns="121897" rIns="121897" bIns="121897" anchor="t" anchorCtr="0">
+            <a:noAutofit/>
+          </a:bodyPr>
+          <a:lstStyle/>
+          <a:p>
+            <a:r>
+              <a:rPr lang="en"/>
+              <a:t>Kartik Subramanian </a:t>
+            </a:r>
+            <a:r>
+              <a:rPr lang="en" i="1"/>
+              <a:t>et al.</a:t>
+            </a:r>
+            <a:r>
+              <a:rPr lang="en"/>
+              <a:t>,2015</a:t>
+            </a:r>
+            <a:endParaRPr/>
+          </a:p>
+        </p:txBody>
+      </p:sp>
     </p:spTree>
     <p:extLst>
       <p:ext uri="{BB962C8B-B14F-4D97-AF65-F5344CB8AC3E}">
-        <p14:creationId xmlns:p14="http://schemas.microsoft.com/office/powerpoint/2010/main" val="790653888"/>
+        <p14:creationId xmlns:p14="http://schemas.microsoft.com/office/powerpoint/2010/main" val="2747924427"/>
       </p:ext>
     </p:extLst>
   </p:cSld>
@@ -9387,7 +11258,7 @@
   <p:cSld>
     <p:spTree>
       <p:nvGrpSpPr>
-        <p:cNvPr id="1" name=""/>
+        <p:cNvPr id="1" name="Shape 190"/>
         <p:cNvGrpSpPr/>
         <p:nvPr/>
       </p:nvGrpSpPr>
@@ -9401,8 +11272,8 @@
       </p:grpSpPr>
       <p:sp>
         <p:nvSpPr>
-          <p:cNvPr id="2" name="Title 1"/>
-          <p:cNvSpPr>
+          <p:cNvPr id="191" name="Google Shape;191;p28"/>
+          <p:cNvSpPr txBox="1">
             <a:spLocks noGrp="1"/>
           </p:cNvSpPr>
           <p:nvPr>
@@ -9411,80 +11282,84 @@
         </p:nvSpPr>
         <p:spPr>
           <a:xfrm>
-            <a:off x="-1" y="0"/>
-            <a:ext cx="11652069" cy="1325563"/>
-          </a:xfrm>
-        </p:spPr>
-        <p:txBody>
-          <a:bodyPr/>
-          <a:lstStyle/>
-          <a:p>
-            <a:r>
-              <a:rPr lang="en-US" dirty="0" smtClean="0">
-                <a:latin typeface="Comic Sans MS" panose="030F0702030302020204" pitchFamily="66" charset="0"/>
-              </a:rPr>
-              <a:t>Temporal dynamics of species in our </a:t>
-            </a:r>
-            <a:r>
-              <a:rPr lang="en-US" dirty="0" smtClean="0">
-                <a:latin typeface="Comic Sans MS" panose="030F0702030302020204" pitchFamily="66" charset="0"/>
-              </a:rPr>
-              <a:t>model</a:t>
-            </a:r>
-            <a:br>
-              <a:rPr lang="en-US" dirty="0" smtClean="0">
-                <a:latin typeface="Comic Sans MS" panose="030F0702030302020204" pitchFamily="66" charset="0"/>
-              </a:rPr>
-            </a:br>
-            <a:r>
-              <a:rPr lang="en-US" dirty="0">
-                <a:latin typeface="Comic Sans MS" panose="030F0702030302020204" pitchFamily="66" charset="0"/>
-              </a:rPr>
-              <a:t> </a:t>
-            </a:r>
-            <a:r>
-              <a:rPr lang="en-US" dirty="0" smtClean="0">
-                <a:latin typeface="Comic Sans MS" panose="030F0702030302020204" pitchFamily="66" charset="0"/>
-              </a:rPr>
-              <a:t>– </a:t>
-            </a:r>
-            <a:r>
-              <a:rPr lang="en-US" u="sng" dirty="0" smtClean="0">
-                <a:latin typeface="Comic Sans MS" panose="030F0702030302020204" pitchFamily="66" charset="0"/>
-              </a:rPr>
-              <a:t>before division</a:t>
-            </a:r>
-            <a:endParaRPr lang="en-US" u="sng" dirty="0">
-              <a:latin typeface="Comic Sans MS" panose="030F0702030302020204" pitchFamily="66" charset="0"/>
-            </a:endParaRPr>
+            <a:off x="0" y="0"/>
+            <a:ext cx="11360800" cy="763600"/>
+          </a:xfrm>
+          <a:prstGeom prst="rect">
+            <a:avLst/>
+          </a:prstGeom>
+        </p:spPr>
+        <p:txBody>
+          <a:bodyPr spcFirstLastPara="1" wrap="square" lIns="121897" tIns="121897" rIns="121897" bIns="121897" anchor="t" anchorCtr="0">
+            <a:noAutofit/>
+          </a:bodyPr>
+          <a:lstStyle/>
+          <a:p>
+            <a:r>
+              <a:rPr lang="en"/>
+              <a:t>Boundary condition and growth rule</a:t>
+            </a:r>
+            <a:endParaRPr/>
+          </a:p>
+        </p:txBody>
+      </p:sp>
+      <p:sp>
+        <p:nvSpPr>
+          <p:cNvPr id="192" name="Google Shape;192;p28"/>
+          <p:cNvSpPr txBox="1">
+            <a:spLocks noGrp="1"/>
+          </p:cNvSpPr>
+          <p:nvPr>
+            <p:ph type="body" idx="1"/>
+          </p:nvPr>
+        </p:nvSpPr>
+        <p:spPr>
+          <a:xfrm>
+            <a:off x="170667" y="2990200"/>
+            <a:ext cx="11360800" cy="877600"/>
+          </a:xfrm>
+          <a:prstGeom prst="rect">
+            <a:avLst/>
+          </a:prstGeom>
+        </p:spPr>
+        <p:txBody>
+          <a:bodyPr spcFirstLastPara="1" wrap="square" lIns="121897" tIns="121897" rIns="121897" bIns="121897" anchor="t" anchorCtr="0">
+            <a:noAutofit/>
+          </a:bodyPr>
+          <a:lstStyle/>
+          <a:p>
+            <a:pPr marL="0" indent="0">
+              <a:spcAft>
+                <a:spcPts val="2133"/>
+              </a:spcAft>
+              <a:buNone/>
+            </a:pPr>
+            <a:r>
+              <a:rPr lang="en" sz="2700"/>
+              <a:t>Exponential growth for a cell and the corresponding each compartment</a:t>
+            </a:r>
+            <a:endParaRPr sz="2700"/>
           </a:p>
         </p:txBody>
       </p:sp>
       <p:pic>
         <p:nvPicPr>
-          <p:cNvPr id="1028" name="Picture 4"/>
-          <p:cNvPicPr>
-            <a:picLocks noChangeAspect="1" noChangeArrowheads="1"/>
-          </p:cNvPicPr>
+          <p:cNvPr id="193" name="Google Shape;193;p28"/>
+          <p:cNvPicPr preferRelativeResize="0"/>
           <p:nvPr/>
         </p:nvPicPr>
         <p:blipFill>
-          <a:blip r:embed="rId2">
-            <a:extLst>
-              <a:ext uri="{28A0092B-C50C-407E-A947-70E740481C1C}">
-                <a14:useLocalDpi xmlns:a14="http://schemas.microsoft.com/office/drawing/2010/main" val="0"/>
-              </a:ext>
-            </a:extLst>
+          <a:blip r:embed="rId3">
+            <a:alphaModFix/>
           </a:blip>
-          <a:srcRect/>
           <a:stretch>
             <a:fillRect/>
           </a:stretch>
         </p:blipFill>
-        <p:spPr bwMode="auto">
-          <a:xfrm>
-            <a:off x="1584460" y="1902309"/>
-            <a:ext cx="9229725" cy="1371600"/>
+        <p:spPr>
+          <a:xfrm>
+            <a:off x="170667" y="3744651"/>
+            <a:ext cx="3403600" cy="1511300"/>
           </a:xfrm>
           <a:prstGeom prst="rect">
             <a:avLst/>
@@ -9493,52 +11368,18 @@
           <a:ln>
             <a:noFill/>
           </a:ln>
-          <a:extLst>
-            <a:ext uri="{909E8E84-426E-40DD-AFC4-6F175D3DCCD1}">
-              <a14:hiddenFill xmlns:a14="http://schemas.microsoft.com/office/drawing/2010/main">
-                <a:solidFill>
-                  <a:schemeClr val="accent1"/>
-                </a:solidFill>
-              </a14:hiddenFill>
-            </a:ext>
-            <a:ext uri="{91240B29-F687-4F45-9708-019B960494DF}">
-              <a14:hiddenLine xmlns:a14="http://schemas.microsoft.com/office/drawing/2010/main" w="9525">
-                <a:solidFill>
-                  <a:schemeClr val="tx1"/>
-                </a:solidFill>
-                <a:miter lim="800000"/>
-                <a:headEnd/>
-                <a:tailEnd/>
-              </a14:hiddenLine>
-            </a:ext>
-          </a:extLst>
         </p:spPr>
       </p:pic>
-      <p:pic>
-        <p:nvPicPr>
-          <p:cNvPr id="6" name="Picture 6"/>
-          <p:cNvPicPr>
-            <a:picLocks noChangeAspect="1" noChangeArrowheads="1"/>
-          </p:cNvPicPr>
-          <p:nvPr/>
-        </p:nvPicPr>
-        <p:blipFill>
-          <a:blip r:embed="rId3">
-            <a:extLst>
-              <a:ext uri="{28A0092B-C50C-407E-A947-70E740481C1C}">
-                <a14:useLocalDpi xmlns:a14="http://schemas.microsoft.com/office/drawing/2010/main" val="0"/>
-              </a:ext>
-            </a:extLst>
-          </a:blip>
-          <a:srcRect/>
-          <a:stretch>
-            <a:fillRect/>
-          </a:stretch>
-        </p:blipFill>
-        <p:spPr bwMode="auto">
-          <a:xfrm>
-            <a:off x="1709979" y="1214034"/>
-            <a:ext cx="7067227" cy="795150"/>
+      <p:sp>
+        <p:nvSpPr>
+          <p:cNvPr id="194" name="Google Shape;194;p28"/>
+          <p:cNvSpPr txBox="1"/>
+          <p:nvPr/>
+        </p:nvSpPr>
+        <p:spPr>
+          <a:xfrm>
+            <a:off x="170667" y="962200"/>
+            <a:ext cx="7592800" cy="664800"/>
           </a:xfrm>
           <a:prstGeom prst="rect">
             <a:avLst/>
@@ -9547,93 +11388,31 @@
           <a:ln>
             <a:noFill/>
           </a:ln>
-          <a:extLst>
-            <a:ext uri="{909E8E84-426E-40DD-AFC4-6F175D3DCCD1}">
-              <a14:hiddenFill xmlns:a14="http://schemas.microsoft.com/office/drawing/2010/main">
-                <a:solidFill>
-                  <a:schemeClr val="accent1"/>
-                </a:solidFill>
-              </a14:hiddenFill>
-            </a:ext>
-            <a:ext uri="{91240B29-F687-4F45-9708-019B960494DF}">
-              <a14:hiddenLine xmlns:a14="http://schemas.microsoft.com/office/drawing/2010/main" w="9525">
-                <a:solidFill>
-                  <a:schemeClr val="tx1"/>
-                </a:solidFill>
-                <a:miter lim="800000"/>
-                <a:headEnd/>
-                <a:tailEnd/>
-              </a14:hiddenLine>
-            </a:ext>
-          </a:extLst>
-        </p:spPr>
-      </p:pic>
-      <p:sp>
-        <p:nvSpPr>
-          <p:cNvPr id="7" name="TextBox 6"/>
+        </p:spPr>
+        <p:txBody>
+          <a:bodyPr spcFirstLastPara="1" wrap="square" lIns="121897" tIns="121897" rIns="121897" bIns="121897" anchor="t" anchorCtr="0">
+            <a:noAutofit/>
+          </a:bodyPr>
+          <a:lstStyle/>
+          <a:p>
+            <a:r>
+              <a:rPr lang="en" sz="2700"/>
+              <a:t>No-flux boundary condition at x=0 and x=L</a:t>
+            </a:r>
+            <a:endParaRPr sz="2700"/>
+          </a:p>
+        </p:txBody>
+      </p:sp>
+      <p:sp>
+        <p:nvSpPr>
+          <p:cNvPr id="195" name="Google Shape;195;p28"/>
           <p:cNvSpPr txBox="1"/>
           <p:nvPr/>
         </p:nvSpPr>
         <p:spPr>
           <a:xfrm>
-            <a:off x="743919" y="1322522"/>
-            <a:ext cx="1084881" cy="646331"/>
-          </a:xfrm>
-          <a:prstGeom prst="rect">
-            <a:avLst/>
-          </a:prstGeom>
-          <a:noFill/>
-        </p:spPr>
-        <p:txBody>
-          <a:bodyPr wrap="square" rtlCol="0">
-            <a:spAutoFit/>
-          </a:bodyPr>
-          <a:lstStyle/>
-          <a:p>
-            <a:r>
-              <a:rPr lang="en-US" dirty="0" err="1" smtClean="0"/>
-              <a:t>CpdR~P</a:t>
-            </a:r>
-            <a:endParaRPr lang="en-US" dirty="0" smtClean="0"/>
-          </a:p>
-          <a:p>
-            <a:r>
-              <a:rPr lang="en-US" dirty="0" smtClean="0"/>
-              <a:t>   </a:t>
-            </a:r>
-            <a:r>
-              <a:rPr lang="en-US" dirty="0" err="1" smtClean="0"/>
-              <a:t>CpdR</a:t>
-            </a:r>
-            <a:endParaRPr lang="en-CA" dirty="0"/>
-          </a:p>
-        </p:txBody>
-      </p:sp>
-      <p:pic>
-        <p:nvPicPr>
-          <p:cNvPr id="4098" name="Picture 2"/>
-          <p:cNvPicPr>
-            <a:picLocks noChangeAspect="1" noChangeArrowheads="1"/>
-          </p:cNvPicPr>
-          <p:nvPr/>
-        </p:nvPicPr>
-        <p:blipFill>
-          <a:blip r:embed="rId4">
-            <a:extLst>
-              <a:ext uri="{28A0092B-C50C-407E-A947-70E740481C1C}">
-                <a14:useLocalDpi xmlns:a14="http://schemas.microsoft.com/office/drawing/2010/main" val="0"/>
-              </a:ext>
-            </a:extLst>
-          </a:blip>
-          <a:srcRect/>
-          <a:stretch>
-            <a:fillRect/>
-          </a:stretch>
-        </p:blipFill>
-        <p:spPr bwMode="auto">
-          <a:xfrm>
-            <a:off x="1776491" y="3631366"/>
-            <a:ext cx="3678912" cy="2738970"/>
+            <a:off x="170667" y="1825600"/>
+            <a:ext cx="7295200" cy="763600"/>
           </a:xfrm>
           <a:prstGeom prst="rect">
             <a:avLst/>
@@ -9642,52 +11421,31 @@
           <a:ln>
             <a:noFill/>
           </a:ln>
-          <a:extLst>
-            <a:ext uri="{909E8E84-426E-40DD-AFC4-6F175D3DCCD1}">
-              <a14:hiddenFill xmlns:a14="http://schemas.microsoft.com/office/drawing/2010/main">
-                <a:solidFill>
-                  <a:schemeClr val="accent1"/>
-                </a:solidFill>
-              </a14:hiddenFill>
-            </a:ext>
-            <a:ext uri="{91240B29-F687-4F45-9708-019B960494DF}">
-              <a14:hiddenLine xmlns:a14="http://schemas.microsoft.com/office/drawing/2010/main" w="9525">
-                <a:solidFill>
-                  <a:schemeClr val="tx1"/>
-                </a:solidFill>
-                <a:miter lim="800000"/>
-                <a:headEnd/>
-                <a:tailEnd/>
-              </a14:hiddenLine>
-            </a:ext>
-          </a:extLst>
-        </p:spPr>
-      </p:pic>
-      <p:pic>
-        <p:nvPicPr>
-          <p:cNvPr id="4099" name="Picture 3"/>
-          <p:cNvPicPr>
-            <a:picLocks noChangeAspect="1" noChangeArrowheads="1"/>
-          </p:cNvPicPr>
-          <p:nvPr/>
-        </p:nvPicPr>
-        <p:blipFill>
-          <a:blip r:embed="rId5">
-            <a:extLst>
-              <a:ext uri="{28A0092B-C50C-407E-A947-70E740481C1C}">
-                <a14:useLocalDpi xmlns:a14="http://schemas.microsoft.com/office/drawing/2010/main" val="0"/>
-              </a:ext>
-            </a:extLst>
-          </a:blip>
-          <a:srcRect/>
-          <a:stretch>
-            <a:fillRect/>
-          </a:stretch>
-        </p:blipFill>
-        <p:spPr bwMode="auto">
-          <a:xfrm>
-            <a:off x="6244338" y="3631366"/>
-            <a:ext cx="3901886" cy="2711398"/>
+        </p:spPr>
+        <p:txBody>
+          <a:bodyPr spcFirstLastPara="1" wrap="square" lIns="121897" tIns="121897" rIns="121897" bIns="121897" anchor="t" anchorCtr="0">
+            <a:noAutofit/>
+          </a:bodyPr>
+          <a:lstStyle/>
+          <a:p>
+            <a:r>
+              <a:rPr lang="en" sz="2400"/>
+              <a:t>Put additional 2 compartment C0 and C101, and in each time step C0=C1, C101=C100</a:t>
+            </a:r>
+            <a:endParaRPr sz="2400"/>
+          </a:p>
+        </p:txBody>
+      </p:sp>
+      <p:sp>
+        <p:nvSpPr>
+          <p:cNvPr id="196" name="Google Shape;196;p28"/>
+          <p:cNvSpPr txBox="1"/>
+          <p:nvPr/>
+        </p:nvSpPr>
+        <p:spPr>
+          <a:xfrm>
+            <a:off x="8065200" y="6350800"/>
+            <a:ext cx="4126800" cy="507200"/>
           </a:xfrm>
           <a:prstGeom prst="rect">
             <a:avLst/>
@@ -9696,31 +11454,33 @@
           <a:ln>
             <a:noFill/>
           </a:ln>
-          <a:extLst>
-            <a:ext uri="{909E8E84-426E-40DD-AFC4-6F175D3DCCD1}">
-              <a14:hiddenFill xmlns:a14="http://schemas.microsoft.com/office/drawing/2010/main">
-                <a:solidFill>
-                  <a:schemeClr val="accent1"/>
-                </a:solidFill>
-              </a14:hiddenFill>
-            </a:ext>
-            <a:ext uri="{91240B29-F687-4F45-9708-019B960494DF}">
-              <a14:hiddenLine xmlns:a14="http://schemas.microsoft.com/office/drawing/2010/main" w="9525">
-                <a:solidFill>
-                  <a:schemeClr val="tx1"/>
-                </a:solidFill>
-                <a:miter lim="800000"/>
-                <a:headEnd/>
-                <a:tailEnd/>
-              </a14:hiddenLine>
-            </a:ext>
-          </a:extLst>
-        </p:spPr>
-      </p:pic>
+        </p:spPr>
+        <p:txBody>
+          <a:bodyPr spcFirstLastPara="1" wrap="square" lIns="121897" tIns="121897" rIns="121897" bIns="121897" anchor="t" anchorCtr="0">
+            <a:noAutofit/>
+          </a:bodyPr>
+          <a:lstStyle/>
+          <a:p>
+            <a:r>
+              <a:rPr lang="en"/>
+              <a:t>Kartik Subramanian </a:t>
+            </a:r>
+            <a:r>
+              <a:rPr lang="en" i="1"/>
+              <a:t>et al.</a:t>
+            </a:r>
+            <a:r>
+              <a:rPr lang="en"/>
+              <a:t>,2015</a:t>
+            </a:r>
+            <a:endParaRPr/>
+          </a:p>
+        </p:txBody>
+      </p:sp>
     </p:spTree>
     <p:extLst>
       <p:ext uri="{BB962C8B-B14F-4D97-AF65-F5344CB8AC3E}">
-        <p14:creationId xmlns:p14="http://schemas.microsoft.com/office/powerpoint/2010/main" val="3307905376"/>
+        <p14:creationId xmlns:p14="http://schemas.microsoft.com/office/powerpoint/2010/main" val="2506005939"/>
       </p:ext>
     </p:extLst>
   </p:cSld>
@@ -9735,7 +11495,7 @@
   <p:cSld>
     <p:spTree>
       <p:nvGrpSpPr>
-        <p:cNvPr id="1" name=""/>
+        <p:cNvPr id="1" name="Shape 200"/>
         <p:cNvGrpSpPr/>
         <p:nvPr/>
       </p:nvGrpSpPr>
@@ -9749,8 +11509,8 @@
       </p:grpSpPr>
       <p:sp>
         <p:nvSpPr>
-          <p:cNvPr id="2" name="Title 1"/>
-          <p:cNvSpPr>
+          <p:cNvPr id="201" name="Google Shape;201;p29"/>
+          <p:cNvSpPr txBox="1">
             <a:spLocks noGrp="1"/>
           </p:cNvSpPr>
           <p:nvPr>
@@ -9759,80 +11519,153 @@
         </p:nvSpPr>
         <p:spPr>
           <a:xfrm>
-            <a:off x="-1" y="0"/>
-            <a:ext cx="11652069" cy="1325563"/>
-          </a:xfrm>
-        </p:spPr>
-        <p:txBody>
-          <a:bodyPr/>
-          <a:lstStyle/>
-          <a:p>
-            <a:r>
-              <a:rPr lang="en-US" dirty="0" smtClean="0">
-                <a:latin typeface="Comic Sans MS" panose="030F0702030302020204" pitchFamily="66" charset="0"/>
-              </a:rPr>
-              <a:t>Temporal dynamics of species in our </a:t>
-            </a:r>
-            <a:r>
-              <a:rPr lang="en-US" dirty="0" smtClean="0">
-                <a:latin typeface="Comic Sans MS" panose="030F0702030302020204" pitchFamily="66" charset="0"/>
-              </a:rPr>
-              <a:t>model</a:t>
-            </a:r>
-            <a:br>
-              <a:rPr lang="en-US" dirty="0" smtClean="0">
-                <a:latin typeface="Comic Sans MS" panose="030F0702030302020204" pitchFamily="66" charset="0"/>
-              </a:rPr>
-            </a:br>
-            <a:r>
-              <a:rPr lang="en-US" dirty="0">
-                <a:latin typeface="Comic Sans MS" panose="030F0702030302020204" pitchFamily="66" charset="0"/>
-              </a:rPr>
-              <a:t> </a:t>
-            </a:r>
-            <a:r>
-              <a:rPr lang="en-US" dirty="0" smtClean="0">
-                <a:latin typeface="Comic Sans MS" panose="030F0702030302020204" pitchFamily="66" charset="0"/>
-              </a:rPr>
-              <a:t>– </a:t>
-            </a:r>
-            <a:r>
-              <a:rPr lang="en-US" u="sng" dirty="0" smtClean="0">
-                <a:latin typeface="Comic Sans MS" panose="030F0702030302020204" pitchFamily="66" charset="0"/>
-              </a:rPr>
-              <a:t>before division</a:t>
-            </a:r>
-            <a:endParaRPr lang="en-US" u="sng" dirty="0">
-              <a:latin typeface="Comic Sans MS" panose="030F0702030302020204" pitchFamily="66" charset="0"/>
-            </a:endParaRPr>
+            <a:off x="0" y="0"/>
+            <a:ext cx="11360800" cy="763600"/>
+          </a:xfrm>
+          <a:prstGeom prst="rect">
+            <a:avLst/>
+          </a:prstGeom>
+        </p:spPr>
+        <p:txBody>
+          <a:bodyPr spcFirstLastPara="1" wrap="square" lIns="121897" tIns="121897" rIns="121897" bIns="121897" anchor="t" anchorCtr="0">
+            <a:noAutofit/>
+          </a:bodyPr>
+          <a:lstStyle/>
+          <a:p>
+            <a:r>
+              <a:rPr lang="en"/>
+              <a:t>Enforce localization based on observed distributions</a:t>
+            </a:r>
+            <a:endParaRPr/>
+          </a:p>
+        </p:txBody>
+      </p:sp>
+      <p:sp>
+        <p:nvSpPr>
+          <p:cNvPr id="202" name="Google Shape;202;p29"/>
+          <p:cNvSpPr txBox="1"/>
+          <p:nvPr/>
+        </p:nvSpPr>
+        <p:spPr>
+          <a:xfrm>
+            <a:off x="8065200" y="6350800"/>
+            <a:ext cx="4126800" cy="507200"/>
+          </a:xfrm>
+          <a:prstGeom prst="rect">
+            <a:avLst/>
+          </a:prstGeom>
+          <a:noFill/>
+          <a:ln>
+            <a:noFill/>
+          </a:ln>
+        </p:spPr>
+        <p:txBody>
+          <a:bodyPr spcFirstLastPara="1" wrap="square" lIns="121897" tIns="121897" rIns="121897" bIns="121897" anchor="t" anchorCtr="0">
+            <a:noAutofit/>
+          </a:bodyPr>
+          <a:lstStyle/>
+          <a:p>
+            <a:r>
+              <a:rPr lang="en"/>
+              <a:t>Kartik Subramanian </a:t>
+            </a:r>
+            <a:r>
+              <a:rPr lang="en" i="1"/>
+              <a:t>et al.</a:t>
+            </a:r>
+            <a:r>
+              <a:rPr lang="en"/>
+              <a:t>,2015</a:t>
+            </a:r>
+            <a:endParaRPr/>
+          </a:p>
+        </p:txBody>
+      </p:sp>
+      <p:sp>
+        <p:nvSpPr>
+          <p:cNvPr id="203" name="Google Shape;203;p29"/>
+          <p:cNvSpPr txBox="1"/>
+          <p:nvPr/>
+        </p:nvSpPr>
+        <p:spPr>
+          <a:xfrm>
+            <a:off x="699800" y="1102167"/>
+            <a:ext cx="10374400" cy="5073600"/>
+          </a:xfrm>
+          <a:prstGeom prst="rect">
+            <a:avLst/>
+          </a:prstGeom>
+          <a:noFill/>
+          <a:ln>
+            <a:noFill/>
+          </a:ln>
+        </p:spPr>
+        <p:txBody>
+          <a:bodyPr spcFirstLastPara="1" wrap="square" lIns="121897" tIns="121897" rIns="121897" bIns="121897" anchor="t" anchorCtr="0">
+            <a:noAutofit/>
+          </a:bodyPr>
+          <a:lstStyle/>
+          <a:p>
+            <a:r>
+              <a:rPr lang="en" sz="2700"/>
+              <a:t>define rates of binding and unbinding of species C to docking proteins in compartment i as follows</a:t>
+            </a:r>
+            <a:endParaRPr sz="2700"/>
+          </a:p>
+          <a:p>
+            <a:endParaRPr sz="2700"/>
+          </a:p>
+          <a:p>
+            <a:endParaRPr sz="2700"/>
+          </a:p>
+          <a:p>
+            <a:endParaRPr sz="2700"/>
+          </a:p>
+          <a:p>
+            <a:endParaRPr sz="2700"/>
+          </a:p>
+          <a:p>
+            <a:endParaRPr sz="2700"/>
+          </a:p>
+          <a:p>
+            <a:endParaRPr sz="2700"/>
+          </a:p>
+          <a:p>
+            <a:pPr>
+              <a:buClr>
+                <a:schemeClr val="dk1"/>
+              </a:buClr>
+              <a:buSzPts val="1100"/>
+            </a:pPr>
+            <a:r>
+              <a:rPr lang="en" sz="2700"/>
+              <a:t>c-di-GMP; CpdR.</a:t>
+            </a:r>
+            <a:endParaRPr sz="2700"/>
+          </a:p>
+          <a:p>
+            <a:endParaRPr/>
           </a:p>
         </p:txBody>
       </p:sp>
       <p:pic>
         <p:nvPicPr>
-          <p:cNvPr id="1028" name="Picture 4"/>
-          <p:cNvPicPr>
-            <a:picLocks noChangeAspect="1" noChangeArrowheads="1"/>
-          </p:cNvPicPr>
+          <p:cNvPr id="204" name="Google Shape;204;p29"/>
+          <p:cNvPicPr preferRelativeResize="0"/>
           <p:nvPr/>
         </p:nvPicPr>
         <p:blipFill>
-          <a:blip r:embed="rId2" cstate="print">
-            <a:extLst>
-              <a:ext uri="{28A0092B-C50C-407E-A947-70E740481C1C}">
-                <a14:useLocalDpi xmlns:a14="http://schemas.microsoft.com/office/drawing/2010/main" val="0"/>
-              </a:ext>
-            </a:extLst>
+          <a:blip r:embed="rId3">
+            <a:alphaModFix/>
           </a:blip>
-          <a:srcRect/>
           <a:stretch>
             <a:fillRect/>
           </a:stretch>
         </p:blipFill>
-        <p:spPr bwMode="auto">
-          <a:xfrm>
-            <a:off x="3755756" y="3138174"/>
-            <a:ext cx="7223744" cy="1073498"/>
+        <p:spPr>
+          <a:xfrm>
+            <a:off x="1382100" y="2428501"/>
+            <a:ext cx="9027368" cy="1299833"/>
           </a:xfrm>
           <a:prstGeom prst="rect">
             <a:avLst/>
@@ -9841,139 +11674,12 @@
           <a:ln>
             <a:noFill/>
           </a:ln>
-          <a:extLst>
-            <a:ext uri="{909E8E84-426E-40DD-AFC4-6F175D3DCCD1}">
-              <a14:hiddenFill xmlns:a14="http://schemas.microsoft.com/office/drawing/2010/main">
-                <a:solidFill>
-                  <a:schemeClr val="accent1"/>
-                </a:solidFill>
-              </a14:hiddenFill>
-            </a:ext>
-            <a:ext uri="{91240B29-F687-4F45-9708-019B960494DF}">
-              <a14:hiddenLine xmlns:a14="http://schemas.microsoft.com/office/drawing/2010/main" w="9525">
-                <a:solidFill>
-                  <a:schemeClr val="tx1"/>
-                </a:solidFill>
-                <a:miter lim="800000"/>
-                <a:headEnd/>
-                <a:tailEnd/>
-              </a14:hiddenLine>
-            </a:ext>
-          </a:extLst>
-        </p:spPr>
-      </p:pic>
-      <p:pic>
-        <p:nvPicPr>
-          <p:cNvPr id="4099" name="Picture 3"/>
-          <p:cNvPicPr>
-            <a:picLocks noChangeAspect="1" noChangeArrowheads="1"/>
-          </p:cNvPicPr>
-          <p:nvPr/>
-        </p:nvPicPr>
-        <p:blipFill>
-          <a:blip r:embed="rId3">
-            <a:extLst>
-              <a:ext uri="{28A0092B-C50C-407E-A947-70E740481C1C}">
-                <a14:useLocalDpi xmlns:a14="http://schemas.microsoft.com/office/drawing/2010/main" val="0"/>
-              </a:ext>
-            </a:extLst>
-          </a:blip>
-          <a:srcRect/>
-          <a:stretch>
-            <a:fillRect/>
-          </a:stretch>
-        </p:blipFill>
-        <p:spPr bwMode="auto">
-          <a:xfrm>
-            <a:off x="3897439" y="3781586"/>
-            <a:ext cx="4352825" cy="3024753"/>
-          </a:xfrm>
-          <a:prstGeom prst="rect">
-            <a:avLst/>
-          </a:prstGeom>
-          <a:noFill/>
-          <a:ln>
-            <a:noFill/>
-          </a:ln>
-          <a:extLst>
-            <a:ext uri="{909E8E84-426E-40DD-AFC4-6F175D3DCCD1}">
-              <a14:hiddenFill xmlns:a14="http://schemas.microsoft.com/office/drawing/2010/main">
-                <a:solidFill>
-                  <a:schemeClr val="accent1"/>
-                </a:solidFill>
-              </a14:hiddenFill>
-            </a:ext>
-            <a:ext uri="{91240B29-F687-4F45-9708-019B960494DF}">
-              <a14:hiddenLine xmlns:a14="http://schemas.microsoft.com/office/drawing/2010/main" w="9525">
-                <a:solidFill>
-                  <a:schemeClr val="tx1"/>
-                </a:solidFill>
-                <a:miter lim="800000"/>
-                <a:headEnd/>
-                <a:tailEnd/>
-              </a14:hiddenLine>
-            </a:ext>
-          </a:extLst>
-        </p:spPr>
-      </p:pic>
-      <p:pic>
-        <p:nvPicPr>
-          <p:cNvPr id="8" name="Picture 7"/>
-          <p:cNvPicPr>
-            <a:picLocks noChangeAspect="1" noChangeArrowheads="1"/>
-          </p:cNvPicPr>
-          <p:nvPr/>
-        </p:nvPicPr>
-        <p:blipFill>
-          <a:blip r:embed="rId4">
-            <a:extLst>
-              <a:ext uri="{28A0092B-C50C-407E-A947-70E740481C1C}">
-                <a14:useLocalDpi xmlns:a14="http://schemas.microsoft.com/office/drawing/2010/main" val="0"/>
-              </a:ext>
-            </a:extLst>
-          </a:blip>
-          <a:srcRect/>
-          <a:stretch>
-            <a:fillRect/>
-          </a:stretch>
-        </p:blipFill>
-        <p:spPr bwMode="auto">
-          <a:xfrm>
-            <a:off x="1596326" y="1157208"/>
-            <a:ext cx="9544090" cy="2079122"/>
-          </a:xfrm>
-          <a:prstGeom prst="rect">
-            <a:avLst/>
-          </a:prstGeom>
-          <a:noFill/>
-          <a:ln>
-            <a:noFill/>
-          </a:ln>
-          <a:extLst>
-            <a:ext uri="{909E8E84-426E-40DD-AFC4-6F175D3DCCD1}">
-              <a14:hiddenFill xmlns:a14="http://schemas.microsoft.com/office/drawing/2010/main">
-                <a:solidFill>
-                  <a:schemeClr val="accent1"/>
-                </a:solidFill>
-              </a14:hiddenFill>
-            </a:ext>
-            <a:ext uri="{91240B29-F687-4F45-9708-019B960494DF}">
-              <a14:hiddenLine xmlns:a14="http://schemas.microsoft.com/office/drawing/2010/main" w="9525">
-                <a:solidFill>
-                  <a:schemeClr val="tx1"/>
-                </a:solidFill>
-                <a:miter lim="800000"/>
-                <a:headEnd/>
-                <a:tailEnd/>
-              </a14:hiddenLine>
-            </a:ext>
-          </a:extLst>
         </p:spPr>
       </p:pic>
     </p:spTree>
     <p:extLst>
       <p:ext uri="{BB962C8B-B14F-4D97-AF65-F5344CB8AC3E}">
-        <p14:creationId xmlns:p14="http://schemas.microsoft.com/office/powerpoint/2010/main" val="2308137916"/>
+        <p14:creationId xmlns:p14="http://schemas.microsoft.com/office/powerpoint/2010/main" val="850490861"/>
       </p:ext>
     </p:extLst>
   </p:cSld>
@@ -10012,33 +11718,19 @@
         </p:nvSpPr>
         <p:spPr>
           <a:xfrm>
-            <a:off x="0" y="0"/>
-            <a:ext cx="10515600" cy="1325563"/>
-          </a:xfrm>
-        </p:spPr>
-        <p:txBody>
-          <a:bodyPr>
-            <a:normAutofit fontScale="90000"/>
-          </a:bodyPr>
+            <a:off x="-1" y="0"/>
+            <a:ext cx="11652069" cy="1325563"/>
+          </a:xfrm>
+        </p:spPr>
+        <p:txBody>
+          <a:bodyPr/>
           <a:lstStyle/>
           <a:p>
             <a:r>
               <a:rPr lang="en-US" dirty="0" smtClean="0">
                 <a:latin typeface="Comic Sans MS" panose="030F0702030302020204" pitchFamily="66" charset="0"/>
               </a:rPr>
-              <a:t>Spatial dynamics </a:t>
-            </a:r>
-            <a:r>
-              <a:rPr lang="en-US" dirty="0">
-                <a:latin typeface="Comic Sans MS" panose="030F0702030302020204" pitchFamily="66" charset="0"/>
-              </a:rPr>
-              <a:t>of species in our </a:t>
-            </a:r>
-            <a:r>
-              <a:rPr lang="en-US" dirty="0" smtClean="0">
-                <a:latin typeface="Comic Sans MS" panose="030F0702030302020204" pitchFamily="66" charset="0"/>
-              </a:rPr>
-              <a:t>model</a:t>
+              <a:t>Temporal dynamics of species in our model</a:t>
             </a:r>
             <a:br>
               <a:rPr lang="en-US" dirty="0" smtClean="0">
@@ -10063,44 +11755,22 @@
               </a:rPr>
               <a:t>before division</a:t>
             </a:r>
-            <a:endParaRPr lang="en-US" u="sng" dirty="0"/>
+            <a:endParaRPr lang="en-US" u="sng" dirty="0">
+              <a:latin typeface="Comic Sans MS" panose="030F0702030302020204" pitchFamily="66" charset="0"/>
+            </a:endParaRPr>
           </a:p>
         </p:txBody>
       </p:sp>
       <p:pic>
         <p:nvPicPr>
-          <p:cNvPr id="5" name="Picture 4"/>
-          <p:cNvPicPr>
-            <a:picLocks noChangeAspect="1"/>
-          </p:cNvPicPr>
-          <p:nvPr/>
-        </p:nvPicPr>
-        <p:blipFill>
-          <a:blip r:embed="rId2"/>
-          <a:stretch>
-            <a:fillRect/>
-          </a:stretch>
-        </p:blipFill>
-        <p:spPr>
-          <a:xfrm>
-            <a:off x="144651" y="1658560"/>
-            <a:ext cx="7085381" cy="4264877"/>
-          </a:xfrm>
-          <a:prstGeom prst="rect">
-            <a:avLst/>
-          </a:prstGeom>
-        </p:spPr>
-      </p:pic>
-      <p:pic>
-        <p:nvPicPr>
-          <p:cNvPr id="5122" name="Picture 2"/>
+          <p:cNvPr id="1027" name="Picture 3"/>
           <p:cNvPicPr>
             <a:picLocks noChangeAspect="1" noChangeArrowheads="1"/>
           </p:cNvPicPr>
           <p:nvPr/>
         </p:nvPicPr>
         <p:blipFill>
-          <a:blip r:embed="rId3">
+          <a:blip r:embed="rId2">
             <a:extLst>
               <a:ext uri="{28A0092B-C50C-407E-A947-70E740481C1C}">
                 <a14:useLocalDpi xmlns:a14="http://schemas.microsoft.com/office/drawing/2010/main" val="0"/>
@@ -10114,8 +11784,8 @@
         </p:blipFill>
         <p:spPr bwMode="auto">
           <a:xfrm>
-            <a:off x="7715653" y="4081274"/>
-            <a:ext cx="3928740" cy="2710976"/>
+            <a:off x="955730" y="1430822"/>
+            <a:ext cx="9769098" cy="471487"/>
           </a:xfrm>
           <a:prstGeom prst="rect">
             <a:avLst/>
@@ -10147,14 +11817,14 @@
       </p:pic>
       <p:pic>
         <p:nvPicPr>
-          <p:cNvPr id="6" name="Picture 3"/>
+          <p:cNvPr id="1028" name="Picture 4"/>
           <p:cNvPicPr>
             <a:picLocks noChangeAspect="1" noChangeArrowheads="1"/>
           </p:cNvPicPr>
           <p:nvPr/>
         </p:nvPicPr>
         <p:blipFill>
-          <a:blip r:embed="rId4">
+          <a:blip r:embed="rId3">
             <a:extLst>
               <a:ext uri="{28A0092B-C50C-407E-A947-70E740481C1C}">
                 <a14:useLocalDpi xmlns:a14="http://schemas.microsoft.com/office/drawing/2010/main" val="0"/>
@@ -10168,8 +11838,8 @@
         </p:blipFill>
         <p:spPr bwMode="auto">
           <a:xfrm>
-            <a:off x="7714401" y="1275624"/>
-            <a:ext cx="3901886" cy="2711398"/>
+            <a:off x="1584460" y="1902309"/>
+            <a:ext cx="9229725" cy="1371600"/>
           </a:xfrm>
           <a:prstGeom prst="rect">
             <a:avLst/>
@@ -10199,10 +11869,64 @@
           </a:extLst>
         </p:spPr>
       </p:pic>
+      <p:pic>
+        <p:nvPicPr>
+          <p:cNvPr id="1032" name="Picture 8"/>
+          <p:cNvPicPr>
+            <a:picLocks noChangeAspect="1" noChangeArrowheads="1"/>
+          </p:cNvPicPr>
+          <p:nvPr/>
+        </p:nvPicPr>
+        <p:blipFill>
+          <a:blip r:embed="rId4">
+            <a:extLst>
+              <a:ext uri="{28A0092B-C50C-407E-A947-70E740481C1C}">
+                <a14:useLocalDpi xmlns:a14="http://schemas.microsoft.com/office/drawing/2010/main" val="0"/>
+              </a:ext>
+            </a:extLst>
+          </a:blip>
+          <a:srcRect/>
+          <a:stretch>
+            <a:fillRect/>
+          </a:stretch>
+        </p:blipFill>
+        <p:spPr bwMode="auto">
+          <a:xfrm>
+            <a:off x="2008778" y="3320403"/>
+            <a:ext cx="6034087" cy="3286125"/>
+          </a:xfrm>
+          <a:prstGeom prst="rect">
+            <a:avLst/>
+          </a:prstGeom>
+          <a:noFill/>
+          <a:ln>
+            <a:noFill/>
+          </a:ln>
+          <a:extLst>
+            <a:ext uri="{909E8E84-426E-40DD-AFC4-6F175D3DCCD1}">
+              <a14:hiddenFill xmlns:a14="http://schemas.microsoft.com/office/drawing/2010/main">
+                <a:solidFill>
+                  <a:schemeClr val="accent1"/>
+                </a:solidFill>
+              </a14:hiddenFill>
+            </a:ext>
+            <a:ext uri="{91240B29-F687-4F45-9708-019B960494DF}">
+              <a14:hiddenLine xmlns:a14="http://schemas.microsoft.com/office/drawing/2010/main" w="9525">
+                <a:solidFill>
+                  <a:schemeClr val="tx1"/>
+                </a:solidFill>
+                <a:miter lim="800000"/>
+                <a:headEnd/>
+                <a:tailEnd/>
+              </a14:hiddenLine>
+            </a:ext>
+          </a:extLst>
+        </p:spPr>
+      </p:pic>
     </p:spTree>
     <p:extLst>
       <p:ext uri="{BB962C8B-B14F-4D97-AF65-F5344CB8AC3E}">
-        <p14:creationId xmlns:p14="http://schemas.microsoft.com/office/powerpoint/2010/main" val="1513638782"/>
+        <p14:creationId xmlns:p14="http://schemas.microsoft.com/office/powerpoint/2010/main" val="790653888"/>
       </p:ext>
     </p:extLst>
   </p:cSld>
@@ -10253,13 +11977,7 @@
               <a:rPr lang="en-US" dirty="0" smtClean="0">
                 <a:latin typeface="Comic Sans MS" panose="030F0702030302020204" pitchFamily="66" charset="0"/>
               </a:rPr>
-              <a:t>Temporal dynamics of species in our </a:t>
-            </a:r>
-            <a:r>
-              <a:rPr lang="en-US" dirty="0" smtClean="0">
-                <a:latin typeface="Comic Sans MS" panose="030F0702030302020204" pitchFamily="66" charset="0"/>
-              </a:rPr>
-              <a:t>model</a:t>
+              <a:t>Temporal dynamics of species in our model</a:t>
             </a:r>
             <a:br>
               <a:rPr lang="en-US" dirty="0" smtClean="0">
@@ -10282,7 +12000,7 @@
               <a:rPr lang="en-US" u="sng" dirty="0" smtClean="0">
                 <a:latin typeface="Comic Sans MS" panose="030F0702030302020204" pitchFamily="66" charset="0"/>
               </a:rPr>
-              <a:t>after division</a:t>
+              <a:t>before division</a:t>
             </a:r>
             <a:endParaRPr lang="en-US" u="sng" dirty="0">
               <a:latin typeface="Comic Sans MS" panose="030F0702030302020204" pitchFamily="66" charset="0"/>
@@ -10292,7 +12010,7 @@
       </p:sp>
       <p:pic>
         <p:nvPicPr>
-          <p:cNvPr id="1027" name="Picture 3"/>
+          <p:cNvPr id="1028" name="Picture 4"/>
           <p:cNvPicPr>
             <a:picLocks noChangeAspect="1" noChangeArrowheads="1"/>
           </p:cNvPicPr>
@@ -10313,8 +12031,8 @@
         </p:blipFill>
         <p:spPr bwMode="auto">
           <a:xfrm>
-            <a:off x="955730" y="1430822"/>
-            <a:ext cx="9769098" cy="471487"/>
+            <a:off x="1584460" y="1902309"/>
+            <a:ext cx="9229725" cy="1371600"/>
           </a:xfrm>
           <a:prstGeom prst="rect">
             <a:avLst/>
@@ -10346,7 +12064,7 @@
       </p:pic>
       <p:pic>
         <p:nvPicPr>
-          <p:cNvPr id="1028" name="Picture 4"/>
+          <p:cNvPr id="6" name="Picture 6"/>
           <p:cNvPicPr>
             <a:picLocks noChangeAspect="1" noChangeArrowheads="1"/>
           </p:cNvPicPr>
@@ -10367,8 +12085,8 @@
         </p:blipFill>
         <p:spPr bwMode="auto">
           <a:xfrm>
-            <a:off x="1584460" y="1902309"/>
-            <a:ext cx="9229725" cy="1371600"/>
+            <a:off x="1709979" y="1214034"/>
+            <a:ext cx="7067227" cy="795150"/>
           </a:xfrm>
           <a:prstGeom prst="rect">
             <a:avLst/>
@@ -10398,9 +12116,50 @@
           </a:extLst>
         </p:spPr>
       </p:pic>
+      <p:sp>
+        <p:nvSpPr>
+          <p:cNvPr id="7" name="TextBox 6"/>
+          <p:cNvSpPr txBox="1"/>
+          <p:nvPr/>
+        </p:nvSpPr>
+        <p:spPr>
+          <a:xfrm>
+            <a:off x="743919" y="1322522"/>
+            <a:ext cx="1084881" cy="646331"/>
+          </a:xfrm>
+          <a:prstGeom prst="rect">
+            <a:avLst/>
+          </a:prstGeom>
+          <a:noFill/>
+        </p:spPr>
+        <p:txBody>
+          <a:bodyPr wrap="square" rtlCol="0">
+            <a:spAutoFit/>
+          </a:bodyPr>
+          <a:lstStyle/>
+          <a:p>
+            <a:r>
+              <a:rPr lang="en-US" dirty="0" err="1" smtClean="0"/>
+              <a:t>CpdR~P</a:t>
+            </a:r>
+            <a:endParaRPr lang="en-US" dirty="0" smtClean="0"/>
+          </a:p>
+          <a:p>
+            <a:r>
+              <a:rPr lang="en-US" dirty="0" smtClean="0"/>
+              <a:t>   </a:t>
+            </a:r>
+            <a:r>
+              <a:rPr lang="en-US" dirty="0" err="1" smtClean="0"/>
+              <a:t>CpdR</a:t>
+            </a:r>
+            <a:endParaRPr lang="en-CA" dirty="0"/>
+          </a:p>
+        </p:txBody>
+      </p:sp>
       <p:pic>
         <p:nvPicPr>
-          <p:cNvPr id="1032" name="Picture 8"/>
+          <p:cNvPr id="4098" name="Picture 2"/>
           <p:cNvPicPr>
             <a:picLocks noChangeAspect="1" noChangeArrowheads="1"/>
           </p:cNvPicPr>
@@ -10421,8 +12180,8 @@
         </p:blipFill>
         <p:spPr bwMode="auto">
           <a:xfrm>
-            <a:off x="613933" y="3341068"/>
-            <a:ext cx="4557336" cy="3286125"/>
+            <a:off x="1776491" y="3631366"/>
+            <a:ext cx="3678912" cy="2738970"/>
           </a:xfrm>
           <a:prstGeom prst="rect">
             <a:avLst/>
@@ -10454,7 +12213,7 @@
       </p:pic>
       <p:pic>
         <p:nvPicPr>
-          <p:cNvPr id="6146" name="Picture 2"/>
+          <p:cNvPr id="4099" name="Picture 3"/>
           <p:cNvPicPr>
             <a:picLocks noChangeAspect="1" noChangeArrowheads="1"/>
           </p:cNvPicPr>
@@ -10475,8 +12234,8 @@
         </p:blipFill>
         <p:spPr bwMode="auto">
           <a:xfrm>
-            <a:off x="6133912" y="3348211"/>
-            <a:ext cx="4721602" cy="3271837"/>
+            <a:off x="6244338" y="3631366"/>
+            <a:ext cx="3901886" cy="2711398"/>
           </a:xfrm>
           <a:prstGeom prst="rect">
             <a:avLst/>
@@ -10509,7 +12268,7 @@
     </p:spTree>
     <p:extLst>
       <p:ext uri="{BB962C8B-B14F-4D97-AF65-F5344CB8AC3E}">
-        <p14:creationId xmlns:p14="http://schemas.microsoft.com/office/powerpoint/2010/main" val="3452835236"/>
+        <p14:creationId xmlns:p14="http://schemas.microsoft.com/office/powerpoint/2010/main" val="3307905376"/>
       </p:ext>
     </p:extLst>
   </p:cSld>
